--- a/trunk/PROJET/Presentation/PRE_26-01-11.pptx
+++ b/trunk/PROJET/Presentation/PRE_26-01-11.pptx
@@ -5,14 +5,15 @@
     <p:sldMasterId id="2147483695" r:id="rId4"/>
   </p:sldMasterIdLst>
   <p:notesMasterIdLst>
-    <p:notesMasterId r:id="rId7"/>
+    <p:notesMasterId r:id="rId8"/>
   </p:notesMasterIdLst>
   <p:handoutMasterIdLst>
-    <p:handoutMasterId r:id="rId8"/>
+    <p:handoutMasterId r:id="rId9"/>
   </p:handoutMasterIdLst>
   <p:sldIdLst>
     <p:sldId id="264" r:id="rId5"/>
     <p:sldId id="309" r:id="rId6"/>
+    <p:sldId id="312" r:id="rId7"/>
   </p:sldIdLst>
   <p:sldSz cx="9144000" cy="6858000" type="screen4x3"/>
   <p:notesSz cx="6858000" cy="9004300"/>
@@ -24,7 +25,7 @@
     </p:custShow>
   </p:custShowLst>
   <p:custDataLst>
-    <p:tags r:id="rId9"/>
+    <p:tags r:id="rId10"/>
   </p:custDataLst>
   <p:defaultTextStyle>
     <a:defPPr>
@@ -393,7 +394,7 @@
     </p:spTree>
     <p:extLst>
       <p:ext uri="{BB962C8B-B14F-4D97-AF65-F5344CB8AC3E}">
-        <p14:creationId xmlns:p14="http://schemas.microsoft.com/office/powerpoint/2010/main" val="3231300367"/>
+        <p14:creationId xmlns="" xmlns:p14="http://schemas.microsoft.com/office/powerpoint/2010/main" val="3231300367"/>
       </p:ext>
     </p:extLst>
   </p:cSld>
@@ -740,7 +741,7 @@
     </p:spTree>
     <p:extLst>
       <p:ext uri="{BB962C8B-B14F-4D97-AF65-F5344CB8AC3E}">
-        <p14:creationId xmlns:p14="http://schemas.microsoft.com/office/powerpoint/2010/main" val="2645942092"/>
+        <p14:creationId xmlns="" xmlns:p14="http://schemas.microsoft.com/office/powerpoint/2010/main" val="2645942092"/>
       </p:ext>
     </p:extLst>
   </p:cSld>
@@ -898,6 +899,10 @@
           </p:nvPr>
         </p:nvSpPr>
         <p:spPr>
+          <a:xfrm>
+            <a:off x="1177925" y="674688"/>
+            <a:ext cx="4503738" cy="3378200"/>
+          </a:xfrm>
           <a:ln/>
         </p:spPr>
       </p:sp>
@@ -988,6 +993,10 @@
           </p:nvPr>
         </p:nvSpPr>
         <p:spPr>
+          <a:xfrm>
+            <a:off x="1177925" y="674688"/>
+            <a:ext cx="4503738" cy="3378200"/>
+          </a:xfrm>
           <a:ln/>
         </p:spPr>
       </p:sp>
@@ -1056,7 +1065,7 @@
     <p:bg>
       <p:bgPr>
         <a:blipFill dpi="0" rotWithShape="0">
-          <a:blip r:embed="rId2"/>
+          <a:blip r:embed="rId2" cstate="print"/>
           <a:srcRect/>
           <a:stretch>
             <a:fillRect/>
@@ -1091,7 +1100,7 @@
         </p:nvSpPr>
         <p:spPr>
           <a:xfrm>
-            <a:off x="304800" y="4038600"/>
+            <a:off x="304800" y="4038601"/>
             <a:ext cx="7924800" cy="947738"/>
           </a:xfrm>
         </p:spPr>
@@ -1458,8 +1467,8 @@
         </p:nvSpPr>
         <p:spPr>
           <a:xfrm>
-            <a:off x="7067550" y="76200"/>
-            <a:ext cx="1847850" cy="6477000"/>
+            <a:off x="7067549" y="76200"/>
+            <a:ext cx="1847851" cy="6477000"/>
           </a:xfrm>
         </p:spPr>
         <p:txBody>
@@ -1486,8 +1495,8 @@
         </p:nvSpPr>
         <p:spPr>
           <a:xfrm>
-            <a:off x="1524000" y="76200"/>
-            <a:ext cx="5391150" cy="6477000"/>
+            <a:off x="1524002" y="76200"/>
+            <a:ext cx="5391151" cy="6477000"/>
           </a:xfrm>
         </p:spPr>
         <p:txBody>
@@ -1882,7 +1891,7 @@
         </p:nvSpPr>
         <p:spPr>
           <a:xfrm>
-            <a:off x="722313" y="2906713"/>
+            <a:off x="722313" y="2906715"/>
             <a:ext cx="7772400" cy="1500187"/>
           </a:xfrm>
         </p:spPr>
@@ -2086,7 +2095,7 @@
         </p:nvSpPr>
         <p:spPr>
           <a:xfrm>
-            <a:off x="1524000" y="1295400"/>
+            <a:off x="1524002" y="1295400"/>
             <a:ext cx="3619500" cy="5257800"/>
           </a:xfrm>
         </p:spPr>
@@ -2171,7 +2180,7 @@
         </p:nvSpPr>
         <p:spPr>
           <a:xfrm>
-            <a:off x="5295900" y="1295400"/>
+            <a:off x="5295902" y="1295400"/>
             <a:ext cx="3619500" cy="5257800"/>
           </a:xfrm>
         </p:spPr>
@@ -2404,7 +2413,7 @@
         </p:nvSpPr>
         <p:spPr>
           <a:xfrm>
-            <a:off x="457200" y="1535113"/>
+            <a:off x="457202" y="1535113"/>
             <a:ext cx="4040188" cy="639762"/>
           </a:xfrm>
         </p:spPr>
@@ -2469,7 +2478,7 @@
         </p:nvSpPr>
         <p:spPr>
           <a:xfrm>
-            <a:off x="457200" y="2174875"/>
+            <a:off x="457202" y="2174875"/>
             <a:ext cx="4040188" cy="3951288"/>
           </a:xfrm>
         </p:spPr>
@@ -2554,7 +2563,7 @@
         </p:nvSpPr>
         <p:spPr>
           <a:xfrm>
-            <a:off x="4645025" y="1535113"/>
+            <a:off x="4645027" y="1535113"/>
             <a:ext cx="4041775" cy="639762"/>
           </a:xfrm>
         </p:spPr>
@@ -2619,7 +2628,7 @@
         </p:nvSpPr>
         <p:spPr>
           <a:xfrm>
-            <a:off x="4645025" y="2174875"/>
+            <a:off x="4645027" y="2174875"/>
             <a:ext cx="4041775" cy="3951288"/>
           </a:xfrm>
         </p:spPr>
@@ -3075,7 +3084,7 @@
         </p:nvSpPr>
         <p:spPr>
           <a:xfrm>
-            <a:off x="457200" y="273050"/>
+            <a:off x="457202" y="273050"/>
             <a:ext cx="3008313" cy="1162050"/>
           </a:xfrm>
         </p:spPr>
@@ -3107,8 +3116,8 @@
         </p:nvSpPr>
         <p:spPr>
           <a:xfrm>
-            <a:off x="3575050" y="273050"/>
-            <a:ext cx="5111750" cy="5853113"/>
+            <a:off x="3575051" y="273052"/>
+            <a:ext cx="5111751" cy="5853113"/>
           </a:xfrm>
         </p:spPr>
         <p:txBody>
@@ -3192,7 +3201,7 @@
         </p:nvSpPr>
         <p:spPr>
           <a:xfrm>
-            <a:off x="457200" y="1435100"/>
+            <a:off x="457202" y="1435102"/>
             <a:ext cx="3008313" cy="4691063"/>
           </a:xfrm>
         </p:spPr>
@@ -3373,7 +3382,7 @@
         </p:nvSpPr>
         <p:spPr>
           <a:xfrm>
-            <a:off x="1792288" y="4800600"/>
+            <a:off x="1792288" y="4800601"/>
             <a:ext cx="5486400" cy="566738"/>
           </a:xfrm>
         </p:spPr>
@@ -3470,7 +3479,7 @@
         </p:nvSpPr>
         <p:spPr>
           <a:xfrm>
-            <a:off x="1792288" y="5367338"/>
+            <a:off x="1792288" y="5367339"/>
             <a:ext cx="5486400" cy="804862"/>
           </a:xfrm>
         </p:spPr>
@@ -3628,7 +3637,7 @@
     <p:bg bwMode="gray">
       <p:bgPr>
         <a:blipFill dpi="0" rotWithShape="0">
-          <a:blip r:embed="rId13"/>
+          <a:blip r:embed="rId13" cstate="print"/>
           <a:srcRect/>
           <a:stretch>
             <a:fillRect/>
@@ -4377,7 +4386,7 @@
         </p:nvSpPr>
         <p:spPr>
           <a:xfrm>
-            <a:off x="1000125" y="2571750"/>
+            <a:off x="1000125" y="2571752"/>
             <a:ext cx="7772400" cy="1470025"/>
           </a:xfrm>
         </p:spPr>
@@ -4477,7 +4486,7 @@
         </p:nvSpPr>
         <p:spPr bwMode="auto">
           <a:xfrm>
-            <a:off x="5795963" y="6161088"/>
+            <a:off x="5795964" y="6161089"/>
             <a:ext cx="2890837" cy="196850"/>
           </a:xfrm>
           <a:prstGeom prst="rect">
@@ -4636,6 +4645,163 @@
           </a:p>
         </p:txBody>
       </p:sp>
+    </p:spTree>
+  </p:cSld>
+  <p:clrMapOvr>
+    <a:masterClrMapping/>
+  </p:clrMapOvr>
+  <p:timing>
+    <p:tnLst>
+      <p:par>
+        <p:cTn id="1" dur="indefinite" restart="never" nodeType="tmRoot"/>
+      </p:par>
+    </p:tnLst>
+  </p:timing>
+</p:sld>
+</file>
+
+<file path=ppt/slides/slide3.xml><?xml version="1.0" encoding="utf-8"?>
+<p:sld xmlns:a="http://schemas.openxmlformats.org/drawingml/2006/main" xmlns:r="http://schemas.openxmlformats.org/officeDocument/2006/relationships" xmlns:p="http://schemas.openxmlformats.org/presentationml/2006/main">
+  <p:cSld>
+    <p:spTree>
+      <p:nvGrpSpPr>
+        <p:cNvPr id="1" name=""/>
+        <p:cNvGrpSpPr/>
+        <p:nvPr/>
+      </p:nvGrpSpPr>
+      <p:grpSpPr>
+        <a:xfrm>
+          <a:off x="0" y="0"/>
+          <a:ext cx="0" cy="0"/>
+          <a:chOff x="0" y="0"/>
+          <a:chExt cx="0" cy="0"/>
+        </a:xfrm>
+      </p:grpSpPr>
+      <p:sp>
+        <p:nvSpPr>
+          <p:cNvPr id="2" name="Titre 1"/>
+          <p:cNvSpPr>
+            <a:spLocks noGrp="1"/>
+          </p:cNvSpPr>
+          <p:nvPr>
+            <p:ph type="title"/>
+          </p:nvPr>
+        </p:nvSpPr>
+        <p:spPr/>
+        <p:txBody>
+          <a:bodyPr/>
+          <a:lstStyle/>
+          <a:p>
+            <a:r>
+              <a:rPr lang="fr-FR" dirty="0" smtClean="0"/>
+              <a:t>Alimentation/ETL</a:t>
+            </a:r>
+            <a:endParaRPr lang="fr-FR" dirty="0"/>
+          </a:p>
+        </p:txBody>
+      </p:sp>
+      <p:sp>
+        <p:nvSpPr>
+          <p:cNvPr id="3" name="Espace réservé du contenu 2"/>
+          <p:cNvSpPr>
+            <a:spLocks noGrp="1"/>
+          </p:cNvSpPr>
+          <p:nvPr>
+            <p:ph sz="half" idx="1"/>
+          </p:nvPr>
+        </p:nvSpPr>
+        <p:spPr/>
+        <p:txBody>
+          <a:bodyPr/>
+          <a:lstStyle/>
+          <a:p>
+            <a:r>
+              <a:rPr lang="fr-FR" dirty="0" smtClean="0"/>
+              <a:t>Vérification de la structure du fichier Excel avant mise à jour de la BDD:</a:t>
+            </a:r>
+          </a:p>
+          <a:p>
+            <a:pPr lvl="1"/>
+            <a:r>
+              <a:rPr lang="fr-FR" dirty="0" smtClean="0"/>
+              <a:t>CU pour un fichier d’alimentation annuelle</a:t>
+            </a:r>
+          </a:p>
+          <a:p>
+            <a:pPr lvl="1"/>
+            <a:r>
+              <a:rPr lang="fr-FR" dirty="0" smtClean="0"/>
+              <a:t>CU pour un fichier d’alimentation </a:t>
+            </a:r>
+            <a:r>
+              <a:rPr lang="fr-FR" smtClean="0"/>
+              <a:t>mensuelle </a:t>
+            </a:r>
+            <a:r>
+              <a:rPr lang="fr-FR" smtClean="0">
+                <a:sym typeface="Wingdings" pitchFamily="2" charset="2"/>
+              </a:rPr>
+              <a:t></a:t>
+            </a:r>
+            <a:endParaRPr lang="fr-FR" dirty="0" smtClean="0"/>
+          </a:p>
+          <a:p>
+            <a:endParaRPr lang="fr-FR" dirty="0"/>
+          </a:p>
+        </p:txBody>
+      </p:sp>
+      <p:sp>
+        <p:nvSpPr>
+          <p:cNvPr id="5" name="Espace réservé du numéro de diapositive 4"/>
+          <p:cNvSpPr>
+            <a:spLocks noGrp="1"/>
+          </p:cNvSpPr>
+          <p:nvPr>
+            <p:ph type="sldNum" sz="quarter" idx="12"/>
+          </p:nvPr>
+        </p:nvSpPr>
+        <p:spPr/>
+        <p:txBody>
+          <a:bodyPr/>
+          <a:lstStyle/>
+          <a:p>
+            <a:pPr>
+              <a:defRPr/>
+            </a:pPr>
+            <a:fld id="{61DFC3F3-F69D-4837-9DC8-BB26BAF3FB8D}" type="slidenum">
+              <a:rPr lang="fr-FR" smtClean="0"/>
+              <a:pPr>
+                <a:defRPr/>
+              </a:pPr>
+              <a:t>3</a:t>
+            </a:fld>
+            <a:endParaRPr lang="fr-FR"/>
+          </a:p>
+        </p:txBody>
+      </p:sp>
+      <p:pic>
+        <p:nvPicPr>
+          <p:cNvPr id="6" name="Espace réservé du contenu 4" descr="CU_VerifFichierMensuel.png"/>
+          <p:cNvPicPr>
+            <a:picLocks noGrp="1" noChangeAspect="1"/>
+          </p:cNvPicPr>
+          <p:nvPr>
+            <p:ph idx="1"/>
+          </p:nvPr>
+        </p:nvPicPr>
+        <p:blipFill>
+          <a:blip r:embed="rId2" cstate="print"/>
+          <a:stretch>
+            <a:fillRect/>
+          </a:stretch>
+        </p:blipFill>
+        <p:spPr>
+          <a:xfrm>
+            <a:off x="5275320" y="1295400"/>
+            <a:ext cx="3833184" cy="5257800"/>
+          </a:xfrm>
+        </p:spPr>
+      </p:pic>
     </p:spTree>
   </p:cSld>
   <p:clrMapOvr>

--- a/trunk/PROJET/Presentation/PRE_26-01-11.pptx
+++ b/trunk/PROJET/Presentation/PRE_26-01-11.pptx
@@ -2,18 +2,24 @@
 <file path=ppt/presentation.xml><?xml version="1.0" encoding="utf-8"?>
 <p:presentation xmlns:a="http://schemas.openxmlformats.org/drawingml/2006/main" xmlns:r="http://schemas.openxmlformats.org/officeDocument/2006/relationships" xmlns:p="http://schemas.openxmlformats.org/presentationml/2006/main" showSpecialPlsOnTitleSld="0" saveSubsetFonts="1">
   <p:sldMasterIdLst>
-    <p:sldMasterId id="2147483695" r:id="rId4"/>
+    <p:sldMasterId id="2147483779" r:id="rId4"/>
   </p:sldMasterIdLst>
   <p:notesMasterIdLst>
-    <p:notesMasterId r:id="rId8"/>
+    <p:notesMasterId r:id="rId14"/>
   </p:notesMasterIdLst>
   <p:handoutMasterIdLst>
-    <p:handoutMasterId r:id="rId9"/>
+    <p:handoutMasterId r:id="rId15"/>
   </p:handoutMasterIdLst>
   <p:sldIdLst>
     <p:sldId id="264" r:id="rId5"/>
     <p:sldId id="309" r:id="rId6"/>
-    <p:sldId id="312" r:id="rId7"/>
+    <p:sldId id="317" r:id="rId7"/>
+    <p:sldId id="318" r:id="rId8"/>
+    <p:sldId id="315" r:id="rId9"/>
+    <p:sldId id="313" r:id="rId10"/>
+    <p:sldId id="316" r:id="rId11"/>
+    <p:sldId id="314" r:id="rId12"/>
+    <p:sldId id="312" r:id="rId13"/>
   </p:sldIdLst>
   <p:sldSz cx="9144000" cy="6858000" type="screen4x3"/>
   <p:notesSz cx="6858000" cy="9004300"/>
@@ -25,7 +31,7 @@
     </p:custShow>
   </p:custShowLst>
   <p:custDataLst>
-    <p:tags r:id="rId10"/>
+    <p:tags r:id="rId16"/>
   </p:custDataLst>
   <p:defaultTextStyle>
     <a:defPPr>
@@ -155,6 +161,285 @@
 </p:presentation>
 </file>
 
+<file path=ppt/charts/chart1.xml><?xml version="1.0" encoding="utf-8"?>
+<c:chartSpace xmlns:c="http://schemas.openxmlformats.org/drawingml/2006/chart" xmlns:a="http://schemas.openxmlformats.org/drawingml/2006/main" xmlns:r="http://schemas.openxmlformats.org/officeDocument/2006/relationships">
+  <c:date1904 val="0"/>
+  <c:lang val="fr-FR"/>
+  <c:roundedCorners val="0"/>
+  <mc:AlternateContent xmlns:mc="http://schemas.openxmlformats.org/markup-compatibility/2006">
+    <mc:Choice xmlns:c14="http://schemas.microsoft.com/office/drawing/2007/8/2/chart" Requires="c14">
+      <c14:style val="118"/>
+    </mc:Choice>
+    <mc:Fallback>
+      <c:style val="18"/>
+    </mc:Fallback>
+  </mc:AlternateContent>
+  <c:chart>
+    <c:autoTitleDeleted val="1"/>
+    <c:view3D>
+      <c:rotX val="15"/>
+      <c:rotY val="20"/>
+      <c:rAngAx val="0"/>
+      <c:perspective val="30"/>
+    </c:view3D>
+    <c:floor>
+      <c:thickness val="0"/>
+    </c:floor>
+    <c:sideWall>
+      <c:thickness val="0"/>
+    </c:sideWall>
+    <c:backWall>
+      <c:thickness val="0"/>
+    </c:backWall>
+    <c:plotArea>
+      <c:layout/>
+      <c:bar3DChart>
+        <c:barDir val="bar"/>
+        <c:grouping val="clustered"/>
+        <c:varyColors val="0"/>
+        <c:ser>
+          <c:idx val="0"/>
+          <c:order val="0"/>
+          <c:tx>
+            <c:strRef>
+              <c:f>Feuil1!$B$1</c:f>
+              <c:strCache>
+                <c:ptCount val="1"/>
+                <c:pt idx="0">
+                  <c:v>Temps</c:v>
+                </c:pt>
+              </c:strCache>
+            </c:strRef>
+          </c:tx>
+          <c:invertIfNegative val="0"/>
+          <c:dLbls>
+            <c:txPr>
+              <a:bodyPr/>
+              <a:lstStyle/>
+              <a:p>
+                <a:pPr>
+                  <a:defRPr sz="2000"/>
+                </a:pPr>
+                <a:endParaRPr lang="fr-FR"/>
+              </a:p>
+            </c:txPr>
+            <c:showLegendKey val="0"/>
+            <c:showVal val="1"/>
+            <c:showCatName val="0"/>
+            <c:showSerName val="0"/>
+            <c:showPercent val="0"/>
+            <c:showBubbleSize val="0"/>
+            <c:showLeaderLines val="0"/>
+          </c:dLbls>
+          <c:cat>
+            <c:strRef>
+              <c:f>Feuil1!$A$2:$A$5</c:f>
+              <c:strCache>
+                <c:ptCount val="4"/>
+                <c:pt idx="0">
+                  <c:v>Recettes</c:v>
+                </c:pt>
+                <c:pt idx="1">
+                  <c:v>Alim / ETL</c:v>
+                </c:pt>
+                <c:pt idx="2">
+                  <c:v>Restitution / Interface</c:v>
+                </c:pt>
+                <c:pt idx="3">
+                  <c:v>Direction</c:v>
+                </c:pt>
+              </c:strCache>
+            </c:strRef>
+          </c:cat>
+          <c:val>
+            <c:numRef>
+              <c:f>Feuil1!$B$2:$B$5</c:f>
+              <c:numCache>
+                <c:formatCode>0.0</c:formatCode>
+                <c:ptCount val="4"/>
+                <c:pt idx="0">
+                  <c:v>17</c:v>
+                </c:pt>
+                <c:pt idx="1">
+                  <c:v>100</c:v>
+                </c:pt>
+                <c:pt idx="2">
+                  <c:v>130</c:v>
+                </c:pt>
+                <c:pt idx="3">
+                  <c:v>5</c:v>
+                </c:pt>
+              </c:numCache>
+            </c:numRef>
+          </c:val>
+        </c:ser>
+        <c:ser>
+          <c:idx val="1"/>
+          <c:order val="1"/>
+          <c:tx>
+            <c:strRef>
+              <c:f>Feuil1!$C$1</c:f>
+              <c:strCache>
+                <c:ptCount val="1"/>
+                <c:pt idx="0">
+                  <c:v>Temps/Homme</c:v>
+                </c:pt>
+              </c:strCache>
+            </c:strRef>
+          </c:tx>
+          <c:invertIfNegative val="0"/>
+          <c:dLbls>
+            <c:txPr>
+              <a:bodyPr/>
+              <a:lstStyle/>
+              <a:p>
+                <a:pPr>
+                  <a:defRPr sz="2000"/>
+                </a:pPr>
+                <a:endParaRPr lang="fr-FR"/>
+              </a:p>
+            </c:txPr>
+            <c:showLegendKey val="0"/>
+            <c:showVal val="1"/>
+            <c:showCatName val="0"/>
+            <c:showSerName val="0"/>
+            <c:showPercent val="0"/>
+            <c:showBubbleSize val="0"/>
+            <c:showLeaderLines val="0"/>
+          </c:dLbls>
+          <c:cat>
+            <c:strRef>
+              <c:f>Feuil1!$A$2:$A$5</c:f>
+              <c:strCache>
+                <c:ptCount val="4"/>
+                <c:pt idx="0">
+                  <c:v>Recettes</c:v>
+                </c:pt>
+                <c:pt idx="1">
+                  <c:v>Alim / ETL</c:v>
+                </c:pt>
+                <c:pt idx="2">
+                  <c:v>Restitution / Interface</c:v>
+                </c:pt>
+                <c:pt idx="3">
+                  <c:v>Direction</c:v>
+                </c:pt>
+              </c:strCache>
+            </c:strRef>
+          </c:cat>
+          <c:val>
+            <c:numRef>
+              <c:f>Feuil1!$C$2:$C$5</c:f>
+              <c:numCache>
+                <c:formatCode>0.0</c:formatCode>
+                <c:ptCount val="4"/>
+                <c:pt idx="0">
+                  <c:v>8.5</c:v>
+                </c:pt>
+                <c:pt idx="1">
+                  <c:v>12.5</c:v>
+                </c:pt>
+                <c:pt idx="2">
+                  <c:v>26</c:v>
+                </c:pt>
+                <c:pt idx="3">
+                  <c:v>5</c:v>
+                </c:pt>
+              </c:numCache>
+            </c:numRef>
+          </c:val>
+        </c:ser>
+        <c:dLbls>
+          <c:showLegendKey val="0"/>
+          <c:showVal val="1"/>
+          <c:showCatName val="0"/>
+          <c:showSerName val="0"/>
+          <c:showPercent val="0"/>
+          <c:showBubbleSize val="0"/>
+        </c:dLbls>
+        <c:gapWidth val="150"/>
+        <c:shape val="box"/>
+        <c:axId val="69950080"/>
+        <c:axId val="77136640"/>
+        <c:axId val="0"/>
+      </c:bar3DChart>
+      <c:catAx>
+        <c:axId val="69950080"/>
+        <c:scaling>
+          <c:orientation val="minMax"/>
+        </c:scaling>
+        <c:delete val="0"/>
+        <c:axPos val="l"/>
+        <c:majorTickMark val="none"/>
+        <c:minorTickMark val="none"/>
+        <c:tickLblPos val="nextTo"/>
+        <c:txPr>
+          <a:bodyPr/>
+          <a:lstStyle/>
+          <a:p>
+            <a:pPr>
+              <a:defRPr sz="2000"/>
+            </a:pPr>
+            <a:endParaRPr lang="fr-FR"/>
+          </a:p>
+        </c:txPr>
+        <c:crossAx val="77136640"/>
+        <c:crosses val="autoZero"/>
+        <c:auto val="1"/>
+        <c:lblAlgn val="ctr"/>
+        <c:lblOffset val="100"/>
+        <c:noMultiLvlLbl val="0"/>
+      </c:catAx>
+      <c:valAx>
+        <c:axId val="77136640"/>
+        <c:scaling>
+          <c:orientation val="minMax"/>
+        </c:scaling>
+        <c:delete val="1"/>
+        <c:axPos val="b"/>
+        <c:numFmt formatCode="0.0" sourceLinked="1"/>
+        <c:majorTickMark val="none"/>
+        <c:minorTickMark val="none"/>
+        <c:tickLblPos val="none"/>
+        <c:crossAx val="69950080"/>
+        <c:crosses val="autoZero"/>
+        <c:crossBetween val="between"/>
+      </c:valAx>
+    </c:plotArea>
+    <c:legend>
+      <c:legendPos val="t"/>
+      <c:layout>
+        <c:manualLayout>
+          <c:xMode val="edge"/>
+          <c:yMode val="edge"/>
+          <c:x val="0.40259549413930779"/>
+          <c:y val="8.1893774906043715E-2"/>
+          <c:w val="0.32202260044563458"/>
+          <c:h val="0.14414820240493195"/>
+        </c:manualLayout>
+      </c:layout>
+      <c:overlay val="0"/>
+      <c:txPr>
+        <a:bodyPr/>
+        <a:lstStyle/>
+        <a:p>
+          <a:pPr>
+            <a:defRPr sz="2000"/>
+          </a:pPr>
+          <a:endParaRPr lang="fr-FR"/>
+        </a:p>
+      </c:txPr>
+    </c:legend>
+    <c:plotVisOnly val="1"/>
+    <c:dispBlanksAs val="gap"/>
+    <c:showDLblsOverMax val="0"/>
+  </c:chart>
+  <c:externalData r:id="rId1">
+    <c:autoUpdate val="0"/>
+  </c:externalData>
+</c:chartSpace>
+</file>
+
 <file path=ppt/handoutMasters/handoutMaster1.xml><?xml version="1.0" encoding="utf-8"?>
 <p:handoutMaster xmlns:a="http://schemas.openxmlformats.org/drawingml/2006/main" xmlns:r="http://schemas.openxmlformats.org/officeDocument/2006/relationships" xmlns:p="http://schemas.openxmlformats.org/presentationml/2006/main">
   <p:cSld>
@@ -394,7 +679,7 @@
     </p:spTree>
     <p:extLst>
       <p:ext uri="{BB962C8B-B14F-4D97-AF65-F5344CB8AC3E}">
-        <p14:creationId xmlns="" xmlns:p14="http://schemas.microsoft.com/office/powerpoint/2010/main" val="3231300367"/>
+        <p14:creationId xmlns:p14="http://schemas.microsoft.com/office/powerpoint/2010/main" val="3231300367"/>
       </p:ext>
     </p:extLst>
   </p:cSld>
@@ -741,7 +1026,7 @@
     </p:spTree>
     <p:extLst>
       <p:ext uri="{BB962C8B-B14F-4D97-AF65-F5344CB8AC3E}">
-        <p14:creationId xmlns="" xmlns:p14="http://schemas.microsoft.com/office/powerpoint/2010/main" val="2645942092"/>
+        <p14:creationId xmlns:p14="http://schemas.microsoft.com/office/powerpoint/2010/main" val="2645942092"/>
       </p:ext>
     </p:extLst>
   </p:cSld>
@@ -1059,21 +1344,9 @@
 </p:notes>
 </file>
 
-<file path=ppt/slideLayouts/slideLayout1.xml><?xml version="1.0" encoding="utf-8"?>
-<p:sldLayout xmlns:a="http://schemas.openxmlformats.org/drawingml/2006/main" xmlns:r="http://schemas.openxmlformats.org/officeDocument/2006/relationships" xmlns:p="http://schemas.openxmlformats.org/presentationml/2006/main" type="title" preserve="1">
-  <p:cSld name="Diapositive de titre">
-    <p:bg>
-      <p:bgPr>
-        <a:blipFill dpi="0" rotWithShape="0">
-          <a:blip r:embed="rId2" cstate="print"/>
-          <a:srcRect/>
-          <a:stretch>
-            <a:fillRect/>
-          </a:stretch>
-        </a:blipFill>
-        <a:effectLst/>
-      </p:bgPr>
-    </p:bg>
+<file path=ppt/notesSlides/notesSlide3.xml><?xml version="1.0" encoding="utf-8"?>
+<p:notes xmlns:a="http://schemas.openxmlformats.org/drawingml/2006/main" xmlns:r="http://schemas.openxmlformats.org/officeDocument/2006/relationships" xmlns:p="http://schemas.openxmlformats.org/presentationml/2006/main">
+  <p:cSld>
     <p:spTree>
       <p:nvGrpSpPr>
         <p:cNvPr id="1" name=""/>
@@ -1090,9 +1363,179 @@
       </p:grpSpPr>
       <p:sp>
         <p:nvSpPr>
-          <p:cNvPr id="3078" name="Rectangle 6"/>
-          <p:cNvSpPr>
-            <a:spLocks noGrp="1" noChangeArrowheads="1"/>
+          <p:cNvPr id="2" name="Espace réservé de l'image des diapositives 1"/>
+          <p:cNvSpPr>
+            <a:spLocks noGrp="1" noRot="1" noChangeAspect="1"/>
+          </p:cNvSpPr>
+          <p:nvPr>
+            <p:ph type="sldImg"/>
+          </p:nvPr>
+        </p:nvSpPr>
+        <p:spPr/>
+      </p:sp>
+      <p:sp>
+        <p:nvSpPr>
+          <p:cNvPr id="3" name="Espace réservé des commentaires 2"/>
+          <p:cNvSpPr>
+            <a:spLocks noGrp="1"/>
+          </p:cNvSpPr>
+          <p:nvPr>
+            <p:ph type="body" idx="1"/>
+          </p:nvPr>
+        </p:nvSpPr>
+        <p:spPr/>
+        <p:txBody>
+          <a:bodyPr/>
+          <a:lstStyle/>
+          <a:p>
+            <a:endParaRPr lang="fr-FR"/>
+          </a:p>
+        </p:txBody>
+      </p:sp>
+      <p:sp>
+        <p:nvSpPr>
+          <p:cNvPr id="4" name="Espace réservé du numéro de diapositive 3"/>
+          <p:cNvSpPr>
+            <a:spLocks noGrp="1"/>
+          </p:cNvSpPr>
+          <p:nvPr>
+            <p:ph type="sldNum" sz="quarter" idx="10"/>
+          </p:nvPr>
+        </p:nvSpPr>
+        <p:spPr/>
+        <p:txBody>
+          <a:bodyPr/>
+          <a:lstStyle/>
+          <a:p>
+            <a:fld id="{E68E5354-11F9-4EDC-B8B8-75D33149D345}" type="slidenum">
+              <a:rPr lang="fr-FR" smtClean="0"/>
+              <a:pPr/>
+              <a:t>3</a:t>
+            </a:fld>
+            <a:endParaRPr lang="fr-FR"/>
+          </a:p>
+        </p:txBody>
+      </p:sp>
+    </p:spTree>
+    <p:extLst>
+      <p:ext uri="{BB962C8B-B14F-4D97-AF65-F5344CB8AC3E}">
+        <p14:creationId xmlns:p14="http://schemas.microsoft.com/office/powerpoint/2010/main" val="1436837154"/>
+      </p:ext>
+    </p:extLst>
+  </p:cSld>
+  <p:clrMapOvr>
+    <a:masterClrMapping/>
+  </p:clrMapOvr>
+</p:notes>
+</file>
+
+<file path=ppt/notesSlides/notesSlide4.xml><?xml version="1.0" encoding="utf-8"?>
+<p:notes xmlns:a="http://schemas.openxmlformats.org/drawingml/2006/main" xmlns:r="http://schemas.openxmlformats.org/officeDocument/2006/relationships" xmlns:p="http://schemas.openxmlformats.org/presentationml/2006/main">
+  <p:cSld>
+    <p:spTree>
+      <p:nvGrpSpPr>
+        <p:cNvPr id="1" name=""/>
+        <p:cNvGrpSpPr/>
+        <p:nvPr/>
+      </p:nvGrpSpPr>
+      <p:grpSpPr>
+        <a:xfrm>
+          <a:off x="0" y="0"/>
+          <a:ext cx="0" cy="0"/>
+          <a:chOff x="0" y="0"/>
+          <a:chExt cx="0" cy="0"/>
+        </a:xfrm>
+      </p:grpSpPr>
+      <p:sp>
+        <p:nvSpPr>
+          <p:cNvPr id="2" name="Espace réservé de l'image des diapositives 1"/>
+          <p:cNvSpPr>
+            <a:spLocks noGrp="1" noRot="1" noChangeAspect="1"/>
+          </p:cNvSpPr>
+          <p:nvPr>
+            <p:ph type="sldImg"/>
+          </p:nvPr>
+        </p:nvSpPr>
+        <p:spPr/>
+      </p:sp>
+      <p:sp>
+        <p:nvSpPr>
+          <p:cNvPr id="3" name="Espace réservé des commentaires 2"/>
+          <p:cNvSpPr>
+            <a:spLocks noGrp="1"/>
+          </p:cNvSpPr>
+          <p:nvPr>
+            <p:ph type="body" idx="1"/>
+          </p:nvPr>
+        </p:nvSpPr>
+        <p:spPr/>
+        <p:txBody>
+          <a:bodyPr/>
+          <a:lstStyle/>
+          <a:p>
+            <a:endParaRPr lang="fr-FR"/>
+          </a:p>
+        </p:txBody>
+      </p:sp>
+      <p:sp>
+        <p:nvSpPr>
+          <p:cNvPr id="4" name="Espace réservé du numéro de diapositive 3"/>
+          <p:cNvSpPr>
+            <a:spLocks noGrp="1"/>
+          </p:cNvSpPr>
+          <p:nvPr>
+            <p:ph type="sldNum" sz="quarter" idx="10"/>
+          </p:nvPr>
+        </p:nvSpPr>
+        <p:spPr/>
+        <p:txBody>
+          <a:bodyPr/>
+          <a:lstStyle/>
+          <a:p>
+            <a:fld id="{E68E5354-11F9-4EDC-B8B8-75D33149D345}" type="slidenum">
+              <a:rPr lang="fr-FR" smtClean="0"/>
+              <a:pPr/>
+              <a:t>4</a:t>
+            </a:fld>
+            <a:endParaRPr lang="fr-FR"/>
+          </a:p>
+        </p:txBody>
+      </p:sp>
+    </p:spTree>
+    <p:extLst>
+      <p:ext uri="{BB962C8B-B14F-4D97-AF65-F5344CB8AC3E}">
+        <p14:creationId xmlns:p14="http://schemas.microsoft.com/office/powerpoint/2010/main" val="2883505231"/>
+      </p:ext>
+    </p:extLst>
+  </p:cSld>
+  <p:clrMapOvr>
+    <a:masterClrMapping/>
+  </p:clrMapOvr>
+</p:notes>
+</file>
+
+<file path=ppt/slideLayouts/slideLayout1.xml><?xml version="1.0" encoding="utf-8"?>
+<p:sldLayout xmlns:a="http://schemas.openxmlformats.org/drawingml/2006/main" xmlns:r="http://schemas.openxmlformats.org/officeDocument/2006/relationships" xmlns:p="http://schemas.openxmlformats.org/presentationml/2006/main" type="title" preserve="1">
+  <p:cSld name="Diapositive de titre">
+    <p:spTree>
+      <p:nvGrpSpPr>
+        <p:cNvPr id="1" name=""/>
+        <p:cNvGrpSpPr/>
+        <p:nvPr/>
+      </p:nvGrpSpPr>
+      <p:grpSpPr>
+        <a:xfrm>
+          <a:off x="0" y="0"/>
+          <a:ext cx="0" cy="0"/>
+          <a:chOff x="0" y="0"/>
+          <a:chExt cx="0" cy="0"/>
+        </a:xfrm>
+      </p:grpSpPr>
+      <p:sp>
+        <p:nvSpPr>
+          <p:cNvPr id="2" name="Title 1"/>
+          <p:cNvSpPr>
+            <a:spLocks noGrp="1"/>
           </p:cNvSpPr>
           <p:nvPr>
             <p:ph type="ctrTitle"/>
@@ -1100,31 +1543,38 @@
         </p:nvSpPr>
         <p:spPr>
           <a:xfrm>
-            <a:off x="304800" y="4038601"/>
-            <a:ext cx="7924800" cy="947738"/>
+            <a:off x="685800" y="1905000"/>
+            <a:ext cx="7543800" cy="2593975"/>
           </a:xfrm>
         </p:spPr>
         <p:txBody>
-          <a:bodyPr/>
+          <a:bodyPr anchor="b"/>
           <a:lstStyle>
             <a:lvl1pPr>
-              <a:defRPr/>
+              <a:defRPr sz="6600">
+                <a:ln>
+                  <a:noFill/>
+                </a:ln>
+                <a:solidFill>
+                  <a:schemeClr val="tx2"/>
+                </a:solidFill>
+              </a:defRPr>
             </a:lvl1pPr>
           </a:lstStyle>
           <a:p>
             <a:r>
               <a:rPr lang="fr-FR" smtClean="0"/>
-              <a:t>Cliquez pour modifier le style du titre</a:t>
-            </a:r>
-            <a:endParaRPr lang="fr-FR"/>
-          </a:p>
-        </p:txBody>
-      </p:sp>
-      <p:sp>
-        <p:nvSpPr>
-          <p:cNvPr id="3079" name="Rectangle 7"/>
-          <p:cNvSpPr>
-            <a:spLocks noGrp="1" noChangeArrowheads="1"/>
+              <a:t>Modifiez le style du titre</a:t>
+            </a:r>
+            <a:endParaRPr lang="en-US" dirty="0"/>
+          </a:p>
+        </p:txBody>
+      </p:sp>
+      <p:sp>
+        <p:nvSpPr>
+          <p:cNvPr id="3" name="Subtitle 2"/>
+          <p:cNvSpPr>
+            <a:spLocks noGrp="1"/>
           </p:cNvSpPr>
           <p:nvPr>
             <p:ph type="subTitle" idx="1"/>
@@ -1132,46 +1582,129 @@
         </p:nvSpPr>
         <p:spPr>
           <a:xfrm>
-            <a:off x="304800" y="4972050"/>
-            <a:ext cx="7924800" cy="895350"/>
+            <a:off x="685800" y="4572000"/>
+            <a:ext cx="6461760" cy="1066800"/>
           </a:xfrm>
         </p:spPr>
         <p:txBody>
-          <a:bodyPr/>
+          <a:bodyPr anchor="t">
+            <a:normAutofit/>
+          </a:bodyPr>
           <a:lstStyle>
-            <a:lvl1pPr marL="0" indent="0">
-              <a:buFont typeface="Wingdings" pitchFamily="2" charset="2"/>
+            <a:lvl1pPr marL="0" indent="0" algn="l">
               <a:buNone/>
-              <a:defRPr sz="3600"/>
+              <a:defRPr sz="2000">
+                <a:solidFill>
+                  <a:schemeClr val="tx1">
+                    <a:tint val="75000"/>
+                  </a:schemeClr>
+                </a:solidFill>
+              </a:defRPr>
             </a:lvl1pPr>
+            <a:lvl2pPr marL="457200" indent="0" algn="ctr">
+              <a:buNone/>
+              <a:defRPr>
+                <a:solidFill>
+                  <a:schemeClr val="tx1">
+                    <a:tint val="75000"/>
+                  </a:schemeClr>
+                </a:solidFill>
+              </a:defRPr>
+            </a:lvl2pPr>
+            <a:lvl3pPr marL="914400" indent="0" algn="ctr">
+              <a:buNone/>
+              <a:defRPr>
+                <a:solidFill>
+                  <a:schemeClr val="tx1">
+                    <a:tint val="75000"/>
+                  </a:schemeClr>
+                </a:solidFill>
+              </a:defRPr>
+            </a:lvl3pPr>
+            <a:lvl4pPr marL="1371600" indent="0" algn="ctr">
+              <a:buNone/>
+              <a:defRPr>
+                <a:solidFill>
+                  <a:schemeClr val="tx1">
+                    <a:tint val="75000"/>
+                  </a:schemeClr>
+                </a:solidFill>
+              </a:defRPr>
+            </a:lvl4pPr>
+            <a:lvl5pPr marL="1828800" indent="0" algn="ctr">
+              <a:buNone/>
+              <a:defRPr>
+                <a:solidFill>
+                  <a:schemeClr val="tx1">
+                    <a:tint val="75000"/>
+                  </a:schemeClr>
+                </a:solidFill>
+              </a:defRPr>
+            </a:lvl5pPr>
+            <a:lvl6pPr marL="2286000" indent="0" algn="ctr">
+              <a:buNone/>
+              <a:defRPr>
+                <a:solidFill>
+                  <a:schemeClr val="tx1">
+                    <a:tint val="75000"/>
+                  </a:schemeClr>
+                </a:solidFill>
+              </a:defRPr>
+            </a:lvl6pPr>
+            <a:lvl7pPr marL="2743200" indent="0" algn="ctr">
+              <a:buNone/>
+              <a:defRPr>
+                <a:solidFill>
+                  <a:schemeClr val="tx1">
+                    <a:tint val="75000"/>
+                  </a:schemeClr>
+                </a:solidFill>
+              </a:defRPr>
+            </a:lvl7pPr>
+            <a:lvl8pPr marL="3200400" indent="0" algn="ctr">
+              <a:buNone/>
+              <a:defRPr>
+                <a:solidFill>
+                  <a:schemeClr val="tx1">
+                    <a:tint val="75000"/>
+                  </a:schemeClr>
+                </a:solidFill>
+              </a:defRPr>
+            </a:lvl8pPr>
+            <a:lvl9pPr marL="3657600" indent="0" algn="ctr">
+              <a:buNone/>
+              <a:defRPr>
+                <a:solidFill>
+                  <a:schemeClr val="tx1">
+                    <a:tint val="75000"/>
+                  </a:schemeClr>
+                </a:solidFill>
+              </a:defRPr>
+            </a:lvl9pPr>
           </a:lstStyle>
           <a:p>
             <a:r>
               <a:rPr lang="fr-FR" smtClean="0"/>
-              <a:t>Cliquez pour modifier le style des sous-titres du masque</a:t>
-            </a:r>
-            <a:endParaRPr lang="fr-FR"/>
-          </a:p>
-        </p:txBody>
-      </p:sp>
-      <p:sp>
-        <p:nvSpPr>
-          <p:cNvPr id="4" name="Rectangle 32"/>
-          <p:cNvSpPr>
-            <a:spLocks noGrp="1" noChangeArrowheads="1"/>
-          </p:cNvSpPr>
-          <p:nvPr>
-            <p:ph type="dt" sz="quarter" idx="10"/>
+              <a:t>Modifiez le style des sous-titres du masque</a:t>
+            </a:r>
+            <a:endParaRPr lang="en-US" dirty="0"/>
+          </a:p>
+        </p:txBody>
+      </p:sp>
+      <p:sp>
+        <p:nvSpPr>
+          <p:cNvPr id="4" name="Date Placeholder 3"/>
+          <p:cNvSpPr>
+            <a:spLocks noGrp="1"/>
+          </p:cNvSpPr>
+          <p:nvPr>
+            <p:ph type="dt" sz="half" idx="10"/>
           </p:nvPr>
         </p:nvSpPr>
         <p:spPr/>
         <p:txBody>
           <a:bodyPr/>
-          <a:lstStyle>
-            <a:lvl1pPr>
-              <a:defRPr/>
-            </a:lvl1pPr>
-          </a:lstStyle>
+          <a:lstStyle/>
           <a:p>
             <a:pPr>
               <a:defRPr/>
@@ -1182,9 +1715,9 @@
       </p:sp>
       <p:sp>
         <p:nvSpPr>
-          <p:cNvPr id="5" name="Rectangle 33"/>
-          <p:cNvSpPr>
-            <a:spLocks noGrp="1" noChangeArrowheads="1"/>
+          <p:cNvPr id="5" name="Footer Placeholder 4"/>
+          <p:cNvSpPr>
+            <a:spLocks noGrp="1"/>
           </p:cNvSpPr>
           <p:nvPr>
             <p:ph type="ftr" sz="quarter" idx="11"/>
@@ -1193,11 +1726,7 @@
         <p:spPr/>
         <p:txBody>
           <a:bodyPr/>
-          <a:lstStyle>
-            <a:lvl1pPr>
-              <a:defRPr/>
-            </a:lvl1pPr>
-          </a:lstStyle>
+          <a:lstStyle/>
           <a:p>
             <a:pPr>
               <a:defRPr/>
@@ -1208,9 +1737,9 @@
       </p:sp>
       <p:sp>
         <p:nvSpPr>
-          <p:cNvPr id="6" name="Rectangle 34"/>
-          <p:cNvSpPr>
-            <a:spLocks noGrp="1" noChangeArrowheads="1"/>
+          <p:cNvPr id="6" name="Slide Number Placeholder 5"/>
+          <p:cNvSpPr>
+            <a:spLocks noGrp="1"/>
           </p:cNvSpPr>
           <p:nvPr>
             <p:ph type="sldNum" sz="quarter" idx="12"/>
@@ -1219,17 +1748,13 @@
         <p:spPr/>
         <p:txBody>
           <a:bodyPr/>
-          <a:lstStyle>
-            <a:lvl1pPr>
-              <a:defRPr/>
-            </a:lvl1pPr>
-          </a:lstStyle>
+          <a:lstStyle/>
           <a:p>
             <a:pPr>
               <a:defRPr/>
             </a:pPr>
             <a:fld id="{7130BAFA-F734-452E-BC85-344120446FEF}" type="slidenum">
-              <a:rPr lang="fr-FR"/>
+              <a:rPr lang="fr-FR" smtClean="0"/>
               <a:pPr>
                 <a:defRPr/>
               </a:pPr>
@@ -1266,7 +1791,7 @@
       </p:grpSpPr>
       <p:sp>
         <p:nvSpPr>
-          <p:cNvPr id="2" name="Titre 1"/>
+          <p:cNvPr id="2" name="Title 1"/>
           <p:cNvSpPr>
             <a:spLocks noGrp="1"/>
           </p:cNvSpPr>
@@ -1281,15 +1806,15 @@
           <a:p>
             <a:r>
               <a:rPr lang="fr-FR" smtClean="0"/>
-              <a:t>Cliquez pour modifier le style du titre</a:t>
-            </a:r>
-            <a:endParaRPr lang="fr-FR"/>
-          </a:p>
-        </p:txBody>
-      </p:sp>
-      <p:sp>
-        <p:nvSpPr>
-          <p:cNvPr id="3" name="Espace réservé du texte vertical 2"/>
+              <a:t>Modifiez le style du titre</a:t>
+            </a:r>
+            <a:endParaRPr lang="en-US"/>
+          </a:p>
+        </p:txBody>
+      </p:sp>
+      <p:sp>
+        <p:nvSpPr>
+          <p:cNvPr id="3" name="Vertical Text Placeholder 2"/>
           <p:cNvSpPr>
             <a:spLocks noGrp="1"/>
           </p:cNvSpPr>
@@ -1305,7 +1830,7 @@
             <a:pPr lvl="0"/>
             <a:r>
               <a:rPr lang="fr-FR" smtClean="0"/>
-              <a:t>Cliquez pour modifier les styles du texte du masque</a:t>
+              <a:t>Modifiez les styles du texte du masque</a:t>
             </a:r>
           </a:p>
           <a:p>
@@ -1335,30 +1860,24 @@
               <a:rPr lang="fr-FR" smtClean="0"/>
               <a:t>Cinquième niveau</a:t>
             </a:r>
-            <a:endParaRPr lang="fr-FR"/>
-          </a:p>
-        </p:txBody>
-      </p:sp>
-      <p:sp>
-        <p:nvSpPr>
-          <p:cNvPr id="4" name="Rectangle 31"/>
-          <p:cNvSpPr>
-            <a:spLocks noGrp="1" noChangeArrowheads="1"/>
+            <a:endParaRPr lang="en-US"/>
+          </a:p>
+        </p:txBody>
+      </p:sp>
+      <p:sp>
+        <p:nvSpPr>
+          <p:cNvPr id="4" name="Date Placeholder 3"/>
+          <p:cNvSpPr>
+            <a:spLocks noGrp="1"/>
           </p:cNvSpPr>
           <p:nvPr>
             <p:ph type="dt" sz="half" idx="10"/>
           </p:nvPr>
         </p:nvSpPr>
-        <p:spPr>
-          <a:ln/>
-        </p:spPr>
-        <p:txBody>
-          <a:bodyPr/>
-          <a:lstStyle>
-            <a:lvl1pPr>
-              <a:defRPr/>
-            </a:lvl1pPr>
-          </a:lstStyle>
+        <p:spPr/>
+        <p:txBody>
+          <a:bodyPr/>
+          <a:lstStyle/>
           <a:p>
             <a:pPr>
               <a:defRPr/>
@@ -1369,24 +1888,18 @@
       </p:sp>
       <p:sp>
         <p:nvSpPr>
-          <p:cNvPr id="5" name="Rectangle 32"/>
-          <p:cNvSpPr>
-            <a:spLocks noGrp="1" noChangeArrowheads="1"/>
+          <p:cNvPr id="5" name="Footer Placeholder 4"/>
+          <p:cNvSpPr>
+            <a:spLocks noGrp="1"/>
           </p:cNvSpPr>
           <p:nvPr>
             <p:ph type="ftr" sz="quarter" idx="11"/>
           </p:nvPr>
         </p:nvSpPr>
-        <p:spPr>
-          <a:ln/>
-        </p:spPr>
-        <p:txBody>
-          <a:bodyPr/>
-          <a:lstStyle>
-            <a:lvl1pPr>
-              <a:defRPr/>
-            </a:lvl1pPr>
-          </a:lstStyle>
+        <p:spPr/>
+        <p:txBody>
+          <a:bodyPr/>
+          <a:lstStyle/>
           <a:p>
             <a:pPr>
               <a:defRPr/>
@@ -1397,30 +1910,24 @@
       </p:sp>
       <p:sp>
         <p:nvSpPr>
-          <p:cNvPr id="6" name="Rectangle 33"/>
-          <p:cNvSpPr>
-            <a:spLocks noGrp="1" noChangeArrowheads="1"/>
+          <p:cNvPr id="6" name="Slide Number Placeholder 5"/>
+          <p:cNvSpPr>
+            <a:spLocks noGrp="1"/>
           </p:cNvSpPr>
           <p:nvPr>
             <p:ph type="sldNum" sz="quarter" idx="12"/>
           </p:nvPr>
         </p:nvSpPr>
-        <p:spPr>
-          <a:ln/>
-        </p:spPr>
-        <p:txBody>
-          <a:bodyPr/>
-          <a:lstStyle>
-            <a:lvl1pPr>
-              <a:defRPr/>
-            </a:lvl1pPr>
-          </a:lstStyle>
+        <p:spPr/>
+        <p:txBody>
+          <a:bodyPr/>
+          <a:lstStyle/>
           <a:p>
             <a:pPr>
               <a:defRPr/>
             </a:pPr>
             <a:fld id="{1092FEBA-394A-4A78-AA07-688A3368676A}" type="slidenum">
-              <a:rPr lang="fr-FR"/>
+              <a:rPr lang="fr-FR" smtClean="0"/>
               <a:pPr>
                 <a:defRPr/>
               </a:pPr>
@@ -1457,7 +1964,7 @@
       </p:grpSpPr>
       <p:sp>
         <p:nvSpPr>
-          <p:cNvPr id="2" name="Titre vertical 1"/>
+          <p:cNvPr id="2" name="Vertical Title 1"/>
           <p:cNvSpPr>
             <a:spLocks noGrp="1"/>
           </p:cNvSpPr>
@@ -1467,25 +1974,25 @@
         </p:nvSpPr>
         <p:spPr>
           <a:xfrm>
-            <a:off x="7067549" y="76200"/>
-            <a:ext cx="1847851" cy="6477000"/>
+            <a:off x="6629400" y="274638"/>
+            <a:ext cx="1752600" cy="5851525"/>
           </a:xfrm>
         </p:spPr>
         <p:txBody>
-          <a:bodyPr vert="eaVert"/>
-          <a:lstStyle/>
-          <a:p>
-            <a:r>
-              <a:rPr lang="fr-FR" smtClean="0"/>
-              <a:t>Cliquez pour modifier le style du titre</a:t>
-            </a:r>
-            <a:endParaRPr lang="fr-FR"/>
-          </a:p>
-        </p:txBody>
-      </p:sp>
-      <p:sp>
-        <p:nvSpPr>
-          <p:cNvPr id="3" name="Espace réservé du texte vertical 2"/>
+          <a:bodyPr vert="eaVert" anchor="b" anchorCtr="0"/>
+          <a:lstStyle/>
+          <a:p>
+            <a:r>
+              <a:rPr lang="fr-FR" smtClean="0"/>
+              <a:t>Modifiez le style du titre</a:t>
+            </a:r>
+            <a:endParaRPr lang="en-US" dirty="0"/>
+          </a:p>
+        </p:txBody>
+      </p:sp>
+      <p:sp>
+        <p:nvSpPr>
+          <p:cNvPr id="3" name="Vertical Text Placeholder 2"/>
           <p:cNvSpPr>
             <a:spLocks noGrp="1"/>
           </p:cNvSpPr>
@@ -1495,8 +2002,8 @@
         </p:nvSpPr>
         <p:spPr>
           <a:xfrm>
-            <a:off x="1524002" y="76200"/>
-            <a:ext cx="5391151" cy="6477000"/>
+            <a:off x="457200" y="274638"/>
+            <a:ext cx="6019800" cy="5851525"/>
           </a:xfrm>
         </p:spPr>
         <p:txBody>
@@ -1506,7 +2013,7 @@
             <a:pPr lvl="0"/>
             <a:r>
               <a:rPr lang="fr-FR" smtClean="0"/>
-              <a:t>Cliquez pour modifier les styles du texte du masque</a:t>
+              <a:t>Modifiez les styles du texte du masque</a:t>
             </a:r>
           </a:p>
           <a:p>
@@ -1536,30 +2043,24 @@
               <a:rPr lang="fr-FR" smtClean="0"/>
               <a:t>Cinquième niveau</a:t>
             </a:r>
-            <a:endParaRPr lang="fr-FR"/>
-          </a:p>
-        </p:txBody>
-      </p:sp>
-      <p:sp>
-        <p:nvSpPr>
-          <p:cNvPr id="4" name="Rectangle 31"/>
-          <p:cNvSpPr>
-            <a:spLocks noGrp="1" noChangeArrowheads="1"/>
+            <a:endParaRPr lang="en-US"/>
+          </a:p>
+        </p:txBody>
+      </p:sp>
+      <p:sp>
+        <p:nvSpPr>
+          <p:cNvPr id="4" name="Date Placeholder 3"/>
+          <p:cNvSpPr>
+            <a:spLocks noGrp="1"/>
           </p:cNvSpPr>
           <p:nvPr>
             <p:ph type="dt" sz="half" idx="10"/>
           </p:nvPr>
         </p:nvSpPr>
-        <p:spPr>
-          <a:ln/>
-        </p:spPr>
-        <p:txBody>
-          <a:bodyPr/>
-          <a:lstStyle>
-            <a:lvl1pPr>
-              <a:defRPr/>
-            </a:lvl1pPr>
-          </a:lstStyle>
+        <p:spPr/>
+        <p:txBody>
+          <a:bodyPr/>
+          <a:lstStyle/>
           <a:p>
             <a:pPr>
               <a:defRPr/>
@@ -1570,24 +2071,18 @@
       </p:sp>
       <p:sp>
         <p:nvSpPr>
-          <p:cNvPr id="5" name="Rectangle 32"/>
-          <p:cNvSpPr>
-            <a:spLocks noGrp="1" noChangeArrowheads="1"/>
+          <p:cNvPr id="5" name="Footer Placeholder 4"/>
+          <p:cNvSpPr>
+            <a:spLocks noGrp="1"/>
           </p:cNvSpPr>
           <p:nvPr>
             <p:ph type="ftr" sz="quarter" idx="11"/>
           </p:nvPr>
         </p:nvSpPr>
-        <p:spPr>
-          <a:ln/>
-        </p:spPr>
-        <p:txBody>
-          <a:bodyPr/>
-          <a:lstStyle>
-            <a:lvl1pPr>
-              <a:defRPr/>
-            </a:lvl1pPr>
-          </a:lstStyle>
+        <p:spPr/>
+        <p:txBody>
+          <a:bodyPr/>
+          <a:lstStyle/>
           <a:p>
             <a:pPr>
               <a:defRPr/>
@@ -1598,30 +2093,24 @@
       </p:sp>
       <p:sp>
         <p:nvSpPr>
-          <p:cNvPr id="6" name="Rectangle 33"/>
-          <p:cNvSpPr>
-            <a:spLocks noGrp="1" noChangeArrowheads="1"/>
+          <p:cNvPr id="6" name="Slide Number Placeholder 5"/>
+          <p:cNvSpPr>
+            <a:spLocks noGrp="1"/>
           </p:cNvSpPr>
           <p:nvPr>
             <p:ph type="sldNum" sz="quarter" idx="12"/>
           </p:nvPr>
         </p:nvSpPr>
-        <p:spPr>
-          <a:ln/>
-        </p:spPr>
-        <p:txBody>
-          <a:bodyPr/>
-          <a:lstStyle>
-            <a:lvl1pPr>
-              <a:defRPr/>
-            </a:lvl1pPr>
-          </a:lstStyle>
+        <p:spPr/>
+        <p:txBody>
+          <a:bodyPr/>
+          <a:lstStyle/>
           <a:p>
             <a:pPr>
               <a:defRPr/>
             </a:pPr>
             <a:fld id="{9DDF5EEF-ACA1-4A7F-AC04-8CFA6814F886}" type="slidenum">
-              <a:rPr lang="fr-FR"/>
+              <a:rPr lang="fr-FR" smtClean="0"/>
               <a:pPr>
                 <a:defRPr/>
               </a:pPr>
@@ -1658,7 +2147,7 @@
       </p:grpSpPr>
       <p:sp>
         <p:nvSpPr>
-          <p:cNvPr id="2" name="Titre 1"/>
+          <p:cNvPr id="2" name="Title 1"/>
           <p:cNvSpPr>
             <a:spLocks noGrp="1"/>
           </p:cNvSpPr>
@@ -1673,15 +2162,15 @@
           <a:p>
             <a:r>
               <a:rPr lang="fr-FR" smtClean="0"/>
-              <a:t>Cliquez pour modifier le style du titre</a:t>
-            </a:r>
-            <a:endParaRPr lang="fr-FR"/>
-          </a:p>
-        </p:txBody>
-      </p:sp>
-      <p:sp>
-        <p:nvSpPr>
-          <p:cNvPr id="3" name="Espace réservé du contenu 2"/>
+              <a:t>Modifiez le style du titre</a:t>
+            </a:r>
+            <a:endParaRPr lang="en-US"/>
+          </a:p>
+        </p:txBody>
+      </p:sp>
+      <p:sp>
+        <p:nvSpPr>
+          <p:cNvPr id="3" name="Content Placeholder 2"/>
           <p:cNvSpPr>
             <a:spLocks noGrp="1"/>
           </p:cNvSpPr>
@@ -1697,7 +2186,7 @@
             <a:pPr lvl="0"/>
             <a:r>
               <a:rPr lang="fr-FR" smtClean="0"/>
-              <a:t>Cliquez pour modifier les styles du texte du masque</a:t>
+              <a:t>Modifiez les styles du texte du masque</a:t>
             </a:r>
           </a:p>
           <a:p>
@@ -1727,30 +2216,24 @@
               <a:rPr lang="fr-FR" smtClean="0"/>
               <a:t>Cinquième niveau</a:t>
             </a:r>
-            <a:endParaRPr lang="fr-FR"/>
-          </a:p>
-        </p:txBody>
-      </p:sp>
-      <p:sp>
-        <p:nvSpPr>
-          <p:cNvPr id="4" name="Rectangle 31"/>
-          <p:cNvSpPr>
-            <a:spLocks noGrp="1" noChangeArrowheads="1"/>
+            <a:endParaRPr lang="en-US"/>
+          </a:p>
+        </p:txBody>
+      </p:sp>
+      <p:sp>
+        <p:nvSpPr>
+          <p:cNvPr id="4" name="Date Placeholder 3"/>
+          <p:cNvSpPr>
+            <a:spLocks noGrp="1"/>
           </p:cNvSpPr>
           <p:nvPr>
             <p:ph type="dt" sz="half" idx="10"/>
           </p:nvPr>
         </p:nvSpPr>
-        <p:spPr>
-          <a:ln/>
-        </p:spPr>
-        <p:txBody>
-          <a:bodyPr/>
-          <a:lstStyle>
-            <a:lvl1pPr>
-              <a:defRPr/>
-            </a:lvl1pPr>
-          </a:lstStyle>
+        <p:spPr/>
+        <p:txBody>
+          <a:bodyPr/>
+          <a:lstStyle/>
           <a:p>
             <a:pPr>
               <a:defRPr/>
@@ -1761,24 +2244,18 @@
       </p:sp>
       <p:sp>
         <p:nvSpPr>
-          <p:cNvPr id="5" name="Rectangle 32"/>
-          <p:cNvSpPr>
-            <a:spLocks noGrp="1" noChangeArrowheads="1"/>
+          <p:cNvPr id="5" name="Footer Placeholder 4"/>
+          <p:cNvSpPr>
+            <a:spLocks noGrp="1"/>
           </p:cNvSpPr>
           <p:nvPr>
             <p:ph type="ftr" sz="quarter" idx="11"/>
           </p:nvPr>
         </p:nvSpPr>
-        <p:spPr>
-          <a:ln/>
-        </p:spPr>
-        <p:txBody>
-          <a:bodyPr/>
-          <a:lstStyle>
-            <a:lvl1pPr>
-              <a:defRPr/>
-            </a:lvl1pPr>
-          </a:lstStyle>
+        <p:spPr/>
+        <p:txBody>
+          <a:bodyPr/>
+          <a:lstStyle/>
           <a:p>
             <a:pPr>
               <a:defRPr/>
@@ -1789,30 +2266,24 @@
       </p:sp>
       <p:sp>
         <p:nvSpPr>
-          <p:cNvPr id="6" name="Rectangle 33"/>
-          <p:cNvSpPr>
-            <a:spLocks noGrp="1" noChangeArrowheads="1"/>
+          <p:cNvPr id="6" name="Slide Number Placeholder 5"/>
+          <p:cNvSpPr>
+            <a:spLocks noGrp="1"/>
           </p:cNvSpPr>
           <p:nvPr>
             <p:ph type="sldNum" sz="quarter" idx="12"/>
           </p:nvPr>
         </p:nvSpPr>
-        <p:spPr>
-          <a:ln/>
-        </p:spPr>
-        <p:txBody>
-          <a:bodyPr/>
-          <a:lstStyle>
-            <a:lvl1pPr>
-              <a:defRPr/>
-            </a:lvl1pPr>
-          </a:lstStyle>
+        <p:spPr/>
+        <p:txBody>
+          <a:bodyPr/>
+          <a:lstStyle/>
           <a:p>
             <a:pPr>
               <a:defRPr/>
             </a:pPr>
             <a:fld id="{38569939-3185-4A76-A6B2-22126B08A126}" type="slidenum">
-              <a:rPr lang="fr-FR"/>
+              <a:rPr lang="fr-FR" smtClean="0"/>
               <a:pPr>
                 <a:defRPr/>
               </a:pPr>
@@ -1849,7 +2320,7 @@
       </p:grpSpPr>
       <p:sp>
         <p:nvSpPr>
-          <p:cNvPr id="2" name="Titre 1"/>
+          <p:cNvPr id="2" name="Title 1"/>
           <p:cNvSpPr>
             <a:spLocks noGrp="1"/>
           </p:cNvSpPr>
@@ -1859,29 +2330,29 @@
         </p:nvSpPr>
         <p:spPr>
           <a:xfrm>
-            <a:off x="722313" y="4406900"/>
-            <a:ext cx="7772400" cy="1362075"/>
+            <a:off x="722313" y="5486400"/>
+            <a:ext cx="7659687" cy="1168400"/>
           </a:xfrm>
         </p:spPr>
         <p:txBody>
           <a:bodyPr anchor="t"/>
           <a:lstStyle>
             <a:lvl1pPr algn="l">
-              <a:defRPr sz="4000" b="1" cap="all"/>
+              <a:defRPr sz="3600" b="0" cap="all"/>
             </a:lvl1pPr>
           </a:lstStyle>
           <a:p>
             <a:r>
               <a:rPr lang="fr-FR" smtClean="0"/>
-              <a:t>Cliquez pour modifier le style du titre</a:t>
-            </a:r>
-            <a:endParaRPr lang="fr-FR"/>
-          </a:p>
-        </p:txBody>
-      </p:sp>
-      <p:sp>
-        <p:nvSpPr>
-          <p:cNvPr id="3" name="Espace réservé du texte 2"/>
+              <a:t>Modifiez le style du titre</a:t>
+            </a:r>
+            <a:endParaRPr lang="en-US" dirty="0"/>
+          </a:p>
+        </p:txBody>
+      </p:sp>
+      <p:sp>
+        <p:nvSpPr>
+          <p:cNvPr id="3" name="Text Placeholder 2"/>
           <p:cNvSpPr>
             <a:spLocks noGrp="1"/>
           </p:cNvSpPr>
@@ -1891,8 +2362,8 @@
         </p:nvSpPr>
         <p:spPr>
           <a:xfrm>
-            <a:off x="722313" y="2906715"/>
-            <a:ext cx="7772400" cy="1500187"/>
+            <a:off x="722313" y="3852863"/>
+            <a:ext cx="6135687" cy="1633538"/>
           </a:xfrm>
         </p:spPr>
         <p:txBody>
@@ -1900,70 +2371,118 @@
           <a:lstStyle>
             <a:lvl1pPr marL="0" indent="0">
               <a:buNone/>
-              <a:defRPr sz="2000"/>
+              <a:defRPr sz="2000">
+                <a:solidFill>
+                  <a:schemeClr val="tx1">
+                    <a:tint val="75000"/>
+                  </a:schemeClr>
+                </a:solidFill>
+              </a:defRPr>
             </a:lvl1pPr>
             <a:lvl2pPr marL="457200" indent="0">
               <a:buNone/>
-              <a:defRPr sz="1800"/>
+              <a:defRPr sz="1800">
+                <a:solidFill>
+                  <a:schemeClr val="tx1">
+                    <a:tint val="75000"/>
+                  </a:schemeClr>
+                </a:solidFill>
+              </a:defRPr>
             </a:lvl2pPr>
             <a:lvl3pPr marL="914400" indent="0">
               <a:buNone/>
-              <a:defRPr sz="1600"/>
+              <a:defRPr sz="1600">
+                <a:solidFill>
+                  <a:schemeClr val="tx1">
+                    <a:tint val="75000"/>
+                  </a:schemeClr>
+                </a:solidFill>
+              </a:defRPr>
             </a:lvl3pPr>
             <a:lvl4pPr marL="1371600" indent="0">
               <a:buNone/>
-              <a:defRPr sz="1400"/>
+              <a:defRPr sz="1400">
+                <a:solidFill>
+                  <a:schemeClr val="tx1">
+                    <a:tint val="75000"/>
+                  </a:schemeClr>
+                </a:solidFill>
+              </a:defRPr>
             </a:lvl4pPr>
             <a:lvl5pPr marL="1828800" indent="0">
               <a:buNone/>
-              <a:defRPr sz="1400"/>
+              <a:defRPr sz="1400">
+                <a:solidFill>
+                  <a:schemeClr val="tx1">
+                    <a:tint val="75000"/>
+                  </a:schemeClr>
+                </a:solidFill>
+              </a:defRPr>
             </a:lvl5pPr>
             <a:lvl6pPr marL="2286000" indent="0">
               <a:buNone/>
-              <a:defRPr sz="1400"/>
+              <a:defRPr sz="1400">
+                <a:solidFill>
+                  <a:schemeClr val="tx1">
+                    <a:tint val="75000"/>
+                  </a:schemeClr>
+                </a:solidFill>
+              </a:defRPr>
             </a:lvl6pPr>
             <a:lvl7pPr marL="2743200" indent="0">
               <a:buNone/>
-              <a:defRPr sz="1400"/>
+              <a:defRPr sz="1400">
+                <a:solidFill>
+                  <a:schemeClr val="tx1">
+                    <a:tint val="75000"/>
+                  </a:schemeClr>
+                </a:solidFill>
+              </a:defRPr>
             </a:lvl7pPr>
             <a:lvl8pPr marL="3200400" indent="0">
               <a:buNone/>
-              <a:defRPr sz="1400"/>
+              <a:defRPr sz="1400">
+                <a:solidFill>
+                  <a:schemeClr val="tx1">
+                    <a:tint val="75000"/>
+                  </a:schemeClr>
+                </a:solidFill>
+              </a:defRPr>
             </a:lvl8pPr>
             <a:lvl9pPr marL="3657600" indent="0">
               <a:buNone/>
-              <a:defRPr sz="1400"/>
+              <a:defRPr sz="1400">
+                <a:solidFill>
+                  <a:schemeClr val="tx1">
+                    <a:tint val="75000"/>
+                  </a:schemeClr>
+                </a:solidFill>
+              </a:defRPr>
             </a:lvl9pPr>
           </a:lstStyle>
           <a:p>
             <a:pPr lvl="0"/>
             <a:r>
               <a:rPr lang="fr-FR" smtClean="0"/>
-              <a:t>Cliquez pour modifier les styles du texte du masque</a:t>
-            </a:r>
-          </a:p>
-        </p:txBody>
-      </p:sp>
-      <p:sp>
-        <p:nvSpPr>
-          <p:cNvPr id="4" name="Rectangle 31"/>
-          <p:cNvSpPr>
-            <a:spLocks noGrp="1" noChangeArrowheads="1"/>
+              <a:t>Modifiez les styles du texte du masque</a:t>
+            </a:r>
+          </a:p>
+        </p:txBody>
+      </p:sp>
+      <p:sp>
+        <p:nvSpPr>
+          <p:cNvPr id="4" name="Date Placeholder 3"/>
+          <p:cNvSpPr>
+            <a:spLocks noGrp="1"/>
           </p:cNvSpPr>
           <p:nvPr>
             <p:ph type="dt" sz="half" idx="10"/>
           </p:nvPr>
         </p:nvSpPr>
-        <p:spPr>
-          <a:ln/>
-        </p:spPr>
-        <p:txBody>
-          <a:bodyPr/>
-          <a:lstStyle>
-            <a:lvl1pPr>
-              <a:defRPr/>
-            </a:lvl1pPr>
-          </a:lstStyle>
+        <p:spPr/>
+        <p:txBody>
+          <a:bodyPr/>
+          <a:lstStyle/>
           <a:p>
             <a:pPr>
               <a:defRPr/>
@@ -1974,24 +2493,18 @@
       </p:sp>
       <p:sp>
         <p:nvSpPr>
-          <p:cNvPr id="5" name="Rectangle 32"/>
-          <p:cNvSpPr>
-            <a:spLocks noGrp="1" noChangeArrowheads="1"/>
+          <p:cNvPr id="5" name="Footer Placeholder 4"/>
+          <p:cNvSpPr>
+            <a:spLocks noGrp="1"/>
           </p:cNvSpPr>
           <p:nvPr>
             <p:ph type="ftr" sz="quarter" idx="11"/>
           </p:nvPr>
         </p:nvSpPr>
-        <p:spPr>
-          <a:ln/>
-        </p:spPr>
-        <p:txBody>
-          <a:bodyPr/>
-          <a:lstStyle>
-            <a:lvl1pPr>
-              <a:defRPr/>
-            </a:lvl1pPr>
-          </a:lstStyle>
+        <p:spPr/>
+        <p:txBody>
+          <a:bodyPr/>
+          <a:lstStyle/>
           <a:p>
             <a:pPr>
               <a:defRPr/>
@@ -2002,30 +2515,24 @@
       </p:sp>
       <p:sp>
         <p:nvSpPr>
-          <p:cNvPr id="6" name="Rectangle 33"/>
-          <p:cNvSpPr>
-            <a:spLocks noGrp="1" noChangeArrowheads="1"/>
+          <p:cNvPr id="6" name="Slide Number Placeholder 5"/>
+          <p:cNvSpPr>
+            <a:spLocks noGrp="1"/>
           </p:cNvSpPr>
           <p:nvPr>
             <p:ph type="sldNum" sz="quarter" idx="12"/>
           </p:nvPr>
         </p:nvSpPr>
-        <p:spPr>
-          <a:ln/>
-        </p:spPr>
-        <p:txBody>
-          <a:bodyPr/>
-          <a:lstStyle>
-            <a:lvl1pPr>
-              <a:defRPr/>
-            </a:lvl1pPr>
-          </a:lstStyle>
+        <p:spPr/>
+        <p:txBody>
+          <a:bodyPr/>
+          <a:lstStyle/>
           <a:p>
             <a:pPr>
               <a:defRPr/>
             </a:pPr>
             <a:fld id="{E74F4B85-BE60-4D03-99D3-F5CE124502D3}" type="slidenum">
-              <a:rPr lang="fr-FR"/>
+              <a:rPr lang="fr-FR" smtClean="0"/>
               <a:pPr>
                 <a:defRPr/>
               </a:pPr>
@@ -2062,7 +2569,7 @@
       </p:grpSpPr>
       <p:sp>
         <p:nvSpPr>
-          <p:cNvPr id="2" name="Titre 1"/>
+          <p:cNvPr id="2" name="Title 1"/>
           <p:cNvSpPr>
             <a:spLocks noGrp="1"/>
           </p:cNvSpPr>
@@ -2077,15 +2584,15 @@
           <a:p>
             <a:r>
               <a:rPr lang="fr-FR" smtClean="0"/>
-              <a:t>Cliquez pour modifier le style du titre</a:t>
-            </a:r>
-            <a:endParaRPr lang="fr-FR"/>
-          </a:p>
-        </p:txBody>
-      </p:sp>
-      <p:sp>
-        <p:nvSpPr>
-          <p:cNvPr id="3" name="Espace réservé du contenu 2"/>
+              <a:t>Modifiez le style du titre</a:t>
+            </a:r>
+            <a:endParaRPr lang="en-US"/>
+          </a:p>
+        </p:txBody>
+      </p:sp>
+      <p:sp>
+        <p:nvSpPr>
+          <p:cNvPr id="3" name="Content Placeholder 2"/>
           <p:cNvSpPr>
             <a:spLocks noGrp="1"/>
           </p:cNvSpPr>
@@ -2095,8 +2602,8 @@
         </p:nvSpPr>
         <p:spPr>
           <a:xfrm>
-            <a:off x="1524002" y="1295400"/>
-            <a:ext cx="3619500" cy="5257800"/>
+            <a:off x="457200" y="1536192"/>
+            <a:ext cx="3657600" cy="4590288"/>
           </a:xfrm>
         </p:spPr>
         <p:txBody>
@@ -2134,7 +2641,7 @@
             <a:pPr lvl="0"/>
             <a:r>
               <a:rPr lang="fr-FR" smtClean="0"/>
-              <a:t>Cliquez pour modifier les styles du texte du masque</a:t>
+              <a:t>Modifiez les styles du texte du masque</a:t>
             </a:r>
           </a:p>
           <a:p>
@@ -2164,13 +2671,13 @@
               <a:rPr lang="fr-FR" smtClean="0"/>
               <a:t>Cinquième niveau</a:t>
             </a:r>
-            <a:endParaRPr lang="fr-FR"/>
-          </a:p>
-        </p:txBody>
-      </p:sp>
-      <p:sp>
-        <p:nvSpPr>
-          <p:cNvPr id="4" name="Espace réservé du contenu 3"/>
+            <a:endParaRPr lang="en-US" dirty="0"/>
+          </a:p>
+        </p:txBody>
+      </p:sp>
+      <p:sp>
+        <p:nvSpPr>
+          <p:cNvPr id="4" name="Content Placeholder 3"/>
           <p:cNvSpPr>
             <a:spLocks noGrp="1"/>
           </p:cNvSpPr>
@@ -2180,8 +2687,8 @@
         </p:nvSpPr>
         <p:spPr>
           <a:xfrm>
-            <a:off x="5295902" y="1295400"/>
-            <a:ext cx="3619500" cy="5257800"/>
+            <a:off x="4419600" y="1536192"/>
+            <a:ext cx="3657600" cy="4590288"/>
           </a:xfrm>
         </p:spPr>
         <p:txBody>
@@ -2219,7 +2726,7 @@
             <a:pPr lvl="0"/>
             <a:r>
               <a:rPr lang="fr-FR" smtClean="0"/>
-              <a:t>Cliquez pour modifier les styles du texte du masque</a:t>
+              <a:t>Modifiez les styles du texte du masque</a:t>
             </a:r>
           </a:p>
           <a:p>
@@ -2249,30 +2756,24 @@
               <a:rPr lang="fr-FR" smtClean="0"/>
               <a:t>Cinquième niveau</a:t>
             </a:r>
-            <a:endParaRPr lang="fr-FR"/>
-          </a:p>
-        </p:txBody>
-      </p:sp>
-      <p:sp>
-        <p:nvSpPr>
-          <p:cNvPr id="5" name="Rectangle 31"/>
-          <p:cNvSpPr>
-            <a:spLocks noGrp="1" noChangeArrowheads="1"/>
+            <a:endParaRPr lang="en-US" dirty="0"/>
+          </a:p>
+        </p:txBody>
+      </p:sp>
+      <p:sp>
+        <p:nvSpPr>
+          <p:cNvPr id="5" name="Date Placeholder 4"/>
+          <p:cNvSpPr>
+            <a:spLocks noGrp="1"/>
           </p:cNvSpPr>
           <p:nvPr>
             <p:ph type="dt" sz="half" idx="10"/>
           </p:nvPr>
         </p:nvSpPr>
-        <p:spPr>
-          <a:ln/>
-        </p:spPr>
-        <p:txBody>
-          <a:bodyPr/>
-          <a:lstStyle>
-            <a:lvl1pPr>
-              <a:defRPr/>
-            </a:lvl1pPr>
-          </a:lstStyle>
+        <p:spPr/>
+        <p:txBody>
+          <a:bodyPr/>
+          <a:lstStyle/>
           <a:p>
             <a:pPr>
               <a:defRPr/>
@@ -2283,24 +2784,18 @@
       </p:sp>
       <p:sp>
         <p:nvSpPr>
-          <p:cNvPr id="6" name="Rectangle 32"/>
-          <p:cNvSpPr>
-            <a:spLocks noGrp="1" noChangeArrowheads="1"/>
+          <p:cNvPr id="6" name="Footer Placeholder 5"/>
+          <p:cNvSpPr>
+            <a:spLocks noGrp="1"/>
           </p:cNvSpPr>
           <p:nvPr>
             <p:ph type="ftr" sz="quarter" idx="11"/>
           </p:nvPr>
         </p:nvSpPr>
-        <p:spPr>
-          <a:ln/>
-        </p:spPr>
-        <p:txBody>
-          <a:bodyPr/>
-          <a:lstStyle>
-            <a:lvl1pPr>
-              <a:defRPr/>
-            </a:lvl1pPr>
-          </a:lstStyle>
+        <p:spPr/>
+        <p:txBody>
+          <a:bodyPr/>
+          <a:lstStyle/>
           <a:p>
             <a:pPr>
               <a:defRPr/>
@@ -2311,30 +2806,24 @@
       </p:sp>
       <p:sp>
         <p:nvSpPr>
-          <p:cNvPr id="7" name="Rectangle 33"/>
-          <p:cNvSpPr>
-            <a:spLocks noGrp="1" noChangeArrowheads="1"/>
+          <p:cNvPr id="7" name="Slide Number Placeholder 6"/>
+          <p:cNvSpPr>
+            <a:spLocks noGrp="1"/>
           </p:cNvSpPr>
           <p:nvPr>
             <p:ph type="sldNum" sz="quarter" idx="12"/>
           </p:nvPr>
         </p:nvSpPr>
-        <p:spPr>
-          <a:ln/>
-        </p:spPr>
-        <p:txBody>
-          <a:bodyPr/>
-          <a:lstStyle>
-            <a:lvl1pPr>
-              <a:defRPr/>
-            </a:lvl1pPr>
-          </a:lstStyle>
+        <p:spPr/>
+        <p:txBody>
+          <a:bodyPr/>
+          <a:lstStyle/>
           <a:p>
             <a:pPr>
               <a:defRPr/>
             </a:pPr>
             <a:fld id="{61DFC3F3-F69D-4837-9DC8-BB26BAF3FB8D}" type="slidenum">
-              <a:rPr lang="fr-FR"/>
+              <a:rPr lang="fr-FR" smtClean="0"/>
               <a:pPr>
                 <a:defRPr/>
               </a:pPr>
@@ -2371,7 +2860,7 @@
       </p:grpSpPr>
       <p:sp>
         <p:nvSpPr>
-          <p:cNvPr id="2" name="Titre 1"/>
+          <p:cNvPr id="2" name="Title 1"/>
           <p:cNvSpPr>
             <a:spLocks noGrp="1"/>
           </p:cNvSpPr>
@@ -2379,12 +2868,7 @@
             <p:ph type="title"/>
           </p:nvPr>
         </p:nvSpPr>
-        <p:spPr>
-          <a:xfrm>
-            <a:off x="457200" y="274638"/>
-            <a:ext cx="8229600" cy="1143000"/>
-          </a:xfrm>
-        </p:spPr>
+        <p:spPr/>
         <p:txBody>
           <a:bodyPr/>
           <a:lstStyle>
@@ -2395,15 +2879,15 @@
           <a:p>
             <a:r>
               <a:rPr lang="fr-FR" smtClean="0"/>
-              <a:t>Cliquez pour modifier le style du titre</a:t>
-            </a:r>
-            <a:endParaRPr lang="fr-FR"/>
-          </a:p>
-        </p:txBody>
-      </p:sp>
-      <p:sp>
-        <p:nvSpPr>
-          <p:cNvPr id="3" name="Espace réservé du texte 2"/>
+              <a:t>Modifiez le style du titre</a:t>
+            </a:r>
+            <a:endParaRPr lang="en-US"/>
+          </a:p>
+        </p:txBody>
+      </p:sp>
+      <p:sp>
+        <p:nvSpPr>
+          <p:cNvPr id="3" name="Text Placeholder 2"/>
           <p:cNvSpPr>
             <a:spLocks noGrp="1"/>
           </p:cNvSpPr>
@@ -2413,16 +2897,22 @@
         </p:nvSpPr>
         <p:spPr>
           <a:xfrm>
-            <a:off x="457202" y="1535113"/>
-            <a:ext cx="4040188" cy="639762"/>
+            <a:off x="457200" y="1535113"/>
+            <a:ext cx="3657600" cy="639762"/>
           </a:xfrm>
         </p:spPr>
         <p:txBody>
-          <a:bodyPr anchor="b"/>
+          <a:bodyPr anchor="b">
+            <a:noAutofit/>
+          </a:bodyPr>
           <a:lstStyle>
-            <a:lvl1pPr marL="0" indent="0">
+            <a:lvl1pPr marL="0" indent="0" algn="ctr">
               <a:buNone/>
-              <a:defRPr sz="2400" b="1"/>
+              <a:defRPr sz="2000" b="1">
+                <a:solidFill>
+                  <a:schemeClr val="tx2"/>
+                </a:solidFill>
+              </a:defRPr>
             </a:lvl1pPr>
             <a:lvl2pPr marL="457200" indent="0">
               <a:buNone/>
@@ -2461,14 +2951,14 @@
             <a:pPr lvl="0"/>
             <a:r>
               <a:rPr lang="fr-FR" smtClean="0"/>
-              <a:t>Cliquez pour modifier les styles du texte du masque</a:t>
-            </a:r>
-          </a:p>
-        </p:txBody>
-      </p:sp>
-      <p:sp>
-        <p:nvSpPr>
-          <p:cNvPr id="4" name="Espace réservé du contenu 3"/>
+              <a:t>Modifiez les styles du texte du masque</a:t>
+            </a:r>
+          </a:p>
+        </p:txBody>
+      </p:sp>
+      <p:sp>
+        <p:nvSpPr>
+          <p:cNvPr id="4" name="Content Placeholder 3"/>
           <p:cNvSpPr>
             <a:spLocks noGrp="1"/>
           </p:cNvSpPr>
@@ -2478,8 +2968,8 @@
         </p:nvSpPr>
         <p:spPr>
           <a:xfrm>
-            <a:off x="457202" y="2174875"/>
-            <a:ext cx="4040188" cy="3951288"/>
+            <a:off x="457200" y="2174875"/>
+            <a:ext cx="3657600" cy="3951288"/>
           </a:xfrm>
         </p:spPr>
         <p:txBody>
@@ -2517,7 +3007,7 @@
             <a:pPr lvl="0"/>
             <a:r>
               <a:rPr lang="fr-FR" smtClean="0"/>
-              <a:t>Cliquez pour modifier les styles du texte du masque</a:t>
+              <a:t>Modifiez les styles du texte du masque</a:t>
             </a:r>
           </a:p>
           <a:p>
@@ -2547,13 +3037,13 @@
               <a:rPr lang="fr-FR" smtClean="0"/>
               <a:t>Cinquième niveau</a:t>
             </a:r>
-            <a:endParaRPr lang="fr-FR"/>
-          </a:p>
-        </p:txBody>
-      </p:sp>
-      <p:sp>
-        <p:nvSpPr>
-          <p:cNvPr id="5" name="Espace réservé du texte 4"/>
+            <a:endParaRPr lang="en-US" dirty="0"/>
+          </a:p>
+        </p:txBody>
+      </p:sp>
+      <p:sp>
+        <p:nvSpPr>
+          <p:cNvPr id="5" name="Text Placeholder 4"/>
           <p:cNvSpPr>
             <a:spLocks noGrp="1"/>
           </p:cNvSpPr>
@@ -2563,16 +3053,22 @@
         </p:nvSpPr>
         <p:spPr>
           <a:xfrm>
-            <a:off x="4645027" y="1535113"/>
-            <a:ext cx="4041775" cy="639762"/>
+            <a:off x="4419600" y="1535113"/>
+            <a:ext cx="3657600" cy="639762"/>
           </a:xfrm>
         </p:spPr>
         <p:txBody>
-          <a:bodyPr anchor="b"/>
+          <a:bodyPr anchor="b">
+            <a:noAutofit/>
+          </a:bodyPr>
           <a:lstStyle>
-            <a:lvl1pPr marL="0" indent="0">
+            <a:lvl1pPr marL="0" indent="0" algn="ctr">
               <a:buNone/>
-              <a:defRPr sz="2400" b="1"/>
+              <a:defRPr sz="2000" b="1">
+                <a:solidFill>
+                  <a:schemeClr val="tx2"/>
+                </a:solidFill>
+              </a:defRPr>
             </a:lvl1pPr>
             <a:lvl2pPr marL="457200" indent="0">
               <a:buNone/>
@@ -2611,14 +3107,14 @@
             <a:pPr lvl="0"/>
             <a:r>
               <a:rPr lang="fr-FR" smtClean="0"/>
-              <a:t>Cliquez pour modifier les styles du texte du masque</a:t>
-            </a:r>
-          </a:p>
-        </p:txBody>
-      </p:sp>
-      <p:sp>
-        <p:nvSpPr>
-          <p:cNvPr id="6" name="Espace réservé du contenu 5"/>
+              <a:t>Modifiez les styles du texte du masque</a:t>
+            </a:r>
+          </a:p>
+        </p:txBody>
+      </p:sp>
+      <p:sp>
+        <p:nvSpPr>
+          <p:cNvPr id="6" name="Content Placeholder 5"/>
           <p:cNvSpPr>
             <a:spLocks noGrp="1"/>
           </p:cNvSpPr>
@@ -2628,8 +3124,8 @@
         </p:nvSpPr>
         <p:spPr>
           <a:xfrm>
-            <a:off x="4645027" y="2174875"/>
-            <a:ext cx="4041775" cy="3951288"/>
+            <a:off x="4419600" y="2174875"/>
+            <a:ext cx="3657600" cy="3951288"/>
           </a:xfrm>
         </p:spPr>
         <p:txBody>
@@ -2667,7 +3163,7 @@
             <a:pPr lvl="0"/>
             <a:r>
               <a:rPr lang="fr-FR" smtClean="0"/>
-              <a:t>Cliquez pour modifier les styles du texte du masque</a:t>
+              <a:t>Modifiez les styles du texte du masque</a:t>
             </a:r>
           </a:p>
           <a:p>
@@ -2697,30 +3193,24 @@
               <a:rPr lang="fr-FR" smtClean="0"/>
               <a:t>Cinquième niveau</a:t>
             </a:r>
-            <a:endParaRPr lang="fr-FR"/>
-          </a:p>
-        </p:txBody>
-      </p:sp>
-      <p:sp>
-        <p:nvSpPr>
-          <p:cNvPr id="7" name="Rectangle 31"/>
-          <p:cNvSpPr>
-            <a:spLocks noGrp="1" noChangeArrowheads="1"/>
+            <a:endParaRPr lang="en-US"/>
+          </a:p>
+        </p:txBody>
+      </p:sp>
+      <p:sp>
+        <p:nvSpPr>
+          <p:cNvPr id="7" name="Date Placeholder 6"/>
+          <p:cNvSpPr>
+            <a:spLocks noGrp="1"/>
           </p:cNvSpPr>
           <p:nvPr>
             <p:ph type="dt" sz="half" idx="10"/>
           </p:nvPr>
         </p:nvSpPr>
-        <p:spPr>
-          <a:ln/>
-        </p:spPr>
-        <p:txBody>
-          <a:bodyPr/>
-          <a:lstStyle>
-            <a:lvl1pPr>
-              <a:defRPr/>
-            </a:lvl1pPr>
-          </a:lstStyle>
+        <p:spPr/>
+        <p:txBody>
+          <a:bodyPr/>
+          <a:lstStyle/>
           <a:p>
             <a:pPr>
               <a:defRPr/>
@@ -2731,24 +3221,18 @@
       </p:sp>
       <p:sp>
         <p:nvSpPr>
-          <p:cNvPr id="8" name="Rectangle 32"/>
-          <p:cNvSpPr>
-            <a:spLocks noGrp="1" noChangeArrowheads="1"/>
+          <p:cNvPr id="8" name="Footer Placeholder 7"/>
+          <p:cNvSpPr>
+            <a:spLocks noGrp="1"/>
           </p:cNvSpPr>
           <p:nvPr>
             <p:ph type="ftr" sz="quarter" idx="11"/>
           </p:nvPr>
         </p:nvSpPr>
-        <p:spPr>
-          <a:ln/>
-        </p:spPr>
-        <p:txBody>
-          <a:bodyPr/>
-          <a:lstStyle>
-            <a:lvl1pPr>
-              <a:defRPr/>
-            </a:lvl1pPr>
-          </a:lstStyle>
+        <p:spPr/>
+        <p:txBody>
+          <a:bodyPr/>
+          <a:lstStyle/>
           <a:p>
             <a:pPr>
               <a:defRPr/>
@@ -2759,30 +3243,24 @@
       </p:sp>
       <p:sp>
         <p:nvSpPr>
-          <p:cNvPr id="9" name="Rectangle 33"/>
-          <p:cNvSpPr>
-            <a:spLocks noGrp="1" noChangeArrowheads="1"/>
+          <p:cNvPr id="9" name="Slide Number Placeholder 8"/>
+          <p:cNvSpPr>
+            <a:spLocks noGrp="1"/>
           </p:cNvSpPr>
           <p:nvPr>
             <p:ph type="sldNum" sz="quarter" idx="12"/>
           </p:nvPr>
         </p:nvSpPr>
-        <p:spPr>
-          <a:ln/>
-        </p:spPr>
-        <p:txBody>
-          <a:bodyPr/>
-          <a:lstStyle>
-            <a:lvl1pPr>
-              <a:defRPr/>
-            </a:lvl1pPr>
-          </a:lstStyle>
+        <p:spPr/>
+        <p:txBody>
+          <a:bodyPr/>
+          <a:lstStyle/>
           <a:p>
             <a:pPr>
               <a:defRPr/>
             </a:pPr>
             <a:fld id="{00060483-A7EE-4003-BDDE-CA7F01C36401}" type="slidenum">
-              <a:rPr lang="fr-FR"/>
+              <a:rPr lang="fr-FR" smtClean="0"/>
               <a:pPr>
                 <a:defRPr/>
               </a:pPr>
@@ -2819,7 +3297,7 @@
       </p:grpSpPr>
       <p:sp>
         <p:nvSpPr>
-          <p:cNvPr id="2" name="Titre 1"/>
+          <p:cNvPr id="2" name="Title 1"/>
           <p:cNvSpPr>
             <a:spLocks noGrp="1"/>
           </p:cNvSpPr>
@@ -2834,32 +3312,26 @@
           <a:p>
             <a:r>
               <a:rPr lang="fr-FR" smtClean="0"/>
-              <a:t>Cliquez pour modifier le style du titre</a:t>
-            </a:r>
-            <a:endParaRPr lang="fr-FR"/>
-          </a:p>
-        </p:txBody>
-      </p:sp>
-      <p:sp>
-        <p:nvSpPr>
-          <p:cNvPr id="3" name="Rectangle 31"/>
-          <p:cNvSpPr>
-            <a:spLocks noGrp="1" noChangeArrowheads="1"/>
+              <a:t>Modifiez le style du titre</a:t>
+            </a:r>
+            <a:endParaRPr lang="en-US"/>
+          </a:p>
+        </p:txBody>
+      </p:sp>
+      <p:sp>
+        <p:nvSpPr>
+          <p:cNvPr id="3" name="Date Placeholder 2"/>
+          <p:cNvSpPr>
+            <a:spLocks noGrp="1"/>
           </p:cNvSpPr>
           <p:nvPr>
             <p:ph type="dt" sz="half" idx="10"/>
           </p:nvPr>
         </p:nvSpPr>
-        <p:spPr>
-          <a:ln/>
-        </p:spPr>
-        <p:txBody>
-          <a:bodyPr/>
-          <a:lstStyle>
-            <a:lvl1pPr>
-              <a:defRPr/>
-            </a:lvl1pPr>
-          </a:lstStyle>
+        <p:spPr/>
+        <p:txBody>
+          <a:bodyPr/>
+          <a:lstStyle/>
           <a:p>
             <a:pPr>
               <a:defRPr/>
@@ -2870,24 +3342,18 @@
       </p:sp>
       <p:sp>
         <p:nvSpPr>
-          <p:cNvPr id="4" name="Rectangle 32"/>
-          <p:cNvSpPr>
-            <a:spLocks noGrp="1" noChangeArrowheads="1"/>
+          <p:cNvPr id="4" name="Footer Placeholder 3"/>
+          <p:cNvSpPr>
+            <a:spLocks noGrp="1"/>
           </p:cNvSpPr>
           <p:nvPr>
             <p:ph type="ftr" sz="quarter" idx="11"/>
           </p:nvPr>
         </p:nvSpPr>
-        <p:spPr>
-          <a:ln/>
-        </p:spPr>
-        <p:txBody>
-          <a:bodyPr/>
-          <a:lstStyle>
-            <a:lvl1pPr>
-              <a:defRPr/>
-            </a:lvl1pPr>
-          </a:lstStyle>
+        <p:spPr/>
+        <p:txBody>
+          <a:bodyPr/>
+          <a:lstStyle/>
           <a:p>
             <a:pPr>
               <a:defRPr/>
@@ -2898,30 +3364,24 @@
       </p:sp>
       <p:sp>
         <p:nvSpPr>
-          <p:cNvPr id="5" name="Rectangle 33"/>
-          <p:cNvSpPr>
-            <a:spLocks noGrp="1" noChangeArrowheads="1"/>
+          <p:cNvPr id="5" name="Slide Number Placeholder 4"/>
+          <p:cNvSpPr>
+            <a:spLocks noGrp="1"/>
           </p:cNvSpPr>
           <p:nvPr>
             <p:ph type="sldNum" sz="quarter" idx="12"/>
           </p:nvPr>
         </p:nvSpPr>
-        <p:spPr>
-          <a:ln/>
-        </p:spPr>
-        <p:txBody>
-          <a:bodyPr/>
-          <a:lstStyle>
-            <a:lvl1pPr>
-              <a:defRPr/>
-            </a:lvl1pPr>
-          </a:lstStyle>
+        <p:spPr/>
+        <p:txBody>
+          <a:bodyPr/>
+          <a:lstStyle/>
           <a:p>
             <a:pPr>
               <a:defRPr/>
             </a:pPr>
             <a:fld id="{19E652DD-D329-4F0F-B00A-96682B41EEDE}" type="slidenum">
-              <a:rPr lang="fr-FR"/>
+              <a:rPr lang="fr-FR" smtClean="0"/>
               <a:pPr>
                 <a:defRPr/>
               </a:pPr>
@@ -2958,24 +3418,18 @@
       </p:grpSpPr>
       <p:sp>
         <p:nvSpPr>
-          <p:cNvPr id="2" name="Rectangle 31"/>
-          <p:cNvSpPr>
-            <a:spLocks noGrp="1" noChangeArrowheads="1"/>
+          <p:cNvPr id="2" name="Date Placeholder 1"/>
+          <p:cNvSpPr>
+            <a:spLocks noGrp="1"/>
           </p:cNvSpPr>
           <p:nvPr>
             <p:ph type="dt" sz="half" idx="10"/>
           </p:nvPr>
         </p:nvSpPr>
-        <p:spPr>
-          <a:ln/>
-        </p:spPr>
-        <p:txBody>
-          <a:bodyPr/>
-          <a:lstStyle>
-            <a:lvl1pPr>
-              <a:defRPr/>
-            </a:lvl1pPr>
-          </a:lstStyle>
+        <p:spPr/>
+        <p:txBody>
+          <a:bodyPr/>
+          <a:lstStyle/>
           <a:p>
             <a:pPr>
               <a:defRPr/>
@@ -2986,24 +3440,18 @@
       </p:sp>
       <p:sp>
         <p:nvSpPr>
-          <p:cNvPr id="3" name="Rectangle 32"/>
-          <p:cNvSpPr>
-            <a:spLocks noGrp="1" noChangeArrowheads="1"/>
+          <p:cNvPr id="3" name="Footer Placeholder 2"/>
+          <p:cNvSpPr>
+            <a:spLocks noGrp="1"/>
           </p:cNvSpPr>
           <p:nvPr>
             <p:ph type="ftr" sz="quarter" idx="11"/>
           </p:nvPr>
         </p:nvSpPr>
-        <p:spPr>
-          <a:ln/>
-        </p:spPr>
-        <p:txBody>
-          <a:bodyPr/>
-          <a:lstStyle>
-            <a:lvl1pPr>
-              <a:defRPr/>
-            </a:lvl1pPr>
-          </a:lstStyle>
+        <p:spPr/>
+        <p:txBody>
+          <a:bodyPr/>
+          <a:lstStyle/>
           <a:p>
             <a:pPr>
               <a:defRPr/>
@@ -3014,30 +3462,24 @@
       </p:sp>
       <p:sp>
         <p:nvSpPr>
-          <p:cNvPr id="4" name="Rectangle 33"/>
-          <p:cNvSpPr>
-            <a:spLocks noGrp="1" noChangeArrowheads="1"/>
+          <p:cNvPr id="4" name="Slide Number Placeholder 3"/>
+          <p:cNvSpPr>
+            <a:spLocks noGrp="1"/>
           </p:cNvSpPr>
           <p:nvPr>
             <p:ph type="sldNum" sz="quarter" idx="12"/>
           </p:nvPr>
         </p:nvSpPr>
-        <p:spPr>
-          <a:ln/>
-        </p:spPr>
-        <p:txBody>
-          <a:bodyPr/>
-          <a:lstStyle>
-            <a:lvl1pPr>
-              <a:defRPr/>
-            </a:lvl1pPr>
-          </a:lstStyle>
+        <p:spPr/>
+        <p:txBody>
+          <a:bodyPr/>
+          <a:lstStyle/>
           <a:p>
             <a:pPr>
               <a:defRPr/>
             </a:pPr>
             <a:fld id="{AC0945CE-423E-4B03-B3B1-053D4B5DB505}" type="slidenum">
-              <a:rPr lang="fr-FR"/>
+              <a:rPr lang="fr-FR" smtClean="0"/>
               <a:pPr>
                 <a:defRPr/>
               </a:pPr>
@@ -3074,7 +3516,7 @@
       </p:grpSpPr>
       <p:sp>
         <p:nvSpPr>
-          <p:cNvPr id="2" name="Titre 1"/>
+          <p:cNvPr id="2" name="Title 1"/>
           <p:cNvSpPr>
             <a:spLocks noGrp="1"/>
           </p:cNvSpPr>
@@ -3084,133 +3526,50 @@
         </p:nvSpPr>
         <p:spPr>
           <a:xfrm>
-            <a:off x="457202" y="273050"/>
-            <a:ext cx="3008313" cy="1162050"/>
+            <a:off x="304801" y="5495544"/>
+            <a:ext cx="7772400" cy="594360"/>
           </a:xfrm>
         </p:spPr>
         <p:txBody>
           <a:bodyPr anchor="b"/>
           <a:lstStyle>
-            <a:lvl1pPr algn="l">
-              <a:defRPr sz="2000" b="1"/>
+            <a:lvl1pPr algn="ctr">
+              <a:defRPr sz="2200" b="1"/>
             </a:lvl1pPr>
           </a:lstStyle>
           <a:p>
             <a:r>
               <a:rPr lang="fr-FR" smtClean="0"/>
-              <a:t>Cliquez pour modifier le style du titre</a:t>
-            </a:r>
-            <a:endParaRPr lang="fr-FR"/>
-          </a:p>
-        </p:txBody>
-      </p:sp>
-      <p:sp>
-        <p:nvSpPr>
-          <p:cNvPr id="3" name="Espace réservé du contenu 2"/>
-          <p:cNvSpPr>
-            <a:spLocks noGrp="1"/>
-          </p:cNvSpPr>
-          <p:nvPr>
-            <p:ph idx="1"/>
+              <a:t>Modifiez le style du titre</a:t>
+            </a:r>
+            <a:endParaRPr lang="en-US" dirty="0"/>
+          </a:p>
+        </p:txBody>
+      </p:sp>
+      <p:sp>
+        <p:nvSpPr>
+          <p:cNvPr id="4" name="Text Placeholder 3"/>
+          <p:cNvSpPr>
+            <a:spLocks noGrp="1"/>
+          </p:cNvSpPr>
+          <p:nvPr>
+            <p:ph type="body" sz="half" idx="2"/>
           </p:nvPr>
         </p:nvSpPr>
         <p:spPr>
           <a:xfrm>
-            <a:off x="3575051" y="273052"/>
-            <a:ext cx="5111751" cy="5853113"/>
+            <a:off x="304799" y="6096000"/>
+            <a:ext cx="7772401" cy="609600"/>
           </a:xfrm>
         </p:spPr>
         <p:txBody>
-          <a:bodyPr/>
+          <a:bodyPr>
+            <a:normAutofit/>
+          </a:bodyPr>
           <a:lstStyle>
-            <a:lvl1pPr>
-              <a:defRPr sz="3200"/>
-            </a:lvl1pPr>
-            <a:lvl2pPr>
-              <a:defRPr sz="2800"/>
-            </a:lvl2pPr>
-            <a:lvl3pPr>
-              <a:defRPr sz="2400"/>
-            </a:lvl3pPr>
-            <a:lvl4pPr>
-              <a:defRPr sz="2000"/>
-            </a:lvl4pPr>
-            <a:lvl5pPr>
-              <a:defRPr sz="2000"/>
-            </a:lvl5pPr>
-            <a:lvl6pPr>
-              <a:defRPr sz="2000"/>
-            </a:lvl6pPr>
-            <a:lvl7pPr>
-              <a:defRPr sz="2000"/>
-            </a:lvl7pPr>
-            <a:lvl8pPr>
-              <a:defRPr sz="2000"/>
-            </a:lvl8pPr>
-            <a:lvl9pPr>
-              <a:defRPr sz="2000"/>
-            </a:lvl9pPr>
-          </a:lstStyle>
-          <a:p>
-            <a:pPr lvl="0"/>
-            <a:r>
-              <a:rPr lang="fr-FR" smtClean="0"/>
-              <a:t>Cliquez pour modifier les styles du texte du masque</a:t>
-            </a:r>
-          </a:p>
-          <a:p>
-            <a:pPr lvl="1"/>
-            <a:r>
-              <a:rPr lang="fr-FR" smtClean="0"/>
-              <a:t>Deuxième niveau</a:t>
-            </a:r>
-          </a:p>
-          <a:p>
-            <a:pPr lvl="2"/>
-            <a:r>
-              <a:rPr lang="fr-FR" smtClean="0"/>
-              <a:t>Troisième niveau</a:t>
-            </a:r>
-          </a:p>
-          <a:p>
-            <a:pPr lvl="3"/>
-            <a:r>
-              <a:rPr lang="fr-FR" smtClean="0"/>
-              <a:t>Quatrième niveau</a:t>
-            </a:r>
-          </a:p>
-          <a:p>
-            <a:pPr lvl="4"/>
-            <a:r>
-              <a:rPr lang="fr-FR" smtClean="0"/>
-              <a:t>Cinquième niveau</a:t>
-            </a:r>
-            <a:endParaRPr lang="fr-FR"/>
-          </a:p>
-        </p:txBody>
-      </p:sp>
-      <p:sp>
-        <p:nvSpPr>
-          <p:cNvPr id="4" name="Espace réservé du texte 3"/>
-          <p:cNvSpPr>
-            <a:spLocks noGrp="1"/>
-          </p:cNvSpPr>
-          <p:nvPr>
-            <p:ph type="body" sz="half" idx="2"/>
-          </p:nvPr>
-        </p:nvSpPr>
-        <p:spPr>
-          <a:xfrm>
-            <a:off x="457202" y="1435102"/>
-            <a:ext cx="3008313" cy="4691063"/>
-          </a:xfrm>
-        </p:spPr>
-        <p:txBody>
-          <a:bodyPr/>
-          <a:lstStyle>
-            <a:lvl1pPr marL="0" indent="0">
+            <a:lvl1pPr marL="0" indent="0" algn="ctr">
               <a:buNone/>
-              <a:defRPr sz="1400"/>
+              <a:defRPr sz="1600"/>
             </a:lvl1pPr>
             <a:lvl2pPr marL="457200" indent="0">
               <a:buNone/>
@@ -3249,31 +3608,25 @@
             <a:pPr lvl="0"/>
             <a:r>
               <a:rPr lang="fr-FR" smtClean="0"/>
-              <a:t>Cliquez pour modifier les styles du texte du masque</a:t>
-            </a:r>
-          </a:p>
-        </p:txBody>
-      </p:sp>
-      <p:sp>
-        <p:nvSpPr>
-          <p:cNvPr id="5" name="Rectangle 31"/>
-          <p:cNvSpPr>
-            <a:spLocks noGrp="1" noChangeArrowheads="1"/>
+              <a:t>Modifiez les styles du texte du masque</a:t>
+            </a:r>
+          </a:p>
+        </p:txBody>
+      </p:sp>
+      <p:sp>
+        <p:nvSpPr>
+          <p:cNvPr id="5" name="Date Placeholder 4"/>
+          <p:cNvSpPr>
+            <a:spLocks noGrp="1"/>
           </p:cNvSpPr>
           <p:nvPr>
             <p:ph type="dt" sz="half" idx="10"/>
           </p:nvPr>
         </p:nvSpPr>
-        <p:spPr>
-          <a:ln/>
-        </p:spPr>
-        <p:txBody>
-          <a:bodyPr/>
-          <a:lstStyle>
-            <a:lvl1pPr>
-              <a:defRPr/>
-            </a:lvl1pPr>
-          </a:lstStyle>
+        <p:spPr/>
+        <p:txBody>
+          <a:bodyPr/>
+          <a:lstStyle/>
           <a:p>
             <a:pPr>
               <a:defRPr/>
@@ -3284,24 +3637,18 @@
       </p:sp>
       <p:sp>
         <p:nvSpPr>
-          <p:cNvPr id="6" name="Rectangle 32"/>
-          <p:cNvSpPr>
-            <a:spLocks noGrp="1" noChangeArrowheads="1"/>
+          <p:cNvPr id="6" name="Footer Placeholder 5"/>
+          <p:cNvSpPr>
+            <a:spLocks noGrp="1"/>
           </p:cNvSpPr>
           <p:nvPr>
             <p:ph type="ftr" sz="quarter" idx="11"/>
           </p:nvPr>
         </p:nvSpPr>
-        <p:spPr>
-          <a:ln/>
-        </p:spPr>
-        <p:txBody>
-          <a:bodyPr/>
-          <a:lstStyle>
-            <a:lvl1pPr>
-              <a:defRPr/>
-            </a:lvl1pPr>
-          </a:lstStyle>
+        <p:spPr/>
+        <p:txBody>
+          <a:bodyPr/>
+          <a:lstStyle/>
           <a:p>
             <a:pPr>
               <a:defRPr/>
@@ -3312,36 +3659,87 @@
       </p:sp>
       <p:sp>
         <p:nvSpPr>
-          <p:cNvPr id="7" name="Rectangle 33"/>
-          <p:cNvSpPr>
-            <a:spLocks noGrp="1" noChangeArrowheads="1"/>
+          <p:cNvPr id="7" name="Slide Number Placeholder 6"/>
+          <p:cNvSpPr>
+            <a:spLocks noGrp="1"/>
           </p:cNvSpPr>
           <p:nvPr>
             <p:ph type="sldNum" sz="quarter" idx="12"/>
           </p:nvPr>
         </p:nvSpPr>
-        <p:spPr>
-          <a:ln/>
-        </p:spPr>
-        <p:txBody>
-          <a:bodyPr/>
-          <a:lstStyle>
-            <a:lvl1pPr>
-              <a:defRPr/>
-            </a:lvl1pPr>
-          </a:lstStyle>
+        <p:spPr/>
+        <p:txBody>
+          <a:bodyPr/>
+          <a:lstStyle/>
           <a:p>
             <a:pPr>
               <a:defRPr/>
             </a:pPr>
             <a:fld id="{C5F148AB-B454-4749-AACF-90A9FECB15AF}" type="slidenum">
-              <a:rPr lang="fr-FR"/>
+              <a:rPr lang="fr-FR" smtClean="0"/>
               <a:pPr>
                 <a:defRPr/>
               </a:pPr>
               <a:t>‹N°›</a:t>
             </a:fld>
             <a:endParaRPr lang="fr-FR"/>
+          </a:p>
+        </p:txBody>
+      </p:sp>
+      <p:sp>
+        <p:nvSpPr>
+          <p:cNvPr id="9" name="Content Placeholder 8"/>
+          <p:cNvSpPr>
+            <a:spLocks noGrp="1"/>
+          </p:cNvSpPr>
+          <p:nvPr>
+            <p:ph sz="quarter" idx="13"/>
+          </p:nvPr>
+        </p:nvSpPr>
+        <p:spPr>
+          <a:xfrm>
+            <a:off x="304800" y="381000"/>
+            <a:ext cx="7772400" cy="4942840"/>
+          </a:xfrm>
+        </p:spPr>
+        <p:txBody>
+          <a:bodyPr/>
+          <a:lstStyle/>
+          <a:p>
+            <a:pPr lvl="0"/>
+            <a:r>
+              <a:rPr lang="fr-FR" smtClean="0"/>
+              <a:t>Modifiez les styles du texte du masque</a:t>
+            </a:r>
+          </a:p>
+          <a:p>
+            <a:pPr lvl="1"/>
+            <a:r>
+              <a:rPr lang="fr-FR" smtClean="0"/>
+              <a:t>Deuxième niveau</a:t>
+            </a:r>
+          </a:p>
+          <a:p>
+            <a:pPr lvl="2"/>
+            <a:r>
+              <a:rPr lang="fr-FR" smtClean="0"/>
+              <a:t>Troisième niveau</a:t>
+            </a:r>
+          </a:p>
+          <a:p>
+            <a:pPr lvl="3"/>
+            <a:r>
+              <a:rPr lang="fr-FR" smtClean="0"/>
+              <a:t>Quatrième niveau</a:t>
+            </a:r>
+          </a:p>
+          <a:p>
+            <a:pPr lvl="4"/>
+            <a:r>
+              <a:rPr lang="fr-FR" smtClean="0"/>
+              <a:t>Cinquième niveau</a:t>
+            </a:r>
+            <a:endParaRPr lang="en-US"/>
           </a:p>
         </p:txBody>
       </p:sp>
@@ -3372,7 +3770,7 @@
       </p:grpSpPr>
       <p:sp>
         <p:nvSpPr>
-          <p:cNvPr id="2" name="Titre 1"/>
+          <p:cNvPr id="2" name="Title 1"/>
           <p:cNvSpPr>
             <a:spLocks noGrp="1"/>
           </p:cNvSpPr>
@@ -3382,29 +3780,36 @@
         </p:nvSpPr>
         <p:spPr>
           <a:xfrm>
-            <a:off x="1792288" y="4800601"/>
-            <a:ext cx="5486400" cy="566738"/>
+            <a:off x="301752" y="5495278"/>
+            <a:ext cx="7772400" cy="594626"/>
           </a:xfrm>
         </p:spPr>
         <p:txBody>
           <a:bodyPr anchor="b"/>
           <a:lstStyle>
-            <a:lvl1pPr algn="l">
-              <a:defRPr sz="2000" b="1"/>
+            <a:lvl1pPr algn="ctr">
+              <a:defRPr sz="2200" b="1">
+                <a:ln>
+                  <a:noFill/>
+                </a:ln>
+                <a:solidFill>
+                  <a:schemeClr val="tx2"/>
+                </a:solidFill>
+              </a:defRPr>
             </a:lvl1pPr>
           </a:lstStyle>
           <a:p>
             <a:r>
               <a:rPr lang="fr-FR" smtClean="0"/>
-              <a:t>Cliquez pour modifier le style du titre</a:t>
-            </a:r>
-            <a:endParaRPr lang="fr-FR"/>
-          </a:p>
-        </p:txBody>
-      </p:sp>
-      <p:sp>
-        <p:nvSpPr>
-          <p:cNvPr id="3" name="Espace réservé pour une image  2"/>
+              <a:t>Modifiez le style du titre</a:t>
+            </a:r>
+            <a:endParaRPr lang="en-US" dirty="0"/>
+          </a:p>
+        </p:txBody>
+      </p:sp>
+      <p:sp>
+        <p:nvSpPr>
+          <p:cNvPr id="3" name="Picture Placeholder 2"/>
           <p:cNvSpPr>
             <a:spLocks noGrp="1"/>
           </p:cNvSpPr>
@@ -3414,8 +3819,8 @@
         </p:nvSpPr>
         <p:spPr>
           <a:xfrm>
-            <a:off x="1792288" y="612775"/>
-            <a:ext cx="5486400" cy="4114800"/>
+            <a:off x="0" y="0"/>
+            <a:ext cx="8458200" cy="5486400"/>
           </a:xfrm>
         </p:spPr>
         <p:txBody>
@@ -3459,17 +3864,17 @@
             </a:lvl9pPr>
           </a:lstStyle>
           <a:p>
-            <a:pPr lvl="0"/>
-            <a:r>
-              <a:rPr lang="fr-FR" noProof="0" smtClean="0"/>
+            <a:r>
+              <a:rPr lang="fr-FR" smtClean="0"/>
               <a:t>Cliquez sur l'icône pour ajouter une image</a:t>
             </a:r>
-          </a:p>
-        </p:txBody>
-      </p:sp>
-      <p:sp>
-        <p:nvSpPr>
-          <p:cNvPr id="4" name="Espace réservé du texte 3"/>
+            <a:endParaRPr lang="en-US" dirty="0"/>
+          </a:p>
+        </p:txBody>
+      </p:sp>
+      <p:sp>
+        <p:nvSpPr>
+          <p:cNvPr id="4" name="Text Placeholder 3"/>
           <p:cNvSpPr>
             <a:spLocks noGrp="1"/>
           </p:cNvSpPr>
@@ -3479,16 +3884,18 @@
         </p:nvSpPr>
         <p:spPr>
           <a:xfrm>
-            <a:off x="1792288" y="5367339"/>
-            <a:ext cx="5486400" cy="804862"/>
+            <a:off x="301752" y="6096000"/>
+            <a:ext cx="7772400" cy="612648"/>
           </a:xfrm>
         </p:spPr>
         <p:txBody>
-          <a:bodyPr/>
+          <a:bodyPr>
+            <a:normAutofit/>
+          </a:bodyPr>
           <a:lstStyle>
-            <a:lvl1pPr marL="0" indent="0">
+            <a:lvl1pPr marL="0" indent="0" algn="ctr">
               <a:buNone/>
-              <a:defRPr sz="1400"/>
+              <a:defRPr sz="1600"/>
             </a:lvl1pPr>
             <a:lvl2pPr marL="457200" indent="0">
               <a:buNone/>
@@ -3527,31 +3934,25 @@
             <a:pPr lvl="0"/>
             <a:r>
               <a:rPr lang="fr-FR" smtClean="0"/>
-              <a:t>Cliquez pour modifier les styles du texte du masque</a:t>
-            </a:r>
-          </a:p>
-        </p:txBody>
-      </p:sp>
-      <p:sp>
-        <p:nvSpPr>
-          <p:cNvPr id="5" name="Rectangle 31"/>
-          <p:cNvSpPr>
-            <a:spLocks noGrp="1" noChangeArrowheads="1"/>
+              <a:t>Modifiez les styles du texte du masque</a:t>
+            </a:r>
+          </a:p>
+        </p:txBody>
+      </p:sp>
+      <p:sp>
+        <p:nvSpPr>
+          <p:cNvPr id="8" name="Date Placeholder 7"/>
+          <p:cNvSpPr>
+            <a:spLocks noGrp="1"/>
           </p:cNvSpPr>
           <p:nvPr>
             <p:ph type="dt" sz="half" idx="10"/>
           </p:nvPr>
         </p:nvSpPr>
-        <p:spPr>
-          <a:ln/>
-        </p:spPr>
-        <p:txBody>
-          <a:bodyPr/>
-          <a:lstStyle>
-            <a:lvl1pPr>
-              <a:defRPr/>
-            </a:lvl1pPr>
-          </a:lstStyle>
+        <p:spPr/>
+        <p:txBody>
+          <a:bodyPr/>
+          <a:lstStyle/>
           <a:p>
             <a:pPr>
               <a:defRPr/>
@@ -3562,63 +3963,51 @@
       </p:sp>
       <p:sp>
         <p:nvSpPr>
-          <p:cNvPr id="6" name="Rectangle 32"/>
-          <p:cNvSpPr>
-            <a:spLocks noGrp="1" noChangeArrowheads="1"/>
-          </p:cNvSpPr>
-          <p:nvPr>
-            <p:ph type="ftr" sz="quarter" idx="11"/>
-          </p:nvPr>
-        </p:nvSpPr>
-        <p:spPr>
-          <a:ln/>
-        </p:spPr>
-        <p:txBody>
-          <a:bodyPr/>
-          <a:lstStyle>
-            <a:lvl1pPr>
-              <a:defRPr/>
-            </a:lvl1pPr>
-          </a:lstStyle>
-          <a:p>
-            <a:pPr>
-              <a:defRPr/>
-            </a:pPr>
-            <a:endParaRPr lang="fr-FR"/>
-          </a:p>
-        </p:txBody>
-      </p:sp>
-      <p:sp>
-        <p:nvSpPr>
-          <p:cNvPr id="7" name="Rectangle 33"/>
-          <p:cNvSpPr>
-            <a:spLocks noGrp="1" noChangeArrowheads="1"/>
-          </p:cNvSpPr>
-          <p:nvPr>
-            <p:ph type="sldNum" sz="quarter" idx="12"/>
-          </p:nvPr>
-        </p:nvSpPr>
-        <p:spPr>
-          <a:ln/>
-        </p:spPr>
-        <p:txBody>
-          <a:bodyPr/>
-          <a:lstStyle>
-            <a:lvl1pPr>
-              <a:defRPr/>
-            </a:lvl1pPr>
-          </a:lstStyle>
+          <p:cNvPr id="9" name="Slide Number Placeholder 8"/>
+          <p:cNvSpPr>
+            <a:spLocks noGrp="1"/>
+          </p:cNvSpPr>
+          <p:nvPr>
+            <p:ph type="sldNum" sz="quarter" idx="11"/>
+          </p:nvPr>
+        </p:nvSpPr>
+        <p:spPr/>
+        <p:txBody>
+          <a:bodyPr/>
+          <a:lstStyle/>
           <a:p>
             <a:pPr>
               <a:defRPr/>
             </a:pPr>
             <a:fld id="{F5876396-D483-4083-B425-570FD20B57E6}" type="slidenum">
-              <a:rPr lang="fr-FR"/>
+              <a:rPr lang="fr-FR" smtClean="0"/>
               <a:pPr>
                 <a:defRPr/>
               </a:pPr>
               <a:t>‹N°›</a:t>
             </a:fld>
+            <a:endParaRPr lang="fr-FR"/>
+          </a:p>
+        </p:txBody>
+      </p:sp>
+      <p:sp>
+        <p:nvSpPr>
+          <p:cNvPr id="10" name="Footer Placeholder 9"/>
+          <p:cNvSpPr>
+            <a:spLocks noGrp="1"/>
+          </p:cNvSpPr>
+          <p:nvPr>
+            <p:ph type="ftr" sz="quarter" idx="12"/>
+          </p:nvPr>
+        </p:nvSpPr>
+        <p:spPr/>
+        <p:txBody>
+          <a:bodyPr/>
+          <a:lstStyle/>
+          <a:p>
+            <a:pPr>
+              <a:defRPr/>
+            </a:pPr>
             <a:endParaRPr lang="fr-FR"/>
           </a:p>
         </p:txBody>
@@ -3634,17 +4023,10 @@
 <file path=ppt/slideMasters/slideMaster1.xml><?xml version="1.0" encoding="utf-8"?>
 <p:sldMaster xmlns:a="http://schemas.openxmlformats.org/drawingml/2006/main" xmlns:r="http://schemas.openxmlformats.org/officeDocument/2006/relationships" xmlns:p="http://schemas.openxmlformats.org/presentationml/2006/main">
   <p:cSld>
-    <p:bg bwMode="gray">
-      <p:bgPr>
-        <a:blipFill dpi="0" rotWithShape="0">
-          <a:blip r:embed="rId13" cstate="print"/>
-          <a:srcRect/>
-          <a:stretch>
-            <a:fillRect/>
-          </a:stretch>
-        </a:blipFill>
-        <a:effectLst/>
-      </p:bgPr>
+    <p:bg>
+      <p:bgRef idx="1002">
+        <a:schemeClr val="bg1"/>
+      </p:bgRef>
     </p:bg>
     <p:spTree>
       <p:nvGrpSpPr>
@@ -3662,84 +4044,66 @@
       </p:grpSpPr>
       <p:sp>
         <p:nvSpPr>
-          <p:cNvPr id="1026" name="Rectangle 6"/>
-          <p:cNvSpPr>
-            <a:spLocks noGrp="1" noChangeArrowheads="1"/>
+          <p:cNvPr id="2" name="Title Placeholder 1"/>
+          <p:cNvSpPr>
+            <a:spLocks noGrp="1"/>
           </p:cNvSpPr>
           <p:nvPr>
             <p:ph type="title"/>
           </p:nvPr>
         </p:nvSpPr>
-        <p:spPr bwMode="auto">
+        <p:spPr>
           <a:xfrm>
-            <a:off x="1524000" y="76200"/>
-            <a:ext cx="7381875" cy="1066800"/>
+            <a:off x="457200" y="274638"/>
+            <a:ext cx="7620000" cy="1143000"/>
           </a:xfrm>
           <a:prstGeom prst="rect">
             <a:avLst/>
           </a:prstGeom>
-          <a:noFill/>
-          <a:ln w="9525">
-            <a:noFill/>
-            <a:miter lim="800000"/>
-            <a:headEnd/>
-            <a:tailEnd/>
-          </a:ln>
         </p:spPr>
         <p:txBody>
-          <a:bodyPr vert="horz" wrap="square" lIns="91440" tIns="45720" rIns="91440" bIns="45720" numCol="1" anchor="ctr" anchorCtr="0" compatLnSpc="1">
-            <a:prstTxWarp prst="textNoShape">
-              <a:avLst/>
-            </a:prstTxWarp>
+          <a:bodyPr vert="horz" lIns="91440" tIns="45720" rIns="91440" bIns="45720" rtlCol="0" anchor="ctr">
+            <a:noAutofit/>
           </a:bodyPr>
           <a:lstStyle/>
           <a:p>
-            <a:pPr lvl="0"/>
-            <a:r>
-              <a:rPr lang="fr-FR" smtClean="0"/>
-              <a:t>Cliquer pour modifier le style du titre</a:t>
-            </a:r>
-          </a:p>
-        </p:txBody>
-      </p:sp>
-      <p:sp>
-        <p:nvSpPr>
-          <p:cNvPr id="1027" name="Rectangle 7"/>
-          <p:cNvSpPr>
-            <a:spLocks noGrp="1" noChangeArrowheads="1"/>
+            <a:r>
+              <a:rPr lang="fr-FR" smtClean="0"/>
+              <a:t>Modifiez le style du titre</a:t>
+            </a:r>
+            <a:endParaRPr lang="en-US" dirty="0"/>
+          </a:p>
+        </p:txBody>
+      </p:sp>
+      <p:sp>
+        <p:nvSpPr>
+          <p:cNvPr id="3" name="Text Placeholder 2"/>
+          <p:cNvSpPr>
+            <a:spLocks noGrp="1"/>
           </p:cNvSpPr>
           <p:nvPr>
             <p:ph type="body" idx="1"/>
           </p:nvPr>
         </p:nvSpPr>
-        <p:spPr bwMode="white">
+        <p:spPr>
           <a:xfrm>
-            <a:off x="1524000" y="1295400"/>
-            <a:ext cx="7391400" cy="5257800"/>
+            <a:off x="457200" y="1600200"/>
+            <a:ext cx="7620000" cy="4800600"/>
           </a:xfrm>
           <a:prstGeom prst="rect">
             <a:avLst/>
           </a:prstGeom>
-          <a:noFill/>
-          <a:ln w="9525">
-            <a:noFill/>
-            <a:miter lim="800000"/>
-            <a:headEnd/>
-            <a:tailEnd/>
-          </a:ln>
         </p:spPr>
         <p:txBody>
-          <a:bodyPr vert="horz" wrap="square" lIns="91440" tIns="45720" rIns="91440" bIns="45720" numCol="1" anchor="t" anchorCtr="0" compatLnSpc="1">
-            <a:prstTxWarp prst="textNoShape">
-              <a:avLst/>
-            </a:prstTxWarp>
+          <a:bodyPr vert="horz" lIns="91440" tIns="45720" rIns="91440" bIns="45720" rtlCol="0">
+            <a:normAutofit/>
           </a:bodyPr>
           <a:lstStyle/>
           <a:p>
             <a:pPr lvl="0"/>
             <a:r>
               <a:rPr lang="fr-FR" smtClean="0"/>
-              <a:t>Cliquer pour modifier les styles du texte du masque</a:t>
+              <a:t>Modifiez les styles du texte du masque</a:t>
             </a:r>
           </a:p>
           <a:p>
@@ -3769,138 +4133,136 @@
               <a:rPr lang="fr-FR" smtClean="0"/>
               <a:t>Cinquième niveau</a:t>
             </a:r>
-          </a:p>
-        </p:txBody>
-      </p:sp>
-      <p:sp>
-        <p:nvSpPr>
-          <p:cNvPr id="2079" name="Rectangle 31"/>
-          <p:cNvSpPr>
-            <a:spLocks noGrp="1" noChangeArrowheads="1"/>
-          </p:cNvSpPr>
-          <p:nvPr>
-            <p:ph type="dt" sz="half" idx="2"/>
-          </p:nvPr>
-        </p:nvSpPr>
-        <p:spPr bwMode="auto">
+            <a:endParaRPr lang="en-US" dirty="0"/>
+          </a:p>
+        </p:txBody>
+      </p:sp>
+      <p:sp>
+        <p:nvSpPr>
+          <p:cNvPr id="7" name="Rectangle 6"/>
+          <p:cNvSpPr/>
+          <p:nvPr/>
+        </p:nvSpPr>
+        <p:spPr>
           <a:xfrm>
-            <a:off x="457200" y="6245225"/>
-            <a:ext cx="2133600" cy="476250"/>
+            <a:off x="8458200" y="0"/>
+            <a:ext cx="685800" cy="6858000"/>
           </a:xfrm>
           <a:prstGeom prst="rect">
             <a:avLst/>
           </a:prstGeom>
-          <a:noFill/>
-          <a:ln w="9525">
+          <a:solidFill>
+            <a:schemeClr val="tx2"/>
+          </a:solidFill>
+          <a:ln>
             <a:noFill/>
-            <a:miter lim="800000"/>
-            <a:headEnd/>
-            <a:tailEnd/>
           </a:ln>
-          <a:effectLst/>
         </p:spPr>
-        <p:txBody>
-          <a:bodyPr vert="horz" wrap="square" lIns="91440" tIns="45720" rIns="91440" bIns="45720" numCol="1" anchor="t" anchorCtr="0" compatLnSpc="1">
-            <a:prstTxWarp prst="textNoShape">
-              <a:avLst/>
-            </a:prstTxWarp>
-          </a:bodyPr>
-          <a:lstStyle>
-            <a:lvl1pPr>
-              <a:defRPr sz="1400"/>
-            </a:lvl1pPr>
-          </a:lstStyle>
-          <a:p>
-            <a:pPr>
-              <a:defRPr/>
-            </a:pPr>
-            <a:endParaRPr lang="fr-FR"/>
-          </a:p>
-        </p:txBody>
-      </p:sp>
-      <p:sp>
-        <p:nvSpPr>
-          <p:cNvPr id="2080" name="Rectangle 32"/>
-          <p:cNvSpPr>
-            <a:spLocks noGrp="1" noChangeArrowheads="1"/>
-          </p:cNvSpPr>
-          <p:nvPr>
-            <p:ph type="ftr" sz="quarter" idx="3"/>
-          </p:nvPr>
-        </p:nvSpPr>
-        <p:spPr bwMode="auto">
+        <p:style>
+          <a:lnRef idx="2">
+            <a:schemeClr val="accent1">
+              <a:shade val="50000"/>
+            </a:schemeClr>
+          </a:lnRef>
+          <a:fillRef idx="1">
+            <a:schemeClr val="accent1"/>
+          </a:fillRef>
+          <a:effectRef idx="0">
+            <a:schemeClr val="accent1"/>
+          </a:effectRef>
+          <a:fontRef idx="minor">
+            <a:schemeClr val="lt1"/>
+          </a:fontRef>
+        </p:style>
+        <p:txBody>
+          <a:bodyPr rtlCol="0" anchor="ctr"/>
+          <a:lstStyle/>
+          <a:p>
+            <a:pPr algn="ctr"/>
+            <a:endParaRPr lang="en-US"/>
+          </a:p>
+        </p:txBody>
+      </p:sp>
+      <p:sp>
+        <p:nvSpPr>
+          <p:cNvPr id="8" name="Rectangle 7"/>
+          <p:cNvSpPr/>
+          <p:nvPr/>
+        </p:nvSpPr>
+        <p:spPr>
           <a:xfrm>
-            <a:off x="3124200" y="6245225"/>
-            <a:ext cx="2895600" cy="476250"/>
+            <a:off x="8458200" y="5486400"/>
+            <a:ext cx="685800" cy="685800"/>
           </a:xfrm>
           <a:prstGeom prst="rect">
             <a:avLst/>
           </a:prstGeom>
-          <a:noFill/>
-          <a:ln w="9525">
+          <a:solidFill>
+            <a:schemeClr val="accent1"/>
+          </a:solidFill>
+          <a:ln>
             <a:noFill/>
-            <a:miter lim="800000"/>
-            <a:headEnd/>
-            <a:tailEnd/>
           </a:ln>
-          <a:effectLst/>
         </p:spPr>
-        <p:txBody>
-          <a:bodyPr vert="horz" wrap="square" lIns="91440" tIns="45720" rIns="91440" bIns="45720" numCol="1" anchor="t" anchorCtr="0" compatLnSpc="1">
-            <a:prstTxWarp prst="textNoShape">
-              <a:avLst/>
-            </a:prstTxWarp>
-          </a:bodyPr>
+        <p:style>
+          <a:lnRef idx="2">
+            <a:schemeClr val="accent1">
+              <a:shade val="50000"/>
+            </a:schemeClr>
+          </a:lnRef>
+          <a:fillRef idx="1">
+            <a:schemeClr val="accent1"/>
+          </a:fillRef>
+          <a:effectRef idx="0">
+            <a:schemeClr val="accent1"/>
+          </a:effectRef>
+          <a:fontRef idx="minor">
+            <a:schemeClr val="lt1"/>
+          </a:fontRef>
+        </p:style>
+        <p:txBody>
+          <a:bodyPr rtlCol="0" anchor="ctr"/>
+          <a:lstStyle/>
+          <a:p>
+            <a:pPr algn="ctr"/>
+            <a:endParaRPr lang="en-US"/>
+          </a:p>
+        </p:txBody>
+      </p:sp>
+      <p:sp>
+        <p:nvSpPr>
+          <p:cNvPr id="6" name="Slide Number Placeholder 5"/>
+          <p:cNvSpPr>
+            <a:spLocks noGrp="1"/>
+          </p:cNvSpPr>
+          <p:nvPr>
+            <p:ph type="sldNum" sz="quarter" idx="4"/>
+          </p:nvPr>
+        </p:nvSpPr>
+        <p:spPr>
+          <a:xfrm>
+            <a:off x="8531788" y="5648960"/>
+            <a:ext cx="548640" cy="396240"/>
+          </a:xfrm>
+          <a:prstGeom prst="bracketPair">
+            <a:avLst>
+              <a:gd name="adj" fmla="val 17949"/>
+            </a:avLst>
+          </a:prstGeom>
+          <a:ln w="19050">
+            <a:solidFill>
+              <a:srgbClr val="FFFFFF"/>
+            </a:solidFill>
+          </a:ln>
+        </p:spPr>
+        <p:txBody>
+          <a:bodyPr vert="horz" lIns="0" tIns="0" rIns="0" bIns="0" rtlCol="0" anchor="ctr"/>
           <a:lstStyle>
             <a:lvl1pPr algn="ctr">
-              <a:defRPr sz="1400"/>
-            </a:lvl1pPr>
-          </a:lstStyle>
-          <a:p>
-            <a:pPr>
-              <a:defRPr/>
-            </a:pPr>
-            <a:endParaRPr lang="fr-FR"/>
-          </a:p>
-        </p:txBody>
-      </p:sp>
-      <p:sp>
-        <p:nvSpPr>
-          <p:cNvPr id="2081" name="Rectangle 33"/>
-          <p:cNvSpPr>
-            <a:spLocks noGrp="1" noChangeArrowheads="1"/>
-          </p:cNvSpPr>
-          <p:nvPr>
-            <p:ph type="sldNum" sz="quarter" idx="4"/>
-          </p:nvPr>
-        </p:nvSpPr>
-        <p:spPr bwMode="auto">
-          <a:xfrm>
-            <a:off x="6553200" y="6245225"/>
-            <a:ext cx="2133600" cy="476250"/>
-          </a:xfrm>
-          <a:prstGeom prst="rect">
-            <a:avLst/>
-          </a:prstGeom>
-          <a:noFill/>
-          <a:ln w="9525">
-            <a:noFill/>
-            <a:miter lim="800000"/>
-            <a:headEnd/>
-            <a:tailEnd/>
-          </a:ln>
-          <a:effectLst/>
-        </p:spPr>
-        <p:txBody>
-          <a:bodyPr vert="horz" wrap="square" lIns="91440" tIns="45720" rIns="91440" bIns="45720" numCol="1" anchor="t" anchorCtr="0" compatLnSpc="1">
-            <a:prstTxWarp prst="textNoShape">
-              <a:avLst/>
-            </a:prstTxWarp>
-          </a:bodyPr>
-          <a:lstStyle>
-            <a:lvl1pPr algn="r">
-              <a:defRPr sz="1400">
-                <a:cs typeface="Arial" pitchFamily="34" charset="0"/>
+              <a:defRPr sz="1800">
+                <a:solidFill>
+                  <a:srgbClr val="FFFFFF"/>
+                </a:solidFill>
               </a:defRPr>
             </a:lvl1pPr>
           </a:lstStyle>
@@ -3909,7 +4271,7 @@
               <a:defRPr/>
             </a:pPr>
             <a:fld id="{A1630198-B02B-41B8-B971-4A3F678B85A8}" type="slidenum">
-              <a:rPr lang="fr-FR"/>
+              <a:rPr lang="fr-FR" smtClean="0"/>
               <a:pPr>
                 <a:defRPr/>
               </a:pPr>
@@ -3919,176 +4281,131 @@
           </a:p>
         </p:txBody>
       </p:sp>
+      <p:sp>
+        <p:nvSpPr>
+          <p:cNvPr id="5" name="Footer Placeholder 4"/>
+          <p:cNvSpPr>
+            <a:spLocks noGrp="1"/>
+          </p:cNvSpPr>
+          <p:nvPr>
+            <p:ph type="ftr" sz="quarter" idx="3"/>
+          </p:nvPr>
+        </p:nvSpPr>
+        <p:spPr>
+          <a:xfrm rot="16200000">
+            <a:off x="7586910" y="4048760"/>
+            <a:ext cx="2367281" cy="365760"/>
+          </a:xfrm>
+          <a:prstGeom prst="rect">
+            <a:avLst/>
+          </a:prstGeom>
+        </p:spPr>
+        <p:txBody>
+          <a:bodyPr vert="horz" lIns="91440" tIns="45720" rIns="91440" bIns="45720" rtlCol="0" anchor="ctr"/>
+          <a:lstStyle>
+            <a:lvl1pPr algn="r">
+              <a:defRPr sz="1200">
+                <a:solidFill>
+                  <a:schemeClr val="bg2"/>
+                </a:solidFill>
+              </a:defRPr>
+            </a:lvl1pPr>
+          </a:lstStyle>
+          <a:p>
+            <a:pPr>
+              <a:defRPr/>
+            </a:pPr>
+            <a:endParaRPr lang="fr-FR"/>
+          </a:p>
+        </p:txBody>
+      </p:sp>
+      <p:sp>
+        <p:nvSpPr>
+          <p:cNvPr id="4" name="Date Placeholder 3"/>
+          <p:cNvSpPr>
+            <a:spLocks noGrp="1"/>
+          </p:cNvSpPr>
+          <p:nvPr>
+            <p:ph type="dt" sz="half" idx="2"/>
+          </p:nvPr>
+        </p:nvSpPr>
+        <p:spPr>
+          <a:xfrm rot="16200000">
+            <a:off x="7551351" y="1645920"/>
+            <a:ext cx="2438399" cy="365760"/>
+          </a:xfrm>
+          <a:prstGeom prst="rect">
+            <a:avLst/>
+          </a:prstGeom>
+        </p:spPr>
+        <p:txBody>
+          <a:bodyPr vert="horz" lIns="91440" tIns="45720" rIns="91440" bIns="45720" rtlCol="0" anchor="ctr"/>
+          <a:lstStyle>
+            <a:lvl1pPr algn="l">
+              <a:defRPr sz="1200">
+                <a:solidFill>
+                  <a:schemeClr val="bg2"/>
+                </a:solidFill>
+              </a:defRPr>
+            </a:lvl1pPr>
+          </a:lstStyle>
+          <a:p>
+            <a:pPr>
+              <a:defRPr/>
+            </a:pPr>
+            <a:endParaRPr lang="fr-FR"/>
+          </a:p>
+        </p:txBody>
+      </p:sp>
     </p:spTree>
   </p:cSld>
   <p:clrMap bg1="lt1" tx1="dk1" bg2="lt2" tx2="dk2" accent1="accent1" accent2="accent2" accent3="accent3" accent4="accent4" accent5="accent5" accent6="accent6" hlink="hlink" folHlink="folHlink"/>
   <p:sldLayoutIdLst>
-    <p:sldLayoutId id="2147483778" r:id="rId1"/>
-    <p:sldLayoutId id="2147483768" r:id="rId2"/>
-    <p:sldLayoutId id="2147483769" r:id="rId3"/>
-    <p:sldLayoutId id="2147483770" r:id="rId4"/>
-    <p:sldLayoutId id="2147483771" r:id="rId5"/>
-    <p:sldLayoutId id="2147483772" r:id="rId6"/>
-    <p:sldLayoutId id="2147483773" r:id="rId7"/>
-    <p:sldLayoutId id="2147483774" r:id="rId8"/>
-    <p:sldLayoutId id="2147483775" r:id="rId9"/>
-    <p:sldLayoutId id="2147483776" r:id="rId10"/>
-    <p:sldLayoutId id="2147483777" r:id="rId11"/>
+    <p:sldLayoutId id="2147483780" r:id="rId1"/>
+    <p:sldLayoutId id="2147483781" r:id="rId2"/>
+    <p:sldLayoutId id="2147483782" r:id="rId3"/>
+    <p:sldLayoutId id="2147483783" r:id="rId4"/>
+    <p:sldLayoutId id="2147483784" r:id="rId5"/>
+    <p:sldLayoutId id="2147483785" r:id="rId6"/>
+    <p:sldLayoutId id="2147483786" r:id="rId7"/>
+    <p:sldLayoutId id="2147483787" r:id="rId8"/>
+    <p:sldLayoutId id="2147483788" r:id="rId9"/>
+    <p:sldLayoutId id="2147483789" r:id="rId10"/>
+    <p:sldLayoutId id="2147483790" r:id="rId11"/>
   </p:sldLayoutIdLst>
-  <p:timing>
-    <p:tnLst>
-      <p:par>
-        <p:cTn id="1" dur="indefinite" restart="never" nodeType="tmRoot"/>
-      </p:par>
-    </p:tnLst>
-  </p:timing>
   <p:hf hdr="0" ftr="0" dt="0"/>
   <p:txStyles>
     <p:titleStyle>
-      <a:lvl1pPr algn="l" rtl="0" eaLnBrk="1" fontAlgn="base" hangingPunct="1">
+      <a:lvl1pPr algn="l" defTabSz="914400" rtl="0" eaLnBrk="1" latinLnBrk="0" hangingPunct="1">
         <a:spcBef>
           <a:spcPct val="0"/>
         </a:spcBef>
-        <a:spcAft>
-          <a:spcPct val="0"/>
-        </a:spcAft>
-        <a:defRPr kumimoji="1" sz="4400">
+        <a:buNone/>
+        <a:defRPr sz="4600" kern="1200" cap="none" spc="-100" baseline="0">
+          <a:ln>
+            <a:noFill/>
+          </a:ln>
           <a:solidFill>
-            <a:schemeClr val="tx1"/>
+            <a:schemeClr val="tx2"/>
           </a:solidFill>
+          <a:effectLst/>
           <a:latin typeface="+mj-lt"/>
           <a:ea typeface="+mj-ea"/>
           <a:cs typeface="+mj-cs"/>
         </a:defRPr>
       </a:lvl1pPr>
-      <a:lvl2pPr algn="l" rtl="0" eaLnBrk="1" fontAlgn="base" hangingPunct="1">
-        <a:spcBef>
-          <a:spcPct val="0"/>
-        </a:spcBef>
-        <a:spcAft>
-          <a:spcPct val="0"/>
-        </a:spcAft>
-        <a:defRPr kumimoji="1" sz="4400">
-          <a:solidFill>
-            <a:schemeClr val="tx1"/>
-          </a:solidFill>
-          <a:latin typeface="Tahoma" pitchFamily="34" charset="0"/>
-        </a:defRPr>
-      </a:lvl2pPr>
-      <a:lvl3pPr algn="l" rtl="0" eaLnBrk="1" fontAlgn="base" hangingPunct="1">
-        <a:spcBef>
-          <a:spcPct val="0"/>
-        </a:spcBef>
-        <a:spcAft>
-          <a:spcPct val="0"/>
-        </a:spcAft>
-        <a:defRPr kumimoji="1" sz="4400">
-          <a:solidFill>
-            <a:schemeClr val="tx1"/>
-          </a:solidFill>
-          <a:latin typeface="Tahoma" pitchFamily="34" charset="0"/>
-        </a:defRPr>
-      </a:lvl3pPr>
-      <a:lvl4pPr algn="l" rtl="0" eaLnBrk="1" fontAlgn="base" hangingPunct="1">
-        <a:spcBef>
-          <a:spcPct val="0"/>
-        </a:spcBef>
-        <a:spcAft>
-          <a:spcPct val="0"/>
-        </a:spcAft>
-        <a:defRPr kumimoji="1" sz="4400">
-          <a:solidFill>
-            <a:schemeClr val="tx1"/>
-          </a:solidFill>
-          <a:latin typeface="Tahoma" pitchFamily="34" charset="0"/>
-        </a:defRPr>
-      </a:lvl4pPr>
-      <a:lvl5pPr algn="l" rtl="0" eaLnBrk="1" fontAlgn="base" hangingPunct="1">
-        <a:spcBef>
-          <a:spcPct val="0"/>
-        </a:spcBef>
-        <a:spcAft>
-          <a:spcPct val="0"/>
-        </a:spcAft>
-        <a:defRPr kumimoji="1" sz="4400">
-          <a:solidFill>
-            <a:schemeClr val="tx1"/>
-          </a:solidFill>
-          <a:latin typeface="Tahoma" pitchFamily="34" charset="0"/>
-        </a:defRPr>
-      </a:lvl5pPr>
-      <a:lvl6pPr marL="457200" algn="l" rtl="0" eaLnBrk="1" fontAlgn="base" hangingPunct="1">
-        <a:spcBef>
-          <a:spcPct val="0"/>
-        </a:spcBef>
-        <a:spcAft>
-          <a:spcPct val="0"/>
-        </a:spcAft>
-        <a:defRPr kumimoji="1" sz="4400">
-          <a:solidFill>
-            <a:schemeClr val="tx1"/>
-          </a:solidFill>
-          <a:latin typeface="Tahoma" pitchFamily="34" charset="0"/>
-        </a:defRPr>
-      </a:lvl6pPr>
-      <a:lvl7pPr marL="914400" algn="l" rtl="0" eaLnBrk="1" fontAlgn="base" hangingPunct="1">
-        <a:spcBef>
-          <a:spcPct val="0"/>
-        </a:spcBef>
-        <a:spcAft>
-          <a:spcPct val="0"/>
-        </a:spcAft>
-        <a:defRPr kumimoji="1" sz="4400">
-          <a:solidFill>
-            <a:schemeClr val="tx1"/>
-          </a:solidFill>
-          <a:latin typeface="Tahoma" pitchFamily="34" charset="0"/>
-        </a:defRPr>
-      </a:lvl7pPr>
-      <a:lvl8pPr marL="1371600" algn="l" rtl="0" eaLnBrk="1" fontAlgn="base" hangingPunct="1">
-        <a:spcBef>
-          <a:spcPct val="0"/>
-        </a:spcBef>
-        <a:spcAft>
-          <a:spcPct val="0"/>
-        </a:spcAft>
-        <a:defRPr kumimoji="1" sz="4400">
-          <a:solidFill>
-            <a:schemeClr val="tx1"/>
-          </a:solidFill>
-          <a:latin typeface="Tahoma" pitchFamily="34" charset="0"/>
-        </a:defRPr>
-      </a:lvl8pPr>
-      <a:lvl9pPr marL="1828800" algn="l" rtl="0" eaLnBrk="1" fontAlgn="base" hangingPunct="1">
-        <a:spcBef>
-          <a:spcPct val="0"/>
-        </a:spcBef>
-        <a:spcAft>
-          <a:spcPct val="0"/>
-        </a:spcAft>
-        <a:defRPr kumimoji="1" sz="4400">
-          <a:solidFill>
-            <a:schemeClr val="tx1"/>
-          </a:solidFill>
-          <a:latin typeface="Tahoma" pitchFamily="34" charset="0"/>
-        </a:defRPr>
-      </a:lvl9pPr>
     </p:titleStyle>
     <p:bodyStyle>
-      <a:lvl1pPr marL="342900" indent="-342900" algn="l" rtl="0" eaLnBrk="1" fontAlgn="base" hangingPunct="1">
+      <a:lvl1pPr marL="342900" indent="-228600" algn="l" defTabSz="914400" rtl="0" eaLnBrk="1" latinLnBrk="0" hangingPunct="1">
         <a:spcBef>
           <a:spcPct val="20000"/>
         </a:spcBef>
-        <a:spcAft>
-          <a:spcPct val="0"/>
-        </a:spcAft>
         <a:buClr>
-          <a:srgbClr val="3C605F"/>
+          <a:schemeClr val="accent1"/>
         </a:buClr>
-        <a:buSzPct val="75000"/>
-        <a:buFont typeface="Wingdings" pitchFamily="2" charset="2"/>
-        <a:buChar char="n"/>
-        <a:defRPr kumimoji="1" sz="3200">
+        <a:buFont typeface="Arial" pitchFamily="34" charset="0"/>
+        <a:buChar char="•"/>
+        <a:defRPr sz="2200" kern="1200">
           <a:solidFill>
             <a:schemeClr val="tx1"/>
           </a:solidFill>
@@ -4097,170 +4414,154 @@
           <a:cs typeface="+mn-cs"/>
         </a:defRPr>
       </a:lvl1pPr>
-      <a:lvl2pPr marL="742950" indent="-285750" algn="l" rtl="0" eaLnBrk="1" fontAlgn="base" hangingPunct="1">
+      <a:lvl2pPr marL="640080" indent="-228600" algn="l" defTabSz="914400" rtl="0" eaLnBrk="1" latinLnBrk="0" hangingPunct="1">
         <a:spcBef>
           <a:spcPct val="20000"/>
         </a:spcBef>
-        <a:spcAft>
-          <a:spcPct val="0"/>
-        </a:spcAft>
         <a:buClr>
-          <a:srgbClr val="3C605F"/>
+          <a:schemeClr val="accent2"/>
         </a:buClr>
-        <a:buSzPct val="75000"/>
-        <a:buFont typeface="Wingdings" pitchFamily="2" charset="2"/>
-        <a:buChar char="n"/>
-        <a:defRPr kumimoji="1" sz="2800">
+        <a:buFont typeface="Arial" pitchFamily="34" charset="0"/>
+        <a:buChar char="•"/>
+        <a:defRPr sz="2000" kern="1200">
           <a:solidFill>
             <a:schemeClr val="tx1"/>
           </a:solidFill>
           <a:latin typeface="+mn-lt"/>
+          <a:ea typeface="+mn-ea"/>
+          <a:cs typeface="+mn-cs"/>
         </a:defRPr>
       </a:lvl2pPr>
-      <a:lvl3pPr marL="1143000" indent="-228600" algn="l" rtl="0" eaLnBrk="1" fontAlgn="base" hangingPunct="1">
+      <a:lvl3pPr marL="1005840" indent="-228600" algn="l" defTabSz="914400" rtl="0" eaLnBrk="1" latinLnBrk="0" hangingPunct="1">
         <a:spcBef>
           <a:spcPct val="20000"/>
         </a:spcBef>
-        <a:spcAft>
-          <a:spcPct val="0"/>
-        </a:spcAft>
         <a:buClr>
-          <a:srgbClr val="3C605F"/>
+          <a:schemeClr val="accent3"/>
         </a:buClr>
-        <a:buSzPct val="75000"/>
-        <a:buFont typeface="Wingdings" pitchFamily="2" charset="2"/>
-        <a:buChar char="n"/>
-        <a:defRPr kumimoji="1" sz="2400">
+        <a:buFont typeface="Arial" pitchFamily="34" charset="0"/>
+        <a:buChar char="•"/>
+        <a:defRPr sz="1800" kern="1200">
           <a:solidFill>
             <a:schemeClr val="tx1"/>
           </a:solidFill>
           <a:latin typeface="+mn-lt"/>
+          <a:ea typeface="+mn-ea"/>
+          <a:cs typeface="+mn-cs"/>
         </a:defRPr>
       </a:lvl3pPr>
-      <a:lvl4pPr marL="1600200" indent="-228600" algn="l" rtl="0" eaLnBrk="1" fontAlgn="base" hangingPunct="1">
+      <a:lvl4pPr marL="1280160" indent="-228600" algn="l" defTabSz="914400" rtl="0" eaLnBrk="1" latinLnBrk="0" hangingPunct="1">
         <a:spcBef>
           <a:spcPct val="20000"/>
         </a:spcBef>
-        <a:spcAft>
-          <a:spcPct val="0"/>
-        </a:spcAft>
         <a:buClr>
-          <a:srgbClr val="3C605F"/>
+          <a:schemeClr val="accent4"/>
         </a:buClr>
-        <a:buSzPct val="75000"/>
-        <a:buFont typeface="Wingdings" pitchFamily="2" charset="2"/>
-        <a:buChar char="n"/>
-        <a:defRPr kumimoji="1" sz="2000">
+        <a:buFont typeface="Arial" pitchFamily="34" charset="0"/>
+        <a:buChar char="•"/>
+        <a:defRPr sz="1600" kern="1200">
           <a:solidFill>
             <a:schemeClr val="tx1"/>
           </a:solidFill>
           <a:latin typeface="+mn-lt"/>
+          <a:ea typeface="+mn-ea"/>
+          <a:cs typeface="+mn-cs"/>
         </a:defRPr>
       </a:lvl4pPr>
-      <a:lvl5pPr marL="2057400" indent="-228600" algn="l" rtl="0" eaLnBrk="1" fontAlgn="base" hangingPunct="1">
+      <a:lvl5pPr marL="1554480" indent="-228600" algn="l" defTabSz="914400" rtl="0" eaLnBrk="1" latinLnBrk="0" hangingPunct="1">
         <a:spcBef>
           <a:spcPct val="20000"/>
         </a:spcBef>
-        <a:spcAft>
-          <a:spcPct val="0"/>
-        </a:spcAft>
         <a:buClr>
-          <a:srgbClr val="3C605F"/>
+          <a:schemeClr val="accent5"/>
         </a:buClr>
-        <a:buSzPct val="75000"/>
-        <a:buFont typeface="Wingdings" pitchFamily="2" charset="2"/>
-        <a:buChar char="n"/>
-        <a:defRPr kumimoji="1" sz="2000">
+        <a:buFont typeface="Arial" pitchFamily="34" charset="0"/>
+        <a:buChar char="•"/>
+        <a:defRPr sz="1400" kern="1200" baseline="0">
           <a:solidFill>
             <a:schemeClr val="tx1"/>
           </a:solidFill>
           <a:latin typeface="+mn-lt"/>
+          <a:ea typeface="+mn-ea"/>
+          <a:cs typeface="+mn-cs"/>
         </a:defRPr>
       </a:lvl5pPr>
-      <a:lvl6pPr marL="2514600" indent="-228600" algn="l" rtl="0" eaLnBrk="1" fontAlgn="base" hangingPunct="1">
+      <a:lvl6pPr marL="1737360" indent="-182880" algn="l" defTabSz="914400" rtl="0" eaLnBrk="1" latinLnBrk="0" hangingPunct="1">
         <a:spcBef>
           <a:spcPct val="20000"/>
         </a:spcBef>
-        <a:spcAft>
-          <a:spcPct val="0"/>
-        </a:spcAft>
         <a:buClr>
-          <a:srgbClr val="3C605F"/>
+          <a:schemeClr val="accent1"/>
         </a:buClr>
-        <a:buSzPct val="75000"/>
-        <a:buFont typeface="Wingdings" pitchFamily="2" charset="2"/>
-        <a:buChar char="n"/>
-        <a:defRPr kumimoji="1" sz="2000">
+        <a:buFont typeface="Arial" pitchFamily="34" charset="0"/>
+        <a:buChar char="•"/>
+        <a:defRPr sz="1400" kern="1200" baseline="0">
           <a:solidFill>
             <a:schemeClr val="tx1"/>
           </a:solidFill>
           <a:latin typeface="+mn-lt"/>
+          <a:ea typeface="+mn-ea"/>
+          <a:cs typeface="+mn-cs"/>
         </a:defRPr>
       </a:lvl6pPr>
-      <a:lvl7pPr marL="2971800" indent="-228600" algn="l" rtl="0" eaLnBrk="1" fontAlgn="base" hangingPunct="1">
+      <a:lvl7pPr marL="1920240" indent="-182880" algn="l" defTabSz="914400" rtl="0" eaLnBrk="1" latinLnBrk="0" hangingPunct="1">
         <a:spcBef>
           <a:spcPct val="20000"/>
         </a:spcBef>
-        <a:spcAft>
-          <a:spcPct val="0"/>
-        </a:spcAft>
         <a:buClr>
-          <a:srgbClr val="3C605F"/>
+          <a:schemeClr val="accent2"/>
         </a:buClr>
-        <a:buSzPct val="75000"/>
-        <a:buFont typeface="Wingdings" pitchFamily="2" charset="2"/>
-        <a:buChar char="n"/>
-        <a:defRPr kumimoji="1" sz="2000">
+        <a:buFont typeface="Arial" pitchFamily="34" charset="0"/>
+        <a:buChar char="•"/>
+        <a:defRPr sz="1400" kern="1200">
           <a:solidFill>
             <a:schemeClr val="tx1"/>
           </a:solidFill>
           <a:latin typeface="+mn-lt"/>
+          <a:ea typeface="+mn-ea"/>
+          <a:cs typeface="+mn-cs"/>
         </a:defRPr>
       </a:lvl7pPr>
-      <a:lvl8pPr marL="3429000" indent="-228600" algn="l" rtl="0" eaLnBrk="1" fontAlgn="base" hangingPunct="1">
+      <a:lvl8pPr marL="2103120" indent="-182880" algn="l" defTabSz="914400" rtl="0" eaLnBrk="1" latinLnBrk="0" hangingPunct="1">
         <a:spcBef>
           <a:spcPct val="20000"/>
         </a:spcBef>
-        <a:spcAft>
-          <a:spcPct val="0"/>
-        </a:spcAft>
         <a:buClr>
-          <a:srgbClr val="3C605F"/>
+          <a:schemeClr val="accent3"/>
         </a:buClr>
-        <a:buSzPct val="75000"/>
-        <a:buFont typeface="Wingdings" pitchFamily="2" charset="2"/>
-        <a:buChar char="n"/>
-        <a:defRPr kumimoji="1" sz="2000">
+        <a:buFont typeface="Arial" pitchFamily="34" charset="0"/>
+        <a:buChar char="•"/>
+        <a:defRPr sz="1400" kern="1200">
           <a:solidFill>
             <a:schemeClr val="tx1"/>
           </a:solidFill>
           <a:latin typeface="+mn-lt"/>
+          <a:ea typeface="+mn-ea"/>
+          <a:cs typeface="+mn-cs"/>
         </a:defRPr>
       </a:lvl8pPr>
-      <a:lvl9pPr marL="3886200" indent="-228600" algn="l" rtl="0" eaLnBrk="1" fontAlgn="base" hangingPunct="1">
+      <a:lvl9pPr marL="2286000" indent="-182880" algn="l" defTabSz="914400" rtl="0" eaLnBrk="1" latinLnBrk="0" hangingPunct="1">
         <a:spcBef>
           <a:spcPct val="20000"/>
         </a:spcBef>
-        <a:spcAft>
-          <a:spcPct val="0"/>
-        </a:spcAft>
         <a:buClr>
-          <a:srgbClr val="3C605F"/>
+          <a:schemeClr val="accent4"/>
         </a:buClr>
-        <a:buSzPct val="75000"/>
-        <a:buFont typeface="Wingdings" pitchFamily="2" charset="2"/>
-        <a:buChar char="n"/>
-        <a:defRPr kumimoji="1" sz="2000">
+        <a:buFont typeface="Arial" pitchFamily="34" charset="0"/>
+        <a:buChar char="•"/>
+        <a:defRPr sz="1400" kern="1200">
           <a:solidFill>
             <a:schemeClr val="tx1"/>
           </a:solidFill>
           <a:latin typeface="+mn-lt"/>
+          <a:ea typeface="+mn-ea"/>
+          <a:cs typeface="+mn-cs"/>
         </a:defRPr>
       </a:lvl9pPr>
     </p:bodyStyle>
     <p:otherStyle>
       <a:defPPr>
-        <a:defRPr lang="fr-FR"/>
+        <a:defRPr lang="en-US"/>
       </a:defPPr>
       <a:lvl1pPr marL="0" algn="l" defTabSz="914400" rtl="0" eaLnBrk="1" latinLnBrk="0" hangingPunct="1">
         <a:defRPr sz="1800" kern="1200">
@@ -4694,6 +4995,809 @@
           <a:p>
             <a:r>
               <a:rPr lang="fr-FR" dirty="0" smtClean="0"/>
+              <a:t>Objectifs fixés</a:t>
+            </a:r>
+            <a:endParaRPr lang="fr-FR" dirty="0"/>
+          </a:p>
+        </p:txBody>
+      </p:sp>
+      <p:sp>
+        <p:nvSpPr>
+          <p:cNvPr id="3" name="Espace réservé du contenu 2"/>
+          <p:cNvSpPr>
+            <a:spLocks noGrp="1"/>
+          </p:cNvSpPr>
+          <p:nvPr>
+            <p:ph idx="1"/>
+          </p:nvPr>
+        </p:nvSpPr>
+        <p:spPr/>
+        <p:txBody>
+          <a:bodyPr>
+            <a:normAutofit/>
+          </a:bodyPr>
+          <a:lstStyle/>
+          <a:p>
+            <a:r>
+              <a:rPr lang="en-US" b="1" dirty="0" smtClean="0"/>
+              <a:t>Alimentation / ETL</a:t>
+            </a:r>
+            <a:endParaRPr lang="fr-FR" b="1" dirty="0"/>
+          </a:p>
+          <a:p>
+            <a:pPr lvl="1"/>
+            <a:r>
+              <a:rPr lang="fr-FR" dirty="0" smtClean="0"/>
+              <a:t>Structure du fichier</a:t>
+            </a:r>
+            <a:endParaRPr lang="fr-FR" dirty="0"/>
+          </a:p>
+          <a:p>
+            <a:pPr lvl="1"/>
+            <a:r>
+              <a:rPr lang="fr-FR" dirty="0"/>
+              <a:t>Cas d'utilisation : mettre sous forme de schéma.</a:t>
+            </a:r>
+          </a:p>
+          <a:p>
+            <a:pPr lvl="1"/>
+            <a:r>
+              <a:rPr lang="fr-FR" dirty="0"/>
+              <a:t>Gérer les cas </a:t>
+            </a:r>
+            <a:r>
+              <a:rPr lang="fr-FR" dirty="0" smtClean="0"/>
+              <a:t>d’erreurs</a:t>
+            </a:r>
+          </a:p>
+          <a:p>
+            <a:pPr lvl="1"/>
+            <a:r>
+              <a:rPr lang="fr-FR" dirty="0" smtClean="0"/>
+              <a:t>Mise à jour des références</a:t>
+            </a:r>
+            <a:endParaRPr lang="fr-FR" dirty="0"/>
+          </a:p>
+          <a:p>
+            <a:pPr marL="114300" indent="0">
+              <a:buNone/>
+            </a:pPr>
+            <a:endParaRPr lang="fr-FR" dirty="0"/>
+          </a:p>
+          <a:p>
+            <a:r>
+              <a:rPr lang="fr-FR" b="1" dirty="0" smtClean="0"/>
+              <a:t>Restitution</a:t>
+            </a:r>
+          </a:p>
+          <a:p>
+            <a:pPr lvl="1"/>
+            <a:r>
+              <a:rPr lang="fr-FR" dirty="0" smtClean="0"/>
+              <a:t>Mise en place des outils de restitution (graphes, tableaux)</a:t>
+            </a:r>
+          </a:p>
+          <a:p>
+            <a:pPr lvl="1"/>
+            <a:endParaRPr lang="fr-FR" b="1" dirty="0"/>
+          </a:p>
+          <a:p>
+            <a:r>
+              <a:rPr lang="fr-FR" b="1" dirty="0" smtClean="0"/>
+              <a:t>Recettes</a:t>
+            </a:r>
+            <a:endParaRPr lang="fr-FR" b="1" dirty="0"/>
+          </a:p>
+          <a:p>
+            <a:pPr lvl="1"/>
+            <a:r>
+              <a:rPr lang="fr-FR" dirty="0" smtClean="0"/>
+              <a:t>Bilan </a:t>
+            </a:r>
+            <a:r>
+              <a:rPr lang="fr-FR" dirty="0"/>
+              <a:t>de recette le 26 </a:t>
+            </a:r>
+            <a:endParaRPr lang="fr-FR" dirty="0"/>
+          </a:p>
+        </p:txBody>
+      </p:sp>
+    </p:spTree>
+    <p:extLst>
+      <p:ext uri="{BB962C8B-B14F-4D97-AF65-F5344CB8AC3E}">
+        <p14:creationId xmlns:p14="http://schemas.microsoft.com/office/powerpoint/2010/main" val="3974948217"/>
+      </p:ext>
+    </p:extLst>
+  </p:cSld>
+  <p:clrMapOvr>
+    <a:masterClrMapping/>
+  </p:clrMapOvr>
+  <p:timing>
+    <p:tnLst>
+      <p:par>
+        <p:cTn id="1" dur="indefinite" restart="never" nodeType="tmRoot"/>
+      </p:par>
+    </p:tnLst>
+  </p:timing>
+</p:sld>
+</file>
+
+<file path=ppt/slides/slide4.xml><?xml version="1.0" encoding="utf-8"?>
+<p:sld xmlns:a="http://schemas.openxmlformats.org/drawingml/2006/main" xmlns:r="http://schemas.openxmlformats.org/officeDocument/2006/relationships" xmlns:p="http://schemas.openxmlformats.org/presentationml/2006/main">
+  <p:cSld>
+    <p:spTree>
+      <p:nvGrpSpPr>
+        <p:cNvPr id="1" name=""/>
+        <p:cNvGrpSpPr/>
+        <p:nvPr/>
+      </p:nvGrpSpPr>
+      <p:grpSpPr>
+        <a:xfrm>
+          <a:off x="0" y="0"/>
+          <a:ext cx="0" cy="0"/>
+          <a:chOff x="0" y="0"/>
+          <a:chExt cx="0" cy="0"/>
+        </a:xfrm>
+      </p:grpSpPr>
+      <p:sp>
+        <p:nvSpPr>
+          <p:cNvPr id="2" name="Titre 1"/>
+          <p:cNvSpPr>
+            <a:spLocks noGrp="1"/>
+          </p:cNvSpPr>
+          <p:nvPr>
+            <p:ph type="title"/>
+          </p:nvPr>
+        </p:nvSpPr>
+        <p:spPr/>
+        <p:txBody>
+          <a:bodyPr/>
+          <a:lstStyle/>
+          <a:p>
+            <a:r>
+              <a:rPr lang="fr-FR" dirty="0" smtClean="0"/>
+              <a:t>Temps de travail</a:t>
+            </a:r>
+            <a:endParaRPr lang="fr-FR" dirty="0"/>
+          </a:p>
+        </p:txBody>
+      </p:sp>
+      <p:graphicFrame>
+        <p:nvGraphicFramePr>
+          <p:cNvPr id="5" name="Espace réservé du contenu 4"/>
+          <p:cNvGraphicFramePr>
+            <a:graphicFrameLocks noGrp="1"/>
+          </p:cNvGraphicFramePr>
+          <p:nvPr>
+            <p:ph idx="1"/>
+            <p:extLst>
+              <p:ext uri="{D42A27DB-BD31-4B8C-83A1-F6EECF244321}">
+                <p14:modId xmlns:p14="http://schemas.microsoft.com/office/powerpoint/2010/main" val="3689961141"/>
+              </p:ext>
+            </p:extLst>
+          </p:nvPr>
+        </p:nvGraphicFramePr>
+        <p:xfrm>
+          <a:off x="0" y="1123950"/>
+          <a:ext cx="8785225" cy="5734050"/>
+        </p:xfrm>
+        <a:graphic>
+          <a:graphicData uri="http://schemas.openxmlformats.org/drawingml/2006/chart">
+            <c:chart xmlns:c="http://schemas.openxmlformats.org/drawingml/2006/chart" xmlns:r="http://schemas.openxmlformats.org/officeDocument/2006/relationships" r:id="rId3"/>
+          </a:graphicData>
+        </a:graphic>
+      </p:graphicFrame>
+    </p:spTree>
+    <p:extLst>
+      <p:ext uri="{BB962C8B-B14F-4D97-AF65-F5344CB8AC3E}">
+        <p14:creationId xmlns:p14="http://schemas.microsoft.com/office/powerpoint/2010/main" val="4166857735"/>
+      </p:ext>
+    </p:extLst>
+  </p:cSld>
+  <p:clrMapOvr>
+    <a:masterClrMapping/>
+  </p:clrMapOvr>
+  <p:timing>
+    <p:tnLst>
+      <p:par>
+        <p:cTn id="1" dur="indefinite" restart="never" nodeType="tmRoot"/>
+      </p:par>
+    </p:tnLst>
+  </p:timing>
+</p:sld>
+</file>
+
+<file path=ppt/slides/slide5.xml><?xml version="1.0" encoding="utf-8"?>
+<p:sld xmlns:a="http://schemas.openxmlformats.org/drawingml/2006/main" xmlns:r="http://schemas.openxmlformats.org/officeDocument/2006/relationships" xmlns:p="http://schemas.openxmlformats.org/presentationml/2006/main">
+  <p:cSld>
+    <p:spTree>
+      <p:nvGrpSpPr>
+        <p:cNvPr id="1" name=""/>
+        <p:cNvGrpSpPr/>
+        <p:nvPr/>
+      </p:nvGrpSpPr>
+      <p:grpSpPr>
+        <a:xfrm>
+          <a:off x="0" y="0"/>
+          <a:ext cx="0" cy="0"/>
+          <a:chOff x="0" y="0"/>
+          <a:chExt cx="0" cy="0"/>
+        </a:xfrm>
+      </p:grpSpPr>
+      <p:sp>
+        <p:nvSpPr>
+          <p:cNvPr id="2" name="Titre 1"/>
+          <p:cNvSpPr>
+            <a:spLocks noGrp="1"/>
+          </p:cNvSpPr>
+          <p:nvPr>
+            <p:ph type="title"/>
+          </p:nvPr>
+        </p:nvSpPr>
+        <p:spPr/>
+        <p:txBody>
+          <a:bodyPr/>
+          <a:lstStyle/>
+          <a:p>
+            <a:r>
+              <a:rPr lang="fr-FR" dirty="0" smtClean="0"/>
+              <a:t>Restitution</a:t>
+            </a:r>
+            <a:endParaRPr lang="fr-FR" dirty="0"/>
+          </a:p>
+        </p:txBody>
+      </p:sp>
+      <p:sp>
+        <p:nvSpPr>
+          <p:cNvPr id="3" name="Espace réservé du contenu 2"/>
+          <p:cNvSpPr>
+            <a:spLocks noGrp="1"/>
+          </p:cNvSpPr>
+          <p:nvPr>
+            <p:ph sz="half" idx="1"/>
+          </p:nvPr>
+        </p:nvSpPr>
+        <p:spPr>
+          <a:xfrm>
+            <a:off x="1524002" y="1295400"/>
+            <a:ext cx="7224462" cy="5257800"/>
+          </a:xfrm>
+        </p:spPr>
+        <p:txBody>
+          <a:bodyPr/>
+          <a:lstStyle/>
+          <a:p>
+            <a:r>
+              <a:rPr lang="fr-FR" dirty="0" smtClean="0"/>
+              <a:t>Restitution Profil responsable Magasin</a:t>
+            </a:r>
+          </a:p>
+          <a:p>
+            <a:endParaRPr lang="fr-FR" dirty="0"/>
+          </a:p>
+          <a:p>
+            <a:r>
+              <a:rPr lang="fr-FR" dirty="0" smtClean="0"/>
+              <a:t>Profil complet</a:t>
+            </a:r>
+          </a:p>
+          <a:p>
+            <a:endParaRPr lang="fr-FR" dirty="0"/>
+          </a:p>
+          <a:p>
+            <a:r>
+              <a:rPr lang="fr-FR" dirty="0" smtClean="0"/>
+              <a:t>Mise en place des bases</a:t>
+            </a:r>
+          </a:p>
+          <a:p>
+            <a:endParaRPr lang="fr-FR" dirty="0"/>
+          </a:p>
+          <a:p>
+            <a:r>
+              <a:rPr lang="fr-FR" dirty="0" smtClean="0"/>
+              <a:t>Création de tous les profils par la suite</a:t>
+            </a:r>
+            <a:endParaRPr lang="fr-FR" dirty="0"/>
+          </a:p>
+        </p:txBody>
+      </p:sp>
+      <p:sp>
+        <p:nvSpPr>
+          <p:cNvPr id="5" name="Espace réservé du numéro de diapositive 4"/>
+          <p:cNvSpPr>
+            <a:spLocks noGrp="1"/>
+          </p:cNvSpPr>
+          <p:nvPr>
+            <p:ph type="sldNum" sz="quarter" idx="12"/>
+          </p:nvPr>
+        </p:nvSpPr>
+        <p:spPr/>
+        <p:txBody>
+          <a:bodyPr/>
+          <a:lstStyle/>
+          <a:p>
+            <a:pPr>
+              <a:defRPr/>
+            </a:pPr>
+            <a:fld id="{61DFC3F3-F69D-4837-9DC8-BB26BAF3FB8D}" type="slidenum">
+              <a:rPr lang="fr-FR" smtClean="0"/>
+              <a:pPr>
+                <a:defRPr/>
+              </a:pPr>
+              <a:t>5</a:t>
+            </a:fld>
+            <a:endParaRPr lang="fr-FR"/>
+          </a:p>
+        </p:txBody>
+      </p:sp>
+    </p:spTree>
+    <p:extLst>
+      <p:ext uri="{BB962C8B-B14F-4D97-AF65-F5344CB8AC3E}">
+        <p14:creationId xmlns:p14="http://schemas.microsoft.com/office/powerpoint/2010/main" val="519709667"/>
+      </p:ext>
+    </p:extLst>
+  </p:cSld>
+  <p:clrMapOvr>
+    <a:masterClrMapping/>
+  </p:clrMapOvr>
+  <p:timing>
+    <p:tnLst>
+      <p:par>
+        <p:cTn id="1" dur="indefinite" restart="never" nodeType="tmRoot"/>
+      </p:par>
+    </p:tnLst>
+  </p:timing>
+</p:sld>
+</file>
+
+<file path=ppt/slides/slide6.xml><?xml version="1.0" encoding="utf-8"?>
+<p:sld xmlns:a="http://schemas.openxmlformats.org/drawingml/2006/main" xmlns:r="http://schemas.openxmlformats.org/officeDocument/2006/relationships" xmlns:p="http://schemas.openxmlformats.org/presentationml/2006/main">
+  <p:cSld>
+    <p:spTree>
+      <p:nvGrpSpPr>
+        <p:cNvPr id="1" name=""/>
+        <p:cNvGrpSpPr/>
+        <p:nvPr/>
+      </p:nvGrpSpPr>
+      <p:grpSpPr>
+        <a:xfrm>
+          <a:off x="0" y="0"/>
+          <a:ext cx="0" cy="0"/>
+          <a:chOff x="0" y="0"/>
+          <a:chExt cx="0" cy="0"/>
+        </a:xfrm>
+      </p:grpSpPr>
+      <p:sp>
+        <p:nvSpPr>
+          <p:cNvPr id="2" name="Titre 1"/>
+          <p:cNvSpPr>
+            <a:spLocks noGrp="1"/>
+          </p:cNvSpPr>
+          <p:nvPr>
+            <p:ph type="title"/>
+          </p:nvPr>
+        </p:nvSpPr>
+        <p:spPr/>
+        <p:txBody>
+          <a:bodyPr/>
+          <a:lstStyle/>
+          <a:p>
+            <a:r>
+              <a:rPr lang="fr-FR" dirty="0" smtClean="0"/>
+              <a:t>Restitution - SAS</a:t>
+            </a:r>
+            <a:endParaRPr lang="fr-FR" dirty="0"/>
+          </a:p>
+        </p:txBody>
+      </p:sp>
+      <p:sp>
+        <p:nvSpPr>
+          <p:cNvPr id="3" name="Espace réservé du contenu 2"/>
+          <p:cNvSpPr>
+            <a:spLocks noGrp="1"/>
+          </p:cNvSpPr>
+          <p:nvPr>
+            <p:ph sz="half" idx="1"/>
+          </p:nvPr>
+        </p:nvSpPr>
+        <p:spPr>
+          <a:xfrm>
+            <a:off x="1524002" y="1295400"/>
+            <a:ext cx="7440486" cy="5257800"/>
+          </a:xfrm>
+        </p:spPr>
+        <p:txBody>
+          <a:bodyPr/>
+          <a:lstStyle/>
+          <a:p>
+            <a:r>
+              <a:rPr lang="fr-FR" dirty="0" smtClean="0"/>
+              <a:t>Déploiement des procédures stockées</a:t>
+            </a:r>
+          </a:p>
+          <a:p>
+            <a:endParaRPr lang="fr-FR" dirty="0"/>
+          </a:p>
+          <a:p>
+            <a:r>
+              <a:rPr lang="fr-FR" dirty="0" smtClean="0"/>
+              <a:t>Mise en forme CSS</a:t>
+            </a:r>
+            <a:endParaRPr lang="fr-FR" dirty="0"/>
+          </a:p>
+          <a:p>
+            <a:r>
+              <a:rPr lang="fr-FR" dirty="0" smtClean="0"/>
+              <a:t>Mise en forme conditionnelle</a:t>
+            </a:r>
+            <a:endParaRPr lang="fr-FR" dirty="0"/>
+          </a:p>
+          <a:p>
+            <a:r>
+              <a:rPr lang="fr-FR" dirty="0" smtClean="0"/>
+              <a:t>Totaux</a:t>
+            </a:r>
+          </a:p>
+          <a:p>
+            <a:r>
+              <a:rPr lang="fr-FR" dirty="0" smtClean="0"/>
+              <a:t>Tableaux/Graphiques</a:t>
+            </a:r>
+            <a:endParaRPr lang="fr-FR" dirty="0"/>
+          </a:p>
+        </p:txBody>
+      </p:sp>
+      <p:sp>
+        <p:nvSpPr>
+          <p:cNvPr id="5" name="Espace réservé du numéro de diapositive 4"/>
+          <p:cNvSpPr>
+            <a:spLocks noGrp="1"/>
+          </p:cNvSpPr>
+          <p:nvPr>
+            <p:ph type="sldNum" sz="quarter" idx="12"/>
+          </p:nvPr>
+        </p:nvSpPr>
+        <p:spPr/>
+        <p:txBody>
+          <a:bodyPr/>
+          <a:lstStyle/>
+          <a:p>
+            <a:pPr>
+              <a:defRPr/>
+            </a:pPr>
+            <a:fld id="{61DFC3F3-F69D-4837-9DC8-BB26BAF3FB8D}" type="slidenum">
+              <a:rPr lang="fr-FR" smtClean="0"/>
+              <a:pPr>
+                <a:defRPr/>
+              </a:pPr>
+              <a:t>6</a:t>
+            </a:fld>
+            <a:endParaRPr lang="fr-FR"/>
+          </a:p>
+        </p:txBody>
+      </p:sp>
+    </p:spTree>
+    <p:extLst>
+      <p:ext uri="{BB962C8B-B14F-4D97-AF65-F5344CB8AC3E}">
+        <p14:creationId xmlns:p14="http://schemas.microsoft.com/office/powerpoint/2010/main" val="1603614356"/>
+      </p:ext>
+    </p:extLst>
+  </p:cSld>
+  <p:clrMapOvr>
+    <a:masterClrMapping/>
+  </p:clrMapOvr>
+  <p:timing>
+    <p:tnLst>
+      <p:par>
+        <p:cTn id="1" dur="indefinite" restart="never" nodeType="tmRoot"/>
+      </p:par>
+    </p:tnLst>
+  </p:timing>
+</p:sld>
+</file>
+
+<file path=ppt/slides/slide7.xml><?xml version="1.0" encoding="utf-8"?>
+<p:sld xmlns:a="http://schemas.openxmlformats.org/drawingml/2006/main" xmlns:r="http://schemas.openxmlformats.org/officeDocument/2006/relationships" xmlns:p="http://schemas.openxmlformats.org/presentationml/2006/main">
+  <p:cSld>
+    <p:spTree>
+      <p:nvGrpSpPr>
+        <p:cNvPr id="1" name=""/>
+        <p:cNvGrpSpPr/>
+        <p:nvPr/>
+      </p:nvGrpSpPr>
+      <p:grpSpPr>
+        <a:xfrm>
+          <a:off x="0" y="0"/>
+          <a:ext cx="0" cy="0"/>
+          <a:chOff x="0" y="0"/>
+          <a:chExt cx="0" cy="0"/>
+        </a:xfrm>
+      </p:grpSpPr>
+      <p:sp>
+        <p:nvSpPr>
+          <p:cNvPr id="2" name="Titre 1"/>
+          <p:cNvSpPr>
+            <a:spLocks noGrp="1"/>
+          </p:cNvSpPr>
+          <p:nvPr>
+            <p:ph type="title"/>
+          </p:nvPr>
+        </p:nvSpPr>
+        <p:spPr/>
+        <p:txBody>
+          <a:bodyPr/>
+          <a:lstStyle/>
+          <a:p>
+            <a:r>
+              <a:rPr lang="fr-FR" dirty="0" smtClean="0"/>
+              <a:t>Restitution - SAS</a:t>
+            </a:r>
+            <a:endParaRPr lang="fr-FR" dirty="0"/>
+          </a:p>
+        </p:txBody>
+      </p:sp>
+      <p:sp>
+        <p:nvSpPr>
+          <p:cNvPr id="3" name="Espace réservé du contenu 2"/>
+          <p:cNvSpPr>
+            <a:spLocks noGrp="1"/>
+          </p:cNvSpPr>
+          <p:nvPr>
+            <p:ph sz="half" idx="1"/>
+          </p:nvPr>
+        </p:nvSpPr>
+        <p:spPr>
+          <a:xfrm>
+            <a:off x="1524002" y="1295400"/>
+            <a:ext cx="7440486" cy="5257800"/>
+          </a:xfrm>
+        </p:spPr>
+        <p:txBody>
+          <a:bodyPr/>
+          <a:lstStyle/>
+          <a:p>
+            <a:r>
+              <a:rPr lang="fr-FR" dirty="0" smtClean="0"/>
+              <a:t>Travail En cours</a:t>
+            </a:r>
+          </a:p>
+          <a:p>
+            <a:endParaRPr lang="fr-FR" dirty="0"/>
+          </a:p>
+          <a:p>
+            <a:r>
+              <a:rPr lang="fr-FR" dirty="0" smtClean="0"/>
+              <a:t>Correction quelques bugs application</a:t>
+            </a:r>
+          </a:p>
+          <a:p>
+            <a:endParaRPr lang="fr-FR" dirty="0"/>
+          </a:p>
+          <a:p>
+            <a:r>
+              <a:rPr lang="fr-FR" dirty="0" smtClean="0"/>
+              <a:t>Mise en forme pour correspondre au SFD</a:t>
+            </a:r>
+          </a:p>
+          <a:p>
+            <a:endParaRPr lang="fr-FR" dirty="0"/>
+          </a:p>
+          <a:p>
+            <a:endParaRPr lang="fr-FR" dirty="0"/>
+          </a:p>
+        </p:txBody>
+      </p:sp>
+      <p:sp>
+        <p:nvSpPr>
+          <p:cNvPr id="5" name="Espace réservé du numéro de diapositive 4"/>
+          <p:cNvSpPr>
+            <a:spLocks noGrp="1"/>
+          </p:cNvSpPr>
+          <p:nvPr>
+            <p:ph type="sldNum" sz="quarter" idx="12"/>
+          </p:nvPr>
+        </p:nvSpPr>
+        <p:spPr/>
+        <p:txBody>
+          <a:bodyPr/>
+          <a:lstStyle/>
+          <a:p>
+            <a:pPr>
+              <a:defRPr/>
+            </a:pPr>
+            <a:fld id="{61DFC3F3-F69D-4837-9DC8-BB26BAF3FB8D}" type="slidenum">
+              <a:rPr lang="fr-FR" smtClean="0"/>
+              <a:pPr>
+                <a:defRPr/>
+              </a:pPr>
+              <a:t>7</a:t>
+            </a:fld>
+            <a:endParaRPr lang="fr-FR"/>
+          </a:p>
+        </p:txBody>
+      </p:sp>
+    </p:spTree>
+    <p:extLst>
+      <p:ext uri="{BB962C8B-B14F-4D97-AF65-F5344CB8AC3E}">
+        <p14:creationId xmlns:p14="http://schemas.microsoft.com/office/powerpoint/2010/main" val="313456132"/>
+      </p:ext>
+    </p:extLst>
+  </p:cSld>
+  <p:clrMapOvr>
+    <a:masterClrMapping/>
+  </p:clrMapOvr>
+  <p:timing>
+    <p:tnLst>
+      <p:par>
+        <p:cTn id="1" dur="indefinite" restart="never" nodeType="tmRoot"/>
+      </p:par>
+    </p:tnLst>
+  </p:timing>
+</p:sld>
+</file>
+
+<file path=ppt/slides/slide8.xml><?xml version="1.0" encoding="utf-8"?>
+<p:sld xmlns:a="http://schemas.openxmlformats.org/drawingml/2006/main" xmlns:r="http://schemas.openxmlformats.org/officeDocument/2006/relationships" xmlns:p="http://schemas.openxmlformats.org/presentationml/2006/main">
+  <p:cSld>
+    <p:spTree>
+      <p:nvGrpSpPr>
+        <p:cNvPr id="1" name=""/>
+        <p:cNvGrpSpPr/>
+        <p:nvPr/>
+      </p:nvGrpSpPr>
+      <p:grpSpPr>
+        <a:xfrm>
+          <a:off x="0" y="0"/>
+          <a:ext cx="0" cy="0"/>
+          <a:chOff x="0" y="0"/>
+          <a:chExt cx="0" cy="0"/>
+        </a:xfrm>
+      </p:grpSpPr>
+      <p:sp>
+        <p:nvSpPr>
+          <p:cNvPr id="2" name="Titre 1"/>
+          <p:cNvSpPr>
+            <a:spLocks noGrp="1"/>
+          </p:cNvSpPr>
+          <p:nvPr>
+            <p:ph type="title"/>
+          </p:nvPr>
+        </p:nvSpPr>
+        <p:spPr/>
+        <p:txBody>
+          <a:bodyPr/>
+          <a:lstStyle/>
+          <a:p>
+            <a:r>
+              <a:rPr lang="fr-FR" dirty="0" smtClean="0"/>
+              <a:t>Restitution - Jasper</a:t>
+            </a:r>
+            <a:endParaRPr lang="fr-FR" dirty="0"/>
+          </a:p>
+        </p:txBody>
+      </p:sp>
+      <p:sp>
+        <p:nvSpPr>
+          <p:cNvPr id="3" name="Espace réservé du contenu 2"/>
+          <p:cNvSpPr>
+            <a:spLocks noGrp="1"/>
+          </p:cNvSpPr>
+          <p:nvPr>
+            <p:ph sz="half" idx="1"/>
+          </p:nvPr>
+        </p:nvSpPr>
+        <p:spPr/>
+        <p:txBody>
+          <a:bodyPr/>
+          <a:lstStyle/>
+          <a:p>
+            <a:endParaRPr lang="fr-FR" dirty="0"/>
+          </a:p>
+        </p:txBody>
+      </p:sp>
+      <p:sp>
+        <p:nvSpPr>
+          <p:cNvPr id="4" name="Espace réservé du contenu 3"/>
+          <p:cNvSpPr>
+            <a:spLocks noGrp="1"/>
+          </p:cNvSpPr>
+          <p:nvPr>
+            <p:ph sz="half" idx="2"/>
+          </p:nvPr>
+        </p:nvSpPr>
+        <p:spPr/>
+        <p:txBody>
+          <a:bodyPr/>
+          <a:lstStyle/>
+          <a:p>
+            <a:endParaRPr lang="fr-FR"/>
+          </a:p>
+        </p:txBody>
+      </p:sp>
+      <p:sp>
+        <p:nvSpPr>
+          <p:cNvPr id="5" name="Espace réservé du numéro de diapositive 4"/>
+          <p:cNvSpPr>
+            <a:spLocks noGrp="1"/>
+          </p:cNvSpPr>
+          <p:nvPr>
+            <p:ph type="sldNum" sz="quarter" idx="12"/>
+          </p:nvPr>
+        </p:nvSpPr>
+        <p:spPr/>
+        <p:txBody>
+          <a:bodyPr/>
+          <a:lstStyle/>
+          <a:p>
+            <a:pPr>
+              <a:defRPr/>
+            </a:pPr>
+            <a:fld id="{61DFC3F3-F69D-4837-9DC8-BB26BAF3FB8D}" type="slidenum">
+              <a:rPr lang="fr-FR" smtClean="0"/>
+              <a:pPr>
+                <a:defRPr/>
+              </a:pPr>
+              <a:t>8</a:t>
+            </a:fld>
+            <a:endParaRPr lang="fr-FR"/>
+          </a:p>
+        </p:txBody>
+      </p:sp>
+    </p:spTree>
+    <p:extLst>
+      <p:ext uri="{BB962C8B-B14F-4D97-AF65-F5344CB8AC3E}">
+        <p14:creationId xmlns:p14="http://schemas.microsoft.com/office/powerpoint/2010/main" val="3643040349"/>
+      </p:ext>
+    </p:extLst>
+  </p:cSld>
+  <p:clrMapOvr>
+    <a:masterClrMapping/>
+  </p:clrMapOvr>
+  <p:timing>
+    <p:tnLst>
+      <p:par>
+        <p:cTn id="1" dur="indefinite" restart="never" nodeType="tmRoot"/>
+      </p:par>
+    </p:tnLst>
+  </p:timing>
+</p:sld>
+</file>
+
+<file path=ppt/slides/slide9.xml><?xml version="1.0" encoding="utf-8"?>
+<p:sld xmlns:a="http://schemas.openxmlformats.org/drawingml/2006/main" xmlns:r="http://schemas.openxmlformats.org/officeDocument/2006/relationships" xmlns:p="http://schemas.openxmlformats.org/presentationml/2006/main">
+  <p:cSld>
+    <p:spTree>
+      <p:nvGrpSpPr>
+        <p:cNvPr id="1" name=""/>
+        <p:cNvGrpSpPr/>
+        <p:nvPr/>
+      </p:nvGrpSpPr>
+      <p:grpSpPr>
+        <a:xfrm>
+          <a:off x="0" y="0"/>
+          <a:ext cx="0" cy="0"/>
+          <a:chOff x="0" y="0"/>
+          <a:chExt cx="0" cy="0"/>
+        </a:xfrm>
+      </p:grpSpPr>
+      <p:sp>
+        <p:nvSpPr>
+          <p:cNvPr id="2" name="Titre 1"/>
+          <p:cNvSpPr>
+            <a:spLocks noGrp="1"/>
+          </p:cNvSpPr>
+          <p:nvPr>
+            <p:ph type="title"/>
+          </p:nvPr>
+        </p:nvSpPr>
+        <p:spPr/>
+        <p:txBody>
+          <a:bodyPr/>
+          <a:lstStyle/>
+          <a:p>
+            <a:r>
+              <a:rPr lang="fr-FR" dirty="0" smtClean="0"/>
               <a:t>Alimentation/ETL</a:t>
             </a:r>
             <a:endParaRPr lang="fr-FR" dirty="0"/>
@@ -4747,35 +5851,6 @@
           </a:p>
           <a:p>
             <a:endParaRPr lang="fr-FR" dirty="0"/>
-          </a:p>
-        </p:txBody>
-      </p:sp>
-      <p:sp>
-        <p:nvSpPr>
-          <p:cNvPr id="5" name="Espace réservé du numéro de diapositive 4"/>
-          <p:cNvSpPr>
-            <a:spLocks noGrp="1"/>
-          </p:cNvSpPr>
-          <p:nvPr>
-            <p:ph type="sldNum" sz="quarter" idx="12"/>
-          </p:nvPr>
-        </p:nvSpPr>
-        <p:spPr/>
-        <p:txBody>
-          <a:bodyPr/>
-          <a:lstStyle/>
-          <a:p>
-            <a:pPr>
-              <a:defRPr/>
-            </a:pPr>
-            <a:fld id="{61DFC3F3-F69D-4837-9DC8-BB26BAF3FB8D}" type="slidenum">
-              <a:rPr lang="fr-FR" smtClean="0"/>
-              <a:pPr>
-                <a:defRPr/>
-              </a:pPr>
-              <a:t>3</a:t>
-            </a:fld>
-            <a:endParaRPr lang="fr-FR"/>
           </a:p>
         </p:txBody>
       </p:sp>
@@ -4786,7 +5861,7 @@
             <a:picLocks noGrp="1" noChangeAspect="1"/>
           </p:cNvPicPr>
           <p:nvPr>
-            <p:ph idx="1"/>
+            <p:ph sz="half" idx="2"/>
           </p:nvPr>
         </p:nvPicPr>
         <p:blipFill>
@@ -4797,11 +5872,40 @@
         </p:blipFill>
         <p:spPr>
           <a:xfrm>
-            <a:off x="5275320" y="1295400"/>
-            <a:ext cx="3833184" cy="5257800"/>
+            <a:off x="4575433" y="1536700"/>
+            <a:ext cx="3345934" cy="4589463"/>
           </a:xfrm>
         </p:spPr>
       </p:pic>
+      <p:sp>
+        <p:nvSpPr>
+          <p:cNvPr id="5" name="Espace réservé du numéro de diapositive 4"/>
+          <p:cNvSpPr>
+            <a:spLocks noGrp="1"/>
+          </p:cNvSpPr>
+          <p:nvPr>
+            <p:ph type="sldNum" sz="quarter" idx="12"/>
+          </p:nvPr>
+        </p:nvSpPr>
+        <p:spPr/>
+        <p:txBody>
+          <a:bodyPr/>
+          <a:lstStyle/>
+          <a:p>
+            <a:pPr>
+              <a:defRPr/>
+            </a:pPr>
+            <a:fld id="{61DFC3F3-F69D-4837-9DC8-BB26BAF3FB8D}" type="slidenum">
+              <a:rPr lang="fr-FR" smtClean="0"/>
+              <a:pPr>
+                <a:defRPr/>
+              </a:pPr>
+              <a:t>9</a:t>
+            </a:fld>
+            <a:endParaRPr lang="fr-FR"/>
+          </a:p>
+        </p:txBody>
+      </p:sp>
     </p:spTree>
   </p:cSld>
   <p:clrMapOvr>
@@ -4825,112 +5929,134 @@
 </file>
 
 <file path=ppt/theme/theme1.xml><?xml version="1.0" encoding="utf-8"?>
-<a:theme xmlns:a="http://schemas.openxmlformats.org/drawingml/2006/main" name="CSC">
+<a:theme xmlns:a="http://schemas.openxmlformats.org/drawingml/2006/main" name="Contiguïté">
   <a:themeElements>
-    <a:clrScheme name="Thème Office 1">
+    <a:clrScheme name="Contiguïté">
       <a:dk1>
-        <a:srgbClr val="080808"/>
+        <a:srgbClr val="2F2B20"/>
       </a:dk1>
       <a:lt1>
-        <a:srgbClr val="7AA6B0"/>
+        <a:srgbClr val="FFFFFF"/>
       </a:lt1>
       <a:dk2>
-        <a:srgbClr val="000000"/>
+        <a:srgbClr val="675E47"/>
       </a:dk2>
       <a:lt2>
-        <a:srgbClr val="080808"/>
+        <a:srgbClr val="DFDCB7"/>
       </a:lt2>
       <a:accent1>
-        <a:srgbClr val="917AA4"/>
+        <a:srgbClr val="A9A57C"/>
       </a:accent1>
       <a:accent2>
-        <a:srgbClr val="76669A"/>
+        <a:srgbClr val="9CBEBD"/>
       </a:accent2>
       <a:accent3>
-        <a:srgbClr val="BED0D4"/>
+        <a:srgbClr val="D2CB6C"/>
       </a:accent3>
       <a:accent4>
-        <a:srgbClr val="060606"/>
+        <a:srgbClr val="95A39D"/>
       </a:accent4>
       <a:accent5>
-        <a:srgbClr val="C7BECF"/>
+        <a:srgbClr val="C89F5D"/>
       </a:accent5>
       <a:accent6>
-        <a:srgbClr val="6A5C8B"/>
+        <a:srgbClr val="B1A089"/>
       </a:accent6>
       <a:hlink>
-        <a:srgbClr val="377B89"/>
+        <a:srgbClr val="D25814"/>
       </a:hlink>
       <a:folHlink>
-        <a:srgbClr val="1A4E54"/>
+        <a:srgbClr val="849A0A"/>
       </a:folHlink>
     </a:clrScheme>
-    <a:fontScheme name="Thème Office">
+    <a:fontScheme name="Office">
       <a:majorFont>
-        <a:latin typeface="Tahoma"/>
+        <a:latin typeface="Cambria"/>
         <a:ea typeface=""/>
         <a:cs typeface=""/>
+        <a:font script="Jpan" typeface="ＭＳ ゴシック"/>
+        <a:font script="Hang" typeface="맑은 고딕"/>
+        <a:font script="Hans" typeface="宋体"/>
+        <a:font script="Hant" typeface="新細明體"/>
+        <a:font script="Arab" typeface="Times New Roman"/>
+        <a:font script="Hebr" typeface="Times New Roman"/>
+        <a:font script="Thai" typeface="Angsana New"/>
+        <a:font script="Ethi" typeface="Nyala"/>
+        <a:font script="Beng" typeface="Vrinda"/>
+        <a:font script="Gujr" typeface="Shruti"/>
+        <a:font script="Khmr" typeface="MoolBoran"/>
+        <a:font script="Knda" typeface="Tunga"/>
+        <a:font script="Guru" typeface="Raavi"/>
+        <a:font script="Cans" typeface="Euphemia"/>
+        <a:font script="Cher" typeface="Plantagenet Cherokee"/>
+        <a:font script="Yiii" typeface="Microsoft Yi Baiti"/>
+        <a:font script="Tibt" typeface="Microsoft Himalaya"/>
+        <a:font script="Thaa" typeface="MV Boli"/>
+        <a:font script="Deva" typeface="Mangal"/>
+        <a:font script="Telu" typeface="Gautami"/>
+        <a:font script="Taml" typeface="Latha"/>
+        <a:font script="Syrc" typeface="Estrangelo Edessa"/>
+        <a:font script="Orya" typeface="Kalinga"/>
+        <a:font script="Mlym" typeface="Kartika"/>
+        <a:font script="Laoo" typeface="DokChampa"/>
+        <a:font script="Sinh" typeface="Iskoola Pota"/>
+        <a:font script="Mong" typeface="Mongolian Baiti"/>
+        <a:font script="Viet" typeface="Times New Roman"/>
+        <a:font script="Uigh" typeface="Microsoft Uighur"/>
+        <a:font script="Geor" typeface="Sylfaen"/>
       </a:majorFont>
       <a:minorFont>
-        <a:latin typeface="Tahoma"/>
+        <a:latin typeface="Calibri"/>
         <a:ea typeface=""/>
         <a:cs typeface=""/>
+        <a:font script="Jpan" typeface="ＭＳ 明朝"/>
+        <a:font script="Hang" typeface="맑은 고딕"/>
+        <a:font script="Hans" typeface="宋体"/>
+        <a:font script="Hant" typeface="新細明體"/>
+        <a:font script="Arab" typeface="Arial"/>
+        <a:font script="Hebr" typeface="Arial"/>
+        <a:font script="Thai" typeface="Cordia New"/>
+        <a:font script="Ethi" typeface="Nyala"/>
+        <a:font script="Beng" typeface="Vrinda"/>
+        <a:font script="Gujr" typeface="Shruti"/>
+        <a:font script="Khmr" typeface="DaunPenh"/>
+        <a:font script="Knda" typeface="Tunga"/>
+        <a:font script="Guru" typeface="Raavi"/>
+        <a:font script="Cans" typeface="Euphemia"/>
+        <a:font script="Cher" typeface="Plantagenet Cherokee"/>
+        <a:font script="Yiii" typeface="Microsoft Yi Baiti"/>
+        <a:font script="Tibt" typeface="Microsoft Himalaya"/>
+        <a:font script="Thaa" typeface="MV Boli"/>
+        <a:font script="Deva" typeface="Mangal"/>
+        <a:font script="Telu" typeface="Gautami"/>
+        <a:font script="Taml" typeface="Latha"/>
+        <a:font script="Syrc" typeface="Estrangelo Edessa"/>
+        <a:font script="Orya" typeface="Kalinga"/>
+        <a:font script="Mlym" typeface="Kartika"/>
+        <a:font script="Laoo" typeface="DokChampa"/>
+        <a:font script="Sinh" typeface="Iskoola Pota"/>
+        <a:font script="Mong" typeface="Mongolian Baiti"/>
+        <a:font script="Viet" typeface="Arial"/>
+        <a:font script="Uigh" typeface="Microsoft Uighur"/>
+        <a:font script="Geor" typeface="Sylfaen"/>
       </a:minorFont>
     </a:fontScheme>
-    <a:fmtScheme name="Office">
+    <a:fmtScheme name="Contiguïté">
       <a:fillStyleLst>
         <a:solidFill>
           <a:schemeClr val="phClr"/>
         </a:solidFill>
-        <a:gradFill rotWithShape="1">
-          <a:gsLst>
-            <a:gs pos="0">
-              <a:schemeClr val="phClr">
-                <a:tint val="50000"/>
-                <a:satMod val="300000"/>
-              </a:schemeClr>
-            </a:gs>
-            <a:gs pos="35000">
-              <a:schemeClr val="phClr">
-                <a:tint val="37000"/>
-                <a:satMod val="300000"/>
-              </a:schemeClr>
-            </a:gs>
-            <a:gs pos="100000">
-              <a:schemeClr val="phClr">
-                <a:tint val="15000"/>
-                <a:satMod val="350000"/>
-              </a:schemeClr>
-            </a:gs>
-          </a:gsLst>
-          <a:lin ang="16200000" scaled="1"/>
-        </a:gradFill>
-        <a:gradFill rotWithShape="1">
-          <a:gsLst>
-            <a:gs pos="0">
-              <a:schemeClr val="phClr">
-                <a:shade val="51000"/>
-                <a:satMod val="130000"/>
-              </a:schemeClr>
-            </a:gs>
-            <a:gs pos="80000">
-              <a:schemeClr val="phClr">
-                <a:shade val="93000"/>
-                <a:satMod val="130000"/>
-              </a:schemeClr>
-            </a:gs>
-            <a:gs pos="100000">
-              <a:schemeClr val="phClr">
-                <a:shade val="94000"/>
-                <a:satMod val="135000"/>
-              </a:schemeClr>
-            </a:gs>
-          </a:gsLst>
-          <a:lin ang="16200000" scaled="0"/>
-        </a:gradFill>
+        <a:solidFill>
+          <a:schemeClr val="phClr">
+            <a:tint val="55000"/>
+          </a:schemeClr>
+        </a:solidFill>
+        <a:solidFill>
+          <a:schemeClr val="phClr"/>
+        </a:solidFill>
       </a:fillStyleLst>
       <a:lnStyleLst>
-        <a:ln w="9525" cap="flat" cmpd="sng" algn="ctr">
+        <a:ln w="12700" cap="flat" cmpd="sng" algn="ctr">
           <a:solidFill>
             <a:schemeClr val="phClr">
               <a:shade val="95000"/>
@@ -4954,41 +6080,35 @@
       </a:lnStyleLst>
       <a:effectStyleLst>
         <a:effectStyle>
+          <a:effectLst/>
+        </a:effectStyle>
+        <a:effectStyle>
           <a:effectLst>
-            <a:outerShdw blurRad="40000" dist="20000" dir="5400000" rotWithShape="0">
+            <a:outerShdw blurRad="50800" dist="25400" algn="bl" rotWithShape="0">
               <a:srgbClr val="000000">
-                <a:alpha val="38000"/>
+                <a:alpha val="60000"/>
               </a:srgbClr>
             </a:outerShdw>
           </a:effectLst>
         </a:effectStyle>
         <a:effectStyle>
-          <a:effectLst>
-            <a:outerShdw blurRad="40000" dist="23000" dir="5400000" rotWithShape="0">
-              <a:srgbClr val="000000">
-                <a:alpha val="35000"/>
-              </a:srgbClr>
-            </a:outerShdw>
-          </a:effectLst>
-        </a:effectStyle>
-        <a:effectStyle>
-          <a:effectLst>
-            <a:outerShdw blurRad="40000" dist="23000" dir="5400000" rotWithShape="0">
-              <a:srgbClr val="000000">
-                <a:alpha val="35000"/>
-              </a:srgbClr>
-            </a:outerShdw>
-          </a:effectLst>
+          <a:effectLst/>
           <a:scene3d>
             <a:camera prst="orthographicFront">
               <a:rot lat="0" lon="0" rev="0"/>
             </a:camera>
-            <a:lightRig rig="threePt" dir="t">
-              <a:rot lat="0" lon="0" rev="1200000"/>
+            <a:lightRig rig="brightRoom" dir="tl">
+              <a:rot lat="0" lon="0" rev="1800000"/>
             </a:lightRig>
           </a:scene3d>
-          <a:sp3d>
-            <a:bevelT w="63500" h="25400"/>
+          <a:sp3d contourW="10160" prstMaterial="dkEdge">
+            <a:bevelT w="38100" h="50800" prst="angle"/>
+            <a:contourClr>
+              <a:schemeClr val="phClr">
+                <a:shade val="40000"/>
+                <a:satMod val="150000"/>
+              </a:schemeClr>
+            </a:contourClr>
           </a:sp3d>
         </a:effectStyle>
       </a:effectStyleLst>
@@ -5000,219 +6120,44 @@
           <a:gsLst>
             <a:gs pos="0">
               <a:schemeClr val="phClr">
-                <a:tint val="40000"/>
-                <a:satMod val="350000"/>
+                <a:tint val="90000"/>
               </a:schemeClr>
             </a:gs>
-            <a:gs pos="40000">
+            <a:gs pos="75000">
               <a:schemeClr val="phClr">
-                <a:tint val="45000"/>
-                <a:shade val="99000"/>
-                <a:satMod val="350000"/>
+                <a:shade val="100000"/>
+                <a:satMod val="115000"/>
               </a:schemeClr>
             </a:gs>
             <a:gs pos="100000">
               <a:schemeClr val="phClr">
-                <a:shade val="20000"/>
-                <a:satMod val="255000"/>
+                <a:shade val="70000"/>
+                <a:satMod val="130000"/>
               </a:schemeClr>
             </a:gs>
           </a:gsLst>
           <a:path path="circle">
-            <a:fillToRect l="50000" t="-80000" r="50000" b="180000"/>
+            <a:fillToRect l="20000" t="50000" r="100000" b="50000"/>
           </a:path>
         </a:gradFill>
-        <a:gradFill rotWithShape="1">
-          <a:gsLst>
-            <a:gs pos="0">
+        <a:blipFill rotWithShape="1">
+          <a:blip xmlns:r="http://schemas.openxmlformats.org/officeDocument/2006/relationships" r:embed="rId1">
+            <a:duotone>
               <a:schemeClr val="phClr">
-                <a:tint val="80000"/>
-                <a:satMod val="300000"/>
+                <a:tint val="97000"/>
               </a:schemeClr>
-            </a:gs>
-            <a:gs pos="100000">
               <a:schemeClr val="phClr">
-                <a:shade val="30000"/>
-                <a:satMod val="200000"/>
+                <a:shade val="96000"/>
               </a:schemeClr>
-            </a:gs>
-          </a:gsLst>
-          <a:path path="circle">
-            <a:fillToRect l="50000" t="50000" r="50000" b="50000"/>
-          </a:path>
-        </a:gradFill>
+            </a:duotone>
+          </a:blip>
+          <a:tile tx="0" ty="0" sx="32000" sy="32000" flip="none" algn="tl"/>
+        </a:blipFill>
       </a:bgFillStyleLst>
     </a:fmtScheme>
   </a:themeElements>
-  <a:objectDefaults>
-    <a:spDef>
-      <a:spPr bwMode="auto">
-        <a:xfrm>
-          <a:off x="0" y="0"/>
-          <a:ext cx="1" cy="1"/>
-        </a:xfrm>
-        <a:custGeom>
-          <a:avLst/>
-          <a:gdLst/>
-          <a:ahLst/>
-          <a:cxnLst/>
-          <a:rect l="0" t="0" r="0" b="0"/>
-          <a:pathLst/>
-        </a:custGeom>
-        <a:solidFill>
-          <a:schemeClr val="accent1"/>
-        </a:solidFill>
-        <a:ln w="9525" cap="flat" cmpd="sng" algn="ctr">
-          <a:solidFill>
-            <a:schemeClr val="tx1"/>
-          </a:solidFill>
-          <a:prstDash val="solid"/>
-          <a:round/>
-          <a:headEnd type="none" w="med" len="med"/>
-          <a:tailEnd type="none" w="med" len="med"/>
-        </a:ln>
-        <a:effectLst/>
-      </a:spPr>
-      <a:bodyPr vert="horz" wrap="square" lIns="91440" tIns="45720" rIns="91440" bIns="45720" numCol="1" anchor="t" anchorCtr="0" compatLnSpc="1">
-        <a:prstTxWarp prst="textNoShape">
-          <a:avLst/>
-        </a:prstTxWarp>
-      </a:bodyPr>
-      <a:lstStyle>
-        <a:defPPr marL="0" marR="0" indent="0" algn="l" defTabSz="914400" rtl="0" eaLnBrk="0" fontAlgn="base" latinLnBrk="0" hangingPunct="0">
-          <a:lnSpc>
-            <a:spcPct val="100000"/>
-          </a:lnSpc>
-          <a:spcBef>
-            <a:spcPct val="0"/>
-          </a:spcBef>
-          <a:spcAft>
-            <a:spcPct val="0"/>
-          </a:spcAft>
-          <a:buClrTx/>
-          <a:buSzTx/>
-          <a:buFontTx/>
-          <a:buNone/>
-          <a:tabLst/>
-          <a:defRPr kumimoji="0" lang="en-US" sz="2400" b="0" i="0" u="none" strike="noStrike" cap="none" normalizeH="0" baseline="0" smtClean="0">
-            <a:ln>
-              <a:noFill/>
-            </a:ln>
-            <a:solidFill>
-              <a:schemeClr val="tx1"/>
-            </a:solidFill>
-            <a:effectLst/>
-            <a:latin typeface="Times New Roman" pitchFamily="18" charset="0"/>
-          </a:defRPr>
-        </a:defPPr>
-      </a:lstStyle>
-    </a:spDef>
-    <a:lnDef>
-      <a:spPr bwMode="auto">
-        <a:xfrm>
-          <a:off x="0" y="0"/>
-          <a:ext cx="1" cy="1"/>
-        </a:xfrm>
-        <a:custGeom>
-          <a:avLst/>
-          <a:gdLst/>
-          <a:ahLst/>
-          <a:cxnLst/>
-          <a:rect l="0" t="0" r="0" b="0"/>
-          <a:pathLst/>
-        </a:custGeom>
-        <a:solidFill>
-          <a:schemeClr val="accent1"/>
-        </a:solidFill>
-        <a:ln w="9525" cap="flat" cmpd="sng" algn="ctr">
-          <a:solidFill>
-            <a:schemeClr val="tx1"/>
-          </a:solidFill>
-          <a:prstDash val="solid"/>
-          <a:round/>
-          <a:headEnd type="none" w="med" len="med"/>
-          <a:tailEnd type="none" w="med" len="med"/>
-        </a:ln>
-        <a:effectLst/>
-      </a:spPr>
-      <a:bodyPr vert="horz" wrap="square" lIns="91440" tIns="45720" rIns="91440" bIns="45720" numCol="1" anchor="t" anchorCtr="0" compatLnSpc="1">
-        <a:prstTxWarp prst="textNoShape">
-          <a:avLst/>
-        </a:prstTxWarp>
-      </a:bodyPr>
-      <a:lstStyle>
-        <a:defPPr marL="0" marR="0" indent="0" algn="l" defTabSz="914400" rtl="0" eaLnBrk="0" fontAlgn="base" latinLnBrk="0" hangingPunct="0">
-          <a:lnSpc>
-            <a:spcPct val="100000"/>
-          </a:lnSpc>
-          <a:spcBef>
-            <a:spcPct val="0"/>
-          </a:spcBef>
-          <a:spcAft>
-            <a:spcPct val="0"/>
-          </a:spcAft>
-          <a:buClrTx/>
-          <a:buSzTx/>
-          <a:buFontTx/>
-          <a:buNone/>
-          <a:tabLst/>
-          <a:defRPr kumimoji="0" lang="en-US" sz="2400" b="0" i="0" u="none" strike="noStrike" cap="none" normalizeH="0" baseline="0" smtClean="0">
-            <a:ln>
-              <a:noFill/>
-            </a:ln>
-            <a:solidFill>
-              <a:schemeClr val="tx1"/>
-            </a:solidFill>
-            <a:effectLst/>
-            <a:latin typeface="Times New Roman" pitchFamily="18" charset="0"/>
-          </a:defRPr>
-        </a:defPPr>
-      </a:lstStyle>
-    </a:lnDef>
-  </a:objectDefaults>
-  <a:extraClrSchemeLst>
-    <a:extraClrScheme>
-      <a:clrScheme name="Thème Office 1">
-        <a:dk1>
-          <a:srgbClr val="080808"/>
-        </a:dk1>
-        <a:lt1>
-          <a:srgbClr val="7AA6B0"/>
-        </a:lt1>
-        <a:dk2>
-          <a:srgbClr val="000000"/>
-        </a:dk2>
-        <a:lt2>
-          <a:srgbClr val="080808"/>
-        </a:lt2>
-        <a:accent1>
-          <a:srgbClr val="917AA4"/>
-        </a:accent1>
-        <a:accent2>
-          <a:srgbClr val="76669A"/>
-        </a:accent2>
-        <a:accent3>
-          <a:srgbClr val="BED0D4"/>
-        </a:accent3>
-        <a:accent4>
-          <a:srgbClr val="060606"/>
-        </a:accent4>
-        <a:accent5>
-          <a:srgbClr val="C7BECF"/>
-        </a:accent5>
-        <a:accent6>
-          <a:srgbClr val="6A5C8B"/>
-        </a:accent6>
-        <a:hlink>
-          <a:srgbClr val="377B89"/>
-        </a:hlink>
-        <a:folHlink>
-          <a:srgbClr val="1A4E54"/>
-        </a:folHlink>
-      </a:clrScheme>
-      <a:clrMap bg1="lt1" tx1="dk1" bg2="lt2" tx2="dk2" accent1="accent1" accent2="accent2" accent3="accent3" accent4="accent4" accent5="accent5" accent6="accent6" hlink="hlink" folHlink="folHlink"/>
-    </a:extraClrScheme>
-  </a:extraClrSchemeLst>
+  <a:objectDefaults/>
+  <a:extraClrSchemeLst/>
 </a:theme>
 </file>
 
@@ -5783,14 +6728,6 @@
 </file>
 
 <file path=customXml/item1.xml><?xml version="1.0" encoding="utf-8"?>
-<ct:contentTypeSchema xmlns:ct="http://schemas.microsoft.com/office/2006/metadata/contentType" xmlns:ma="http://schemas.microsoft.com/office/2006/metadata/properties/metaAttributes" ct:_="" ma:_="" ma:contentTypeName="TemplateFile" ma:contentTypeID="0x01010069924D1ECC420D47A2456556BC94F7370400BDF4491DEA4973499845289601F88B9F" ma:contentTypeVersion="33" ma:contentTypeDescription="Create a new document." ma:contentTypeScope="" ma:versionID="88ac0aa07b72c9aa809fa1ac53baba74"/>
-</file>
-
-<file path=customXml/item2.xml><?xml version="1.0" encoding="utf-8"?>
-<p:properties xmlns:p="http://schemas.microsoft.com/office/2006/metadata/properties" xmlns:xsi="http://www.w3.org/2001/XMLSchema-instance" xmlns:pc="http://schemas.microsoft.com/office/infopath/2007/PartnerControls"/>
-</file>
-
-<file path=customXml/item3.xml><?xml version="1.0" encoding="utf-8"?>
 <?mso-contentType ?>
 <FormTemplates xmlns="http://schemas.microsoft.com/sharepoint/v3/contenttype/forms">
   <Display>DocumentLibraryForm</Display>
@@ -5799,11 +6736,18 @@
 </FormTemplates>
 </file>
 
+<file path=customXml/item2.xml><?xml version="1.0" encoding="utf-8"?>
+<p:properties xmlns:p="http://schemas.microsoft.com/office/2006/metadata/properties" xmlns:xsi="http://www.w3.org/2001/XMLSchema-instance" xmlns:pc="http://schemas.microsoft.com/office/infopath/2007/PartnerControls"/>
+</file>
+
+<file path=customXml/item3.xml><?xml version="1.0" encoding="utf-8"?>
+<ct:contentTypeSchema xmlns:ct="http://schemas.microsoft.com/office/2006/metadata/contentType" xmlns:ma="http://schemas.microsoft.com/office/2006/metadata/properties/metaAttributes" ct:_="" ma:_="" ma:contentTypeName="TemplateFile" ma:contentTypeID="0x01010069924D1ECC420D47A2456556BC94F7370400BDF4491DEA4973499845289601F88B9F" ma:contentTypeVersion="33" ma:contentTypeDescription="Create a new document." ma:contentTypeScope="" ma:versionID="88ac0aa07b72c9aa809fa1ac53baba74"/>
+</file>
+
 <file path=customXml/itemProps1.xml><?xml version="1.0" encoding="utf-8"?>
-<ds:datastoreItem xmlns:ds="http://schemas.openxmlformats.org/officeDocument/2006/customXml" ds:itemID="{AADC9AFC-E9BE-407C-9919-F905586C6F5A}">
+<ds:datastoreItem xmlns:ds="http://schemas.openxmlformats.org/officeDocument/2006/customXml" ds:itemID="{19596DCE-F5C7-4BA8-8C0E-563C7612AC94}">
   <ds:schemaRefs>
-    <ds:schemaRef ds:uri="http://schemas.microsoft.com/office/2006/metadata/contentType"/>
-    <ds:schemaRef ds:uri="http://schemas.microsoft.com/office/2006/metadata/properties/metaAttributes"/>
+    <ds:schemaRef ds:uri="http://schemas.microsoft.com/sharepoint/v3/contenttype/forms"/>
   </ds:schemaRefs>
 </ds:datastoreItem>
 </file>
@@ -5818,9 +6762,10 @@
 </file>
 
 <file path=customXml/itemProps3.xml><?xml version="1.0" encoding="utf-8"?>
-<ds:datastoreItem xmlns:ds="http://schemas.openxmlformats.org/officeDocument/2006/customXml" ds:itemID="{19596DCE-F5C7-4BA8-8C0E-563C7612AC94}">
+<ds:datastoreItem xmlns:ds="http://schemas.openxmlformats.org/officeDocument/2006/customXml" ds:itemID="{AADC9AFC-E9BE-407C-9919-F905586C6F5A}">
   <ds:schemaRefs>
-    <ds:schemaRef ds:uri="http://schemas.microsoft.com/sharepoint/v3/contenttype/forms"/>
+    <ds:schemaRef ds:uri="http://schemas.microsoft.com/office/2006/metadata/contentType"/>
+    <ds:schemaRef ds:uri="http://schemas.microsoft.com/office/2006/metadata/properties/metaAttributes"/>
   </ds:schemaRefs>
 </ds:datastoreItem>
 </file>
--- a/trunk/PROJET/Presentation/PRE_26-01-11.pptx
+++ b/trunk/PROJET/Presentation/PRE_26-01-11.pptx
@@ -233,9 +233,9 @@
           </c:dLbls>
           <c:cat>
             <c:strRef>
-              <c:f>Feuil1!$A$2:$A$5</c:f>
+              <c:f>Feuil1!$A$2:$A$7</c:f>
               <c:strCache>
-                <c:ptCount val="4"/>
+                <c:ptCount val="6"/>
                 <c:pt idx="0">
                   <c:v>Recettes</c:v>
                 </c:pt>
@@ -248,26 +248,38 @@
                 <c:pt idx="3">
                   <c:v>Direction</c:v>
                 </c:pt>
+                <c:pt idx="4">
+                  <c:v>Total</c:v>
+                </c:pt>
+                <c:pt idx="5">
+                  <c:v>Total Théorique</c:v>
+                </c:pt>
               </c:strCache>
             </c:strRef>
           </c:cat>
           <c:val>
             <c:numRef>
-              <c:f>Feuil1!$B$2:$B$5</c:f>
+              <c:f>Feuil1!$B$2:$B$7</c:f>
               <c:numCache>
                 <c:formatCode>0.0</c:formatCode>
-                <c:ptCount val="4"/>
+                <c:ptCount val="6"/>
                 <c:pt idx="0">
                   <c:v>17</c:v>
                 </c:pt>
                 <c:pt idx="1">
-                  <c:v>100</c:v>
+                  <c:v>120</c:v>
                 </c:pt>
                 <c:pt idx="2">
                   <c:v>130</c:v>
                 </c:pt>
                 <c:pt idx="3">
                   <c:v>5</c:v>
+                </c:pt>
+                <c:pt idx="4">
+                  <c:v>272</c:v>
+                </c:pt>
+                <c:pt idx="5">
+                  <c:v>240</c:v>
                 </c:pt>
               </c:numCache>
             </c:numRef>
@@ -309,9 +321,9 @@
           </c:dLbls>
           <c:cat>
             <c:strRef>
-              <c:f>Feuil1!$A$2:$A$5</c:f>
+              <c:f>Feuil1!$A$2:$A$7</c:f>
               <c:strCache>
-                <c:ptCount val="4"/>
+                <c:ptCount val="6"/>
                 <c:pt idx="0">
                   <c:v>Recettes</c:v>
                 </c:pt>
@@ -324,26 +336,126 @@
                 <c:pt idx="3">
                   <c:v>Direction</c:v>
                 </c:pt>
+                <c:pt idx="4">
+                  <c:v>Total</c:v>
+                </c:pt>
+                <c:pt idx="5">
+                  <c:v>Total Théorique</c:v>
+                </c:pt>
               </c:strCache>
             </c:strRef>
           </c:cat>
           <c:val>
             <c:numRef>
-              <c:f>Feuil1!$C$2:$C$5</c:f>
+              <c:f>Feuil1!$C$2:$C$7</c:f>
               <c:numCache>
                 <c:formatCode>0.0</c:formatCode>
-                <c:ptCount val="4"/>
+                <c:ptCount val="6"/>
                 <c:pt idx="0">
                   <c:v>8.5</c:v>
                 </c:pt>
                 <c:pt idx="1">
-                  <c:v>12.5</c:v>
+                  <c:v>15</c:v>
                 </c:pt>
                 <c:pt idx="2">
                   <c:v>26</c:v>
                 </c:pt>
                 <c:pt idx="3">
                   <c:v>5</c:v>
+                </c:pt>
+                <c:pt idx="4">
+                  <c:v>18.100000000000001</c:v>
+                </c:pt>
+                <c:pt idx="5">
+                  <c:v>16</c:v>
+                </c:pt>
+              </c:numCache>
+            </c:numRef>
+          </c:val>
+        </c:ser>
+        <c:ser>
+          <c:idx val="2"/>
+          <c:order val="2"/>
+          <c:tx>
+            <c:strRef>
+              <c:f>Feuil1!$D$1</c:f>
+              <c:strCache>
+                <c:ptCount val="1"/>
+                <c:pt idx="0">
+                  <c:v>Personne</c:v>
+                </c:pt>
+              </c:strCache>
+            </c:strRef>
+          </c:tx>
+          <c:invertIfNegative val="0"/>
+          <c:dLbls>
+            <c:txPr>
+              <a:bodyPr/>
+              <a:lstStyle/>
+              <a:p>
+                <a:pPr>
+                  <a:defRPr sz="2000"/>
+                </a:pPr>
+                <a:endParaRPr lang="fr-FR"/>
+              </a:p>
+            </c:txPr>
+            <c:showLegendKey val="0"/>
+            <c:showVal val="1"/>
+            <c:showCatName val="0"/>
+            <c:showSerName val="0"/>
+            <c:showPercent val="0"/>
+            <c:showBubbleSize val="0"/>
+            <c:showLeaderLines val="0"/>
+          </c:dLbls>
+          <c:cat>
+            <c:strRef>
+              <c:f>Feuil1!$A$2:$A$7</c:f>
+              <c:strCache>
+                <c:ptCount val="6"/>
+                <c:pt idx="0">
+                  <c:v>Recettes</c:v>
+                </c:pt>
+                <c:pt idx="1">
+                  <c:v>Alim / ETL</c:v>
+                </c:pt>
+                <c:pt idx="2">
+                  <c:v>Restitution / Interface</c:v>
+                </c:pt>
+                <c:pt idx="3">
+                  <c:v>Direction</c:v>
+                </c:pt>
+                <c:pt idx="4">
+                  <c:v>Total</c:v>
+                </c:pt>
+                <c:pt idx="5">
+                  <c:v>Total Théorique</c:v>
+                </c:pt>
+              </c:strCache>
+            </c:strRef>
+          </c:cat>
+          <c:val>
+            <c:numRef>
+              <c:f>Feuil1!$D$2:$D$7</c:f>
+              <c:numCache>
+                <c:formatCode>0.0</c:formatCode>
+                <c:ptCount val="6"/>
+                <c:pt idx="0">
+                  <c:v>2</c:v>
+                </c:pt>
+                <c:pt idx="1">
+                  <c:v>8</c:v>
+                </c:pt>
+                <c:pt idx="2">
+                  <c:v>5</c:v>
+                </c:pt>
+                <c:pt idx="3">
+                  <c:v>1</c:v>
+                </c:pt>
+                <c:pt idx="4" formatCode="General">
+                  <c:v>15</c:v>
+                </c:pt>
+                <c:pt idx="5">
+                  <c:v>15</c:v>
                 </c:pt>
               </c:numCache>
             </c:numRef>
@@ -359,12 +471,12 @@
         </c:dLbls>
         <c:gapWidth val="150"/>
         <c:shape val="box"/>
-        <c:axId val="69950080"/>
-        <c:axId val="77136640"/>
+        <c:axId val="87867776"/>
+        <c:axId val="87869312"/>
         <c:axId val="0"/>
       </c:bar3DChart>
       <c:catAx>
-        <c:axId val="69950080"/>
+        <c:axId val="87867776"/>
         <c:scaling>
           <c:orientation val="minMax"/>
         </c:scaling>
@@ -383,7 +495,7 @@
             <a:endParaRPr lang="fr-FR"/>
           </a:p>
         </c:txPr>
-        <c:crossAx val="77136640"/>
+        <c:crossAx val="87869312"/>
         <c:crosses val="autoZero"/>
         <c:auto val="1"/>
         <c:lblAlgn val="ctr"/>
@@ -391,7 +503,7 @@
         <c:noMultiLvlLbl val="0"/>
       </c:catAx>
       <c:valAx>
-        <c:axId val="77136640"/>
+        <c:axId val="87869312"/>
         <c:scaling>
           <c:orientation val="minMax"/>
         </c:scaling>
@@ -401,7 +513,7 @@
         <c:majorTickMark val="none"/>
         <c:minorTickMark val="none"/>
         <c:tickLblPos val="none"/>
-        <c:crossAx val="69950080"/>
+        <c:crossAx val="87867776"/>
         <c:crosses val="autoZero"/>
         <c:crossBetween val="between"/>
       </c:valAx>
@@ -414,8 +526,8 @@
           <c:yMode val="edge"/>
           <c:x val="0.40259549413930779"/>
           <c:y val="8.1893774906043715E-2"/>
-          <c:w val="0.32202260044563458"/>
-          <c:h val="0.14414820240493195"/>
+          <c:w val="0.4652416738276246"/>
+          <c:h val="5.8474729914014437E-2"/>
         </c:manualLayout>
       </c:layout>
       <c:overlay val="0"/>
@@ -5098,7 +5210,6 @@
               <a:rPr lang="fr-FR" dirty="0"/>
               <a:t>de recette le 26 </a:t>
             </a:r>
-            <a:endParaRPr lang="fr-FR" dirty="0"/>
           </a:p>
         </p:txBody>
       </p:sp>
@@ -5149,7 +5260,12 @@
             <p:ph type="title"/>
           </p:nvPr>
         </p:nvSpPr>
-        <p:spPr/>
+        <p:spPr>
+          <a:xfrm>
+            <a:off x="-1036" y="0"/>
+            <a:ext cx="7620000" cy="1143000"/>
+          </a:xfrm>
+        </p:spPr>
         <p:txBody>
           <a:bodyPr/>
           <a:lstStyle/>
@@ -5172,14 +5288,14 @@
             <p:ph idx="1"/>
             <p:extLst>
               <p:ext uri="{D42A27DB-BD31-4B8C-83A1-F6EECF244321}">
-                <p14:modId xmlns:p14="http://schemas.microsoft.com/office/powerpoint/2010/main" val="3689961141"/>
+                <p14:modId xmlns:p14="http://schemas.microsoft.com/office/powerpoint/2010/main" val="442573492"/>
               </p:ext>
             </p:extLst>
           </p:nvPr>
         </p:nvGraphicFramePr>
         <p:xfrm>
-          <a:off x="0" y="1123950"/>
-          <a:ext cx="8785225" cy="5734050"/>
+          <a:off x="-468560" y="476672"/>
+          <a:ext cx="10585176" cy="6552728"/>
         </p:xfrm>
         <a:graphic>
           <a:graphicData uri="http://schemas.openxmlformats.org/drawingml/2006/chart">
@@ -6728,6 +6844,14 @@
 </file>
 
 <file path=customXml/item1.xml><?xml version="1.0" encoding="utf-8"?>
+<ct:contentTypeSchema xmlns:ct="http://schemas.microsoft.com/office/2006/metadata/contentType" xmlns:ma="http://schemas.microsoft.com/office/2006/metadata/properties/metaAttributes" ct:_="" ma:_="" ma:contentTypeName="TemplateFile" ma:contentTypeID="0x01010069924D1ECC420D47A2456556BC94F7370400BDF4491DEA4973499845289601F88B9F" ma:contentTypeVersion="33" ma:contentTypeDescription="Create a new document." ma:contentTypeScope="" ma:versionID="88ac0aa07b72c9aa809fa1ac53baba74"/>
+</file>
+
+<file path=customXml/item2.xml><?xml version="1.0" encoding="utf-8"?>
+<p:properties xmlns:p="http://schemas.microsoft.com/office/2006/metadata/properties" xmlns:xsi="http://www.w3.org/2001/XMLSchema-instance" xmlns:pc="http://schemas.microsoft.com/office/infopath/2007/PartnerControls"/>
+</file>
+
+<file path=customXml/item3.xml><?xml version="1.0" encoding="utf-8"?>
 <?mso-contentType ?>
 <FormTemplates xmlns="http://schemas.microsoft.com/sharepoint/v3/contenttype/forms">
   <Display>DocumentLibraryForm</Display>
@@ -6736,18 +6860,11 @@
 </FormTemplates>
 </file>
 
-<file path=customXml/item2.xml><?xml version="1.0" encoding="utf-8"?>
-<p:properties xmlns:p="http://schemas.microsoft.com/office/2006/metadata/properties" xmlns:xsi="http://www.w3.org/2001/XMLSchema-instance" xmlns:pc="http://schemas.microsoft.com/office/infopath/2007/PartnerControls"/>
-</file>
-
-<file path=customXml/item3.xml><?xml version="1.0" encoding="utf-8"?>
-<ct:contentTypeSchema xmlns:ct="http://schemas.microsoft.com/office/2006/metadata/contentType" xmlns:ma="http://schemas.microsoft.com/office/2006/metadata/properties/metaAttributes" ct:_="" ma:_="" ma:contentTypeName="TemplateFile" ma:contentTypeID="0x01010069924D1ECC420D47A2456556BC94F7370400BDF4491DEA4973499845289601F88B9F" ma:contentTypeVersion="33" ma:contentTypeDescription="Create a new document." ma:contentTypeScope="" ma:versionID="88ac0aa07b72c9aa809fa1ac53baba74"/>
-</file>
-
 <file path=customXml/itemProps1.xml><?xml version="1.0" encoding="utf-8"?>
-<ds:datastoreItem xmlns:ds="http://schemas.openxmlformats.org/officeDocument/2006/customXml" ds:itemID="{19596DCE-F5C7-4BA8-8C0E-563C7612AC94}">
+<ds:datastoreItem xmlns:ds="http://schemas.openxmlformats.org/officeDocument/2006/customXml" ds:itemID="{AADC9AFC-E9BE-407C-9919-F905586C6F5A}">
   <ds:schemaRefs>
-    <ds:schemaRef ds:uri="http://schemas.microsoft.com/sharepoint/v3/contenttype/forms"/>
+    <ds:schemaRef ds:uri="http://schemas.microsoft.com/office/2006/metadata/contentType"/>
+    <ds:schemaRef ds:uri="http://schemas.microsoft.com/office/2006/metadata/properties/metaAttributes"/>
   </ds:schemaRefs>
 </ds:datastoreItem>
 </file>
@@ -6762,10 +6879,9 @@
 </file>
 
 <file path=customXml/itemProps3.xml><?xml version="1.0" encoding="utf-8"?>
-<ds:datastoreItem xmlns:ds="http://schemas.openxmlformats.org/officeDocument/2006/customXml" ds:itemID="{AADC9AFC-E9BE-407C-9919-F905586C6F5A}">
+<ds:datastoreItem xmlns:ds="http://schemas.openxmlformats.org/officeDocument/2006/customXml" ds:itemID="{19596DCE-F5C7-4BA8-8C0E-563C7612AC94}">
   <ds:schemaRefs>
-    <ds:schemaRef ds:uri="http://schemas.microsoft.com/office/2006/metadata/contentType"/>
-    <ds:schemaRef ds:uri="http://schemas.microsoft.com/office/2006/metadata/properties/metaAttributes"/>
+    <ds:schemaRef ds:uri="http://schemas.microsoft.com/sharepoint/v3/contenttype/forms"/>
   </ds:schemaRefs>
 </ds:datastoreItem>
 </file>
--- a/trunk/PROJET/Presentation/PRE_26-01-11.pptx
+++ b/trunk/PROJET/Presentation/PRE_26-01-11.pptx
@@ -163,40 +163,18 @@
 
 <file path=ppt/charts/chart1.xml><?xml version="1.0" encoding="utf-8"?>
 <c:chartSpace xmlns:c="http://schemas.openxmlformats.org/drawingml/2006/chart" xmlns:a="http://schemas.openxmlformats.org/drawingml/2006/main" xmlns:r="http://schemas.openxmlformats.org/officeDocument/2006/relationships">
-  <c:date1904 val="0"/>
   <c:lang val="fr-FR"/>
-  <c:roundedCorners val="0"/>
-  <mc:AlternateContent xmlns:mc="http://schemas.openxmlformats.org/markup-compatibility/2006">
-    <mc:Choice xmlns:c14="http://schemas.microsoft.com/office/drawing/2007/8/2/chart" Requires="c14">
-      <c14:style val="118"/>
-    </mc:Choice>
-    <mc:Fallback>
-      <c:style val="18"/>
-    </mc:Fallback>
-  </mc:AlternateContent>
+  <c:style val="18"/>
   <c:chart>
     <c:autoTitleDeleted val="1"/>
     <c:view3D>
-      <c:rotX val="15"/>
-      <c:rotY val="20"/>
-      <c:rAngAx val="0"/>
       <c:perspective val="30"/>
     </c:view3D>
-    <c:floor>
-      <c:thickness val="0"/>
-    </c:floor>
-    <c:sideWall>
-      <c:thickness val="0"/>
-    </c:sideWall>
-    <c:backWall>
-      <c:thickness val="0"/>
-    </c:backWall>
     <c:plotArea>
       <c:layout/>
       <c:bar3DChart>
         <c:barDir val="bar"/>
         <c:grouping val="clustered"/>
-        <c:varyColors val="0"/>
         <c:ser>
           <c:idx val="0"/>
           <c:order val="0"/>
@@ -211,7 +189,6 @@
               </c:strCache>
             </c:strRef>
           </c:tx>
-          <c:invertIfNegative val="0"/>
           <c:dLbls>
             <c:txPr>
               <a:bodyPr/>
@@ -223,13 +200,7 @@
                 <a:endParaRPr lang="fr-FR"/>
               </a:p>
             </c:txPr>
-            <c:showLegendKey val="0"/>
             <c:showVal val="1"/>
-            <c:showCatName val="0"/>
-            <c:showSerName val="0"/>
-            <c:showPercent val="0"/>
-            <c:showBubbleSize val="0"/>
-            <c:showLeaderLines val="0"/>
           </c:dLbls>
           <c:cat>
             <c:strRef>
@@ -299,7 +270,6 @@
               </c:strCache>
             </c:strRef>
           </c:tx>
-          <c:invertIfNegative val="0"/>
           <c:dLbls>
             <c:txPr>
               <a:bodyPr/>
@@ -311,13 +281,7 @@
                 <a:endParaRPr lang="fr-FR"/>
               </a:p>
             </c:txPr>
-            <c:showLegendKey val="0"/>
             <c:showVal val="1"/>
-            <c:showCatName val="0"/>
-            <c:showSerName val="0"/>
-            <c:showPercent val="0"/>
-            <c:showBubbleSize val="0"/>
-            <c:showLeaderLines val="0"/>
           </c:dLbls>
           <c:cat>
             <c:strRef>
@@ -387,7 +351,6 @@
               </c:strCache>
             </c:strRef>
           </c:tx>
-          <c:invertIfNegative val="0"/>
           <c:dLbls>
             <c:txPr>
               <a:bodyPr/>
@@ -399,13 +362,7 @@
                 <a:endParaRPr lang="fr-FR"/>
               </a:p>
             </c:txPr>
-            <c:showLegendKey val="0"/>
             <c:showVal val="1"/>
-            <c:showCatName val="0"/>
-            <c:showSerName val="0"/>
-            <c:showPercent val="0"/>
-            <c:showBubbleSize val="0"/>
-            <c:showLeaderLines val="0"/>
           </c:dLbls>
           <c:cat>
             <c:strRef>
@@ -462,28 +419,20 @@
           </c:val>
         </c:ser>
         <c:dLbls>
-          <c:showLegendKey val="0"/>
           <c:showVal val="1"/>
-          <c:showCatName val="0"/>
-          <c:showSerName val="0"/>
-          <c:showPercent val="0"/>
-          <c:showBubbleSize val="0"/>
         </c:dLbls>
-        <c:gapWidth val="150"/>
         <c:shape val="box"/>
-        <c:axId val="87867776"/>
-        <c:axId val="87869312"/>
+        <c:axId val="96123136"/>
+        <c:axId val="96804864"/>
         <c:axId val="0"/>
       </c:bar3DChart>
       <c:catAx>
-        <c:axId val="87867776"/>
+        <c:axId val="96123136"/>
         <c:scaling>
           <c:orientation val="minMax"/>
         </c:scaling>
-        <c:delete val="0"/>
         <c:axPos val="l"/>
         <c:majorTickMark val="none"/>
-        <c:minorTickMark val="none"/>
         <c:tickLblPos val="nextTo"/>
         <c:txPr>
           <a:bodyPr/>
@@ -495,15 +444,14 @@
             <a:endParaRPr lang="fr-FR"/>
           </a:p>
         </c:txPr>
-        <c:crossAx val="87869312"/>
+        <c:crossAx val="96804864"/>
         <c:crosses val="autoZero"/>
         <c:auto val="1"/>
         <c:lblAlgn val="ctr"/>
         <c:lblOffset val="100"/>
-        <c:noMultiLvlLbl val="0"/>
       </c:catAx>
       <c:valAx>
-        <c:axId val="87869312"/>
+        <c:axId val="96804864"/>
         <c:scaling>
           <c:orientation val="minMax"/>
         </c:scaling>
@@ -511,9 +459,8 @@
         <c:axPos val="b"/>
         <c:numFmt formatCode="0.0" sourceLinked="1"/>
         <c:majorTickMark val="none"/>
-        <c:minorTickMark val="none"/>
         <c:tickLblPos val="none"/>
-        <c:crossAx val="87867776"/>
+        <c:crossAx val="96123136"/>
         <c:crosses val="autoZero"/>
         <c:crossBetween val="between"/>
       </c:valAx>
@@ -524,13 +471,12 @@
         <c:manualLayout>
           <c:xMode val="edge"/>
           <c:yMode val="edge"/>
-          <c:x val="0.40259549413930779"/>
+          <c:x val="0.40259549413930784"/>
           <c:y val="8.1893774906043715E-2"/>
-          <c:w val="0.4652416738276246"/>
-          <c:h val="5.8474729914014437E-2"/>
+          <c:w val="0.46524167382762466"/>
+          <c:h val="5.8474729914014444E-2"/>
         </c:manualLayout>
       </c:layout>
-      <c:overlay val="0"/>
       <c:txPr>
         <a:bodyPr/>
         <a:lstStyle/>
@@ -544,11 +490,8 @@
     </c:legend>
     <c:plotVisOnly val="1"/>
     <c:dispBlanksAs val="gap"/>
-    <c:showDLblsOverMax val="0"/>
   </c:chart>
-  <c:externalData r:id="rId1">
-    <c:autoUpdate val="0"/>
-  </c:externalData>
+  <c:externalData r:id="rId1"/>
 </c:chartSpace>
 </file>
 
@@ -791,7 +734,7 @@
     </p:spTree>
     <p:extLst>
       <p:ext uri="{BB962C8B-B14F-4D97-AF65-F5344CB8AC3E}">
-        <p14:creationId xmlns:p14="http://schemas.microsoft.com/office/powerpoint/2010/main" val="3231300367"/>
+        <p14:creationId xmlns:p14="http://schemas.microsoft.com/office/powerpoint/2010/main" xmlns="" val="3231300367"/>
       </p:ext>
     </p:extLst>
   </p:cSld>
@@ -1138,7 +1081,7 @@
     </p:spTree>
     <p:extLst>
       <p:ext uri="{BB962C8B-B14F-4D97-AF65-F5344CB8AC3E}">
-        <p14:creationId xmlns:p14="http://schemas.microsoft.com/office/powerpoint/2010/main" val="2645942092"/>
+        <p14:creationId xmlns:p14="http://schemas.microsoft.com/office/powerpoint/2010/main" xmlns="" val="2645942092"/>
       </p:ext>
     </p:extLst>
   </p:cSld>
@@ -1531,7 +1474,7 @@
     </p:spTree>
     <p:extLst>
       <p:ext uri="{BB962C8B-B14F-4D97-AF65-F5344CB8AC3E}">
-        <p14:creationId xmlns:p14="http://schemas.microsoft.com/office/powerpoint/2010/main" val="1436837154"/>
+        <p14:creationId xmlns:p14="http://schemas.microsoft.com/office/powerpoint/2010/main" xmlns="" val="1436837154"/>
       </p:ext>
     </p:extLst>
   </p:cSld>
@@ -1616,7 +1559,7 @@
     </p:spTree>
     <p:extLst>
       <p:ext uri="{BB962C8B-B14F-4D97-AF65-F5344CB8AC3E}">
-        <p14:creationId xmlns:p14="http://schemas.microsoft.com/office/powerpoint/2010/main" val="2883505231"/>
+        <p14:creationId xmlns:p14="http://schemas.microsoft.com/office/powerpoint/2010/main" xmlns="" val="2883505231"/>
       </p:ext>
     </p:extLst>
   </p:cSld>
@@ -5216,7 +5159,7 @@
     </p:spTree>
     <p:extLst>
       <p:ext uri="{BB962C8B-B14F-4D97-AF65-F5344CB8AC3E}">
-        <p14:creationId xmlns:p14="http://schemas.microsoft.com/office/powerpoint/2010/main" val="3974948217"/>
+        <p14:creationId xmlns:p14="http://schemas.microsoft.com/office/powerpoint/2010/main" xmlns="" val="3974948217"/>
       </p:ext>
     </p:extLst>
   </p:cSld>
@@ -5288,7 +5231,7 @@
             <p:ph idx="1"/>
             <p:extLst>
               <p:ext uri="{D42A27DB-BD31-4B8C-83A1-F6EECF244321}">
-                <p14:modId xmlns:p14="http://schemas.microsoft.com/office/powerpoint/2010/main" val="442573492"/>
+                <p14:modId xmlns:p14="http://schemas.microsoft.com/office/powerpoint/2010/main" xmlns="" val="442573492"/>
               </p:ext>
             </p:extLst>
           </p:nvPr>
@@ -5306,7 +5249,7 @@
     </p:spTree>
     <p:extLst>
       <p:ext uri="{BB962C8B-B14F-4D97-AF65-F5344CB8AC3E}">
-        <p14:creationId xmlns:p14="http://schemas.microsoft.com/office/powerpoint/2010/main" val="4166857735"/>
+        <p14:creationId xmlns:p14="http://schemas.microsoft.com/office/powerpoint/2010/main" xmlns="" val="4166857735"/>
       </p:ext>
     </p:extLst>
   </p:cSld>
@@ -5450,7 +5393,7 @@
     </p:spTree>
     <p:extLst>
       <p:ext uri="{BB962C8B-B14F-4D97-AF65-F5344CB8AC3E}">
-        <p14:creationId xmlns:p14="http://schemas.microsoft.com/office/powerpoint/2010/main" val="519709667"/>
+        <p14:creationId xmlns:p14="http://schemas.microsoft.com/office/powerpoint/2010/main" xmlns="" val="519709667"/>
       </p:ext>
     </p:extLst>
   </p:cSld>
@@ -5596,7 +5539,7 @@
     </p:spTree>
     <p:extLst>
       <p:ext uri="{BB962C8B-B14F-4D97-AF65-F5344CB8AC3E}">
-        <p14:creationId xmlns:p14="http://schemas.microsoft.com/office/powerpoint/2010/main" val="1603614356"/>
+        <p14:creationId xmlns:p14="http://schemas.microsoft.com/office/powerpoint/2010/main" xmlns="" val="1603614356"/>
       </p:ext>
     </p:extLst>
   </p:cSld>
@@ -5736,7 +5679,7 @@
     </p:spTree>
     <p:extLst>
       <p:ext uri="{BB962C8B-B14F-4D97-AF65-F5344CB8AC3E}">
-        <p14:creationId xmlns:p14="http://schemas.microsoft.com/office/powerpoint/2010/main" val="313456132"/>
+        <p14:creationId xmlns:p14="http://schemas.microsoft.com/office/powerpoint/2010/main" xmlns="" val="313456132"/>
       </p:ext>
     </p:extLst>
   </p:cSld>
@@ -5863,7 +5806,7 @@
     </p:spTree>
     <p:extLst>
       <p:ext uri="{BB962C8B-B14F-4D97-AF65-F5344CB8AC3E}">
-        <p14:creationId xmlns:p14="http://schemas.microsoft.com/office/powerpoint/2010/main" val="3643040349"/>
+        <p14:creationId xmlns:p14="http://schemas.microsoft.com/office/powerpoint/2010/main" xmlns="" val="3643040349"/>
       </p:ext>
     </p:extLst>
   </p:cSld>
@@ -5988,8 +5931,8 @@
         </p:blipFill>
         <p:spPr>
           <a:xfrm>
-            <a:off x="4575433" y="1536700"/>
-            <a:ext cx="3345934" cy="4589463"/>
+            <a:off x="4102953" y="1124744"/>
+            <a:ext cx="4069447" cy="5581872"/>
           </a:xfrm>
         </p:spPr>
       </p:pic>
@@ -6844,14 +6787,6 @@
 </file>
 
 <file path=customXml/item1.xml><?xml version="1.0" encoding="utf-8"?>
-<ct:contentTypeSchema xmlns:ct="http://schemas.microsoft.com/office/2006/metadata/contentType" xmlns:ma="http://schemas.microsoft.com/office/2006/metadata/properties/metaAttributes" ct:_="" ma:_="" ma:contentTypeName="TemplateFile" ma:contentTypeID="0x01010069924D1ECC420D47A2456556BC94F7370400BDF4491DEA4973499845289601F88B9F" ma:contentTypeVersion="33" ma:contentTypeDescription="Create a new document." ma:contentTypeScope="" ma:versionID="88ac0aa07b72c9aa809fa1ac53baba74"/>
-</file>
-
-<file path=customXml/item2.xml><?xml version="1.0" encoding="utf-8"?>
-<p:properties xmlns:p="http://schemas.microsoft.com/office/2006/metadata/properties" xmlns:xsi="http://www.w3.org/2001/XMLSchema-instance" xmlns:pc="http://schemas.microsoft.com/office/infopath/2007/PartnerControls"/>
-</file>
-
-<file path=customXml/item3.xml><?xml version="1.0" encoding="utf-8"?>
 <?mso-contentType ?>
 <FormTemplates xmlns="http://schemas.microsoft.com/sharepoint/v3/contenttype/forms">
   <Display>DocumentLibraryForm</Display>
@@ -6860,11 +6795,18 @@
 </FormTemplates>
 </file>
 
+<file path=customXml/item2.xml><?xml version="1.0" encoding="utf-8"?>
+<p:properties xmlns:p="http://schemas.microsoft.com/office/2006/metadata/properties" xmlns:xsi="http://www.w3.org/2001/XMLSchema-instance" xmlns:pc="http://schemas.microsoft.com/office/infopath/2007/PartnerControls"/>
+</file>
+
+<file path=customXml/item3.xml><?xml version="1.0" encoding="utf-8"?>
+<ct:contentTypeSchema xmlns:ct="http://schemas.microsoft.com/office/2006/metadata/contentType" xmlns:ma="http://schemas.microsoft.com/office/2006/metadata/properties/metaAttributes" ct:_="" ma:_="" ma:contentTypeName="TemplateFile" ma:contentTypeID="0x01010069924D1ECC420D47A2456556BC94F7370400BDF4491DEA4973499845289601F88B9F" ma:contentTypeVersion="33" ma:contentTypeDescription="Create a new document." ma:contentTypeScope="" ma:versionID="88ac0aa07b72c9aa809fa1ac53baba74"/>
+</file>
+
 <file path=customXml/itemProps1.xml><?xml version="1.0" encoding="utf-8"?>
-<ds:datastoreItem xmlns:ds="http://schemas.openxmlformats.org/officeDocument/2006/customXml" ds:itemID="{AADC9AFC-E9BE-407C-9919-F905586C6F5A}">
+<ds:datastoreItem xmlns:ds="http://schemas.openxmlformats.org/officeDocument/2006/customXml" ds:itemID="{19596DCE-F5C7-4BA8-8C0E-563C7612AC94}">
   <ds:schemaRefs>
-    <ds:schemaRef ds:uri="http://schemas.microsoft.com/office/2006/metadata/contentType"/>
-    <ds:schemaRef ds:uri="http://schemas.microsoft.com/office/2006/metadata/properties/metaAttributes"/>
+    <ds:schemaRef ds:uri="http://schemas.microsoft.com/sharepoint/v3/contenttype/forms"/>
   </ds:schemaRefs>
 </ds:datastoreItem>
 </file>
@@ -6879,9 +6821,10 @@
 </file>
 
 <file path=customXml/itemProps3.xml><?xml version="1.0" encoding="utf-8"?>
-<ds:datastoreItem xmlns:ds="http://schemas.openxmlformats.org/officeDocument/2006/customXml" ds:itemID="{19596DCE-F5C7-4BA8-8C0E-563C7612AC94}">
+<ds:datastoreItem xmlns:ds="http://schemas.openxmlformats.org/officeDocument/2006/customXml" ds:itemID="{AADC9AFC-E9BE-407C-9919-F905586C6F5A}">
   <ds:schemaRefs>
-    <ds:schemaRef ds:uri="http://schemas.microsoft.com/sharepoint/v3/contenttype/forms"/>
+    <ds:schemaRef ds:uri="http://schemas.microsoft.com/office/2006/metadata/contentType"/>
+    <ds:schemaRef ds:uri="http://schemas.microsoft.com/office/2006/metadata/properties/metaAttributes"/>
   </ds:schemaRefs>
 </ds:datastoreItem>
 </file>
--- a/trunk/PROJET/Presentation/PRE_26-01-11.pptx
+++ b/trunk/PROJET/Presentation/PRE_26-01-11.pptx
@@ -18,7 +18,7 @@
     <p:sldId id="315" r:id="rId9"/>
     <p:sldId id="313" r:id="rId10"/>
     <p:sldId id="316" r:id="rId11"/>
-    <p:sldId id="314" r:id="rId12"/>
+    <p:sldId id="319" r:id="rId12"/>
     <p:sldId id="312" r:id="rId13"/>
   </p:sldIdLst>
   <p:sldSz cx="9144000" cy="6858000" type="screen4x3"/>
@@ -163,18 +163,40 @@
 
 <file path=ppt/charts/chart1.xml><?xml version="1.0" encoding="utf-8"?>
 <c:chartSpace xmlns:c="http://schemas.openxmlformats.org/drawingml/2006/chart" xmlns:a="http://schemas.openxmlformats.org/drawingml/2006/main" xmlns:r="http://schemas.openxmlformats.org/officeDocument/2006/relationships">
+  <c:date1904 val="0"/>
   <c:lang val="fr-FR"/>
-  <c:style val="18"/>
+  <c:roundedCorners val="0"/>
+  <mc:AlternateContent xmlns:mc="http://schemas.openxmlformats.org/markup-compatibility/2006">
+    <mc:Choice xmlns:c14="http://schemas.microsoft.com/office/drawing/2007/8/2/chart" Requires="c14">
+      <c14:style val="118"/>
+    </mc:Choice>
+    <mc:Fallback>
+      <c:style val="18"/>
+    </mc:Fallback>
+  </mc:AlternateContent>
   <c:chart>
     <c:autoTitleDeleted val="1"/>
     <c:view3D>
+      <c:rotX val="15"/>
+      <c:rotY val="20"/>
+      <c:rAngAx val="0"/>
       <c:perspective val="30"/>
     </c:view3D>
+    <c:floor>
+      <c:thickness val="0"/>
+    </c:floor>
+    <c:sideWall>
+      <c:thickness val="0"/>
+    </c:sideWall>
+    <c:backWall>
+      <c:thickness val="0"/>
+    </c:backWall>
     <c:plotArea>
       <c:layout/>
       <c:bar3DChart>
         <c:barDir val="bar"/>
         <c:grouping val="clustered"/>
+        <c:varyColors val="0"/>
         <c:ser>
           <c:idx val="0"/>
           <c:order val="0"/>
@@ -189,6 +211,7 @@
               </c:strCache>
             </c:strRef>
           </c:tx>
+          <c:invertIfNegative val="0"/>
           <c:dLbls>
             <c:txPr>
               <a:bodyPr/>
@@ -200,7 +223,13 @@
                 <a:endParaRPr lang="fr-FR"/>
               </a:p>
             </c:txPr>
+            <c:showLegendKey val="0"/>
             <c:showVal val="1"/>
+            <c:showCatName val="0"/>
+            <c:showSerName val="0"/>
+            <c:showPercent val="0"/>
+            <c:showBubbleSize val="0"/>
+            <c:showLeaderLines val="0"/>
           </c:dLbls>
           <c:cat>
             <c:strRef>
@@ -270,6 +299,7 @@
               </c:strCache>
             </c:strRef>
           </c:tx>
+          <c:invertIfNegative val="0"/>
           <c:dLbls>
             <c:txPr>
               <a:bodyPr/>
@@ -281,7 +311,13 @@
                 <a:endParaRPr lang="fr-FR"/>
               </a:p>
             </c:txPr>
+            <c:showLegendKey val="0"/>
             <c:showVal val="1"/>
+            <c:showCatName val="0"/>
+            <c:showSerName val="0"/>
+            <c:showPercent val="0"/>
+            <c:showBubbleSize val="0"/>
+            <c:showLeaderLines val="0"/>
           </c:dLbls>
           <c:cat>
             <c:strRef>
@@ -351,6 +387,7 @@
               </c:strCache>
             </c:strRef>
           </c:tx>
+          <c:invertIfNegative val="0"/>
           <c:dLbls>
             <c:txPr>
               <a:bodyPr/>
@@ -362,7 +399,13 @@
                 <a:endParaRPr lang="fr-FR"/>
               </a:p>
             </c:txPr>
+            <c:showLegendKey val="0"/>
             <c:showVal val="1"/>
+            <c:showCatName val="0"/>
+            <c:showSerName val="0"/>
+            <c:showPercent val="0"/>
+            <c:showBubbleSize val="0"/>
+            <c:showLeaderLines val="0"/>
           </c:dLbls>
           <c:cat>
             <c:strRef>
@@ -419,20 +462,28 @@
           </c:val>
         </c:ser>
         <c:dLbls>
+          <c:showLegendKey val="0"/>
           <c:showVal val="1"/>
+          <c:showCatName val="0"/>
+          <c:showSerName val="0"/>
+          <c:showPercent val="0"/>
+          <c:showBubbleSize val="0"/>
         </c:dLbls>
+        <c:gapWidth val="150"/>
         <c:shape val="box"/>
-        <c:axId val="96123136"/>
-        <c:axId val="96804864"/>
+        <c:axId val="68992384"/>
+        <c:axId val="69002368"/>
         <c:axId val="0"/>
       </c:bar3DChart>
       <c:catAx>
-        <c:axId val="96123136"/>
+        <c:axId val="68992384"/>
         <c:scaling>
           <c:orientation val="minMax"/>
         </c:scaling>
+        <c:delete val="0"/>
         <c:axPos val="l"/>
         <c:majorTickMark val="none"/>
+        <c:minorTickMark val="none"/>
         <c:tickLblPos val="nextTo"/>
         <c:txPr>
           <a:bodyPr/>
@@ -444,14 +495,15 @@
             <a:endParaRPr lang="fr-FR"/>
           </a:p>
         </c:txPr>
-        <c:crossAx val="96804864"/>
+        <c:crossAx val="69002368"/>
         <c:crosses val="autoZero"/>
         <c:auto val="1"/>
         <c:lblAlgn val="ctr"/>
         <c:lblOffset val="100"/>
+        <c:noMultiLvlLbl val="0"/>
       </c:catAx>
       <c:valAx>
-        <c:axId val="96804864"/>
+        <c:axId val="69002368"/>
         <c:scaling>
           <c:orientation val="minMax"/>
         </c:scaling>
@@ -459,8 +511,9 @@
         <c:axPos val="b"/>
         <c:numFmt formatCode="0.0" sourceLinked="1"/>
         <c:majorTickMark val="none"/>
+        <c:minorTickMark val="none"/>
         <c:tickLblPos val="none"/>
-        <c:crossAx val="96123136"/>
+        <c:crossAx val="68992384"/>
         <c:crosses val="autoZero"/>
         <c:crossBetween val="between"/>
       </c:valAx>
@@ -477,6 +530,7 @@
           <c:h val="5.8474729914014444E-2"/>
         </c:manualLayout>
       </c:layout>
+      <c:overlay val="0"/>
       <c:txPr>
         <a:bodyPr/>
         <a:lstStyle/>
@@ -490,8 +544,11 @@
     </c:legend>
     <c:plotVisOnly val="1"/>
     <c:dispBlanksAs val="gap"/>
+    <c:showDLblsOverMax val="0"/>
   </c:chart>
-  <c:externalData r:id="rId1"/>
+  <c:externalData r:id="rId1">
+    <c:autoUpdate val="0"/>
+  </c:externalData>
 </c:chartSpace>
 </file>
 
@@ -734,7 +791,7 @@
     </p:spTree>
     <p:extLst>
       <p:ext uri="{BB962C8B-B14F-4D97-AF65-F5344CB8AC3E}">
-        <p14:creationId xmlns:p14="http://schemas.microsoft.com/office/powerpoint/2010/main" xmlns="" val="3231300367"/>
+        <p14:creationId xmlns:p14="http://schemas.microsoft.com/office/powerpoint/2010/main" val="3231300367"/>
       </p:ext>
     </p:extLst>
   </p:cSld>
@@ -1081,7 +1138,7 @@
     </p:spTree>
     <p:extLst>
       <p:ext uri="{BB962C8B-B14F-4D97-AF65-F5344CB8AC3E}">
-        <p14:creationId xmlns:p14="http://schemas.microsoft.com/office/powerpoint/2010/main" xmlns="" val="2645942092"/>
+        <p14:creationId xmlns:p14="http://schemas.microsoft.com/office/powerpoint/2010/main" val="2645942092"/>
       </p:ext>
     </p:extLst>
   </p:cSld>
@@ -1474,7 +1531,7 @@
     </p:spTree>
     <p:extLst>
       <p:ext uri="{BB962C8B-B14F-4D97-AF65-F5344CB8AC3E}">
-        <p14:creationId xmlns:p14="http://schemas.microsoft.com/office/powerpoint/2010/main" xmlns="" val="1436837154"/>
+        <p14:creationId xmlns:p14="http://schemas.microsoft.com/office/powerpoint/2010/main" val="1436837154"/>
       </p:ext>
     </p:extLst>
   </p:cSld>
@@ -1559,7 +1616,457 @@
     </p:spTree>
     <p:extLst>
       <p:ext uri="{BB962C8B-B14F-4D97-AF65-F5344CB8AC3E}">
-        <p14:creationId xmlns:p14="http://schemas.microsoft.com/office/powerpoint/2010/main" xmlns="" val="2883505231"/>
+        <p14:creationId xmlns:p14="http://schemas.microsoft.com/office/powerpoint/2010/main" val="2883505231"/>
+      </p:ext>
+    </p:extLst>
+  </p:cSld>
+  <p:clrMapOvr>
+    <a:masterClrMapping/>
+  </p:clrMapOvr>
+</p:notes>
+</file>
+
+<file path=ppt/notesSlides/notesSlide5.xml><?xml version="1.0" encoding="utf-8"?>
+<p:notes xmlns:a="http://schemas.openxmlformats.org/drawingml/2006/main" xmlns:r="http://schemas.openxmlformats.org/officeDocument/2006/relationships" xmlns:p="http://schemas.openxmlformats.org/presentationml/2006/main">
+  <p:cSld>
+    <p:spTree>
+      <p:nvGrpSpPr>
+        <p:cNvPr id="1" name=""/>
+        <p:cNvGrpSpPr/>
+        <p:nvPr/>
+      </p:nvGrpSpPr>
+      <p:grpSpPr>
+        <a:xfrm>
+          <a:off x="0" y="0"/>
+          <a:ext cx="0" cy="0"/>
+          <a:chOff x="0" y="0"/>
+          <a:chExt cx="0" cy="0"/>
+        </a:xfrm>
+      </p:grpSpPr>
+      <p:sp>
+        <p:nvSpPr>
+          <p:cNvPr id="2" name="Espace réservé de l'image des diapositives 1"/>
+          <p:cNvSpPr>
+            <a:spLocks noGrp="1" noRot="1" noChangeAspect="1"/>
+          </p:cNvSpPr>
+          <p:nvPr>
+            <p:ph type="sldImg"/>
+          </p:nvPr>
+        </p:nvSpPr>
+        <p:spPr/>
+      </p:sp>
+      <p:sp>
+        <p:nvSpPr>
+          <p:cNvPr id="3" name="Espace réservé des commentaires 2"/>
+          <p:cNvSpPr>
+            <a:spLocks noGrp="1"/>
+          </p:cNvSpPr>
+          <p:nvPr>
+            <p:ph type="body" idx="1"/>
+          </p:nvPr>
+        </p:nvSpPr>
+        <p:spPr/>
+        <p:txBody>
+          <a:bodyPr/>
+          <a:lstStyle/>
+          <a:p>
+            <a:endParaRPr lang="fr-FR"/>
+          </a:p>
+        </p:txBody>
+      </p:sp>
+      <p:sp>
+        <p:nvSpPr>
+          <p:cNvPr id="4" name="Espace réservé du numéro de diapositive 3"/>
+          <p:cNvSpPr>
+            <a:spLocks noGrp="1"/>
+          </p:cNvSpPr>
+          <p:nvPr>
+            <p:ph type="sldNum" sz="quarter" idx="10"/>
+          </p:nvPr>
+        </p:nvSpPr>
+        <p:spPr/>
+        <p:txBody>
+          <a:bodyPr/>
+          <a:lstStyle/>
+          <a:p>
+            <a:pPr>
+              <a:defRPr/>
+            </a:pPr>
+            <a:fld id="{1BB7E99A-B2FF-4C0C-BBBB-55947CE30373}" type="slidenum">
+              <a:rPr lang="fr-FR" smtClean="0"/>
+              <a:pPr>
+                <a:defRPr/>
+              </a:pPr>
+              <a:t>5</a:t>
+            </a:fld>
+            <a:endParaRPr lang="fr-FR"/>
+          </a:p>
+        </p:txBody>
+      </p:sp>
+    </p:spTree>
+    <p:extLst>
+      <p:ext uri="{BB962C8B-B14F-4D97-AF65-F5344CB8AC3E}">
+        <p14:creationId xmlns:p14="http://schemas.microsoft.com/office/powerpoint/2010/main" val="765126400"/>
+      </p:ext>
+    </p:extLst>
+  </p:cSld>
+  <p:clrMapOvr>
+    <a:masterClrMapping/>
+  </p:clrMapOvr>
+</p:notes>
+</file>
+
+<file path=ppt/notesSlides/notesSlide6.xml><?xml version="1.0" encoding="utf-8"?>
+<p:notes xmlns:a="http://schemas.openxmlformats.org/drawingml/2006/main" xmlns:r="http://schemas.openxmlformats.org/officeDocument/2006/relationships" xmlns:p="http://schemas.openxmlformats.org/presentationml/2006/main">
+  <p:cSld>
+    <p:spTree>
+      <p:nvGrpSpPr>
+        <p:cNvPr id="1" name=""/>
+        <p:cNvGrpSpPr/>
+        <p:nvPr/>
+      </p:nvGrpSpPr>
+      <p:grpSpPr>
+        <a:xfrm>
+          <a:off x="0" y="0"/>
+          <a:ext cx="0" cy="0"/>
+          <a:chOff x="0" y="0"/>
+          <a:chExt cx="0" cy="0"/>
+        </a:xfrm>
+      </p:grpSpPr>
+      <p:sp>
+        <p:nvSpPr>
+          <p:cNvPr id="2" name="Espace réservé de l'image des diapositives 1"/>
+          <p:cNvSpPr>
+            <a:spLocks noGrp="1" noRot="1" noChangeAspect="1"/>
+          </p:cNvSpPr>
+          <p:nvPr>
+            <p:ph type="sldImg"/>
+          </p:nvPr>
+        </p:nvSpPr>
+        <p:spPr/>
+      </p:sp>
+      <p:sp>
+        <p:nvSpPr>
+          <p:cNvPr id="3" name="Espace réservé des commentaires 2"/>
+          <p:cNvSpPr>
+            <a:spLocks noGrp="1"/>
+          </p:cNvSpPr>
+          <p:nvPr>
+            <p:ph type="body" idx="1"/>
+          </p:nvPr>
+        </p:nvSpPr>
+        <p:spPr/>
+        <p:txBody>
+          <a:bodyPr/>
+          <a:lstStyle/>
+          <a:p>
+            <a:endParaRPr lang="fr-FR"/>
+          </a:p>
+        </p:txBody>
+      </p:sp>
+      <p:sp>
+        <p:nvSpPr>
+          <p:cNvPr id="4" name="Espace réservé du numéro de diapositive 3"/>
+          <p:cNvSpPr>
+            <a:spLocks noGrp="1"/>
+          </p:cNvSpPr>
+          <p:nvPr>
+            <p:ph type="sldNum" sz="quarter" idx="10"/>
+          </p:nvPr>
+        </p:nvSpPr>
+        <p:spPr/>
+        <p:txBody>
+          <a:bodyPr/>
+          <a:lstStyle/>
+          <a:p>
+            <a:pPr>
+              <a:defRPr/>
+            </a:pPr>
+            <a:fld id="{1BB7E99A-B2FF-4C0C-BBBB-55947CE30373}" type="slidenum">
+              <a:rPr lang="fr-FR" smtClean="0"/>
+              <a:pPr>
+                <a:defRPr/>
+              </a:pPr>
+              <a:t>6</a:t>
+            </a:fld>
+            <a:endParaRPr lang="fr-FR"/>
+          </a:p>
+        </p:txBody>
+      </p:sp>
+    </p:spTree>
+    <p:extLst>
+      <p:ext uri="{BB962C8B-B14F-4D97-AF65-F5344CB8AC3E}">
+        <p14:creationId xmlns:p14="http://schemas.microsoft.com/office/powerpoint/2010/main" val="1254531414"/>
+      </p:ext>
+    </p:extLst>
+  </p:cSld>
+  <p:clrMapOvr>
+    <a:masterClrMapping/>
+  </p:clrMapOvr>
+</p:notes>
+</file>
+
+<file path=ppt/notesSlides/notesSlide7.xml><?xml version="1.0" encoding="utf-8"?>
+<p:notes xmlns:a="http://schemas.openxmlformats.org/drawingml/2006/main" xmlns:r="http://schemas.openxmlformats.org/officeDocument/2006/relationships" xmlns:p="http://schemas.openxmlformats.org/presentationml/2006/main">
+  <p:cSld>
+    <p:spTree>
+      <p:nvGrpSpPr>
+        <p:cNvPr id="1" name=""/>
+        <p:cNvGrpSpPr/>
+        <p:nvPr/>
+      </p:nvGrpSpPr>
+      <p:grpSpPr>
+        <a:xfrm>
+          <a:off x="0" y="0"/>
+          <a:ext cx="0" cy="0"/>
+          <a:chOff x="0" y="0"/>
+          <a:chExt cx="0" cy="0"/>
+        </a:xfrm>
+      </p:grpSpPr>
+      <p:sp>
+        <p:nvSpPr>
+          <p:cNvPr id="2" name="Espace réservé de l'image des diapositives 1"/>
+          <p:cNvSpPr>
+            <a:spLocks noGrp="1" noRot="1" noChangeAspect="1"/>
+          </p:cNvSpPr>
+          <p:nvPr>
+            <p:ph type="sldImg"/>
+          </p:nvPr>
+        </p:nvSpPr>
+        <p:spPr/>
+      </p:sp>
+      <p:sp>
+        <p:nvSpPr>
+          <p:cNvPr id="3" name="Espace réservé des commentaires 2"/>
+          <p:cNvSpPr>
+            <a:spLocks noGrp="1"/>
+          </p:cNvSpPr>
+          <p:nvPr>
+            <p:ph type="body" idx="1"/>
+          </p:nvPr>
+        </p:nvSpPr>
+        <p:spPr/>
+        <p:txBody>
+          <a:bodyPr/>
+          <a:lstStyle/>
+          <a:p>
+            <a:endParaRPr lang="fr-FR"/>
+          </a:p>
+        </p:txBody>
+      </p:sp>
+      <p:sp>
+        <p:nvSpPr>
+          <p:cNvPr id="4" name="Espace réservé du numéro de diapositive 3"/>
+          <p:cNvSpPr>
+            <a:spLocks noGrp="1"/>
+          </p:cNvSpPr>
+          <p:nvPr>
+            <p:ph type="sldNum" sz="quarter" idx="10"/>
+          </p:nvPr>
+        </p:nvSpPr>
+        <p:spPr/>
+        <p:txBody>
+          <a:bodyPr/>
+          <a:lstStyle/>
+          <a:p>
+            <a:pPr>
+              <a:defRPr/>
+            </a:pPr>
+            <a:fld id="{1BB7E99A-B2FF-4C0C-BBBB-55947CE30373}" type="slidenum">
+              <a:rPr lang="fr-FR" smtClean="0"/>
+              <a:pPr>
+                <a:defRPr/>
+              </a:pPr>
+              <a:t>7</a:t>
+            </a:fld>
+            <a:endParaRPr lang="fr-FR"/>
+          </a:p>
+        </p:txBody>
+      </p:sp>
+    </p:spTree>
+    <p:extLst>
+      <p:ext uri="{BB962C8B-B14F-4D97-AF65-F5344CB8AC3E}">
+        <p14:creationId xmlns:p14="http://schemas.microsoft.com/office/powerpoint/2010/main" val="3937779277"/>
+      </p:ext>
+    </p:extLst>
+  </p:cSld>
+  <p:clrMapOvr>
+    <a:masterClrMapping/>
+  </p:clrMapOvr>
+</p:notes>
+</file>
+
+<file path=ppt/notesSlides/notesSlide8.xml><?xml version="1.0" encoding="utf-8"?>
+<p:notes xmlns:a="http://schemas.openxmlformats.org/drawingml/2006/main" xmlns:r="http://schemas.openxmlformats.org/officeDocument/2006/relationships" xmlns:p="http://schemas.openxmlformats.org/presentationml/2006/main">
+  <p:cSld>
+    <p:spTree>
+      <p:nvGrpSpPr>
+        <p:cNvPr id="1" name=""/>
+        <p:cNvGrpSpPr/>
+        <p:nvPr/>
+      </p:nvGrpSpPr>
+      <p:grpSpPr>
+        <a:xfrm>
+          <a:off x="0" y="0"/>
+          <a:ext cx="0" cy="0"/>
+          <a:chOff x="0" y="0"/>
+          <a:chExt cx="0" cy="0"/>
+        </a:xfrm>
+      </p:grpSpPr>
+      <p:sp>
+        <p:nvSpPr>
+          <p:cNvPr id="2" name="Espace réservé de l'image des diapositives 1"/>
+          <p:cNvSpPr>
+            <a:spLocks noGrp="1" noRot="1" noChangeAspect="1"/>
+          </p:cNvSpPr>
+          <p:nvPr>
+            <p:ph type="sldImg"/>
+          </p:nvPr>
+        </p:nvSpPr>
+        <p:spPr/>
+      </p:sp>
+      <p:sp>
+        <p:nvSpPr>
+          <p:cNvPr id="3" name="Espace réservé des commentaires 2"/>
+          <p:cNvSpPr>
+            <a:spLocks noGrp="1"/>
+          </p:cNvSpPr>
+          <p:nvPr>
+            <p:ph type="body" idx="1"/>
+          </p:nvPr>
+        </p:nvSpPr>
+        <p:spPr/>
+        <p:txBody>
+          <a:bodyPr/>
+          <a:lstStyle/>
+          <a:p>
+            <a:endParaRPr lang="fr-FR"/>
+          </a:p>
+        </p:txBody>
+      </p:sp>
+      <p:sp>
+        <p:nvSpPr>
+          <p:cNvPr id="4" name="Espace réservé du numéro de diapositive 3"/>
+          <p:cNvSpPr>
+            <a:spLocks noGrp="1"/>
+          </p:cNvSpPr>
+          <p:nvPr>
+            <p:ph type="sldNum" sz="quarter" idx="10"/>
+          </p:nvPr>
+        </p:nvSpPr>
+        <p:spPr/>
+        <p:txBody>
+          <a:bodyPr/>
+          <a:lstStyle/>
+          <a:p>
+            <a:pPr>
+              <a:defRPr/>
+            </a:pPr>
+            <a:fld id="{1BB7E99A-B2FF-4C0C-BBBB-55947CE30373}" type="slidenum">
+              <a:rPr lang="fr-FR" smtClean="0"/>
+              <a:pPr>
+                <a:defRPr/>
+              </a:pPr>
+              <a:t>8</a:t>
+            </a:fld>
+            <a:endParaRPr lang="fr-FR"/>
+          </a:p>
+        </p:txBody>
+      </p:sp>
+    </p:spTree>
+    <p:extLst>
+      <p:ext uri="{BB962C8B-B14F-4D97-AF65-F5344CB8AC3E}">
+        <p14:creationId xmlns:p14="http://schemas.microsoft.com/office/powerpoint/2010/main" val="765126400"/>
+      </p:ext>
+    </p:extLst>
+  </p:cSld>
+  <p:clrMapOvr>
+    <a:masterClrMapping/>
+  </p:clrMapOvr>
+</p:notes>
+</file>
+
+<file path=ppt/notesSlides/notesSlide9.xml><?xml version="1.0" encoding="utf-8"?>
+<p:notes xmlns:a="http://schemas.openxmlformats.org/drawingml/2006/main" xmlns:r="http://schemas.openxmlformats.org/officeDocument/2006/relationships" xmlns:p="http://schemas.openxmlformats.org/presentationml/2006/main">
+  <p:cSld>
+    <p:spTree>
+      <p:nvGrpSpPr>
+        <p:cNvPr id="1" name=""/>
+        <p:cNvGrpSpPr/>
+        <p:nvPr/>
+      </p:nvGrpSpPr>
+      <p:grpSpPr>
+        <a:xfrm>
+          <a:off x="0" y="0"/>
+          <a:ext cx="0" cy="0"/>
+          <a:chOff x="0" y="0"/>
+          <a:chExt cx="0" cy="0"/>
+        </a:xfrm>
+      </p:grpSpPr>
+      <p:sp>
+        <p:nvSpPr>
+          <p:cNvPr id="2" name="Espace réservé de l'image des diapositives 1"/>
+          <p:cNvSpPr>
+            <a:spLocks noGrp="1" noRot="1" noChangeAspect="1"/>
+          </p:cNvSpPr>
+          <p:nvPr>
+            <p:ph type="sldImg"/>
+          </p:nvPr>
+        </p:nvSpPr>
+        <p:spPr/>
+      </p:sp>
+      <p:sp>
+        <p:nvSpPr>
+          <p:cNvPr id="3" name="Espace réservé des commentaires 2"/>
+          <p:cNvSpPr>
+            <a:spLocks noGrp="1"/>
+          </p:cNvSpPr>
+          <p:nvPr>
+            <p:ph type="body" idx="1"/>
+          </p:nvPr>
+        </p:nvSpPr>
+        <p:spPr/>
+        <p:txBody>
+          <a:bodyPr/>
+          <a:lstStyle/>
+          <a:p>
+            <a:endParaRPr lang="fr-FR"/>
+          </a:p>
+        </p:txBody>
+      </p:sp>
+      <p:sp>
+        <p:nvSpPr>
+          <p:cNvPr id="4" name="Espace réservé du numéro de diapositive 3"/>
+          <p:cNvSpPr>
+            <a:spLocks noGrp="1"/>
+          </p:cNvSpPr>
+          <p:nvPr>
+            <p:ph type="sldNum" sz="quarter" idx="10"/>
+          </p:nvPr>
+        </p:nvSpPr>
+        <p:spPr/>
+        <p:txBody>
+          <a:bodyPr/>
+          <a:lstStyle/>
+          <a:p>
+            <a:pPr>
+              <a:defRPr/>
+            </a:pPr>
+            <a:fld id="{1BB7E99A-B2FF-4C0C-BBBB-55947CE30373}" type="slidenum">
+              <a:rPr lang="fr-FR" smtClean="0"/>
+              <a:pPr>
+                <a:defRPr/>
+              </a:pPr>
+              <a:t>9</a:t>
+            </a:fld>
+            <a:endParaRPr lang="fr-FR"/>
+          </a:p>
+        </p:txBody>
+      </p:sp>
+    </p:spTree>
+    <p:extLst>
+      <p:ext uri="{BB962C8B-B14F-4D97-AF65-F5344CB8AC3E}">
+        <p14:creationId xmlns:p14="http://schemas.microsoft.com/office/powerpoint/2010/main" val="2488583898"/>
       </p:ext>
     </p:extLst>
   </p:cSld>
@@ -5159,7 +5666,7 @@
     </p:spTree>
     <p:extLst>
       <p:ext uri="{BB962C8B-B14F-4D97-AF65-F5344CB8AC3E}">
-        <p14:creationId xmlns:p14="http://schemas.microsoft.com/office/powerpoint/2010/main" xmlns="" val="3974948217"/>
+        <p14:creationId xmlns:p14="http://schemas.microsoft.com/office/powerpoint/2010/main" val="3974948217"/>
       </p:ext>
     </p:extLst>
   </p:cSld>
@@ -5231,7 +5738,7 @@
             <p:ph idx="1"/>
             <p:extLst>
               <p:ext uri="{D42A27DB-BD31-4B8C-83A1-F6EECF244321}">
-                <p14:modId xmlns:p14="http://schemas.microsoft.com/office/powerpoint/2010/main" xmlns="" val="442573492"/>
+                <p14:modId xmlns:p14="http://schemas.microsoft.com/office/powerpoint/2010/main" val="442573492"/>
               </p:ext>
             </p:extLst>
           </p:nvPr>
@@ -5249,7 +5756,7 @@
     </p:spTree>
     <p:extLst>
       <p:ext uri="{BB962C8B-B14F-4D97-AF65-F5344CB8AC3E}">
-        <p14:creationId xmlns:p14="http://schemas.microsoft.com/office/powerpoint/2010/main" xmlns="" val="4166857735"/>
+        <p14:creationId xmlns:p14="http://schemas.microsoft.com/office/powerpoint/2010/main" val="4166857735"/>
       </p:ext>
     </p:extLst>
   </p:cSld>
@@ -5393,7 +5900,7 @@
     </p:spTree>
     <p:extLst>
       <p:ext uri="{BB962C8B-B14F-4D97-AF65-F5344CB8AC3E}">
-        <p14:creationId xmlns:p14="http://schemas.microsoft.com/office/powerpoint/2010/main" xmlns="" val="519709667"/>
+        <p14:creationId xmlns:p14="http://schemas.microsoft.com/office/powerpoint/2010/main" val="519709667"/>
       </p:ext>
     </p:extLst>
   </p:cSld>
@@ -5539,7 +6046,7 @@
     </p:spTree>
     <p:extLst>
       <p:ext uri="{BB962C8B-B14F-4D97-AF65-F5344CB8AC3E}">
-        <p14:creationId xmlns:p14="http://schemas.microsoft.com/office/powerpoint/2010/main" xmlns="" val="1603614356"/>
+        <p14:creationId xmlns:p14="http://schemas.microsoft.com/office/powerpoint/2010/main" val="1603614356"/>
       </p:ext>
     </p:extLst>
   </p:cSld>
@@ -5679,7 +6186,7 @@
     </p:spTree>
     <p:extLst>
       <p:ext uri="{BB962C8B-B14F-4D97-AF65-F5344CB8AC3E}">
-        <p14:creationId xmlns:p14="http://schemas.microsoft.com/office/powerpoint/2010/main" xmlns="" val="313456132"/>
+        <p14:creationId xmlns:p14="http://schemas.microsoft.com/office/powerpoint/2010/main" val="313456132"/>
       </p:ext>
     </p:extLst>
   </p:cSld>
@@ -5730,7 +6237,7 @@
           <a:p>
             <a:r>
               <a:rPr lang="fr-FR" dirty="0" smtClean="0"/>
-              <a:t>Restitution - Jasper</a:t>
+              <a:t>Restitution - JASPER</a:t>
             </a:r>
             <a:endParaRPr lang="fr-FR" dirty="0"/>
           </a:p>
@@ -5746,31 +6253,78 @@
             <p:ph sz="half" idx="1"/>
           </p:nvPr>
         </p:nvSpPr>
-        <p:spPr/>
-        <p:txBody>
-          <a:bodyPr/>
-          <a:lstStyle/>
+        <p:spPr>
+          <a:xfrm>
+            <a:off x="1475656" y="1268760"/>
+            <a:ext cx="7224462" cy="5257800"/>
+          </a:xfrm>
+        </p:spPr>
+        <p:txBody>
+          <a:bodyPr/>
+          <a:lstStyle/>
+          <a:p>
+            <a:r>
+              <a:rPr lang="fr-FR" dirty="0" smtClean="0"/>
+              <a:t>Profil </a:t>
+            </a:r>
+            <a:r>
+              <a:rPr lang="fr-FR" dirty="0" smtClean="0"/>
+              <a:t>responsable </a:t>
+            </a:r>
+            <a:r>
+              <a:rPr lang="fr-FR" dirty="0" smtClean="0"/>
+              <a:t>Magasin complet</a:t>
+            </a:r>
+          </a:p>
           <a:p>
             <a:endParaRPr lang="fr-FR" dirty="0"/>
           </a:p>
-        </p:txBody>
-      </p:sp>
-      <p:sp>
-        <p:nvSpPr>
-          <p:cNvPr id="4" name="Espace réservé du contenu 3"/>
-          <p:cNvSpPr>
-            <a:spLocks noGrp="1"/>
-          </p:cNvSpPr>
-          <p:nvPr>
-            <p:ph sz="half" idx="2"/>
-          </p:nvPr>
-        </p:nvSpPr>
-        <p:spPr/>
-        <p:txBody>
-          <a:bodyPr/>
-          <a:lstStyle/>
-          <a:p>
-            <a:endParaRPr lang="fr-FR"/>
+          <a:p>
+            <a:r>
+              <a:rPr lang="fr-FR" dirty="0" smtClean="0"/>
+              <a:t>Tableaux et graphiques</a:t>
+            </a:r>
+            <a:endParaRPr lang="fr-FR" dirty="0" smtClean="0"/>
+          </a:p>
+          <a:p>
+            <a:endParaRPr lang="fr-FR" dirty="0"/>
+          </a:p>
+          <a:p>
+            <a:r>
+              <a:rPr lang="fr-FR" dirty="0" smtClean="0"/>
+              <a:t>Temps chargement pour certains tableaux</a:t>
+            </a:r>
+          </a:p>
+          <a:p>
+            <a:endParaRPr lang="fr-FR" dirty="0"/>
+          </a:p>
+          <a:p>
+            <a:r>
+              <a:rPr lang="fr-FR" dirty="0" smtClean="0"/>
+              <a:t>Mise en forme conforme au SFD</a:t>
+            </a:r>
+          </a:p>
+          <a:p>
+            <a:endParaRPr lang="fr-FR" dirty="0"/>
+          </a:p>
+          <a:p>
+            <a:r>
+              <a:rPr lang="fr-FR" dirty="0" smtClean="0"/>
+              <a:t>Paramètre période/mois à implémenter</a:t>
+            </a:r>
+            <a:endParaRPr lang="fr-FR" dirty="0" smtClean="0"/>
+          </a:p>
+          <a:p>
+            <a:endParaRPr lang="fr-FR" dirty="0"/>
+          </a:p>
+          <a:p>
+            <a:endParaRPr lang="fr-FR" dirty="0" smtClean="0"/>
+          </a:p>
+          <a:p>
+            <a:endParaRPr lang="fr-FR" dirty="0"/>
+          </a:p>
+          <a:p>
+            <a:endParaRPr lang="fr-FR" dirty="0" smtClean="0"/>
           </a:p>
         </p:txBody>
       </p:sp>
@@ -5806,7 +6360,7 @@
     </p:spTree>
     <p:extLst>
       <p:ext uri="{BB962C8B-B14F-4D97-AF65-F5344CB8AC3E}">
-        <p14:creationId xmlns:p14="http://schemas.microsoft.com/office/powerpoint/2010/main" xmlns="" val="3643040349"/>
+        <p14:creationId xmlns:p14="http://schemas.microsoft.com/office/powerpoint/2010/main" val="3402124348"/>
       </p:ext>
     </p:extLst>
   </p:cSld>
@@ -5924,7 +6478,7 @@
           </p:nvPr>
         </p:nvPicPr>
         <p:blipFill>
-          <a:blip r:embed="rId2" cstate="print"/>
+          <a:blip r:embed="rId3" cstate="print"/>
           <a:stretch>
             <a:fillRect/>
           </a:stretch>
@@ -6787,6 +7341,14 @@
 </file>
 
 <file path=customXml/item1.xml><?xml version="1.0" encoding="utf-8"?>
+<ct:contentTypeSchema xmlns:ct="http://schemas.microsoft.com/office/2006/metadata/contentType" xmlns:ma="http://schemas.microsoft.com/office/2006/metadata/properties/metaAttributes" ct:_="" ma:_="" ma:contentTypeName="TemplateFile" ma:contentTypeID="0x01010069924D1ECC420D47A2456556BC94F7370400BDF4491DEA4973499845289601F88B9F" ma:contentTypeVersion="33" ma:contentTypeDescription="Create a new document." ma:contentTypeScope="" ma:versionID="88ac0aa07b72c9aa809fa1ac53baba74"/>
+</file>
+
+<file path=customXml/item2.xml><?xml version="1.0" encoding="utf-8"?>
+<p:properties xmlns:p="http://schemas.microsoft.com/office/2006/metadata/properties" xmlns:xsi="http://www.w3.org/2001/XMLSchema-instance" xmlns:pc="http://schemas.microsoft.com/office/infopath/2007/PartnerControls"/>
+</file>
+
+<file path=customXml/item3.xml><?xml version="1.0" encoding="utf-8"?>
 <?mso-contentType ?>
 <FormTemplates xmlns="http://schemas.microsoft.com/sharepoint/v3/contenttype/forms">
   <Display>DocumentLibraryForm</Display>
@@ -6795,18 +7357,11 @@
 </FormTemplates>
 </file>
 
-<file path=customXml/item2.xml><?xml version="1.0" encoding="utf-8"?>
-<p:properties xmlns:p="http://schemas.microsoft.com/office/2006/metadata/properties" xmlns:xsi="http://www.w3.org/2001/XMLSchema-instance" xmlns:pc="http://schemas.microsoft.com/office/infopath/2007/PartnerControls"/>
-</file>
-
-<file path=customXml/item3.xml><?xml version="1.0" encoding="utf-8"?>
-<ct:contentTypeSchema xmlns:ct="http://schemas.microsoft.com/office/2006/metadata/contentType" xmlns:ma="http://schemas.microsoft.com/office/2006/metadata/properties/metaAttributes" ct:_="" ma:_="" ma:contentTypeName="TemplateFile" ma:contentTypeID="0x01010069924D1ECC420D47A2456556BC94F7370400BDF4491DEA4973499845289601F88B9F" ma:contentTypeVersion="33" ma:contentTypeDescription="Create a new document." ma:contentTypeScope="" ma:versionID="88ac0aa07b72c9aa809fa1ac53baba74"/>
-</file>
-
 <file path=customXml/itemProps1.xml><?xml version="1.0" encoding="utf-8"?>
-<ds:datastoreItem xmlns:ds="http://schemas.openxmlformats.org/officeDocument/2006/customXml" ds:itemID="{19596DCE-F5C7-4BA8-8C0E-563C7612AC94}">
+<ds:datastoreItem xmlns:ds="http://schemas.openxmlformats.org/officeDocument/2006/customXml" ds:itemID="{AADC9AFC-E9BE-407C-9919-F905586C6F5A}">
   <ds:schemaRefs>
-    <ds:schemaRef ds:uri="http://schemas.microsoft.com/sharepoint/v3/contenttype/forms"/>
+    <ds:schemaRef ds:uri="http://schemas.microsoft.com/office/2006/metadata/contentType"/>
+    <ds:schemaRef ds:uri="http://schemas.microsoft.com/office/2006/metadata/properties/metaAttributes"/>
   </ds:schemaRefs>
 </ds:datastoreItem>
 </file>
@@ -6821,10 +7376,9 @@
 </file>
 
 <file path=customXml/itemProps3.xml><?xml version="1.0" encoding="utf-8"?>
-<ds:datastoreItem xmlns:ds="http://schemas.openxmlformats.org/officeDocument/2006/customXml" ds:itemID="{AADC9AFC-E9BE-407C-9919-F905586C6F5A}">
+<ds:datastoreItem xmlns:ds="http://schemas.openxmlformats.org/officeDocument/2006/customXml" ds:itemID="{19596DCE-F5C7-4BA8-8C0E-563C7612AC94}">
   <ds:schemaRefs>
-    <ds:schemaRef ds:uri="http://schemas.microsoft.com/office/2006/metadata/contentType"/>
-    <ds:schemaRef ds:uri="http://schemas.microsoft.com/office/2006/metadata/properties/metaAttributes"/>
+    <ds:schemaRef ds:uri="http://schemas.microsoft.com/sharepoint/v3/contenttype/forms"/>
   </ds:schemaRefs>
 </ds:datastoreItem>
 </file>
--- a/trunk/PROJET/Presentation/PRE_26-01-11.pptx
+++ b/trunk/PROJET/Presentation/PRE_26-01-11.pptx
@@ -5,21 +5,23 @@
     <p:sldMasterId id="2147483779" r:id="rId4"/>
   </p:sldMasterIdLst>
   <p:notesMasterIdLst>
-    <p:notesMasterId r:id="rId14"/>
+    <p:notesMasterId r:id="rId16"/>
   </p:notesMasterIdLst>
   <p:handoutMasterIdLst>
-    <p:handoutMasterId r:id="rId15"/>
+    <p:handoutMasterId r:id="rId17"/>
   </p:handoutMasterIdLst>
   <p:sldIdLst>
     <p:sldId id="264" r:id="rId5"/>
-    <p:sldId id="309" r:id="rId6"/>
-    <p:sldId id="317" r:id="rId7"/>
-    <p:sldId id="318" r:id="rId8"/>
-    <p:sldId id="315" r:id="rId9"/>
-    <p:sldId id="313" r:id="rId10"/>
-    <p:sldId id="316" r:id="rId11"/>
-    <p:sldId id="319" r:id="rId12"/>
-    <p:sldId id="312" r:id="rId13"/>
+    <p:sldId id="320" r:id="rId6"/>
+    <p:sldId id="321" r:id="rId7"/>
+    <p:sldId id="322" r:id="rId8"/>
+    <p:sldId id="323" r:id="rId9"/>
+    <p:sldId id="324" r:id="rId10"/>
+    <p:sldId id="325" r:id="rId11"/>
+    <p:sldId id="326" r:id="rId12"/>
+    <p:sldId id="327" r:id="rId13"/>
+    <p:sldId id="319" r:id="rId14"/>
+    <p:sldId id="312" r:id="rId15"/>
   </p:sldIdLst>
   <p:sldSz cx="9144000" cy="6858000" type="screen4x3"/>
   <p:notesSz cx="6858000" cy="9004300"/>
@@ -31,7 +33,7 @@
     </p:custShow>
   </p:custShowLst>
   <p:custDataLst>
-    <p:tags r:id="rId16"/>
+    <p:tags r:id="rId18"/>
   </p:custDataLst>
   <p:defaultTextStyle>
     <a:defPPr>
@@ -471,12 +473,12 @@
         </c:dLbls>
         <c:gapWidth val="150"/>
         <c:shape val="box"/>
-        <c:axId val="68992384"/>
-        <c:axId val="69002368"/>
+        <c:axId val="130645376"/>
+        <c:axId val="132579328"/>
         <c:axId val="0"/>
       </c:bar3DChart>
       <c:catAx>
-        <c:axId val="68992384"/>
+        <c:axId val="130645376"/>
         <c:scaling>
           <c:orientation val="minMax"/>
         </c:scaling>
@@ -495,7 +497,7 @@
             <a:endParaRPr lang="fr-FR"/>
           </a:p>
         </c:txPr>
-        <c:crossAx val="69002368"/>
+        <c:crossAx val="132579328"/>
         <c:crosses val="autoZero"/>
         <c:auto val="1"/>
         <c:lblAlgn val="ctr"/>
@@ -503,7 +505,7 @@
         <c:noMultiLvlLbl val="0"/>
       </c:catAx>
       <c:valAx>
-        <c:axId val="69002368"/>
+        <c:axId val="132579328"/>
         <c:scaling>
           <c:orientation val="minMax"/>
         </c:scaling>
@@ -513,7 +515,7 @@
         <c:majorTickMark val="none"/>
         <c:minorTickMark val="none"/>
         <c:tickLblPos val="none"/>
-        <c:crossAx val="68992384"/>
+        <c:crossAx val="130645376"/>
         <c:crosses val="autoZero"/>
         <c:crossBetween val="between"/>
       </c:valAx>
@@ -524,10 +526,10 @@
         <c:manualLayout>
           <c:xMode val="edge"/>
           <c:yMode val="edge"/>
-          <c:x val="0.40259549413930784"/>
+          <c:x val="0.40259549413930779"/>
           <c:y val="8.1893774906043715E-2"/>
-          <c:w val="0.46524167382762466"/>
-          <c:h val="5.8474729914014444E-2"/>
+          <c:w val="0.4652416738276246"/>
+          <c:h val="5.8474729914014437E-2"/>
         </c:manualLayout>
       </c:layout>
       <c:overlay val="0"/>
@@ -1697,7 +1699,7 @@
               <a:pPr>
                 <a:defRPr/>
               </a:pPr>
-              <a:t>5</a:t>
+              <a:t>10</a:t>
             </a:fld>
             <a:endParaRPr lang="fr-FR"/>
           </a:p>
@@ -1787,277 +1789,7 @@
               <a:pPr>
                 <a:defRPr/>
               </a:pPr>
-              <a:t>6</a:t>
-            </a:fld>
-            <a:endParaRPr lang="fr-FR"/>
-          </a:p>
-        </p:txBody>
-      </p:sp>
-    </p:spTree>
-    <p:extLst>
-      <p:ext uri="{BB962C8B-B14F-4D97-AF65-F5344CB8AC3E}">
-        <p14:creationId xmlns:p14="http://schemas.microsoft.com/office/powerpoint/2010/main" val="1254531414"/>
-      </p:ext>
-    </p:extLst>
-  </p:cSld>
-  <p:clrMapOvr>
-    <a:masterClrMapping/>
-  </p:clrMapOvr>
-</p:notes>
-</file>
-
-<file path=ppt/notesSlides/notesSlide7.xml><?xml version="1.0" encoding="utf-8"?>
-<p:notes xmlns:a="http://schemas.openxmlformats.org/drawingml/2006/main" xmlns:r="http://schemas.openxmlformats.org/officeDocument/2006/relationships" xmlns:p="http://schemas.openxmlformats.org/presentationml/2006/main">
-  <p:cSld>
-    <p:spTree>
-      <p:nvGrpSpPr>
-        <p:cNvPr id="1" name=""/>
-        <p:cNvGrpSpPr/>
-        <p:nvPr/>
-      </p:nvGrpSpPr>
-      <p:grpSpPr>
-        <a:xfrm>
-          <a:off x="0" y="0"/>
-          <a:ext cx="0" cy="0"/>
-          <a:chOff x="0" y="0"/>
-          <a:chExt cx="0" cy="0"/>
-        </a:xfrm>
-      </p:grpSpPr>
-      <p:sp>
-        <p:nvSpPr>
-          <p:cNvPr id="2" name="Espace réservé de l'image des diapositives 1"/>
-          <p:cNvSpPr>
-            <a:spLocks noGrp="1" noRot="1" noChangeAspect="1"/>
-          </p:cNvSpPr>
-          <p:nvPr>
-            <p:ph type="sldImg"/>
-          </p:nvPr>
-        </p:nvSpPr>
-        <p:spPr/>
-      </p:sp>
-      <p:sp>
-        <p:nvSpPr>
-          <p:cNvPr id="3" name="Espace réservé des commentaires 2"/>
-          <p:cNvSpPr>
-            <a:spLocks noGrp="1"/>
-          </p:cNvSpPr>
-          <p:nvPr>
-            <p:ph type="body" idx="1"/>
-          </p:nvPr>
-        </p:nvSpPr>
-        <p:spPr/>
-        <p:txBody>
-          <a:bodyPr/>
-          <a:lstStyle/>
-          <a:p>
-            <a:endParaRPr lang="fr-FR"/>
-          </a:p>
-        </p:txBody>
-      </p:sp>
-      <p:sp>
-        <p:nvSpPr>
-          <p:cNvPr id="4" name="Espace réservé du numéro de diapositive 3"/>
-          <p:cNvSpPr>
-            <a:spLocks noGrp="1"/>
-          </p:cNvSpPr>
-          <p:nvPr>
-            <p:ph type="sldNum" sz="quarter" idx="10"/>
-          </p:nvPr>
-        </p:nvSpPr>
-        <p:spPr/>
-        <p:txBody>
-          <a:bodyPr/>
-          <a:lstStyle/>
-          <a:p>
-            <a:pPr>
-              <a:defRPr/>
-            </a:pPr>
-            <a:fld id="{1BB7E99A-B2FF-4C0C-BBBB-55947CE30373}" type="slidenum">
-              <a:rPr lang="fr-FR" smtClean="0"/>
-              <a:pPr>
-                <a:defRPr/>
-              </a:pPr>
-              <a:t>7</a:t>
-            </a:fld>
-            <a:endParaRPr lang="fr-FR"/>
-          </a:p>
-        </p:txBody>
-      </p:sp>
-    </p:spTree>
-    <p:extLst>
-      <p:ext uri="{BB962C8B-B14F-4D97-AF65-F5344CB8AC3E}">
-        <p14:creationId xmlns:p14="http://schemas.microsoft.com/office/powerpoint/2010/main" val="3937779277"/>
-      </p:ext>
-    </p:extLst>
-  </p:cSld>
-  <p:clrMapOvr>
-    <a:masterClrMapping/>
-  </p:clrMapOvr>
-</p:notes>
-</file>
-
-<file path=ppt/notesSlides/notesSlide8.xml><?xml version="1.0" encoding="utf-8"?>
-<p:notes xmlns:a="http://schemas.openxmlformats.org/drawingml/2006/main" xmlns:r="http://schemas.openxmlformats.org/officeDocument/2006/relationships" xmlns:p="http://schemas.openxmlformats.org/presentationml/2006/main">
-  <p:cSld>
-    <p:spTree>
-      <p:nvGrpSpPr>
-        <p:cNvPr id="1" name=""/>
-        <p:cNvGrpSpPr/>
-        <p:nvPr/>
-      </p:nvGrpSpPr>
-      <p:grpSpPr>
-        <a:xfrm>
-          <a:off x="0" y="0"/>
-          <a:ext cx="0" cy="0"/>
-          <a:chOff x="0" y="0"/>
-          <a:chExt cx="0" cy="0"/>
-        </a:xfrm>
-      </p:grpSpPr>
-      <p:sp>
-        <p:nvSpPr>
-          <p:cNvPr id="2" name="Espace réservé de l'image des diapositives 1"/>
-          <p:cNvSpPr>
-            <a:spLocks noGrp="1" noRot="1" noChangeAspect="1"/>
-          </p:cNvSpPr>
-          <p:nvPr>
-            <p:ph type="sldImg"/>
-          </p:nvPr>
-        </p:nvSpPr>
-        <p:spPr/>
-      </p:sp>
-      <p:sp>
-        <p:nvSpPr>
-          <p:cNvPr id="3" name="Espace réservé des commentaires 2"/>
-          <p:cNvSpPr>
-            <a:spLocks noGrp="1"/>
-          </p:cNvSpPr>
-          <p:nvPr>
-            <p:ph type="body" idx="1"/>
-          </p:nvPr>
-        </p:nvSpPr>
-        <p:spPr/>
-        <p:txBody>
-          <a:bodyPr/>
-          <a:lstStyle/>
-          <a:p>
-            <a:endParaRPr lang="fr-FR"/>
-          </a:p>
-        </p:txBody>
-      </p:sp>
-      <p:sp>
-        <p:nvSpPr>
-          <p:cNvPr id="4" name="Espace réservé du numéro de diapositive 3"/>
-          <p:cNvSpPr>
-            <a:spLocks noGrp="1"/>
-          </p:cNvSpPr>
-          <p:nvPr>
-            <p:ph type="sldNum" sz="quarter" idx="10"/>
-          </p:nvPr>
-        </p:nvSpPr>
-        <p:spPr/>
-        <p:txBody>
-          <a:bodyPr/>
-          <a:lstStyle/>
-          <a:p>
-            <a:pPr>
-              <a:defRPr/>
-            </a:pPr>
-            <a:fld id="{1BB7E99A-B2FF-4C0C-BBBB-55947CE30373}" type="slidenum">
-              <a:rPr lang="fr-FR" smtClean="0"/>
-              <a:pPr>
-                <a:defRPr/>
-              </a:pPr>
-              <a:t>8</a:t>
-            </a:fld>
-            <a:endParaRPr lang="fr-FR"/>
-          </a:p>
-        </p:txBody>
-      </p:sp>
-    </p:spTree>
-    <p:extLst>
-      <p:ext uri="{BB962C8B-B14F-4D97-AF65-F5344CB8AC3E}">
-        <p14:creationId xmlns:p14="http://schemas.microsoft.com/office/powerpoint/2010/main" val="765126400"/>
-      </p:ext>
-    </p:extLst>
-  </p:cSld>
-  <p:clrMapOvr>
-    <a:masterClrMapping/>
-  </p:clrMapOvr>
-</p:notes>
-</file>
-
-<file path=ppt/notesSlides/notesSlide9.xml><?xml version="1.0" encoding="utf-8"?>
-<p:notes xmlns:a="http://schemas.openxmlformats.org/drawingml/2006/main" xmlns:r="http://schemas.openxmlformats.org/officeDocument/2006/relationships" xmlns:p="http://schemas.openxmlformats.org/presentationml/2006/main">
-  <p:cSld>
-    <p:spTree>
-      <p:nvGrpSpPr>
-        <p:cNvPr id="1" name=""/>
-        <p:cNvGrpSpPr/>
-        <p:nvPr/>
-      </p:nvGrpSpPr>
-      <p:grpSpPr>
-        <a:xfrm>
-          <a:off x="0" y="0"/>
-          <a:ext cx="0" cy="0"/>
-          <a:chOff x="0" y="0"/>
-          <a:chExt cx="0" cy="0"/>
-        </a:xfrm>
-      </p:grpSpPr>
-      <p:sp>
-        <p:nvSpPr>
-          <p:cNvPr id="2" name="Espace réservé de l'image des diapositives 1"/>
-          <p:cNvSpPr>
-            <a:spLocks noGrp="1" noRot="1" noChangeAspect="1"/>
-          </p:cNvSpPr>
-          <p:nvPr>
-            <p:ph type="sldImg"/>
-          </p:nvPr>
-        </p:nvSpPr>
-        <p:spPr/>
-      </p:sp>
-      <p:sp>
-        <p:nvSpPr>
-          <p:cNvPr id="3" name="Espace réservé des commentaires 2"/>
-          <p:cNvSpPr>
-            <a:spLocks noGrp="1"/>
-          </p:cNvSpPr>
-          <p:nvPr>
-            <p:ph type="body" idx="1"/>
-          </p:nvPr>
-        </p:nvSpPr>
-        <p:spPr/>
-        <p:txBody>
-          <a:bodyPr/>
-          <a:lstStyle/>
-          <a:p>
-            <a:endParaRPr lang="fr-FR"/>
-          </a:p>
-        </p:txBody>
-      </p:sp>
-      <p:sp>
-        <p:nvSpPr>
-          <p:cNvPr id="4" name="Espace réservé du numéro de diapositive 3"/>
-          <p:cNvSpPr>
-            <a:spLocks noGrp="1"/>
-          </p:cNvSpPr>
-          <p:nvPr>
-            <p:ph type="sldNum" sz="quarter" idx="10"/>
-          </p:nvPr>
-        </p:nvSpPr>
-        <p:spPr/>
-        <p:txBody>
-          <a:bodyPr/>
-          <a:lstStyle/>
-          <a:p>
-            <a:pPr>
-              <a:defRPr/>
-            </a:pPr>
-            <a:fld id="{1BB7E99A-B2FF-4C0C-BBBB-55947CE30373}" type="slidenum">
-              <a:rPr lang="fr-FR" smtClean="0"/>
-              <a:pPr>
-                <a:defRPr/>
-              </a:pPr>
-              <a:t>9</a:t>
+              <a:t>11</a:t>
             </a:fld>
             <a:endParaRPr lang="fr-FR"/>
           </a:p>
@@ -5403,6 +5135,327 @@
 </p:sld>
 </file>
 
+<file path=ppt/slides/slide10.xml><?xml version="1.0" encoding="utf-8"?>
+<p:sld xmlns:a="http://schemas.openxmlformats.org/drawingml/2006/main" xmlns:r="http://schemas.openxmlformats.org/officeDocument/2006/relationships" xmlns:p="http://schemas.openxmlformats.org/presentationml/2006/main">
+  <p:cSld>
+    <p:spTree>
+      <p:nvGrpSpPr>
+        <p:cNvPr id="1" name=""/>
+        <p:cNvGrpSpPr/>
+        <p:nvPr/>
+      </p:nvGrpSpPr>
+      <p:grpSpPr>
+        <a:xfrm>
+          <a:off x="0" y="0"/>
+          <a:ext cx="0" cy="0"/>
+          <a:chOff x="0" y="0"/>
+          <a:chExt cx="0" cy="0"/>
+        </a:xfrm>
+      </p:grpSpPr>
+      <p:sp>
+        <p:nvSpPr>
+          <p:cNvPr id="2" name="Titre 1"/>
+          <p:cNvSpPr>
+            <a:spLocks noGrp="1"/>
+          </p:cNvSpPr>
+          <p:nvPr>
+            <p:ph type="title"/>
+          </p:nvPr>
+        </p:nvSpPr>
+        <p:spPr/>
+        <p:txBody>
+          <a:bodyPr/>
+          <a:lstStyle/>
+          <a:p>
+            <a:r>
+              <a:rPr lang="fr-FR" dirty="0" smtClean="0"/>
+              <a:t>Restitution - JASPER</a:t>
+            </a:r>
+            <a:endParaRPr lang="fr-FR" dirty="0"/>
+          </a:p>
+        </p:txBody>
+      </p:sp>
+      <p:sp>
+        <p:nvSpPr>
+          <p:cNvPr id="3" name="Espace réservé du contenu 2"/>
+          <p:cNvSpPr>
+            <a:spLocks noGrp="1"/>
+          </p:cNvSpPr>
+          <p:nvPr>
+            <p:ph sz="half" idx="1"/>
+          </p:nvPr>
+        </p:nvSpPr>
+        <p:spPr>
+          <a:xfrm>
+            <a:off x="611560" y="1268760"/>
+            <a:ext cx="7224462" cy="5257800"/>
+          </a:xfrm>
+        </p:spPr>
+        <p:txBody>
+          <a:bodyPr/>
+          <a:lstStyle/>
+          <a:p>
+            <a:r>
+              <a:rPr lang="fr-FR" dirty="0" smtClean="0"/>
+              <a:t>Profil responsable Magasin complet</a:t>
+            </a:r>
+          </a:p>
+          <a:p>
+            <a:endParaRPr lang="fr-FR" dirty="0"/>
+          </a:p>
+          <a:p>
+            <a:r>
+              <a:rPr lang="fr-FR" dirty="0" smtClean="0"/>
+              <a:t>Tableaux et graphiques</a:t>
+            </a:r>
+          </a:p>
+          <a:p>
+            <a:endParaRPr lang="fr-FR" dirty="0"/>
+          </a:p>
+          <a:p>
+            <a:r>
+              <a:rPr lang="fr-FR" dirty="0" smtClean="0"/>
+              <a:t>Temps chargement pour certains tableaux</a:t>
+            </a:r>
+          </a:p>
+          <a:p>
+            <a:endParaRPr lang="fr-FR" dirty="0"/>
+          </a:p>
+          <a:p>
+            <a:r>
+              <a:rPr lang="fr-FR" dirty="0" smtClean="0"/>
+              <a:t>Mise en forme conforme au SFD</a:t>
+            </a:r>
+          </a:p>
+          <a:p>
+            <a:endParaRPr lang="fr-FR" dirty="0"/>
+          </a:p>
+          <a:p>
+            <a:r>
+              <a:rPr lang="fr-FR" dirty="0" smtClean="0"/>
+              <a:t>Paramètre période/mois à implémenter</a:t>
+            </a:r>
+          </a:p>
+          <a:p>
+            <a:endParaRPr lang="fr-FR" dirty="0"/>
+          </a:p>
+          <a:p>
+            <a:endParaRPr lang="fr-FR" dirty="0" smtClean="0"/>
+          </a:p>
+          <a:p>
+            <a:endParaRPr lang="fr-FR" dirty="0"/>
+          </a:p>
+          <a:p>
+            <a:endParaRPr lang="fr-FR" dirty="0" smtClean="0"/>
+          </a:p>
+        </p:txBody>
+      </p:sp>
+      <p:sp>
+        <p:nvSpPr>
+          <p:cNvPr id="5" name="Espace réservé du numéro de diapositive 4"/>
+          <p:cNvSpPr>
+            <a:spLocks noGrp="1"/>
+          </p:cNvSpPr>
+          <p:nvPr>
+            <p:ph type="sldNum" sz="quarter" idx="12"/>
+          </p:nvPr>
+        </p:nvSpPr>
+        <p:spPr/>
+        <p:txBody>
+          <a:bodyPr/>
+          <a:lstStyle/>
+          <a:p>
+            <a:pPr>
+              <a:defRPr/>
+            </a:pPr>
+            <a:fld id="{61DFC3F3-F69D-4837-9DC8-BB26BAF3FB8D}" type="slidenum">
+              <a:rPr lang="fr-FR" smtClean="0"/>
+              <a:pPr>
+                <a:defRPr/>
+              </a:pPr>
+              <a:t>10</a:t>
+            </a:fld>
+            <a:endParaRPr lang="fr-FR"/>
+          </a:p>
+        </p:txBody>
+      </p:sp>
+    </p:spTree>
+    <p:extLst>
+      <p:ext uri="{BB962C8B-B14F-4D97-AF65-F5344CB8AC3E}">
+        <p14:creationId xmlns:p14="http://schemas.microsoft.com/office/powerpoint/2010/main" val="3402124348"/>
+      </p:ext>
+    </p:extLst>
+  </p:cSld>
+  <p:clrMapOvr>
+    <a:masterClrMapping/>
+  </p:clrMapOvr>
+  <p:timing>
+    <p:tnLst>
+      <p:par>
+        <p:cTn id="1" dur="indefinite" restart="never" nodeType="tmRoot"/>
+      </p:par>
+    </p:tnLst>
+  </p:timing>
+</p:sld>
+</file>
+
+<file path=ppt/slides/slide11.xml><?xml version="1.0" encoding="utf-8"?>
+<p:sld xmlns:a="http://schemas.openxmlformats.org/drawingml/2006/main" xmlns:r="http://schemas.openxmlformats.org/officeDocument/2006/relationships" xmlns:p="http://schemas.openxmlformats.org/presentationml/2006/main">
+  <p:cSld>
+    <p:spTree>
+      <p:nvGrpSpPr>
+        <p:cNvPr id="1" name=""/>
+        <p:cNvGrpSpPr/>
+        <p:nvPr/>
+      </p:nvGrpSpPr>
+      <p:grpSpPr>
+        <a:xfrm>
+          <a:off x="0" y="0"/>
+          <a:ext cx="0" cy="0"/>
+          <a:chOff x="0" y="0"/>
+          <a:chExt cx="0" cy="0"/>
+        </a:xfrm>
+      </p:grpSpPr>
+      <p:sp>
+        <p:nvSpPr>
+          <p:cNvPr id="2" name="Titre 1"/>
+          <p:cNvSpPr>
+            <a:spLocks noGrp="1"/>
+          </p:cNvSpPr>
+          <p:nvPr>
+            <p:ph type="title"/>
+          </p:nvPr>
+        </p:nvSpPr>
+        <p:spPr/>
+        <p:txBody>
+          <a:bodyPr/>
+          <a:lstStyle/>
+          <a:p>
+            <a:r>
+              <a:rPr lang="fr-FR" dirty="0" smtClean="0"/>
+              <a:t>Alimentation/ETL</a:t>
+            </a:r>
+            <a:endParaRPr lang="fr-FR" dirty="0"/>
+          </a:p>
+        </p:txBody>
+      </p:sp>
+      <p:sp>
+        <p:nvSpPr>
+          <p:cNvPr id="3" name="Espace réservé du contenu 2"/>
+          <p:cNvSpPr>
+            <a:spLocks noGrp="1"/>
+          </p:cNvSpPr>
+          <p:nvPr>
+            <p:ph sz="half" idx="1"/>
+          </p:nvPr>
+        </p:nvSpPr>
+        <p:spPr/>
+        <p:txBody>
+          <a:bodyPr/>
+          <a:lstStyle/>
+          <a:p>
+            <a:r>
+              <a:rPr lang="fr-FR" dirty="0" smtClean="0"/>
+              <a:t>Vérification de la structure du fichier Excel avant mise à jour de la BDD:</a:t>
+            </a:r>
+          </a:p>
+          <a:p>
+            <a:pPr lvl="1"/>
+            <a:r>
+              <a:rPr lang="fr-FR" dirty="0" smtClean="0"/>
+              <a:t>CU pour un fichier d’alimentation annuelle</a:t>
+            </a:r>
+          </a:p>
+          <a:p>
+            <a:pPr lvl="1"/>
+            <a:r>
+              <a:rPr lang="fr-FR" dirty="0" smtClean="0"/>
+              <a:t>CU pour un fichier d’alimentation </a:t>
+            </a:r>
+            <a:r>
+              <a:rPr lang="fr-FR" smtClean="0"/>
+              <a:t>mensuelle </a:t>
+            </a:r>
+            <a:r>
+              <a:rPr lang="fr-FR" smtClean="0">
+                <a:sym typeface="Wingdings" pitchFamily="2" charset="2"/>
+              </a:rPr>
+              <a:t></a:t>
+            </a:r>
+            <a:endParaRPr lang="fr-FR" dirty="0" smtClean="0"/>
+          </a:p>
+          <a:p>
+            <a:endParaRPr lang="fr-FR" dirty="0"/>
+          </a:p>
+        </p:txBody>
+      </p:sp>
+      <p:pic>
+        <p:nvPicPr>
+          <p:cNvPr id="6" name="Espace réservé du contenu 4" descr="CU_VerifFichierMensuel.png"/>
+          <p:cNvPicPr>
+            <a:picLocks noGrp="1" noChangeAspect="1"/>
+          </p:cNvPicPr>
+          <p:nvPr>
+            <p:ph sz="half" idx="2"/>
+          </p:nvPr>
+        </p:nvPicPr>
+        <p:blipFill>
+          <a:blip r:embed="rId3" cstate="print"/>
+          <a:stretch>
+            <a:fillRect/>
+          </a:stretch>
+        </p:blipFill>
+        <p:spPr>
+          <a:xfrm>
+            <a:off x="4102953" y="1124744"/>
+            <a:ext cx="4069447" cy="5581872"/>
+          </a:xfrm>
+        </p:spPr>
+      </p:pic>
+      <p:sp>
+        <p:nvSpPr>
+          <p:cNvPr id="5" name="Espace réservé du numéro de diapositive 4"/>
+          <p:cNvSpPr>
+            <a:spLocks noGrp="1"/>
+          </p:cNvSpPr>
+          <p:nvPr>
+            <p:ph type="sldNum" sz="quarter" idx="12"/>
+          </p:nvPr>
+        </p:nvSpPr>
+        <p:spPr/>
+        <p:txBody>
+          <a:bodyPr/>
+          <a:lstStyle/>
+          <a:p>
+            <a:pPr>
+              <a:defRPr/>
+            </a:pPr>
+            <a:fld id="{61DFC3F3-F69D-4837-9DC8-BB26BAF3FB8D}" type="slidenum">
+              <a:rPr lang="fr-FR" smtClean="0"/>
+              <a:pPr>
+                <a:defRPr/>
+              </a:pPr>
+              <a:t>11</a:t>
+            </a:fld>
+            <a:endParaRPr lang="fr-FR"/>
+          </a:p>
+        </p:txBody>
+      </p:sp>
+    </p:spTree>
+  </p:cSld>
+  <p:clrMapOvr>
+    <a:masterClrMapping/>
+  </p:clrMapOvr>
+  <p:timing>
+    <p:tnLst>
+      <p:par>
+        <p:cTn id="1" dur="indefinite" restart="never" nodeType="tmRoot"/>
+      </p:par>
+    </p:tnLst>
+  </p:timing>
+</p:sld>
+</file>
+
 <file path=ppt/slides/slide2.xml><?xml version="1.0" encoding="utf-8"?>
 <p:sld xmlns:a="http://schemas.openxmlformats.org/drawingml/2006/main" xmlns:r="http://schemas.openxmlformats.org/officeDocument/2006/relationships" xmlns:p="http://schemas.openxmlformats.org/presentationml/2006/main">
   <p:cSld>
@@ -5457,13 +5510,133 @@
         </p:nvSpPr>
         <p:spPr>
           <a:xfrm>
-            <a:off x="1500188" y="1285875"/>
+            <a:off x="467544" y="1268760"/>
             <a:ext cx="7391400" cy="5257800"/>
           </a:xfrm>
         </p:spPr>
         <p:txBody>
           <a:bodyPr/>
           <a:lstStyle/>
+          <a:p>
+            <a:pPr eaLnBrk="1" hangingPunct="1">
+              <a:buClr>
+                <a:schemeClr val="tx1"/>
+              </a:buClr>
+              <a:buFont typeface="Wingdings" pitchFamily="2" charset="2"/>
+              <a:buChar char="Ø"/>
+            </a:pPr>
+            <a:r>
+              <a:rPr lang="fr-FR" dirty="0" smtClean="0">
+                <a:latin typeface="Georgia" pitchFamily="18" charset="0"/>
+              </a:rPr>
+              <a:t> Rappel des objectifs</a:t>
+            </a:r>
+          </a:p>
+          <a:p>
+            <a:pPr eaLnBrk="1" hangingPunct="1">
+              <a:buClr>
+                <a:schemeClr val="tx1"/>
+              </a:buClr>
+              <a:buFont typeface="Wingdings" pitchFamily="2" charset="2"/>
+              <a:buChar char="Ø"/>
+            </a:pPr>
+            <a:endParaRPr lang="fr-FR" dirty="0">
+              <a:latin typeface="Georgia" pitchFamily="18" charset="0"/>
+            </a:endParaRPr>
+          </a:p>
+          <a:p>
+            <a:pPr eaLnBrk="1" hangingPunct="1">
+              <a:buClr>
+                <a:schemeClr val="tx1"/>
+              </a:buClr>
+              <a:buFont typeface="Wingdings" pitchFamily="2" charset="2"/>
+              <a:buChar char="Ø"/>
+            </a:pPr>
+            <a:r>
+              <a:rPr lang="fr-FR" dirty="0" smtClean="0">
+                <a:latin typeface="Georgia" pitchFamily="18" charset="0"/>
+              </a:rPr>
+              <a:t> Présentation de la V0 en restitution</a:t>
+            </a:r>
+          </a:p>
+          <a:p>
+            <a:pPr eaLnBrk="1" hangingPunct="1">
+              <a:buClr>
+                <a:schemeClr val="tx1"/>
+              </a:buClr>
+              <a:buFont typeface="Wingdings" pitchFamily="2" charset="2"/>
+              <a:buChar char="Ø"/>
+            </a:pPr>
+            <a:endParaRPr lang="fr-FR" dirty="0">
+              <a:latin typeface="Georgia" pitchFamily="18" charset="0"/>
+            </a:endParaRPr>
+          </a:p>
+          <a:p>
+            <a:pPr eaLnBrk="1" hangingPunct="1">
+              <a:buClr>
+                <a:schemeClr val="tx1"/>
+              </a:buClr>
+              <a:buFont typeface="Wingdings" pitchFamily="2" charset="2"/>
+              <a:buChar char="Ø"/>
+            </a:pPr>
+            <a:r>
+              <a:rPr lang="fr-FR" dirty="0" smtClean="0">
+                <a:latin typeface="Georgia" pitchFamily="18" charset="0"/>
+              </a:rPr>
+              <a:t> Présentation du travail d’alimentation/ETL</a:t>
+            </a:r>
+          </a:p>
+          <a:p>
+            <a:pPr eaLnBrk="1" hangingPunct="1">
+              <a:buClr>
+                <a:schemeClr val="tx1"/>
+              </a:buClr>
+              <a:buFont typeface="Wingdings" pitchFamily="2" charset="2"/>
+              <a:buChar char="Ø"/>
+            </a:pPr>
+            <a:endParaRPr lang="fr-FR" dirty="0">
+              <a:latin typeface="Georgia" pitchFamily="18" charset="0"/>
+            </a:endParaRPr>
+          </a:p>
+          <a:p>
+            <a:pPr eaLnBrk="1" hangingPunct="1">
+              <a:buClr>
+                <a:schemeClr val="tx1"/>
+              </a:buClr>
+              <a:buFont typeface="Wingdings" pitchFamily="2" charset="2"/>
+              <a:buChar char="Ø"/>
+            </a:pPr>
+            <a:r>
+              <a:rPr lang="fr-FR" dirty="0" smtClean="0">
+                <a:latin typeface="Georgia" pitchFamily="18" charset="0"/>
+              </a:rPr>
+              <a:t> Recette</a:t>
+            </a:r>
+          </a:p>
+          <a:p>
+            <a:pPr eaLnBrk="1" hangingPunct="1">
+              <a:buClr>
+                <a:schemeClr val="tx1"/>
+              </a:buClr>
+              <a:buFont typeface="Wingdings" pitchFamily="2" charset="2"/>
+              <a:buChar char="Ø"/>
+            </a:pPr>
+            <a:endParaRPr lang="fr-FR" dirty="0">
+              <a:latin typeface="Georgia" pitchFamily="18" charset="0"/>
+            </a:endParaRPr>
+          </a:p>
+          <a:p>
+            <a:pPr eaLnBrk="1" hangingPunct="1">
+              <a:buClr>
+                <a:schemeClr val="tx1"/>
+              </a:buClr>
+              <a:buFont typeface="Wingdings" pitchFamily="2" charset="2"/>
+              <a:buChar char="Ø"/>
+            </a:pPr>
+            <a:endParaRPr lang="fr-FR" smtClean="0">
+              <a:latin typeface="Georgia" pitchFamily="18" charset="0"/>
+            </a:endParaRPr>
+          </a:p>
           <a:p>
             <a:pPr eaLnBrk="1" hangingPunct="1">
               <a:buClr>
@@ -5509,6 +5682,11 @@
         </p:txBody>
       </p:sp>
     </p:spTree>
+    <p:extLst>
+      <p:ext uri="{BB962C8B-B14F-4D97-AF65-F5344CB8AC3E}">
+        <p14:creationId xmlns:p14="http://schemas.microsoft.com/office/powerpoint/2010/main" val="3327724999"/>
+      </p:ext>
+    </p:extLst>
   </p:cSld>
   <p:clrMapOvr>
     <a:masterClrMapping/>
@@ -5666,7 +5844,7 @@
     </p:spTree>
     <p:extLst>
       <p:ext uri="{BB962C8B-B14F-4D97-AF65-F5344CB8AC3E}">
-        <p14:creationId xmlns:p14="http://schemas.microsoft.com/office/powerpoint/2010/main" val="3974948217"/>
+        <p14:creationId xmlns:p14="http://schemas.microsoft.com/office/powerpoint/2010/main" val="550898158"/>
       </p:ext>
     </p:extLst>
   </p:cSld>
@@ -5738,7 +5916,7 @@
             <p:ph idx="1"/>
             <p:extLst>
               <p:ext uri="{D42A27DB-BD31-4B8C-83A1-F6EECF244321}">
-                <p14:modId xmlns:p14="http://schemas.microsoft.com/office/powerpoint/2010/main" val="442573492"/>
+                <p14:modId xmlns:p14="http://schemas.microsoft.com/office/powerpoint/2010/main" val="530910969"/>
               </p:ext>
             </p:extLst>
           </p:nvPr>
@@ -5756,7 +5934,7 @@
     </p:spTree>
     <p:extLst>
       <p:ext uri="{BB962C8B-B14F-4D97-AF65-F5344CB8AC3E}">
-        <p14:creationId xmlns:p14="http://schemas.microsoft.com/office/powerpoint/2010/main" val="4166857735"/>
+        <p14:creationId xmlns:p14="http://schemas.microsoft.com/office/powerpoint/2010/main" val="4252606673"/>
       </p:ext>
     </p:extLst>
   </p:cSld>
@@ -5825,7 +6003,7 @@
         </p:nvSpPr>
         <p:spPr>
           <a:xfrm>
-            <a:off x="1524002" y="1295400"/>
+            <a:off x="611560" y="1268760"/>
             <a:ext cx="7224462" cy="5257800"/>
           </a:xfrm>
         </p:spPr>
@@ -5900,7 +6078,7 @@
     </p:spTree>
     <p:extLst>
       <p:ext uri="{BB962C8B-B14F-4D97-AF65-F5344CB8AC3E}">
-        <p14:creationId xmlns:p14="http://schemas.microsoft.com/office/powerpoint/2010/main" val="519709667"/>
+        <p14:creationId xmlns:p14="http://schemas.microsoft.com/office/powerpoint/2010/main" val="835916153"/>
       </p:ext>
     </p:extLst>
   </p:cSld>
@@ -5969,7 +6147,7 @@
         </p:nvSpPr>
         <p:spPr>
           <a:xfrm>
-            <a:off x="1524002" y="1295400"/>
+            <a:off x="539552" y="1268760"/>
             <a:ext cx="7440486" cy="5257800"/>
           </a:xfrm>
         </p:spPr>
@@ -6046,7 +6224,7 @@
     </p:spTree>
     <p:extLst>
       <p:ext uri="{BB962C8B-B14F-4D97-AF65-F5344CB8AC3E}">
-        <p14:creationId xmlns:p14="http://schemas.microsoft.com/office/powerpoint/2010/main" val="1603614356"/>
+        <p14:creationId xmlns:p14="http://schemas.microsoft.com/office/powerpoint/2010/main" val="1057009773"/>
       </p:ext>
     </p:extLst>
   </p:cSld>
@@ -6115,7 +6293,7 @@
         </p:nvSpPr>
         <p:spPr>
           <a:xfrm>
-            <a:off x="1524002" y="1295400"/>
+            <a:off x="611560" y="1268760"/>
             <a:ext cx="7440486" cy="5257800"/>
           </a:xfrm>
         </p:spPr>
@@ -6123,6 +6301,9 @@
           <a:bodyPr/>
           <a:lstStyle/>
           <a:p>
+            <a:endParaRPr lang="fr-FR" dirty="0" smtClean="0"/>
+          </a:p>
+          <a:p>
             <a:r>
               <a:rPr lang="fr-FR" dirty="0" smtClean="0"/>
               <a:t>Travail En cours</a:t>
@@ -6134,7 +6315,7 @@
           <a:p>
             <a:r>
               <a:rPr lang="fr-FR" dirty="0" smtClean="0"/>
-              <a:t>Correction quelques bugs application</a:t>
+              <a:t>Correction quelques bugs sur l’application</a:t>
             </a:r>
           </a:p>
           <a:p>
@@ -6145,6 +6326,15 @@
               <a:rPr lang="fr-FR" dirty="0" smtClean="0"/>
               <a:t>Mise en forme pour correspondre au SFD</a:t>
             </a:r>
+          </a:p>
+          <a:p>
+            <a:endParaRPr lang="fr-FR" dirty="0"/>
+          </a:p>
+          <a:p>
+            <a:pPr marL="114300" indent="0">
+              <a:buNone/>
+            </a:pPr>
+            <a:endParaRPr lang="fr-FR" dirty="0" smtClean="0"/>
           </a:p>
           <a:p>
             <a:endParaRPr lang="fr-FR" dirty="0"/>
@@ -6186,7 +6376,7 @@
     </p:spTree>
     <p:extLst>
       <p:ext uri="{BB962C8B-B14F-4D97-AF65-F5344CB8AC3E}">
-        <p14:creationId xmlns:p14="http://schemas.microsoft.com/office/powerpoint/2010/main" val="313456132"/>
+        <p14:creationId xmlns:p14="http://schemas.microsoft.com/office/powerpoint/2010/main" val="2301766036"/>
       </p:ext>
     </p:extLst>
   </p:cSld>
@@ -6237,7 +6427,7 @@
           <a:p>
             <a:r>
               <a:rPr lang="fr-FR" dirty="0" smtClean="0"/>
-              <a:t>Restitution - JASPER</a:t>
+              <a:t>Restitution - SAS</a:t>
             </a:r>
             <a:endParaRPr lang="fr-FR" dirty="0"/>
           </a:p>
@@ -6255,76 +6445,34 @@
         </p:nvSpPr>
         <p:spPr>
           <a:xfrm>
-            <a:off x="1475656" y="1268760"/>
-            <a:ext cx="7224462" cy="5257800"/>
+            <a:off x="611560" y="1268760"/>
+            <a:ext cx="7440486" cy="5257800"/>
           </a:xfrm>
         </p:spPr>
         <p:txBody>
           <a:bodyPr/>
           <a:lstStyle/>
           <a:p>
-            <a:r>
-              <a:rPr lang="fr-FR" dirty="0" smtClean="0"/>
-              <a:t>Profil </a:t>
-            </a:r>
-            <a:r>
-              <a:rPr lang="fr-FR" dirty="0" smtClean="0"/>
-              <a:t>responsable </a:t>
-            </a:r>
-            <a:r>
-              <a:rPr lang="fr-FR" dirty="0" smtClean="0"/>
-              <a:t>Magasin complet</a:t>
-            </a:r>
+            <a:endParaRPr lang="fr-FR" dirty="0" smtClean="0"/>
+          </a:p>
+          <a:p>
+            <a:endParaRPr lang="fr-FR" dirty="0" smtClean="0"/>
           </a:p>
           <a:p>
             <a:endParaRPr lang="fr-FR" dirty="0"/>
           </a:p>
           <a:p>
-            <a:r>
-              <a:rPr lang="fr-FR" dirty="0" smtClean="0"/>
-              <a:t>Tableaux et graphiques</a:t>
-            </a:r>
-            <a:endParaRPr lang="fr-FR" dirty="0" smtClean="0"/>
+            <a:pPr marL="114300" indent="0" algn="ctr">
+              <a:buNone/>
+            </a:pPr>
+            <a:r>
+              <a:rPr lang="fr-FR" sz="4000" dirty="0" smtClean="0"/>
+              <a:t>Démonstration</a:t>
+            </a:r>
+            <a:endParaRPr lang="fr-FR" sz="4000" dirty="0"/>
           </a:p>
           <a:p>
             <a:endParaRPr lang="fr-FR" dirty="0"/>
-          </a:p>
-          <a:p>
-            <a:r>
-              <a:rPr lang="fr-FR" dirty="0" smtClean="0"/>
-              <a:t>Temps chargement pour certains tableaux</a:t>
-            </a:r>
-          </a:p>
-          <a:p>
-            <a:endParaRPr lang="fr-FR" dirty="0"/>
-          </a:p>
-          <a:p>
-            <a:r>
-              <a:rPr lang="fr-FR" dirty="0" smtClean="0"/>
-              <a:t>Mise en forme conforme au SFD</a:t>
-            </a:r>
-          </a:p>
-          <a:p>
-            <a:endParaRPr lang="fr-FR" dirty="0"/>
-          </a:p>
-          <a:p>
-            <a:r>
-              <a:rPr lang="fr-FR" dirty="0" smtClean="0"/>
-              <a:t>Paramètre période/mois à implémenter</a:t>
-            </a:r>
-            <a:endParaRPr lang="fr-FR" dirty="0" smtClean="0"/>
-          </a:p>
-          <a:p>
-            <a:endParaRPr lang="fr-FR" dirty="0"/>
-          </a:p>
-          <a:p>
-            <a:endParaRPr lang="fr-FR" dirty="0" smtClean="0"/>
-          </a:p>
-          <a:p>
-            <a:endParaRPr lang="fr-FR" dirty="0"/>
-          </a:p>
-          <a:p>
-            <a:endParaRPr lang="fr-FR" dirty="0" smtClean="0"/>
           </a:p>
         </p:txBody>
       </p:sp>
@@ -6360,7 +6508,7 @@
     </p:spTree>
     <p:extLst>
       <p:ext uri="{BB962C8B-B14F-4D97-AF65-F5344CB8AC3E}">
-        <p14:creationId xmlns:p14="http://schemas.microsoft.com/office/powerpoint/2010/main" val="3402124348"/>
+        <p14:creationId xmlns:p14="http://schemas.microsoft.com/office/powerpoint/2010/main" val="1524745049"/>
       </p:ext>
     </p:extLst>
   </p:cSld>
@@ -6394,102 +6542,720 @@
           <a:chExt cx="0" cy="0"/>
         </a:xfrm>
       </p:grpSpPr>
-      <p:sp>
-        <p:nvSpPr>
-          <p:cNvPr id="2" name="Titre 1"/>
-          <p:cNvSpPr>
-            <a:spLocks noGrp="1"/>
-          </p:cNvSpPr>
-          <p:nvPr>
-            <p:ph type="title"/>
-          </p:nvPr>
-        </p:nvSpPr>
-        <p:spPr/>
-        <p:txBody>
-          <a:bodyPr/>
-          <a:lstStyle/>
-          <a:p>
-            <a:r>
-              <a:rPr lang="fr-FR" dirty="0" smtClean="0"/>
-              <a:t>Alimentation/ETL</a:t>
-            </a:r>
-            <a:endParaRPr lang="fr-FR" dirty="0"/>
-          </a:p>
-        </p:txBody>
-      </p:sp>
-      <p:sp>
-        <p:nvSpPr>
-          <p:cNvPr id="3" name="Espace réservé du contenu 2"/>
-          <p:cNvSpPr>
-            <a:spLocks noGrp="1"/>
-          </p:cNvSpPr>
+      <p:graphicFrame>
+        <p:nvGraphicFramePr>
+          <p:cNvPr id="6" name="Espace réservé du contenu 5"/>
+          <p:cNvGraphicFramePr>
+            <a:graphicFrameLocks noGrp="1"/>
+          </p:cNvGraphicFramePr>
           <p:nvPr>
             <p:ph sz="half" idx="1"/>
-          </p:nvPr>
-        </p:nvSpPr>
-        <p:spPr/>
-        <p:txBody>
-          <a:bodyPr/>
-          <a:lstStyle/>
-          <a:p>
-            <a:r>
-              <a:rPr lang="fr-FR" dirty="0" smtClean="0"/>
-              <a:t>Vérification de la structure du fichier Excel avant mise à jour de la BDD:</a:t>
-            </a:r>
-          </a:p>
-          <a:p>
-            <a:pPr lvl="1"/>
-            <a:r>
-              <a:rPr lang="fr-FR" dirty="0" smtClean="0"/>
-              <a:t>CU pour un fichier d’alimentation annuelle</a:t>
-            </a:r>
-          </a:p>
-          <a:p>
-            <a:pPr lvl="1"/>
-            <a:r>
-              <a:rPr lang="fr-FR" dirty="0" smtClean="0"/>
-              <a:t>CU pour un fichier d’alimentation </a:t>
-            </a:r>
-            <a:r>
-              <a:rPr lang="fr-FR" smtClean="0"/>
-              <a:t>mensuelle </a:t>
-            </a:r>
-            <a:r>
-              <a:rPr lang="fr-FR" smtClean="0">
-                <a:sym typeface="Wingdings" pitchFamily="2" charset="2"/>
-              </a:rPr>
-              <a:t></a:t>
-            </a:r>
-            <a:endParaRPr lang="fr-FR" dirty="0" smtClean="0"/>
-          </a:p>
-          <a:p>
-            <a:endParaRPr lang="fr-FR" dirty="0"/>
-          </a:p>
-        </p:txBody>
-      </p:sp>
-      <p:pic>
-        <p:nvPicPr>
-          <p:cNvPr id="6" name="Espace réservé du contenu 4" descr="CU_VerifFichierMensuel.png"/>
-          <p:cNvPicPr>
-            <a:picLocks noGrp="1" noChangeAspect="1"/>
-          </p:cNvPicPr>
-          <p:nvPr>
-            <p:ph sz="half" idx="2"/>
-          </p:nvPr>
-        </p:nvPicPr>
-        <p:blipFill>
-          <a:blip r:embed="rId3" cstate="print"/>
-          <a:stretch>
-            <a:fillRect/>
-          </a:stretch>
-        </p:blipFill>
-        <p:spPr>
-          <a:xfrm>
-            <a:off x="4102953" y="1124744"/>
-            <a:ext cx="4069447" cy="5581872"/>
-          </a:xfrm>
-        </p:spPr>
-      </p:pic>
+            <p:extLst>
+              <p:ext uri="{D42A27DB-BD31-4B8C-83A1-F6EECF244321}">
+                <p14:modId xmlns:p14="http://schemas.microsoft.com/office/powerpoint/2010/main" val="4192479816"/>
+              </p:ext>
+            </p:extLst>
+          </p:nvPr>
+        </p:nvGraphicFramePr>
+        <p:xfrm>
+          <a:off x="395536" y="103479"/>
+          <a:ext cx="7210425" cy="6675120"/>
+        </p:xfrm>
+        <a:graphic>
+          <a:graphicData uri="http://schemas.openxmlformats.org/drawingml/2006/table">
+            <a:tbl>
+              <a:tblPr firstRow="1" bandRow="1">
+                <a:tableStyleId>{5C22544A-7EE6-4342-B048-85BDC9FD1C3A}</a:tableStyleId>
+              </a:tblPr>
+              <a:tblGrid>
+                <a:gridCol w="2403475"/>
+                <a:gridCol w="2403475"/>
+                <a:gridCol w="2403475"/>
+              </a:tblGrid>
+              <a:tr h="370840">
+                <a:tc>
+                  <a:txBody>
+                    <a:bodyPr/>
+                    <a:lstStyle/>
+                    <a:p>
+                      <a:r>
+                        <a:rPr lang="fr-FR" dirty="0" smtClean="0"/>
+                        <a:t>Tableau</a:t>
+                      </a:r>
+                      <a:endParaRPr lang="fr-FR" dirty="0"/>
+                    </a:p>
+                  </a:txBody>
+                  <a:tcPr/>
+                </a:tc>
+                <a:tc>
+                  <a:txBody>
+                    <a:bodyPr/>
+                    <a:lstStyle/>
+                    <a:p>
+                      <a:r>
+                        <a:rPr lang="fr-FR" dirty="0" smtClean="0"/>
+                        <a:t>Fonction</a:t>
+                      </a:r>
+                      <a:endParaRPr lang="fr-FR" dirty="0"/>
+                    </a:p>
+                  </a:txBody>
+                  <a:tcPr/>
+                </a:tc>
+                <a:tc>
+                  <a:txBody>
+                    <a:bodyPr/>
+                    <a:lstStyle/>
+                    <a:p>
+                      <a:r>
+                        <a:rPr lang="fr-FR" dirty="0" smtClean="0"/>
+                        <a:t>Etat</a:t>
+                      </a:r>
+                      <a:endParaRPr lang="fr-FR" dirty="0"/>
+                    </a:p>
+                  </a:txBody>
+                  <a:tcPr/>
+                </a:tc>
+              </a:tr>
+              <a:tr h="370840">
+                <a:tc>
+                  <a:txBody>
+                    <a:bodyPr/>
+                    <a:lstStyle/>
+                    <a:p>
+                      <a:r>
+                        <a:rPr lang="fr-FR" dirty="0" err="1" smtClean="0"/>
+                        <a:t>Palmares</a:t>
+                      </a:r>
+                      <a:endParaRPr lang="fr-FR" dirty="0"/>
+                    </a:p>
+                  </a:txBody>
+                  <a:tcPr/>
+                </a:tc>
+                <a:tc>
+                  <a:txBody>
+                    <a:bodyPr/>
+                    <a:lstStyle/>
+                    <a:p>
+                      <a:r>
+                        <a:rPr lang="fr-FR" dirty="0" smtClean="0"/>
+                        <a:t>Devise</a:t>
+                      </a:r>
+                      <a:endParaRPr lang="fr-FR" dirty="0"/>
+                    </a:p>
+                  </a:txBody>
+                  <a:tcPr/>
+                </a:tc>
+                <a:tc>
+                  <a:txBody>
+                    <a:bodyPr/>
+                    <a:lstStyle/>
+                    <a:p>
+                      <a:endParaRPr lang="fr-FR" dirty="0"/>
+                    </a:p>
+                  </a:txBody>
+                  <a:tcPr/>
+                </a:tc>
+              </a:tr>
+              <a:tr h="370840">
+                <a:tc>
+                  <a:txBody>
+                    <a:bodyPr/>
+                    <a:lstStyle/>
+                    <a:p>
+                      <a:endParaRPr lang="fr-FR" dirty="0"/>
+                    </a:p>
+                  </a:txBody>
+                  <a:tcPr/>
+                </a:tc>
+                <a:tc>
+                  <a:txBody>
+                    <a:bodyPr/>
+                    <a:lstStyle/>
+                    <a:p>
+                      <a:r>
+                        <a:rPr lang="fr-FR" dirty="0" smtClean="0"/>
+                        <a:t>Localisation</a:t>
+                      </a:r>
+                      <a:endParaRPr lang="fr-FR" dirty="0"/>
+                    </a:p>
+                  </a:txBody>
+                  <a:tcPr/>
+                </a:tc>
+                <a:tc>
+                  <a:txBody>
+                    <a:bodyPr/>
+                    <a:lstStyle/>
+                    <a:p>
+                      <a:endParaRPr lang="fr-FR" dirty="0"/>
+                    </a:p>
+                  </a:txBody>
+                  <a:tcPr/>
+                </a:tc>
+              </a:tr>
+              <a:tr h="370840">
+                <a:tc>
+                  <a:txBody>
+                    <a:bodyPr/>
+                    <a:lstStyle/>
+                    <a:p>
+                      <a:endParaRPr lang="fr-FR" dirty="0"/>
+                    </a:p>
+                  </a:txBody>
+                  <a:tcPr/>
+                </a:tc>
+                <a:tc>
+                  <a:txBody>
+                    <a:bodyPr/>
+                    <a:lstStyle/>
+                    <a:p>
+                      <a:r>
+                        <a:rPr lang="fr-FR" dirty="0" smtClean="0"/>
+                        <a:t>Période</a:t>
+                      </a:r>
+                      <a:endParaRPr lang="fr-FR" dirty="0"/>
+                    </a:p>
+                  </a:txBody>
+                  <a:tcPr/>
+                </a:tc>
+                <a:tc>
+                  <a:txBody>
+                    <a:bodyPr/>
+                    <a:lstStyle/>
+                    <a:p>
+                      <a:r>
+                        <a:rPr lang="fr-FR" baseline="0" dirty="0" smtClean="0"/>
+                        <a:t>            Cumul</a:t>
+                      </a:r>
+                      <a:endParaRPr lang="fr-FR" dirty="0"/>
+                    </a:p>
+                  </a:txBody>
+                  <a:tcPr/>
+                </a:tc>
+              </a:tr>
+              <a:tr h="370840">
+                <a:tc>
+                  <a:txBody>
+                    <a:bodyPr/>
+                    <a:lstStyle/>
+                    <a:p>
+                      <a:endParaRPr lang="fr-FR" dirty="0"/>
+                    </a:p>
+                  </a:txBody>
+                  <a:tcPr/>
+                </a:tc>
+                <a:tc>
+                  <a:txBody>
+                    <a:bodyPr/>
+                    <a:lstStyle/>
+                    <a:p>
+                      <a:r>
+                        <a:rPr lang="fr-FR" dirty="0" smtClean="0"/>
+                        <a:t>Indicateur</a:t>
+                      </a:r>
+                      <a:endParaRPr lang="fr-FR" dirty="0"/>
+                    </a:p>
+                  </a:txBody>
+                  <a:tcPr/>
+                </a:tc>
+                <a:tc>
+                  <a:txBody>
+                    <a:bodyPr/>
+                    <a:lstStyle/>
+                    <a:p>
+                      <a:endParaRPr lang="fr-FR" dirty="0"/>
+                    </a:p>
+                  </a:txBody>
+                  <a:tcPr/>
+                </a:tc>
+              </a:tr>
+              <a:tr h="370840">
+                <a:tc>
+                  <a:txBody>
+                    <a:bodyPr/>
+                    <a:lstStyle/>
+                    <a:p>
+                      <a:endParaRPr lang="fr-FR"/>
+                    </a:p>
+                  </a:txBody>
+                  <a:tcPr/>
+                </a:tc>
+                <a:tc>
+                  <a:txBody>
+                    <a:bodyPr/>
+                    <a:lstStyle/>
+                    <a:p>
+                      <a:r>
+                        <a:rPr lang="fr-FR" dirty="0" smtClean="0"/>
+                        <a:t>Caractéristique</a:t>
+                      </a:r>
+                      <a:endParaRPr lang="fr-FR" dirty="0"/>
+                    </a:p>
+                  </a:txBody>
+                  <a:tcPr/>
+                </a:tc>
+                <a:tc>
+                  <a:txBody>
+                    <a:bodyPr/>
+                    <a:lstStyle/>
+                    <a:p>
+                      <a:endParaRPr lang="fr-FR" dirty="0"/>
+                    </a:p>
+                  </a:txBody>
+                  <a:tcPr/>
+                </a:tc>
+              </a:tr>
+              <a:tr h="370840">
+                <a:tc>
+                  <a:txBody>
+                    <a:bodyPr/>
+                    <a:lstStyle/>
+                    <a:p>
+                      <a:endParaRPr lang="fr-FR" dirty="0"/>
+                    </a:p>
+                  </a:txBody>
+                  <a:tcPr/>
+                </a:tc>
+                <a:tc>
+                  <a:txBody>
+                    <a:bodyPr/>
+                    <a:lstStyle/>
+                    <a:p>
+                      <a:r>
+                        <a:rPr lang="fr-FR" dirty="0" smtClean="0"/>
+                        <a:t>Famille</a:t>
+                      </a:r>
+                      <a:endParaRPr lang="fr-FR" dirty="0"/>
+                    </a:p>
+                  </a:txBody>
+                  <a:tcPr/>
+                </a:tc>
+                <a:tc>
+                  <a:txBody>
+                    <a:bodyPr/>
+                    <a:lstStyle/>
+                    <a:p>
+                      <a:endParaRPr lang="fr-FR" dirty="0"/>
+                    </a:p>
+                  </a:txBody>
+                  <a:tcPr/>
+                </a:tc>
+              </a:tr>
+              <a:tr h="370840">
+                <a:tc>
+                  <a:txBody>
+                    <a:bodyPr/>
+                    <a:lstStyle/>
+                    <a:p>
+                      <a:r>
+                        <a:rPr lang="fr-FR" dirty="0" smtClean="0"/>
+                        <a:t>Historique</a:t>
+                      </a:r>
+                      <a:endParaRPr lang="fr-FR" dirty="0"/>
+                    </a:p>
+                  </a:txBody>
+                  <a:tcPr/>
+                </a:tc>
+                <a:tc>
+                  <a:txBody>
+                    <a:bodyPr/>
+                    <a:lstStyle/>
+                    <a:p>
+                      <a:r>
+                        <a:rPr lang="fr-FR" dirty="0" smtClean="0"/>
+                        <a:t>Devise</a:t>
+                      </a:r>
+                      <a:endParaRPr lang="fr-FR" dirty="0"/>
+                    </a:p>
+                  </a:txBody>
+                  <a:tcPr/>
+                </a:tc>
+                <a:tc>
+                  <a:txBody>
+                    <a:bodyPr/>
+                    <a:lstStyle/>
+                    <a:p>
+                      <a:endParaRPr lang="fr-FR" dirty="0"/>
+                    </a:p>
+                  </a:txBody>
+                  <a:tcPr/>
+                </a:tc>
+              </a:tr>
+              <a:tr h="370840">
+                <a:tc>
+                  <a:txBody>
+                    <a:bodyPr/>
+                    <a:lstStyle/>
+                    <a:p>
+                      <a:endParaRPr lang="fr-FR"/>
+                    </a:p>
+                  </a:txBody>
+                  <a:tcPr/>
+                </a:tc>
+                <a:tc>
+                  <a:txBody>
+                    <a:bodyPr/>
+                    <a:lstStyle/>
+                    <a:p>
+                      <a:r>
+                        <a:rPr lang="fr-FR" dirty="0" smtClean="0"/>
+                        <a:t>Localisation</a:t>
+                      </a:r>
+                      <a:endParaRPr lang="fr-FR" dirty="0"/>
+                    </a:p>
+                  </a:txBody>
+                  <a:tcPr/>
+                </a:tc>
+                <a:tc>
+                  <a:txBody>
+                    <a:bodyPr/>
+                    <a:lstStyle/>
+                    <a:p>
+                      <a:endParaRPr lang="fr-FR" dirty="0"/>
+                    </a:p>
+                  </a:txBody>
+                  <a:tcPr/>
+                </a:tc>
+              </a:tr>
+              <a:tr h="370840">
+                <a:tc>
+                  <a:txBody>
+                    <a:bodyPr/>
+                    <a:lstStyle/>
+                    <a:p>
+                      <a:endParaRPr lang="fr-FR"/>
+                    </a:p>
+                  </a:txBody>
+                  <a:tcPr/>
+                </a:tc>
+                <a:tc>
+                  <a:txBody>
+                    <a:bodyPr/>
+                    <a:lstStyle/>
+                    <a:p>
+                      <a:r>
+                        <a:rPr lang="fr-FR" dirty="0" smtClean="0"/>
+                        <a:t>Période</a:t>
+                      </a:r>
+                      <a:endParaRPr lang="fr-FR" dirty="0"/>
+                    </a:p>
+                  </a:txBody>
+                  <a:tcPr/>
+                </a:tc>
+                <a:tc>
+                  <a:txBody>
+                    <a:bodyPr/>
+                    <a:lstStyle/>
+                    <a:p>
+                      <a:endParaRPr lang="fr-FR"/>
+                    </a:p>
+                  </a:txBody>
+                  <a:tcPr/>
+                </a:tc>
+              </a:tr>
+              <a:tr h="370840">
+                <a:tc>
+                  <a:txBody>
+                    <a:bodyPr/>
+                    <a:lstStyle/>
+                    <a:p>
+                      <a:endParaRPr lang="fr-FR"/>
+                    </a:p>
+                  </a:txBody>
+                  <a:tcPr/>
+                </a:tc>
+                <a:tc>
+                  <a:txBody>
+                    <a:bodyPr/>
+                    <a:lstStyle/>
+                    <a:p>
+                      <a:r>
+                        <a:rPr lang="fr-FR" dirty="0" smtClean="0"/>
+                        <a:t>Indicateur</a:t>
+                      </a:r>
+                      <a:endParaRPr lang="fr-FR" dirty="0"/>
+                    </a:p>
+                  </a:txBody>
+                  <a:tcPr/>
+                </a:tc>
+                <a:tc>
+                  <a:txBody>
+                    <a:bodyPr/>
+                    <a:lstStyle/>
+                    <a:p>
+                      <a:endParaRPr lang="fr-FR" dirty="0"/>
+                    </a:p>
+                  </a:txBody>
+                  <a:tcPr/>
+                </a:tc>
+              </a:tr>
+              <a:tr h="370840">
+                <a:tc>
+                  <a:txBody>
+                    <a:bodyPr/>
+                    <a:lstStyle/>
+                    <a:p>
+                      <a:endParaRPr lang="fr-FR"/>
+                    </a:p>
+                  </a:txBody>
+                  <a:tcPr/>
+                </a:tc>
+                <a:tc>
+                  <a:txBody>
+                    <a:bodyPr/>
+                    <a:lstStyle/>
+                    <a:p>
+                      <a:r>
+                        <a:rPr lang="fr-FR" dirty="0" smtClean="0"/>
+                        <a:t>Caractéristique</a:t>
+                      </a:r>
+                      <a:endParaRPr lang="fr-FR" dirty="0"/>
+                    </a:p>
+                  </a:txBody>
+                  <a:tcPr/>
+                </a:tc>
+                <a:tc>
+                  <a:txBody>
+                    <a:bodyPr/>
+                    <a:lstStyle/>
+                    <a:p>
+                      <a:endParaRPr lang="fr-FR"/>
+                    </a:p>
+                  </a:txBody>
+                  <a:tcPr/>
+                </a:tc>
+              </a:tr>
+              <a:tr h="370840">
+                <a:tc>
+                  <a:txBody>
+                    <a:bodyPr/>
+                    <a:lstStyle/>
+                    <a:p>
+                      <a:endParaRPr lang="fr-FR" dirty="0"/>
+                    </a:p>
+                  </a:txBody>
+                  <a:tcPr/>
+                </a:tc>
+                <a:tc>
+                  <a:txBody>
+                    <a:bodyPr/>
+                    <a:lstStyle/>
+                    <a:p>
+                      <a:r>
+                        <a:rPr lang="fr-FR" dirty="0" smtClean="0"/>
+                        <a:t>Famille</a:t>
+                      </a:r>
+                      <a:endParaRPr lang="fr-FR" dirty="0"/>
+                    </a:p>
+                  </a:txBody>
+                  <a:tcPr/>
+                </a:tc>
+                <a:tc>
+                  <a:txBody>
+                    <a:bodyPr/>
+                    <a:lstStyle/>
+                    <a:p>
+                      <a:endParaRPr lang="fr-FR" dirty="0"/>
+                    </a:p>
+                  </a:txBody>
+                  <a:tcPr/>
+                </a:tc>
+              </a:tr>
+              <a:tr h="370840">
+                <a:tc>
+                  <a:txBody>
+                    <a:bodyPr/>
+                    <a:lstStyle/>
+                    <a:p>
+                      <a:r>
+                        <a:rPr lang="fr-FR" dirty="0" smtClean="0"/>
+                        <a:t>Détails</a:t>
+                      </a:r>
+                      <a:endParaRPr lang="fr-FR" dirty="0"/>
+                    </a:p>
+                  </a:txBody>
+                  <a:tcPr/>
+                </a:tc>
+                <a:tc>
+                  <a:txBody>
+                    <a:bodyPr/>
+                    <a:lstStyle/>
+                    <a:p>
+                      <a:r>
+                        <a:rPr lang="fr-FR" dirty="0" smtClean="0"/>
+                        <a:t>Devise </a:t>
+                      </a:r>
+                      <a:r>
+                        <a:rPr lang="fr-FR" smtClean="0"/>
+                        <a:t>/ Famille</a:t>
+                      </a:r>
+                      <a:endParaRPr lang="fr-FR" dirty="0"/>
+                    </a:p>
+                  </a:txBody>
+                  <a:tcPr/>
+                </a:tc>
+                <a:tc>
+                  <a:txBody>
+                    <a:bodyPr/>
+                    <a:lstStyle/>
+                    <a:p>
+                      <a:endParaRPr lang="fr-FR" dirty="0"/>
+                    </a:p>
+                  </a:txBody>
+                  <a:tcPr/>
+                </a:tc>
+              </a:tr>
+              <a:tr h="370840">
+                <a:tc>
+                  <a:txBody>
+                    <a:bodyPr/>
+                    <a:lstStyle/>
+                    <a:p>
+                      <a:endParaRPr lang="fr-FR" dirty="0"/>
+                    </a:p>
+                  </a:txBody>
+                  <a:tcPr/>
+                </a:tc>
+                <a:tc>
+                  <a:txBody>
+                    <a:bodyPr/>
+                    <a:lstStyle/>
+                    <a:p>
+                      <a:r>
+                        <a:rPr lang="fr-FR" dirty="0" smtClean="0"/>
+                        <a:t>Localisation</a:t>
+                      </a:r>
+                      <a:endParaRPr lang="fr-FR" dirty="0"/>
+                    </a:p>
+                  </a:txBody>
+                  <a:tcPr/>
+                </a:tc>
+                <a:tc>
+                  <a:txBody>
+                    <a:bodyPr/>
+                    <a:lstStyle/>
+                    <a:p>
+                      <a:endParaRPr lang="fr-FR" dirty="0"/>
+                    </a:p>
+                  </a:txBody>
+                  <a:tcPr/>
+                </a:tc>
+              </a:tr>
+              <a:tr h="370840">
+                <a:tc>
+                  <a:txBody>
+                    <a:bodyPr/>
+                    <a:lstStyle/>
+                    <a:p>
+                      <a:endParaRPr lang="fr-FR"/>
+                    </a:p>
+                  </a:txBody>
+                  <a:tcPr/>
+                </a:tc>
+                <a:tc>
+                  <a:txBody>
+                    <a:bodyPr/>
+                    <a:lstStyle/>
+                    <a:p>
+                      <a:r>
+                        <a:rPr lang="fr-FR" dirty="0" smtClean="0"/>
+                        <a:t>Période</a:t>
+                      </a:r>
+                      <a:endParaRPr lang="fr-FR" dirty="0"/>
+                    </a:p>
+                  </a:txBody>
+                  <a:tcPr/>
+                </a:tc>
+                <a:tc>
+                  <a:txBody>
+                    <a:bodyPr/>
+                    <a:lstStyle/>
+                    <a:p>
+                      <a:r>
+                        <a:rPr lang="fr-FR" baseline="0" dirty="0" smtClean="0"/>
+                        <a:t>            Cumul</a:t>
+                      </a:r>
+                      <a:endParaRPr lang="fr-FR" dirty="0"/>
+                    </a:p>
+                  </a:txBody>
+                  <a:tcPr/>
+                </a:tc>
+              </a:tr>
+              <a:tr h="370840">
+                <a:tc>
+                  <a:txBody>
+                    <a:bodyPr/>
+                    <a:lstStyle/>
+                    <a:p>
+                      <a:endParaRPr lang="fr-FR"/>
+                    </a:p>
+                  </a:txBody>
+                  <a:tcPr/>
+                </a:tc>
+                <a:tc>
+                  <a:txBody>
+                    <a:bodyPr/>
+                    <a:lstStyle/>
+                    <a:p>
+                      <a:r>
+                        <a:rPr lang="fr-FR" dirty="0" smtClean="0"/>
+                        <a:t>Indicateur</a:t>
+                      </a:r>
+                      <a:endParaRPr lang="fr-FR" dirty="0"/>
+                    </a:p>
+                  </a:txBody>
+                  <a:tcPr/>
+                </a:tc>
+                <a:tc>
+                  <a:txBody>
+                    <a:bodyPr/>
+                    <a:lstStyle/>
+                    <a:p>
+                      <a:endParaRPr lang="fr-FR" dirty="0"/>
+                    </a:p>
+                  </a:txBody>
+                  <a:tcPr/>
+                </a:tc>
+              </a:tr>
+              <a:tr h="370840">
+                <a:tc>
+                  <a:txBody>
+                    <a:bodyPr/>
+                    <a:lstStyle/>
+                    <a:p>
+                      <a:endParaRPr lang="fr-FR"/>
+                    </a:p>
+                  </a:txBody>
+                  <a:tcPr/>
+                </a:tc>
+                <a:tc>
+                  <a:txBody>
+                    <a:bodyPr/>
+                    <a:lstStyle/>
+                    <a:p>
+                      <a:r>
+                        <a:rPr lang="fr-FR" dirty="0" smtClean="0"/>
+                        <a:t>Caractéristique</a:t>
+                      </a:r>
+                      <a:endParaRPr lang="fr-FR" dirty="0"/>
+                    </a:p>
+                  </a:txBody>
+                  <a:tcPr/>
+                </a:tc>
+                <a:tc>
+                  <a:txBody>
+                    <a:bodyPr/>
+                    <a:lstStyle/>
+                    <a:p>
+                      <a:endParaRPr lang="fr-FR" dirty="0"/>
+                    </a:p>
+                  </a:txBody>
+                  <a:tcPr/>
+                </a:tc>
+              </a:tr>
+            </a:tbl>
+          </a:graphicData>
+        </a:graphic>
+      </p:graphicFrame>
       <p:sp>
         <p:nvSpPr>
           <p:cNvPr id="5" name="Espace réservé du numéro de diapositive 4"/>
@@ -6519,7 +7285,709 @@
           </a:p>
         </p:txBody>
       </p:sp>
+      <p:pic>
+        <p:nvPicPr>
+          <p:cNvPr id="1026" name="Picture 2" descr="http://www.cimm-immobilier.fr/templates/v2/img/icon_valid.png"/>
+          <p:cNvPicPr>
+            <a:picLocks noChangeAspect="1" noChangeArrowheads="1"/>
+          </p:cNvPicPr>
+          <p:nvPr/>
+        </p:nvPicPr>
+        <p:blipFill>
+          <a:blip r:embed="rId2">
+            <a:extLst>
+              <a:ext uri="{28A0092B-C50C-407E-A947-70E740481C1C}">
+                <a14:useLocalDpi xmlns:a14="http://schemas.microsoft.com/office/drawing/2010/main" val="0"/>
+              </a:ext>
+            </a:extLst>
+          </a:blip>
+          <a:srcRect/>
+          <a:stretch>
+            <a:fillRect/>
+          </a:stretch>
+        </p:blipFill>
+        <p:spPr bwMode="auto">
+          <a:xfrm>
+            <a:off x="5374432" y="483611"/>
+            <a:ext cx="304800" cy="304801"/>
+          </a:xfrm>
+          <a:prstGeom prst="rect">
+            <a:avLst/>
+          </a:prstGeom>
+          <a:noFill/>
+          <a:extLst>
+            <a:ext uri="{909E8E84-426E-40DD-AFC4-6F175D3DCCD1}">
+              <a14:hiddenFill xmlns:a14="http://schemas.microsoft.com/office/drawing/2010/main">
+                <a:solidFill>
+                  <a:srgbClr val="FFFFFF"/>
+                </a:solidFill>
+              </a14:hiddenFill>
+            </a:ext>
+          </a:extLst>
+        </p:spPr>
+      </p:pic>
+      <p:pic>
+        <p:nvPicPr>
+          <p:cNvPr id="8" name="Picture 2" descr="http://www.cimm-immobilier.fr/templates/v2/img/icon_valid.png"/>
+          <p:cNvPicPr>
+            <a:picLocks noChangeAspect="1" noChangeArrowheads="1"/>
+          </p:cNvPicPr>
+          <p:nvPr/>
+        </p:nvPicPr>
+        <p:blipFill>
+          <a:blip r:embed="rId2">
+            <a:extLst>
+              <a:ext uri="{28A0092B-C50C-407E-A947-70E740481C1C}">
+                <a14:useLocalDpi xmlns:a14="http://schemas.microsoft.com/office/drawing/2010/main" val="0"/>
+              </a:ext>
+            </a:extLst>
+          </a:blip>
+          <a:srcRect/>
+          <a:stretch>
+            <a:fillRect/>
+          </a:stretch>
+        </p:blipFill>
+        <p:spPr bwMode="auto">
+          <a:xfrm>
+            <a:off x="5374432" y="898890"/>
+            <a:ext cx="304800" cy="304801"/>
+          </a:xfrm>
+          <a:prstGeom prst="rect">
+            <a:avLst/>
+          </a:prstGeom>
+          <a:noFill/>
+          <a:extLst>
+            <a:ext uri="{909E8E84-426E-40DD-AFC4-6F175D3DCCD1}">
+              <a14:hiddenFill xmlns:a14="http://schemas.microsoft.com/office/drawing/2010/main">
+                <a:solidFill>
+                  <a:srgbClr val="FFFFFF"/>
+                </a:solidFill>
+              </a14:hiddenFill>
+            </a:ext>
+          </a:extLst>
+        </p:spPr>
+      </p:pic>
+      <p:pic>
+        <p:nvPicPr>
+          <p:cNvPr id="9" name="Picture 2" descr="http://www.cimm-immobilier.fr/templates/v2/img/icon_valid.png"/>
+          <p:cNvPicPr>
+            <a:picLocks noChangeAspect="1" noChangeArrowheads="1"/>
+          </p:cNvPicPr>
+          <p:nvPr/>
+        </p:nvPicPr>
+        <p:blipFill>
+          <a:blip r:embed="rId2">
+            <a:extLst>
+              <a:ext uri="{28A0092B-C50C-407E-A947-70E740481C1C}">
+                <a14:useLocalDpi xmlns:a14="http://schemas.microsoft.com/office/drawing/2010/main" val="0"/>
+              </a:ext>
+            </a:extLst>
+          </a:blip>
+          <a:srcRect/>
+          <a:stretch>
+            <a:fillRect/>
+          </a:stretch>
+        </p:blipFill>
+        <p:spPr bwMode="auto">
+          <a:xfrm>
+            <a:off x="5367346" y="2355819"/>
+            <a:ext cx="304800" cy="304801"/>
+          </a:xfrm>
+          <a:prstGeom prst="rect">
+            <a:avLst/>
+          </a:prstGeom>
+          <a:noFill/>
+          <a:extLst>
+            <a:ext uri="{909E8E84-426E-40DD-AFC4-6F175D3DCCD1}">
+              <a14:hiddenFill xmlns:a14="http://schemas.microsoft.com/office/drawing/2010/main">
+                <a:solidFill>
+                  <a:srgbClr val="FFFFFF"/>
+                </a:solidFill>
+              </a14:hiddenFill>
+            </a:ext>
+          </a:extLst>
+        </p:spPr>
+      </p:pic>
+      <p:pic>
+        <p:nvPicPr>
+          <p:cNvPr id="1028" name="Picture 4" descr="http://lists.w3.org/Archives/Public/www-validator/2008Jan/att-0018/error.png"/>
+          <p:cNvPicPr>
+            <a:picLocks noChangeAspect="1" noChangeArrowheads="1"/>
+          </p:cNvPicPr>
+          <p:nvPr/>
+        </p:nvPicPr>
+        <p:blipFill>
+          <a:blip r:embed="rId3">
+            <a:extLst>
+              <a:ext uri="{28A0092B-C50C-407E-A947-70E740481C1C}">
+                <a14:useLocalDpi xmlns:a14="http://schemas.microsoft.com/office/drawing/2010/main" val="0"/>
+              </a:ext>
+            </a:extLst>
+          </a:blip>
+          <a:srcRect/>
+          <a:stretch>
+            <a:fillRect/>
+          </a:stretch>
+        </p:blipFill>
+        <p:spPr bwMode="auto">
+          <a:xfrm>
+            <a:off x="5357664" y="1979010"/>
+            <a:ext cx="304800" cy="304801"/>
+          </a:xfrm>
+          <a:prstGeom prst="rect">
+            <a:avLst/>
+          </a:prstGeom>
+          <a:noFill/>
+          <a:extLst>
+            <a:ext uri="{909E8E84-426E-40DD-AFC4-6F175D3DCCD1}">
+              <a14:hiddenFill xmlns:a14="http://schemas.microsoft.com/office/drawing/2010/main">
+                <a:solidFill>
+                  <a:srgbClr val="FFFFFF"/>
+                </a:solidFill>
+              </a14:hiddenFill>
+            </a:ext>
+          </a:extLst>
+        </p:spPr>
+      </p:pic>
+      <p:pic>
+        <p:nvPicPr>
+          <p:cNvPr id="1030" name="Picture 6" descr="http://lists.w3.org/Archives/Public/www-validator/2008Jan/att-0018/error.png"/>
+          <p:cNvPicPr>
+            <a:picLocks noChangeAspect="1" noChangeArrowheads="1"/>
+          </p:cNvPicPr>
+          <p:nvPr/>
+        </p:nvPicPr>
+        <p:blipFill>
+          <a:blip r:embed="rId3">
+            <a:extLst>
+              <a:ext uri="{28A0092B-C50C-407E-A947-70E740481C1C}">
+                <a14:useLocalDpi xmlns:a14="http://schemas.microsoft.com/office/drawing/2010/main" val="0"/>
+              </a:ext>
+            </a:extLst>
+          </a:blip>
+          <a:srcRect/>
+          <a:stretch>
+            <a:fillRect/>
+          </a:stretch>
+        </p:blipFill>
+        <p:spPr bwMode="auto">
+          <a:xfrm>
+            <a:off x="5374432" y="1618970"/>
+            <a:ext cx="304800" cy="304801"/>
+          </a:xfrm>
+          <a:prstGeom prst="rect">
+            <a:avLst/>
+          </a:prstGeom>
+          <a:noFill/>
+          <a:extLst>
+            <a:ext uri="{909E8E84-426E-40DD-AFC4-6F175D3DCCD1}">
+              <a14:hiddenFill xmlns:a14="http://schemas.microsoft.com/office/drawing/2010/main">
+                <a:solidFill>
+                  <a:srgbClr val="FFFFFF"/>
+                </a:solidFill>
+              </a14:hiddenFill>
+            </a:ext>
+          </a:extLst>
+        </p:spPr>
+      </p:pic>
+      <p:pic>
+        <p:nvPicPr>
+          <p:cNvPr id="1032" name="Picture 8" descr="http://validator.w3.org/images/info_icons/warning.png"/>
+          <p:cNvPicPr>
+            <a:picLocks noChangeAspect="1" noChangeArrowheads="1"/>
+          </p:cNvPicPr>
+          <p:nvPr/>
+        </p:nvPicPr>
+        <p:blipFill>
+          <a:blip r:embed="rId4">
+            <a:extLst>
+              <a:ext uri="{28A0092B-C50C-407E-A947-70E740481C1C}">
+                <a14:useLocalDpi xmlns:a14="http://schemas.microsoft.com/office/drawing/2010/main" val="0"/>
+              </a:ext>
+            </a:extLst>
+          </a:blip>
+          <a:srcRect/>
+          <a:stretch>
+            <a:fillRect/>
+          </a:stretch>
+        </p:blipFill>
+        <p:spPr bwMode="auto">
+          <a:xfrm>
+            <a:off x="5357664" y="1253867"/>
+            <a:ext cx="304800" cy="304801"/>
+          </a:xfrm>
+          <a:prstGeom prst="rect">
+            <a:avLst/>
+          </a:prstGeom>
+          <a:noFill/>
+          <a:extLst>
+            <a:ext uri="{909E8E84-426E-40DD-AFC4-6F175D3DCCD1}">
+              <a14:hiddenFill xmlns:a14="http://schemas.microsoft.com/office/drawing/2010/main">
+                <a:solidFill>
+                  <a:srgbClr val="FFFFFF"/>
+                </a:solidFill>
+              </a14:hiddenFill>
+            </a:ext>
+          </a:extLst>
+        </p:spPr>
+      </p:pic>
+      <p:pic>
+        <p:nvPicPr>
+          <p:cNvPr id="21" name="Picture 2" descr="http://www.cimm-immobilier.fr/templates/v2/img/icon_valid.png"/>
+          <p:cNvPicPr>
+            <a:picLocks noChangeAspect="1" noChangeArrowheads="1"/>
+          </p:cNvPicPr>
+          <p:nvPr/>
+        </p:nvPicPr>
+        <p:blipFill>
+          <a:blip r:embed="rId2">
+            <a:extLst>
+              <a:ext uri="{28A0092B-C50C-407E-A947-70E740481C1C}">
+                <a14:useLocalDpi xmlns:a14="http://schemas.microsoft.com/office/drawing/2010/main" val="0"/>
+              </a:ext>
+            </a:extLst>
+          </a:blip>
+          <a:srcRect/>
+          <a:stretch>
+            <a:fillRect/>
+          </a:stretch>
+        </p:blipFill>
+        <p:spPr bwMode="auto">
+          <a:xfrm>
+            <a:off x="5374432" y="2771098"/>
+            <a:ext cx="304800" cy="304801"/>
+          </a:xfrm>
+          <a:prstGeom prst="rect">
+            <a:avLst/>
+          </a:prstGeom>
+          <a:noFill/>
+          <a:extLst>
+            <a:ext uri="{909E8E84-426E-40DD-AFC4-6F175D3DCCD1}">
+              <a14:hiddenFill xmlns:a14="http://schemas.microsoft.com/office/drawing/2010/main">
+                <a:solidFill>
+                  <a:srgbClr val="FFFFFF"/>
+                </a:solidFill>
+              </a14:hiddenFill>
+            </a:ext>
+          </a:extLst>
+        </p:spPr>
+      </p:pic>
+      <p:pic>
+        <p:nvPicPr>
+          <p:cNvPr id="22" name="Picture 2" descr="http://www.cimm-immobilier.fr/templates/v2/img/icon_valid.png"/>
+          <p:cNvPicPr>
+            <a:picLocks noChangeAspect="1" noChangeArrowheads="1"/>
+          </p:cNvPicPr>
+          <p:nvPr/>
+        </p:nvPicPr>
+        <p:blipFill>
+          <a:blip r:embed="rId2">
+            <a:extLst>
+              <a:ext uri="{28A0092B-C50C-407E-A947-70E740481C1C}">
+                <a14:useLocalDpi xmlns:a14="http://schemas.microsoft.com/office/drawing/2010/main" val="0"/>
+              </a:ext>
+            </a:extLst>
+          </a:blip>
+          <a:srcRect/>
+          <a:stretch>
+            <a:fillRect/>
+          </a:stretch>
+        </p:blipFill>
+        <p:spPr bwMode="auto">
+          <a:xfrm>
+            <a:off x="5374432" y="3147907"/>
+            <a:ext cx="304800" cy="304801"/>
+          </a:xfrm>
+          <a:prstGeom prst="rect">
+            <a:avLst/>
+          </a:prstGeom>
+          <a:noFill/>
+          <a:extLst>
+            <a:ext uri="{909E8E84-426E-40DD-AFC4-6F175D3DCCD1}">
+              <a14:hiddenFill xmlns:a14="http://schemas.microsoft.com/office/drawing/2010/main">
+                <a:solidFill>
+                  <a:srgbClr val="FFFFFF"/>
+                </a:solidFill>
+              </a14:hiddenFill>
+            </a:ext>
+          </a:extLst>
+        </p:spPr>
+      </p:pic>
+      <p:pic>
+        <p:nvPicPr>
+          <p:cNvPr id="23" name="Picture 2" descr="http://www.cimm-immobilier.fr/templates/v2/img/icon_valid.png"/>
+          <p:cNvPicPr>
+            <a:picLocks noChangeAspect="1" noChangeArrowheads="1"/>
+          </p:cNvPicPr>
+          <p:nvPr/>
+        </p:nvPicPr>
+        <p:blipFill>
+          <a:blip r:embed="rId2">
+            <a:extLst>
+              <a:ext uri="{28A0092B-C50C-407E-A947-70E740481C1C}">
+                <a14:useLocalDpi xmlns:a14="http://schemas.microsoft.com/office/drawing/2010/main" val="0"/>
+              </a:ext>
+            </a:extLst>
+          </a:blip>
+          <a:srcRect/>
+          <a:stretch>
+            <a:fillRect/>
+          </a:stretch>
+        </p:blipFill>
+        <p:spPr bwMode="auto">
+          <a:xfrm>
+            <a:off x="5357664" y="4588067"/>
+            <a:ext cx="304800" cy="304801"/>
+          </a:xfrm>
+          <a:prstGeom prst="rect">
+            <a:avLst/>
+          </a:prstGeom>
+          <a:noFill/>
+          <a:extLst>
+            <a:ext uri="{909E8E84-426E-40DD-AFC4-6F175D3DCCD1}">
+              <a14:hiddenFill xmlns:a14="http://schemas.microsoft.com/office/drawing/2010/main">
+                <a:solidFill>
+                  <a:srgbClr val="FFFFFF"/>
+                </a:solidFill>
+              </a14:hiddenFill>
+            </a:ext>
+          </a:extLst>
+        </p:spPr>
+      </p:pic>
+      <p:pic>
+        <p:nvPicPr>
+          <p:cNvPr id="24" name="Picture 4" descr="http://lists.w3.org/Archives/Public/www-validator/2008Jan/att-0018/error.png"/>
+          <p:cNvPicPr>
+            <a:picLocks noChangeAspect="1" noChangeArrowheads="1"/>
+          </p:cNvPicPr>
+          <p:nvPr/>
+        </p:nvPicPr>
+        <p:blipFill>
+          <a:blip r:embed="rId3">
+            <a:extLst>
+              <a:ext uri="{28A0092B-C50C-407E-A947-70E740481C1C}">
+                <a14:useLocalDpi xmlns:a14="http://schemas.microsoft.com/office/drawing/2010/main" val="0"/>
+              </a:ext>
+            </a:extLst>
+          </a:blip>
+          <a:srcRect/>
+          <a:stretch>
+            <a:fillRect/>
+          </a:stretch>
+        </p:blipFill>
+        <p:spPr bwMode="auto">
+          <a:xfrm>
+            <a:off x="5357664" y="4228027"/>
+            <a:ext cx="304800" cy="304801"/>
+          </a:xfrm>
+          <a:prstGeom prst="rect">
+            <a:avLst/>
+          </a:prstGeom>
+          <a:noFill/>
+          <a:extLst>
+            <a:ext uri="{909E8E84-426E-40DD-AFC4-6F175D3DCCD1}">
+              <a14:hiddenFill xmlns:a14="http://schemas.microsoft.com/office/drawing/2010/main">
+                <a:solidFill>
+                  <a:srgbClr val="FFFFFF"/>
+                </a:solidFill>
+              </a14:hiddenFill>
+            </a:ext>
+          </a:extLst>
+        </p:spPr>
+      </p:pic>
+      <p:pic>
+        <p:nvPicPr>
+          <p:cNvPr id="27" name="Picture 2" descr="http://www.cimm-immobilier.fr/templates/v2/img/icon_valid.png"/>
+          <p:cNvPicPr>
+            <a:picLocks noChangeAspect="1" noChangeArrowheads="1"/>
+          </p:cNvPicPr>
+          <p:nvPr/>
+        </p:nvPicPr>
+        <p:blipFill>
+          <a:blip r:embed="rId2">
+            <a:extLst>
+              <a:ext uri="{28A0092B-C50C-407E-A947-70E740481C1C}">
+                <a14:useLocalDpi xmlns:a14="http://schemas.microsoft.com/office/drawing/2010/main" val="0"/>
+              </a:ext>
+            </a:extLst>
+          </a:blip>
+          <a:srcRect/>
+          <a:stretch>
+            <a:fillRect/>
+          </a:stretch>
+        </p:blipFill>
+        <p:spPr bwMode="auto">
+          <a:xfrm>
+            <a:off x="5357664" y="3846155"/>
+            <a:ext cx="304800" cy="304801"/>
+          </a:xfrm>
+          <a:prstGeom prst="rect">
+            <a:avLst/>
+          </a:prstGeom>
+          <a:noFill/>
+          <a:extLst>
+            <a:ext uri="{909E8E84-426E-40DD-AFC4-6F175D3DCCD1}">
+              <a14:hiddenFill xmlns:a14="http://schemas.microsoft.com/office/drawing/2010/main">
+                <a:solidFill>
+                  <a:srgbClr val="FFFFFF"/>
+                </a:solidFill>
+              </a14:hiddenFill>
+            </a:ext>
+          </a:extLst>
+        </p:spPr>
+      </p:pic>
+      <p:pic>
+        <p:nvPicPr>
+          <p:cNvPr id="28" name="Picture 2" descr="http://www.cimm-immobilier.fr/templates/v2/img/icon_valid.png"/>
+          <p:cNvPicPr>
+            <a:picLocks noChangeAspect="1" noChangeArrowheads="1"/>
+          </p:cNvPicPr>
+          <p:nvPr/>
+        </p:nvPicPr>
+        <p:blipFill>
+          <a:blip r:embed="rId2">
+            <a:extLst>
+              <a:ext uri="{28A0092B-C50C-407E-A947-70E740481C1C}">
+                <a14:useLocalDpi xmlns:a14="http://schemas.microsoft.com/office/drawing/2010/main" val="0"/>
+              </a:ext>
+            </a:extLst>
+          </a:blip>
+          <a:srcRect/>
+          <a:stretch>
+            <a:fillRect/>
+          </a:stretch>
+        </p:blipFill>
+        <p:spPr bwMode="auto">
+          <a:xfrm>
+            <a:off x="5374432" y="3491178"/>
+            <a:ext cx="304800" cy="304801"/>
+          </a:xfrm>
+          <a:prstGeom prst="rect">
+            <a:avLst/>
+          </a:prstGeom>
+          <a:noFill/>
+          <a:extLst>
+            <a:ext uri="{909E8E84-426E-40DD-AFC4-6F175D3DCCD1}">
+              <a14:hiddenFill xmlns:a14="http://schemas.microsoft.com/office/drawing/2010/main">
+                <a:solidFill>
+                  <a:srgbClr val="FFFFFF"/>
+                </a:solidFill>
+              </a14:hiddenFill>
+            </a:ext>
+          </a:extLst>
+        </p:spPr>
+      </p:pic>
+      <p:pic>
+        <p:nvPicPr>
+          <p:cNvPr id="30" name="Picture 2" descr="http://www.cimm-immobilier.fr/templates/v2/img/icon_valid.png"/>
+          <p:cNvPicPr>
+            <a:picLocks noChangeAspect="1" noChangeArrowheads="1"/>
+          </p:cNvPicPr>
+          <p:nvPr/>
+        </p:nvPicPr>
+        <p:blipFill>
+          <a:blip r:embed="rId2">
+            <a:extLst>
+              <a:ext uri="{28A0092B-C50C-407E-A947-70E740481C1C}">
+                <a14:useLocalDpi xmlns:a14="http://schemas.microsoft.com/office/drawing/2010/main" val="0"/>
+              </a:ext>
+            </a:extLst>
+          </a:blip>
+          <a:srcRect/>
+          <a:stretch>
+            <a:fillRect/>
+          </a:stretch>
+        </p:blipFill>
+        <p:spPr bwMode="auto">
+          <a:xfrm>
+            <a:off x="5374432" y="4941168"/>
+            <a:ext cx="304800" cy="304801"/>
+          </a:xfrm>
+          <a:prstGeom prst="rect">
+            <a:avLst/>
+          </a:prstGeom>
+          <a:noFill/>
+          <a:extLst>
+            <a:ext uri="{909E8E84-426E-40DD-AFC4-6F175D3DCCD1}">
+              <a14:hiddenFill xmlns:a14="http://schemas.microsoft.com/office/drawing/2010/main">
+                <a:solidFill>
+                  <a:srgbClr val="FFFFFF"/>
+                </a:solidFill>
+              </a14:hiddenFill>
+            </a:ext>
+          </a:extLst>
+        </p:spPr>
+      </p:pic>
+      <p:pic>
+        <p:nvPicPr>
+          <p:cNvPr id="31" name="Picture 2" descr="http://www.cimm-immobilier.fr/templates/v2/img/icon_valid.png"/>
+          <p:cNvPicPr>
+            <a:picLocks noChangeAspect="1" noChangeArrowheads="1"/>
+          </p:cNvPicPr>
+          <p:nvPr/>
+        </p:nvPicPr>
+        <p:blipFill>
+          <a:blip r:embed="rId2">
+            <a:extLst>
+              <a:ext uri="{28A0092B-C50C-407E-A947-70E740481C1C}">
+                <a14:useLocalDpi xmlns:a14="http://schemas.microsoft.com/office/drawing/2010/main" val="0"/>
+              </a:ext>
+            </a:extLst>
+          </a:blip>
+          <a:srcRect/>
+          <a:stretch>
+            <a:fillRect/>
+          </a:stretch>
+        </p:blipFill>
+        <p:spPr bwMode="auto">
+          <a:xfrm>
+            <a:off x="5374432" y="5356447"/>
+            <a:ext cx="304800" cy="304801"/>
+          </a:xfrm>
+          <a:prstGeom prst="rect">
+            <a:avLst/>
+          </a:prstGeom>
+          <a:noFill/>
+          <a:extLst>
+            <a:ext uri="{909E8E84-426E-40DD-AFC4-6F175D3DCCD1}">
+              <a14:hiddenFill xmlns:a14="http://schemas.microsoft.com/office/drawing/2010/main">
+                <a:solidFill>
+                  <a:srgbClr val="FFFFFF"/>
+                </a:solidFill>
+              </a14:hiddenFill>
+            </a:ext>
+          </a:extLst>
+        </p:spPr>
+      </p:pic>
+      <p:pic>
+        <p:nvPicPr>
+          <p:cNvPr id="32" name="Picture 4" descr="http://lists.w3.org/Archives/Public/www-validator/2008Jan/att-0018/error.png"/>
+          <p:cNvPicPr>
+            <a:picLocks noChangeAspect="1" noChangeArrowheads="1"/>
+          </p:cNvPicPr>
+          <p:nvPr/>
+        </p:nvPicPr>
+        <p:blipFill>
+          <a:blip r:embed="rId3">
+            <a:extLst>
+              <a:ext uri="{28A0092B-C50C-407E-A947-70E740481C1C}">
+                <a14:useLocalDpi xmlns:a14="http://schemas.microsoft.com/office/drawing/2010/main" val="0"/>
+              </a:ext>
+            </a:extLst>
+          </a:blip>
+          <a:srcRect/>
+          <a:stretch>
+            <a:fillRect/>
+          </a:stretch>
+        </p:blipFill>
+        <p:spPr bwMode="auto">
+          <a:xfrm>
+            <a:off x="5357664" y="6436567"/>
+            <a:ext cx="304800" cy="304801"/>
+          </a:xfrm>
+          <a:prstGeom prst="rect">
+            <a:avLst/>
+          </a:prstGeom>
+          <a:noFill/>
+          <a:extLst>
+            <a:ext uri="{909E8E84-426E-40DD-AFC4-6F175D3DCCD1}">
+              <a14:hiddenFill xmlns:a14="http://schemas.microsoft.com/office/drawing/2010/main">
+                <a:solidFill>
+                  <a:srgbClr val="FFFFFF"/>
+                </a:solidFill>
+              </a14:hiddenFill>
+            </a:ext>
+          </a:extLst>
+        </p:spPr>
+      </p:pic>
+      <p:pic>
+        <p:nvPicPr>
+          <p:cNvPr id="33" name="Picture 6" descr="http://lists.w3.org/Archives/Public/www-validator/2008Jan/att-0018/error.png"/>
+          <p:cNvPicPr>
+            <a:picLocks noChangeAspect="1" noChangeArrowheads="1"/>
+          </p:cNvPicPr>
+          <p:nvPr/>
+        </p:nvPicPr>
+        <p:blipFill>
+          <a:blip r:embed="rId3">
+            <a:extLst>
+              <a:ext uri="{28A0092B-C50C-407E-A947-70E740481C1C}">
+                <a14:useLocalDpi xmlns:a14="http://schemas.microsoft.com/office/drawing/2010/main" val="0"/>
+              </a:ext>
+            </a:extLst>
+          </a:blip>
+          <a:srcRect/>
+          <a:stretch>
+            <a:fillRect/>
+          </a:stretch>
+        </p:blipFill>
+        <p:spPr bwMode="auto">
+          <a:xfrm>
+            <a:off x="5374432" y="6076527"/>
+            <a:ext cx="304800" cy="304801"/>
+          </a:xfrm>
+          <a:prstGeom prst="rect">
+            <a:avLst/>
+          </a:prstGeom>
+          <a:noFill/>
+          <a:extLst>
+            <a:ext uri="{909E8E84-426E-40DD-AFC4-6F175D3DCCD1}">
+              <a14:hiddenFill xmlns:a14="http://schemas.microsoft.com/office/drawing/2010/main">
+                <a:solidFill>
+                  <a:srgbClr val="FFFFFF"/>
+                </a:solidFill>
+              </a14:hiddenFill>
+            </a:ext>
+          </a:extLst>
+        </p:spPr>
+      </p:pic>
+      <p:pic>
+        <p:nvPicPr>
+          <p:cNvPr id="34" name="Picture 8" descr="http://validator.w3.org/images/info_icons/warning.png"/>
+          <p:cNvPicPr>
+            <a:picLocks noChangeAspect="1" noChangeArrowheads="1"/>
+          </p:cNvPicPr>
+          <p:nvPr/>
+        </p:nvPicPr>
+        <p:blipFill>
+          <a:blip r:embed="rId4">
+            <a:extLst>
+              <a:ext uri="{28A0092B-C50C-407E-A947-70E740481C1C}">
+                <a14:useLocalDpi xmlns:a14="http://schemas.microsoft.com/office/drawing/2010/main" val="0"/>
+              </a:ext>
+            </a:extLst>
+          </a:blip>
+          <a:srcRect/>
+          <a:stretch>
+            <a:fillRect/>
+          </a:stretch>
+        </p:blipFill>
+        <p:spPr bwMode="auto">
+          <a:xfrm>
+            <a:off x="5357664" y="5711424"/>
+            <a:ext cx="304800" cy="304801"/>
+          </a:xfrm>
+          <a:prstGeom prst="rect">
+            <a:avLst/>
+          </a:prstGeom>
+          <a:noFill/>
+          <a:extLst>
+            <a:ext uri="{909E8E84-426E-40DD-AFC4-6F175D3DCCD1}">
+              <a14:hiddenFill xmlns:a14="http://schemas.microsoft.com/office/drawing/2010/main">
+                <a:solidFill>
+                  <a:srgbClr val="FFFFFF"/>
+                </a:solidFill>
+              </a14:hiddenFill>
+            </a:ext>
+          </a:extLst>
+        </p:spPr>
+      </p:pic>
     </p:spTree>
+    <p:extLst>
+      <p:ext uri="{BB962C8B-B14F-4D97-AF65-F5344CB8AC3E}">
+        <p14:creationId xmlns:p14="http://schemas.microsoft.com/office/powerpoint/2010/main" val="1427237803"/>
+      </p:ext>
+    </p:extLst>
   </p:cSld>
   <p:clrMapOvr>
     <a:masterClrMapping/>
@@ -7341,14 +8809,6 @@
 </file>
 
 <file path=customXml/item1.xml><?xml version="1.0" encoding="utf-8"?>
-<ct:contentTypeSchema xmlns:ct="http://schemas.microsoft.com/office/2006/metadata/contentType" xmlns:ma="http://schemas.microsoft.com/office/2006/metadata/properties/metaAttributes" ct:_="" ma:_="" ma:contentTypeName="TemplateFile" ma:contentTypeID="0x01010069924D1ECC420D47A2456556BC94F7370400BDF4491DEA4973499845289601F88B9F" ma:contentTypeVersion="33" ma:contentTypeDescription="Create a new document." ma:contentTypeScope="" ma:versionID="88ac0aa07b72c9aa809fa1ac53baba74"/>
-</file>
-
-<file path=customXml/item2.xml><?xml version="1.0" encoding="utf-8"?>
-<p:properties xmlns:p="http://schemas.microsoft.com/office/2006/metadata/properties" xmlns:xsi="http://www.w3.org/2001/XMLSchema-instance" xmlns:pc="http://schemas.microsoft.com/office/infopath/2007/PartnerControls"/>
-</file>
-
-<file path=customXml/item3.xml><?xml version="1.0" encoding="utf-8"?>
 <?mso-contentType ?>
 <FormTemplates xmlns="http://schemas.microsoft.com/sharepoint/v3/contenttype/forms">
   <Display>DocumentLibraryForm</Display>
@@ -7357,11 +8817,18 @@
 </FormTemplates>
 </file>
 
+<file path=customXml/item2.xml><?xml version="1.0" encoding="utf-8"?>
+<p:properties xmlns:p="http://schemas.microsoft.com/office/2006/metadata/properties" xmlns:xsi="http://www.w3.org/2001/XMLSchema-instance" xmlns:pc="http://schemas.microsoft.com/office/infopath/2007/PartnerControls"/>
+</file>
+
+<file path=customXml/item3.xml><?xml version="1.0" encoding="utf-8"?>
+<ct:contentTypeSchema xmlns:ct="http://schemas.microsoft.com/office/2006/metadata/contentType" xmlns:ma="http://schemas.microsoft.com/office/2006/metadata/properties/metaAttributes" ct:_="" ma:_="" ma:contentTypeName="TemplateFile" ma:contentTypeID="0x01010069924D1ECC420D47A2456556BC94F7370400BDF4491DEA4973499845289601F88B9F" ma:contentTypeVersion="33" ma:contentTypeDescription="Create a new document." ma:contentTypeScope="" ma:versionID="88ac0aa07b72c9aa809fa1ac53baba74"/>
+</file>
+
 <file path=customXml/itemProps1.xml><?xml version="1.0" encoding="utf-8"?>
-<ds:datastoreItem xmlns:ds="http://schemas.openxmlformats.org/officeDocument/2006/customXml" ds:itemID="{AADC9AFC-E9BE-407C-9919-F905586C6F5A}">
+<ds:datastoreItem xmlns:ds="http://schemas.openxmlformats.org/officeDocument/2006/customXml" ds:itemID="{19596DCE-F5C7-4BA8-8C0E-563C7612AC94}">
   <ds:schemaRefs>
-    <ds:schemaRef ds:uri="http://schemas.microsoft.com/office/2006/metadata/contentType"/>
-    <ds:schemaRef ds:uri="http://schemas.microsoft.com/office/2006/metadata/properties/metaAttributes"/>
+    <ds:schemaRef ds:uri="http://schemas.microsoft.com/sharepoint/v3/contenttype/forms"/>
   </ds:schemaRefs>
 </ds:datastoreItem>
 </file>
@@ -7376,9 +8843,10 @@
 </file>
 
 <file path=customXml/itemProps3.xml><?xml version="1.0" encoding="utf-8"?>
-<ds:datastoreItem xmlns:ds="http://schemas.openxmlformats.org/officeDocument/2006/customXml" ds:itemID="{19596DCE-F5C7-4BA8-8C0E-563C7612AC94}">
+<ds:datastoreItem xmlns:ds="http://schemas.openxmlformats.org/officeDocument/2006/customXml" ds:itemID="{AADC9AFC-E9BE-407C-9919-F905586C6F5A}">
   <ds:schemaRefs>
-    <ds:schemaRef ds:uri="http://schemas.microsoft.com/sharepoint/v3/contenttype/forms"/>
+    <ds:schemaRef ds:uri="http://schemas.microsoft.com/office/2006/metadata/contentType"/>
+    <ds:schemaRef ds:uri="http://schemas.microsoft.com/office/2006/metadata/properties/metaAttributes"/>
   </ds:schemaRefs>
 </ds:datastoreItem>
 </file>
--- a/trunk/PROJET/Presentation/PRE_26-01-11.pptx
+++ b/trunk/PROJET/Presentation/PRE_26-01-11.pptx
@@ -5,10 +5,10 @@
     <p:sldMasterId id="2147483779" r:id="rId4"/>
   </p:sldMasterIdLst>
   <p:notesMasterIdLst>
-    <p:notesMasterId r:id="rId16"/>
+    <p:notesMasterId r:id="rId17"/>
   </p:notesMasterIdLst>
   <p:handoutMasterIdLst>
-    <p:handoutMasterId r:id="rId17"/>
+    <p:handoutMasterId r:id="rId18"/>
   </p:handoutMasterIdLst>
   <p:sldIdLst>
     <p:sldId id="264" r:id="rId5"/>
@@ -22,6 +22,7 @@
     <p:sldId id="327" r:id="rId13"/>
     <p:sldId id="319" r:id="rId14"/>
     <p:sldId id="312" r:id="rId15"/>
+    <p:sldId id="328" r:id="rId16"/>
   </p:sldIdLst>
   <p:sldSz cx="9144000" cy="6858000" type="screen4x3"/>
   <p:notesSz cx="6858000" cy="9004300"/>
@@ -33,7 +34,7 @@
     </p:custShow>
   </p:custShowLst>
   <p:custDataLst>
-    <p:tags r:id="rId18"/>
+    <p:tags r:id="rId19"/>
   </p:custDataLst>
   <p:defaultTextStyle>
     <a:defPPr>
@@ -473,12 +474,12 @@
         </c:dLbls>
         <c:gapWidth val="150"/>
         <c:shape val="box"/>
-        <c:axId val="130645376"/>
-        <c:axId val="132579328"/>
+        <c:axId val="86169472"/>
+        <c:axId val="86171008"/>
         <c:axId val="0"/>
       </c:bar3DChart>
       <c:catAx>
-        <c:axId val="130645376"/>
+        <c:axId val="86169472"/>
         <c:scaling>
           <c:orientation val="minMax"/>
         </c:scaling>
@@ -497,7 +498,7 @@
             <a:endParaRPr lang="fr-FR"/>
           </a:p>
         </c:txPr>
-        <c:crossAx val="132579328"/>
+        <c:crossAx val="86171008"/>
         <c:crosses val="autoZero"/>
         <c:auto val="1"/>
         <c:lblAlgn val="ctr"/>
@@ -505,7 +506,7 @@
         <c:noMultiLvlLbl val="0"/>
       </c:catAx>
       <c:valAx>
-        <c:axId val="132579328"/>
+        <c:axId val="86171008"/>
         <c:scaling>
           <c:orientation val="minMax"/>
         </c:scaling>
@@ -515,7 +516,7 @@
         <c:majorTickMark val="none"/>
         <c:minorTickMark val="none"/>
         <c:tickLblPos val="none"/>
-        <c:crossAx val="130645376"/>
+        <c:crossAx val="86169472"/>
         <c:crosses val="autoZero"/>
         <c:crossBetween val="between"/>
       </c:valAx>
@@ -5442,6 +5443,210 @@
         </p:txBody>
       </p:sp>
     </p:spTree>
+  </p:cSld>
+  <p:clrMapOvr>
+    <a:masterClrMapping/>
+  </p:clrMapOvr>
+  <p:timing>
+    <p:tnLst>
+      <p:par>
+        <p:cTn id="1" dur="indefinite" restart="never" nodeType="tmRoot"/>
+      </p:par>
+    </p:tnLst>
+  </p:timing>
+</p:sld>
+</file>
+
+<file path=ppt/slides/slide12.xml><?xml version="1.0" encoding="utf-8"?>
+<p:sld xmlns:a="http://schemas.openxmlformats.org/drawingml/2006/main" xmlns:r="http://schemas.openxmlformats.org/officeDocument/2006/relationships" xmlns:p="http://schemas.openxmlformats.org/presentationml/2006/main">
+  <p:cSld>
+    <p:spTree>
+      <p:nvGrpSpPr>
+        <p:cNvPr id="1" name=""/>
+        <p:cNvGrpSpPr/>
+        <p:nvPr/>
+      </p:nvGrpSpPr>
+      <p:grpSpPr>
+        <a:xfrm>
+          <a:off x="0" y="0"/>
+          <a:ext cx="0" cy="0"/>
+          <a:chOff x="0" y="0"/>
+          <a:chExt cx="0" cy="0"/>
+        </a:xfrm>
+      </p:grpSpPr>
+      <p:sp>
+        <p:nvSpPr>
+          <p:cNvPr id="2" name="Titre 1"/>
+          <p:cNvSpPr>
+            <a:spLocks noGrp="1"/>
+          </p:cNvSpPr>
+          <p:nvPr>
+            <p:ph type="title"/>
+          </p:nvPr>
+        </p:nvSpPr>
+        <p:spPr/>
+        <p:txBody>
+          <a:bodyPr/>
+          <a:lstStyle/>
+          <a:p>
+            <a:r>
+              <a:rPr lang="fr-FR" dirty="0" smtClean="0"/>
+              <a:t>Planning Prévisionnel</a:t>
+            </a:r>
+            <a:endParaRPr lang="fr-FR" dirty="0"/>
+          </a:p>
+        </p:txBody>
+      </p:sp>
+      <p:sp>
+        <p:nvSpPr>
+          <p:cNvPr id="3" name="Espace réservé du contenu 2"/>
+          <p:cNvSpPr>
+            <a:spLocks noGrp="1"/>
+          </p:cNvSpPr>
+          <p:nvPr>
+            <p:ph sz="half" idx="1"/>
+          </p:nvPr>
+        </p:nvSpPr>
+        <p:spPr/>
+        <p:txBody>
+          <a:bodyPr/>
+          <a:lstStyle/>
+          <a:p>
+            <a:r>
+              <a:rPr lang="fr-FR" dirty="0" err="1" smtClean="0"/>
+              <a:t>Recettage</a:t>
+            </a:r>
+            <a:endParaRPr lang="fr-FR" dirty="0" smtClean="0"/>
+          </a:p>
+          <a:p>
+            <a:pPr lvl="1"/>
+            <a:r>
+              <a:rPr lang="fr-FR" dirty="0" smtClean="0"/>
+              <a:t>Alimentation</a:t>
+            </a:r>
+          </a:p>
+          <a:p>
+            <a:pPr lvl="1"/>
+            <a:r>
+              <a:rPr lang="fr-FR" dirty="0" smtClean="0"/>
+              <a:t>Application</a:t>
+            </a:r>
+          </a:p>
+          <a:p>
+            <a:pPr lvl="1"/>
+            <a:endParaRPr lang="fr-FR" dirty="0" smtClean="0"/>
+          </a:p>
+          <a:p>
+            <a:r>
+              <a:rPr lang="fr-FR" dirty="0" smtClean="0"/>
+              <a:t>Restitution</a:t>
+            </a:r>
+          </a:p>
+          <a:p>
+            <a:pPr lvl="1"/>
+            <a:r>
+              <a:rPr lang="fr-FR" dirty="0" smtClean="0"/>
+              <a:t>Tous les profils</a:t>
+            </a:r>
+          </a:p>
+          <a:p>
+            <a:pPr lvl="1"/>
+            <a:r>
+              <a:rPr lang="fr-FR" dirty="0" smtClean="0"/>
+              <a:t>Toutes les fonctionnalités</a:t>
+            </a:r>
+            <a:endParaRPr lang="fr-FR" dirty="0"/>
+          </a:p>
+        </p:txBody>
+      </p:sp>
+      <p:sp>
+        <p:nvSpPr>
+          <p:cNvPr id="4" name="Espace réservé du contenu 3"/>
+          <p:cNvSpPr>
+            <a:spLocks noGrp="1"/>
+          </p:cNvSpPr>
+          <p:nvPr>
+            <p:ph sz="half" idx="2"/>
+          </p:nvPr>
+        </p:nvSpPr>
+        <p:spPr/>
+        <p:txBody>
+          <a:bodyPr/>
+          <a:lstStyle/>
+          <a:p>
+            <a:r>
+              <a:rPr lang="fr-FR" dirty="0" smtClean="0"/>
+              <a:t>Alimentation</a:t>
+            </a:r>
+          </a:p>
+          <a:p>
+            <a:pPr lvl="1"/>
+            <a:r>
+              <a:rPr lang="fr-FR" dirty="0" smtClean="0"/>
+              <a:t>Finir vérification document </a:t>
+            </a:r>
+            <a:r>
+              <a:rPr lang="fr-FR" dirty="0" err="1" smtClean="0"/>
+              <a:t>excel</a:t>
+            </a:r>
+            <a:endParaRPr lang="fr-FR" dirty="0" smtClean="0"/>
+          </a:p>
+          <a:p>
+            <a:pPr lvl="1"/>
+            <a:r>
+              <a:rPr lang="fr-FR" dirty="0" smtClean="0"/>
+              <a:t>Cas d’erreur</a:t>
+            </a:r>
+          </a:p>
+          <a:p>
+            <a:pPr lvl="1"/>
+            <a:endParaRPr lang="fr-FR" dirty="0"/>
+          </a:p>
+          <a:p>
+            <a:pPr lvl="1"/>
+            <a:endParaRPr lang="fr-FR" dirty="0" smtClean="0"/>
+          </a:p>
+          <a:p>
+            <a:pPr lvl="1"/>
+            <a:endParaRPr lang="fr-FR" dirty="0"/>
+          </a:p>
+        </p:txBody>
+      </p:sp>
+      <p:sp>
+        <p:nvSpPr>
+          <p:cNvPr id="5" name="Espace réservé du numéro de diapositive 4"/>
+          <p:cNvSpPr>
+            <a:spLocks noGrp="1"/>
+          </p:cNvSpPr>
+          <p:nvPr>
+            <p:ph type="sldNum" sz="quarter" idx="12"/>
+          </p:nvPr>
+        </p:nvSpPr>
+        <p:spPr/>
+        <p:txBody>
+          <a:bodyPr/>
+          <a:lstStyle/>
+          <a:p>
+            <a:pPr>
+              <a:defRPr/>
+            </a:pPr>
+            <a:fld id="{61DFC3F3-F69D-4837-9DC8-BB26BAF3FB8D}" type="slidenum">
+              <a:rPr lang="fr-FR" smtClean="0"/>
+              <a:pPr>
+                <a:defRPr/>
+              </a:pPr>
+              <a:t>12</a:t>
+            </a:fld>
+            <a:endParaRPr lang="fr-FR"/>
+          </a:p>
+        </p:txBody>
+      </p:sp>
+    </p:spTree>
+    <p:extLst>
+      <p:ext uri="{BB962C8B-B14F-4D97-AF65-F5344CB8AC3E}">
+        <p14:creationId xmlns:p14="http://schemas.microsoft.com/office/powerpoint/2010/main" val="1210220734"/>
+      </p:ext>
+    </p:extLst>
   </p:cSld>
   <p:clrMapOvr>
     <a:masterClrMapping/>
@@ -8809,6 +9014,14 @@
 </file>
 
 <file path=customXml/item1.xml><?xml version="1.0" encoding="utf-8"?>
+<ct:contentTypeSchema xmlns:ct="http://schemas.microsoft.com/office/2006/metadata/contentType" xmlns:ma="http://schemas.microsoft.com/office/2006/metadata/properties/metaAttributes" ct:_="" ma:_="" ma:contentTypeName="TemplateFile" ma:contentTypeID="0x01010069924D1ECC420D47A2456556BC94F7370400BDF4491DEA4973499845289601F88B9F" ma:contentTypeVersion="33" ma:contentTypeDescription="Create a new document." ma:contentTypeScope="" ma:versionID="88ac0aa07b72c9aa809fa1ac53baba74"/>
+</file>
+
+<file path=customXml/item2.xml><?xml version="1.0" encoding="utf-8"?>
+<p:properties xmlns:p="http://schemas.microsoft.com/office/2006/metadata/properties" xmlns:xsi="http://www.w3.org/2001/XMLSchema-instance" xmlns:pc="http://schemas.microsoft.com/office/infopath/2007/PartnerControls"/>
+</file>
+
+<file path=customXml/item3.xml><?xml version="1.0" encoding="utf-8"?>
 <?mso-contentType ?>
 <FormTemplates xmlns="http://schemas.microsoft.com/sharepoint/v3/contenttype/forms">
   <Display>DocumentLibraryForm</Display>
@@ -8817,18 +9030,11 @@
 </FormTemplates>
 </file>
 
-<file path=customXml/item2.xml><?xml version="1.0" encoding="utf-8"?>
-<p:properties xmlns:p="http://schemas.microsoft.com/office/2006/metadata/properties" xmlns:xsi="http://www.w3.org/2001/XMLSchema-instance" xmlns:pc="http://schemas.microsoft.com/office/infopath/2007/PartnerControls"/>
-</file>
-
-<file path=customXml/item3.xml><?xml version="1.0" encoding="utf-8"?>
-<ct:contentTypeSchema xmlns:ct="http://schemas.microsoft.com/office/2006/metadata/contentType" xmlns:ma="http://schemas.microsoft.com/office/2006/metadata/properties/metaAttributes" ct:_="" ma:_="" ma:contentTypeName="TemplateFile" ma:contentTypeID="0x01010069924D1ECC420D47A2456556BC94F7370400BDF4491DEA4973499845289601F88B9F" ma:contentTypeVersion="33" ma:contentTypeDescription="Create a new document." ma:contentTypeScope="" ma:versionID="88ac0aa07b72c9aa809fa1ac53baba74"/>
-</file>
-
 <file path=customXml/itemProps1.xml><?xml version="1.0" encoding="utf-8"?>
-<ds:datastoreItem xmlns:ds="http://schemas.openxmlformats.org/officeDocument/2006/customXml" ds:itemID="{19596DCE-F5C7-4BA8-8C0E-563C7612AC94}">
+<ds:datastoreItem xmlns:ds="http://schemas.openxmlformats.org/officeDocument/2006/customXml" ds:itemID="{AADC9AFC-E9BE-407C-9919-F905586C6F5A}">
   <ds:schemaRefs>
-    <ds:schemaRef ds:uri="http://schemas.microsoft.com/sharepoint/v3/contenttype/forms"/>
+    <ds:schemaRef ds:uri="http://schemas.microsoft.com/office/2006/metadata/contentType"/>
+    <ds:schemaRef ds:uri="http://schemas.microsoft.com/office/2006/metadata/properties/metaAttributes"/>
   </ds:schemaRefs>
 </ds:datastoreItem>
 </file>
@@ -8843,10 +9049,9 @@
 </file>
 
 <file path=customXml/itemProps3.xml><?xml version="1.0" encoding="utf-8"?>
-<ds:datastoreItem xmlns:ds="http://schemas.openxmlformats.org/officeDocument/2006/customXml" ds:itemID="{AADC9AFC-E9BE-407C-9919-F905586C6F5A}">
+<ds:datastoreItem xmlns:ds="http://schemas.openxmlformats.org/officeDocument/2006/customXml" ds:itemID="{19596DCE-F5C7-4BA8-8C0E-563C7612AC94}">
   <ds:schemaRefs>
-    <ds:schemaRef ds:uri="http://schemas.microsoft.com/office/2006/metadata/contentType"/>
-    <ds:schemaRef ds:uri="http://schemas.microsoft.com/office/2006/metadata/properties/metaAttributes"/>
+    <ds:schemaRef ds:uri="http://schemas.microsoft.com/sharepoint/v3/contenttype/forms"/>
   </ds:schemaRefs>
 </ds:datastoreItem>
 </file>
--- a/trunk/PROJET/Presentation/PRE_26-01-11.pptx
+++ b/trunk/PROJET/Presentation/PRE_26-01-11.pptx
@@ -5,10 +5,10 @@
     <p:sldMasterId id="2147483779" r:id="rId4"/>
   </p:sldMasterIdLst>
   <p:notesMasterIdLst>
-    <p:notesMasterId r:id="rId17"/>
+    <p:notesMasterId r:id="rId18"/>
   </p:notesMasterIdLst>
   <p:handoutMasterIdLst>
-    <p:handoutMasterId r:id="rId18"/>
+    <p:handoutMasterId r:id="rId19"/>
   </p:handoutMasterIdLst>
   <p:sldIdLst>
     <p:sldId id="264" r:id="rId5"/>
@@ -22,7 +22,8 @@
     <p:sldId id="327" r:id="rId13"/>
     <p:sldId id="319" r:id="rId14"/>
     <p:sldId id="312" r:id="rId15"/>
-    <p:sldId id="328" r:id="rId16"/>
+    <p:sldId id="329" r:id="rId16"/>
+    <p:sldId id="328" r:id="rId17"/>
   </p:sldIdLst>
   <p:sldSz cx="9144000" cy="6858000" type="screen4x3"/>
   <p:notesSz cx="6858000" cy="9004300"/>
@@ -34,7 +35,7 @@
     </p:custShow>
   </p:custShowLst>
   <p:custDataLst>
-    <p:tags r:id="rId19"/>
+    <p:tags r:id="rId20"/>
   </p:custDataLst>
   <p:defaultTextStyle>
     <a:defPPr>
@@ -166,40 +167,18 @@
 
 <file path=ppt/charts/chart1.xml><?xml version="1.0" encoding="utf-8"?>
 <c:chartSpace xmlns:c="http://schemas.openxmlformats.org/drawingml/2006/chart" xmlns:a="http://schemas.openxmlformats.org/drawingml/2006/main" xmlns:r="http://schemas.openxmlformats.org/officeDocument/2006/relationships">
-  <c:date1904 val="0"/>
   <c:lang val="fr-FR"/>
-  <c:roundedCorners val="0"/>
-  <mc:AlternateContent xmlns:mc="http://schemas.openxmlformats.org/markup-compatibility/2006">
-    <mc:Choice xmlns:c14="http://schemas.microsoft.com/office/drawing/2007/8/2/chart" Requires="c14">
-      <c14:style val="118"/>
-    </mc:Choice>
-    <mc:Fallback>
-      <c:style val="18"/>
-    </mc:Fallback>
-  </mc:AlternateContent>
+  <c:style val="18"/>
   <c:chart>
     <c:autoTitleDeleted val="1"/>
     <c:view3D>
-      <c:rotX val="15"/>
-      <c:rotY val="20"/>
-      <c:rAngAx val="0"/>
       <c:perspective val="30"/>
     </c:view3D>
-    <c:floor>
-      <c:thickness val="0"/>
-    </c:floor>
-    <c:sideWall>
-      <c:thickness val="0"/>
-    </c:sideWall>
-    <c:backWall>
-      <c:thickness val="0"/>
-    </c:backWall>
     <c:plotArea>
       <c:layout/>
       <c:bar3DChart>
         <c:barDir val="bar"/>
         <c:grouping val="clustered"/>
-        <c:varyColors val="0"/>
         <c:ser>
           <c:idx val="0"/>
           <c:order val="0"/>
@@ -214,7 +193,6 @@
               </c:strCache>
             </c:strRef>
           </c:tx>
-          <c:invertIfNegative val="0"/>
           <c:dLbls>
             <c:txPr>
               <a:bodyPr/>
@@ -226,13 +204,7 @@
                 <a:endParaRPr lang="fr-FR"/>
               </a:p>
             </c:txPr>
-            <c:showLegendKey val="0"/>
             <c:showVal val="1"/>
-            <c:showCatName val="0"/>
-            <c:showSerName val="0"/>
-            <c:showPercent val="0"/>
-            <c:showBubbleSize val="0"/>
-            <c:showLeaderLines val="0"/>
           </c:dLbls>
           <c:cat>
             <c:strRef>
@@ -302,7 +274,6 @@
               </c:strCache>
             </c:strRef>
           </c:tx>
-          <c:invertIfNegative val="0"/>
           <c:dLbls>
             <c:txPr>
               <a:bodyPr/>
@@ -314,13 +285,7 @@
                 <a:endParaRPr lang="fr-FR"/>
               </a:p>
             </c:txPr>
-            <c:showLegendKey val="0"/>
             <c:showVal val="1"/>
-            <c:showCatName val="0"/>
-            <c:showSerName val="0"/>
-            <c:showPercent val="0"/>
-            <c:showBubbleSize val="0"/>
-            <c:showLeaderLines val="0"/>
           </c:dLbls>
           <c:cat>
             <c:strRef>
@@ -390,7 +355,6 @@
               </c:strCache>
             </c:strRef>
           </c:tx>
-          <c:invertIfNegative val="0"/>
           <c:dLbls>
             <c:txPr>
               <a:bodyPr/>
@@ -402,13 +366,7 @@
                 <a:endParaRPr lang="fr-FR"/>
               </a:p>
             </c:txPr>
-            <c:showLegendKey val="0"/>
             <c:showVal val="1"/>
-            <c:showCatName val="0"/>
-            <c:showSerName val="0"/>
-            <c:showPercent val="0"/>
-            <c:showBubbleSize val="0"/>
-            <c:showLeaderLines val="0"/>
           </c:dLbls>
           <c:cat>
             <c:strRef>
@@ -465,28 +423,20 @@
           </c:val>
         </c:ser>
         <c:dLbls>
-          <c:showLegendKey val="0"/>
           <c:showVal val="1"/>
-          <c:showCatName val="0"/>
-          <c:showSerName val="0"/>
-          <c:showPercent val="0"/>
-          <c:showBubbleSize val="0"/>
         </c:dLbls>
-        <c:gapWidth val="150"/>
         <c:shape val="box"/>
-        <c:axId val="86169472"/>
-        <c:axId val="86171008"/>
+        <c:axId val="73437952"/>
+        <c:axId val="73439488"/>
         <c:axId val="0"/>
       </c:bar3DChart>
       <c:catAx>
-        <c:axId val="86169472"/>
+        <c:axId val="73437952"/>
         <c:scaling>
           <c:orientation val="minMax"/>
         </c:scaling>
-        <c:delete val="0"/>
         <c:axPos val="l"/>
         <c:majorTickMark val="none"/>
-        <c:minorTickMark val="none"/>
         <c:tickLblPos val="nextTo"/>
         <c:txPr>
           <a:bodyPr/>
@@ -498,15 +448,14 @@
             <a:endParaRPr lang="fr-FR"/>
           </a:p>
         </c:txPr>
-        <c:crossAx val="86171008"/>
+        <c:crossAx val="73439488"/>
         <c:crosses val="autoZero"/>
         <c:auto val="1"/>
         <c:lblAlgn val="ctr"/>
         <c:lblOffset val="100"/>
-        <c:noMultiLvlLbl val="0"/>
       </c:catAx>
       <c:valAx>
-        <c:axId val="86171008"/>
+        <c:axId val="73439488"/>
         <c:scaling>
           <c:orientation val="minMax"/>
         </c:scaling>
@@ -514,9 +463,8 @@
         <c:axPos val="b"/>
         <c:numFmt formatCode="0.0" sourceLinked="1"/>
         <c:majorTickMark val="none"/>
-        <c:minorTickMark val="none"/>
         <c:tickLblPos val="none"/>
-        <c:crossAx val="86169472"/>
+        <c:crossAx val="73437952"/>
         <c:crosses val="autoZero"/>
         <c:crossBetween val="between"/>
       </c:valAx>
@@ -527,13 +475,12 @@
         <c:manualLayout>
           <c:xMode val="edge"/>
           <c:yMode val="edge"/>
-          <c:x val="0.40259549413930779"/>
+          <c:x val="0.40259549413930784"/>
           <c:y val="8.1893774906043715E-2"/>
-          <c:w val="0.4652416738276246"/>
-          <c:h val="5.8474729914014437E-2"/>
+          <c:w val="0.46524167382762466"/>
+          <c:h val="5.8474729914014444E-2"/>
         </c:manualLayout>
       </c:layout>
-      <c:overlay val="0"/>
       <c:txPr>
         <a:bodyPr/>
         <a:lstStyle/>
@@ -547,11 +494,8 @@
     </c:legend>
     <c:plotVisOnly val="1"/>
     <c:dispBlanksAs val="gap"/>
-    <c:showDLblsOverMax val="0"/>
   </c:chart>
-  <c:externalData r:id="rId1">
-    <c:autoUpdate val="0"/>
-  </c:externalData>
+  <c:externalData r:id="rId1"/>
 </c:chartSpace>
 </file>
 
@@ -794,7 +738,7 @@
     </p:spTree>
     <p:extLst>
       <p:ext uri="{BB962C8B-B14F-4D97-AF65-F5344CB8AC3E}">
-        <p14:creationId xmlns:p14="http://schemas.microsoft.com/office/powerpoint/2010/main" val="3231300367"/>
+        <p14:creationId xmlns:p14="http://schemas.microsoft.com/office/powerpoint/2010/main" xmlns="" val="3231300367"/>
       </p:ext>
     </p:extLst>
   </p:cSld>
@@ -1141,7 +1085,7 @@
     </p:spTree>
     <p:extLst>
       <p:ext uri="{BB962C8B-B14F-4D97-AF65-F5344CB8AC3E}">
-        <p14:creationId xmlns:p14="http://schemas.microsoft.com/office/powerpoint/2010/main" val="2645942092"/>
+        <p14:creationId xmlns:p14="http://schemas.microsoft.com/office/powerpoint/2010/main" xmlns="" val="2645942092"/>
       </p:ext>
     </p:extLst>
   </p:cSld>
@@ -1534,7 +1478,7 @@
     </p:spTree>
     <p:extLst>
       <p:ext uri="{BB962C8B-B14F-4D97-AF65-F5344CB8AC3E}">
-        <p14:creationId xmlns:p14="http://schemas.microsoft.com/office/powerpoint/2010/main" val="1436837154"/>
+        <p14:creationId xmlns:p14="http://schemas.microsoft.com/office/powerpoint/2010/main" xmlns="" val="1436837154"/>
       </p:ext>
     </p:extLst>
   </p:cSld>
@@ -1619,7 +1563,7 @@
     </p:spTree>
     <p:extLst>
       <p:ext uri="{BB962C8B-B14F-4D97-AF65-F5344CB8AC3E}">
-        <p14:creationId xmlns:p14="http://schemas.microsoft.com/office/powerpoint/2010/main" val="2883505231"/>
+        <p14:creationId xmlns:p14="http://schemas.microsoft.com/office/powerpoint/2010/main" xmlns="" val="2883505231"/>
       </p:ext>
     </p:extLst>
   </p:cSld>
@@ -1709,7 +1653,7 @@
     </p:spTree>
     <p:extLst>
       <p:ext uri="{BB962C8B-B14F-4D97-AF65-F5344CB8AC3E}">
-        <p14:creationId xmlns:p14="http://schemas.microsoft.com/office/powerpoint/2010/main" val="765126400"/>
+        <p14:creationId xmlns:p14="http://schemas.microsoft.com/office/powerpoint/2010/main" xmlns="" val="765126400"/>
       </p:ext>
     </p:extLst>
   </p:cSld>
@@ -1799,7 +1743,7 @@
     </p:spTree>
     <p:extLst>
       <p:ext uri="{BB962C8B-B14F-4D97-AF65-F5344CB8AC3E}">
-        <p14:creationId xmlns:p14="http://schemas.microsoft.com/office/powerpoint/2010/main" val="2488583898"/>
+        <p14:creationId xmlns:p14="http://schemas.microsoft.com/office/powerpoint/2010/main" xmlns="" val="2488583898"/>
       </p:ext>
     </p:extLst>
   </p:cSld>
@@ -5283,7 +5227,7 @@
     </p:spTree>
     <p:extLst>
       <p:ext uri="{BB962C8B-B14F-4D97-AF65-F5344CB8AC3E}">
-        <p14:creationId xmlns:p14="http://schemas.microsoft.com/office/powerpoint/2010/main" val="3402124348"/>
+        <p14:creationId xmlns:p14="http://schemas.microsoft.com/office/powerpoint/2010/main" xmlns="" val="3402124348"/>
       </p:ext>
     </p:extLst>
   </p:cSld>
@@ -5371,14 +5315,10 @@
             <a:pPr lvl="1"/>
             <a:r>
               <a:rPr lang="fr-FR" dirty="0" smtClean="0"/>
-              <a:t>CU pour un fichier d’alimentation </a:t>
-            </a:r>
-            <a:r>
-              <a:rPr lang="fr-FR" smtClean="0"/>
-              <a:t>mensuelle </a:t>
-            </a:r>
-            <a:r>
-              <a:rPr lang="fr-FR" smtClean="0">
+              <a:t>CU pour un fichier d’alimentation mensuelle </a:t>
+            </a:r>
+            <a:r>
+              <a:rPr lang="fr-FR" dirty="0" smtClean="0">
                 <a:sym typeface="Wingdings" pitchFamily="2" charset="2"/>
               </a:rPr>
               <a:t></a:t>
@@ -5491,7 +5431,7 @@
           <a:p>
             <a:r>
               <a:rPr lang="fr-FR" dirty="0" smtClean="0"/>
-              <a:t>Planning Prévisionnel</a:t>
+              <a:t>Recettes</a:t>
             </a:r>
             <a:endParaRPr lang="fr-FR" dirty="0"/>
           </a:p>
@@ -5507,107 +5447,32 @@
             <p:ph sz="half" idx="1"/>
           </p:nvPr>
         </p:nvSpPr>
-        <p:spPr/>
+        <p:spPr>
+          <a:xfrm>
+            <a:off x="457200" y="1536192"/>
+            <a:ext cx="7400948" cy="4590288"/>
+          </a:xfrm>
+        </p:spPr>
         <p:txBody>
           <a:bodyPr/>
           <a:lstStyle/>
           <a:p>
             <a:r>
-              <a:rPr lang="fr-FR" dirty="0" err="1" smtClean="0"/>
-              <a:t>Recettage</a:t>
-            </a:r>
+              <a:rPr lang="fr-FR" dirty="0" smtClean="0"/>
+              <a:t>Ecriture des scénarios d’ergonomie, navigation et alimentation</a:t>
+            </a:r>
+          </a:p>
+          <a:p>
+            <a:pPr>
+              <a:buNone/>
+            </a:pPr>
             <a:endParaRPr lang="fr-FR" dirty="0" smtClean="0"/>
           </a:p>
           <a:p>
-            <a:pPr lvl="1"/>
             <a:r>
               <a:rPr lang="fr-FR" dirty="0" smtClean="0"/>
-              <a:t>Alimentation</a:t>
-            </a:r>
-          </a:p>
-          <a:p>
-            <a:pPr lvl="1"/>
-            <a:r>
-              <a:rPr lang="fr-FR" dirty="0" smtClean="0"/>
-              <a:t>Application</a:t>
-            </a:r>
-          </a:p>
-          <a:p>
-            <a:pPr lvl="1"/>
-            <a:endParaRPr lang="fr-FR" dirty="0" smtClean="0"/>
-          </a:p>
-          <a:p>
-            <a:r>
-              <a:rPr lang="fr-FR" dirty="0" smtClean="0"/>
-              <a:t>Restitution</a:t>
-            </a:r>
-          </a:p>
-          <a:p>
-            <a:pPr lvl="1"/>
-            <a:r>
-              <a:rPr lang="fr-FR" dirty="0" smtClean="0"/>
-              <a:t>Tous les profils</a:t>
-            </a:r>
-          </a:p>
-          <a:p>
-            <a:pPr lvl="1"/>
-            <a:r>
-              <a:rPr lang="fr-FR" dirty="0" smtClean="0"/>
-              <a:t>Toutes les fonctionnalités</a:t>
-            </a:r>
-            <a:endParaRPr lang="fr-FR" dirty="0"/>
-          </a:p>
-        </p:txBody>
-      </p:sp>
-      <p:sp>
-        <p:nvSpPr>
-          <p:cNvPr id="4" name="Espace réservé du contenu 3"/>
-          <p:cNvSpPr>
-            <a:spLocks noGrp="1"/>
-          </p:cNvSpPr>
-          <p:nvPr>
-            <p:ph sz="half" idx="2"/>
-          </p:nvPr>
-        </p:nvSpPr>
-        <p:spPr/>
-        <p:txBody>
-          <a:bodyPr/>
-          <a:lstStyle/>
-          <a:p>
-            <a:r>
-              <a:rPr lang="fr-FR" dirty="0" smtClean="0"/>
-              <a:t>Alimentation</a:t>
-            </a:r>
-          </a:p>
-          <a:p>
-            <a:pPr lvl="1"/>
-            <a:r>
-              <a:rPr lang="fr-FR" dirty="0" smtClean="0"/>
-              <a:t>Finir vérification document </a:t>
-            </a:r>
-            <a:r>
-              <a:rPr lang="fr-FR" dirty="0" err="1" smtClean="0"/>
-              <a:t>excel</a:t>
-            </a:r>
-            <a:endParaRPr lang="fr-FR" dirty="0" smtClean="0"/>
-          </a:p>
-          <a:p>
-            <a:pPr lvl="1"/>
-            <a:r>
-              <a:rPr lang="fr-FR" dirty="0" smtClean="0"/>
-              <a:t>Cas d’erreur</a:t>
-            </a:r>
-          </a:p>
-          <a:p>
-            <a:pPr lvl="1"/>
-            <a:endParaRPr lang="fr-FR" dirty="0"/>
-          </a:p>
-          <a:p>
-            <a:pPr lvl="1"/>
-            <a:endParaRPr lang="fr-FR" dirty="0" smtClean="0"/>
-          </a:p>
-          <a:p>
-            <a:pPr lvl="1"/>
+              <a:t>Réalisation de fichiers défectueux pour les tests d’alimentation</a:t>
+            </a:r>
             <a:endParaRPr lang="fr-FR" dirty="0"/>
           </a:p>
         </p:txBody>
@@ -5642,9 +5507,201 @@
         </p:txBody>
       </p:sp>
     </p:spTree>
+  </p:cSld>
+  <p:clrMapOvr>
+    <a:masterClrMapping/>
+  </p:clrMapOvr>
+</p:sld>
+</file>
+
+<file path=ppt/slides/slide13.xml><?xml version="1.0" encoding="utf-8"?>
+<p:sld xmlns:a="http://schemas.openxmlformats.org/drawingml/2006/main" xmlns:r="http://schemas.openxmlformats.org/officeDocument/2006/relationships" xmlns:p="http://schemas.openxmlformats.org/presentationml/2006/main">
+  <p:cSld>
+    <p:spTree>
+      <p:nvGrpSpPr>
+        <p:cNvPr id="1" name=""/>
+        <p:cNvGrpSpPr/>
+        <p:nvPr/>
+      </p:nvGrpSpPr>
+      <p:grpSpPr>
+        <a:xfrm>
+          <a:off x="0" y="0"/>
+          <a:ext cx="0" cy="0"/>
+          <a:chOff x="0" y="0"/>
+          <a:chExt cx="0" cy="0"/>
+        </a:xfrm>
+      </p:grpSpPr>
+      <p:sp>
+        <p:nvSpPr>
+          <p:cNvPr id="2" name="Titre 1"/>
+          <p:cNvSpPr>
+            <a:spLocks noGrp="1"/>
+          </p:cNvSpPr>
+          <p:nvPr>
+            <p:ph type="title"/>
+          </p:nvPr>
+        </p:nvSpPr>
+        <p:spPr/>
+        <p:txBody>
+          <a:bodyPr/>
+          <a:lstStyle/>
+          <a:p>
+            <a:r>
+              <a:rPr lang="fr-FR" dirty="0" smtClean="0"/>
+              <a:t>Planning Prévisionnel</a:t>
+            </a:r>
+            <a:endParaRPr lang="fr-FR" dirty="0"/>
+          </a:p>
+        </p:txBody>
+      </p:sp>
+      <p:sp>
+        <p:nvSpPr>
+          <p:cNvPr id="3" name="Espace réservé du contenu 2"/>
+          <p:cNvSpPr>
+            <a:spLocks noGrp="1"/>
+          </p:cNvSpPr>
+          <p:nvPr>
+            <p:ph sz="half" idx="1"/>
+          </p:nvPr>
+        </p:nvSpPr>
+        <p:spPr/>
+        <p:txBody>
+          <a:bodyPr/>
+          <a:lstStyle/>
+          <a:p>
+            <a:r>
+              <a:rPr lang="fr-FR" dirty="0" err="1" smtClean="0"/>
+              <a:t>Recettage</a:t>
+            </a:r>
+            <a:endParaRPr lang="fr-FR" dirty="0" smtClean="0"/>
+          </a:p>
+          <a:p>
+            <a:pPr lvl="1"/>
+            <a:r>
+              <a:rPr lang="fr-FR" dirty="0" smtClean="0"/>
+              <a:t>Alimentation</a:t>
+            </a:r>
+          </a:p>
+          <a:p>
+            <a:pPr lvl="1"/>
+            <a:r>
+              <a:rPr lang="fr-FR" dirty="0" smtClean="0"/>
+              <a:t>Application</a:t>
+            </a:r>
+          </a:p>
+          <a:p>
+            <a:pPr lvl="1"/>
+            <a:endParaRPr lang="fr-FR" dirty="0" smtClean="0"/>
+          </a:p>
+          <a:p>
+            <a:r>
+              <a:rPr lang="fr-FR" dirty="0" smtClean="0"/>
+              <a:t>Restitution</a:t>
+            </a:r>
+          </a:p>
+          <a:p>
+            <a:pPr lvl="1"/>
+            <a:r>
+              <a:rPr lang="fr-FR" dirty="0" smtClean="0"/>
+              <a:t>Tous les profils</a:t>
+            </a:r>
+          </a:p>
+          <a:p>
+            <a:pPr lvl="1"/>
+            <a:r>
+              <a:rPr lang="fr-FR" dirty="0" smtClean="0"/>
+              <a:t>Toutes les fonctionnalités</a:t>
+            </a:r>
+            <a:endParaRPr lang="fr-FR" dirty="0"/>
+          </a:p>
+        </p:txBody>
+      </p:sp>
+      <p:sp>
+        <p:nvSpPr>
+          <p:cNvPr id="4" name="Espace réservé du contenu 3"/>
+          <p:cNvSpPr>
+            <a:spLocks noGrp="1"/>
+          </p:cNvSpPr>
+          <p:nvPr>
+            <p:ph sz="half" idx="2"/>
+          </p:nvPr>
+        </p:nvSpPr>
+        <p:spPr/>
+        <p:txBody>
+          <a:bodyPr/>
+          <a:lstStyle/>
+          <a:p>
+            <a:r>
+              <a:rPr lang="fr-FR" dirty="0" smtClean="0"/>
+              <a:t>Alimentation</a:t>
+            </a:r>
+          </a:p>
+          <a:p>
+            <a:pPr lvl="1"/>
+            <a:r>
+              <a:rPr lang="fr-FR" dirty="0" smtClean="0"/>
+              <a:t>Finir vérification document </a:t>
+            </a:r>
+            <a:r>
+              <a:rPr lang="fr-FR" dirty="0" err="1" smtClean="0"/>
+              <a:t>excel</a:t>
+            </a:r>
+            <a:endParaRPr lang="fr-FR" dirty="0" smtClean="0"/>
+          </a:p>
+          <a:p>
+            <a:pPr lvl="1"/>
+            <a:r>
+              <a:rPr lang="fr-FR" dirty="0" smtClean="0"/>
+              <a:t>Cas d’erreur</a:t>
+            </a:r>
+          </a:p>
+          <a:p>
+            <a:pPr lvl="1"/>
+            <a:endParaRPr lang="fr-FR" dirty="0"/>
+          </a:p>
+          <a:p>
+            <a:pPr lvl="1"/>
+            <a:endParaRPr lang="fr-FR" dirty="0" smtClean="0"/>
+          </a:p>
+          <a:p>
+            <a:pPr lvl="1"/>
+            <a:endParaRPr lang="fr-FR" dirty="0"/>
+          </a:p>
+        </p:txBody>
+      </p:sp>
+      <p:sp>
+        <p:nvSpPr>
+          <p:cNvPr id="5" name="Espace réservé du numéro de diapositive 4"/>
+          <p:cNvSpPr>
+            <a:spLocks noGrp="1"/>
+          </p:cNvSpPr>
+          <p:nvPr>
+            <p:ph type="sldNum" sz="quarter" idx="12"/>
+          </p:nvPr>
+        </p:nvSpPr>
+        <p:spPr/>
+        <p:txBody>
+          <a:bodyPr/>
+          <a:lstStyle/>
+          <a:p>
+            <a:pPr>
+              <a:defRPr/>
+            </a:pPr>
+            <a:fld id="{61DFC3F3-F69D-4837-9DC8-BB26BAF3FB8D}" type="slidenum">
+              <a:rPr lang="fr-FR" smtClean="0"/>
+              <a:pPr>
+                <a:defRPr/>
+              </a:pPr>
+              <a:t>13</a:t>
+            </a:fld>
+            <a:endParaRPr lang="fr-FR"/>
+          </a:p>
+        </p:txBody>
+      </p:sp>
+    </p:spTree>
     <p:extLst>
       <p:ext uri="{BB962C8B-B14F-4D97-AF65-F5344CB8AC3E}">
-        <p14:creationId xmlns:p14="http://schemas.microsoft.com/office/powerpoint/2010/main" val="1210220734"/>
+        <p14:creationId xmlns:p14="http://schemas.microsoft.com/office/powerpoint/2010/main" xmlns="" val="1210220734"/>
       </p:ext>
     </p:extLst>
   </p:cSld>
@@ -5889,7 +5946,7 @@
     </p:spTree>
     <p:extLst>
       <p:ext uri="{BB962C8B-B14F-4D97-AF65-F5344CB8AC3E}">
-        <p14:creationId xmlns:p14="http://schemas.microsoft.com/office/powerpoint/2010/main" val="3327724999"/>
+        <p14:creationId xmlns:p14="http://schemas.microsoft.com/office/powerpoint/2010/main" xmlns="" val="3327724999"/>
       </p:ext>
     </p:extLst>
   </p:cSld>
@@ -6049,7 +6106,7 @@
     </p:spTree>
     <p:extLst>
       <p:ext uri="{BB962C8B-B14F-4D97-AF65-F5344CB8AC3E}">
-        <p14:creationId xmlns:p14="http://schemas.microsoft.com/office/powerpoint/2010/main" val="550898158"/>
+        <p14:creationId xmlns:p14="http://schemas.microsoft.com/office/powerpoint/2010/main" xmlns="" val="550898158"/>
       </p:ext>
     </p:extLst>
   </p:cSld>
@@ -6121,7 +6178,7 @@
             <p:ph idx="1"/>
             <p:extLst>
               <p:ext uri="{D42A27DB-BD31-4B8C-83A1-F6EECF244321}">
-                <p14:modId xmlns:p14="http://schemas.microsoft.com/office/powerpoint/2010/main" val="530910969"/>
+                <p14:modId xmlns:p14="http://schemas.microsoft.com/office/powerpoint/2010/main" xmlns="" val="530910969"/>
               </p:ext>
             </p:extLst>
           </p:nvPr>
@@ -6139,7 +6196,7 @@
     </p:spTree>
     <p:extLst>
       <p:ext uri="{BB962C8B-B14F-4D97-AF65-F5344CB8AC3E}">
-        <p14:creationId xmlns:p14="http://schemas.microsoft.com/office/powerpoint/2010/main" val="4252606673"/>
+        <p14:creationId xmlns:p14="http://schemas.microsoft.com/office/powerpoint/2010/main" xmlns="" val="4252606673"/>
       </p:ext>
     </p:extLst>
   </p:cSld>
@@ -6283,7 +6340,7 @@
     </p:spTree>
     <p:extLst>
       <p:ext uri="{BB962C8B-B14F-4D97-AF65-F5344CB8AC3E}">
-        <p14:creationId xmlns:p14="http://schemas.microsoft.com/office/powerpoint/2010/main" val="835916153"/>
+        <p14:creationId xmlns:p14="http://schemas.microsoft.com/office/powerpoint/2010/main" xmlns="" val="835916153"/>
       </p:ext>
     </p:extLst>
   </p:cSld>
@@ -6429,7 +6486,7 @@
     </p:spTree>
     <p:extLst>
       <p:ext uri="{BB962C8B-B14F-4D97-AF65-F5344CB8AC3E}">
-        <p14:creationId xmlns:p14="http://schemas.microsoft.com/office/powerpoint/2010/main" val="1057009773"/>
+        <p14:creationId xmlns:p14="http://schemas.microsoft.com/office/powerpoint/2010/main" xmlns="" val="1057009773"/>
       </p:ext>
     </p:extLst>
   </p:cSld>
@@ -6581,7 +6638,7 @@
     </p:spTree>
     <p:extLst>
       <p:ext uri="{BB962C8B-B14F-4D97-AF65-F5344CB8AC3E}">
-        <p14:creationId xmlns:p14="http://schemas.microsoft.com/office/powerpoint/2010/main" val="2301766036"/>
+        <p14:creationId xmlns:p14="http://schemas.microsoft.com/office/powerpoint/2010/main" xmlns="" val="2301766036"/>
       </p:ext>
     </p:extLst>
   </p:cSld>
@@ -6713,7 +6770,7 @@
     </p:spTree>
     <p:extLst>
       <p:ext uri="{BB962C8B-B14F-4D97-AF65-F5344CB8AC3E}">
-        <p14:creationId xmlns:p14="http://schemas.microsoft.com/office/powerpoint/2010/main" val="1524745049"/>
+        <p14:creationId xmlns:p14="http://schemas.microsoft.com/office/powerpoint/2010/main" xmlns="" val="1524745049"/>
       </p:ext>
     </p:extLst>
   </p:cSld>
@@ -6757,7 +6814,7 @@
             <p:ph sz="half" idx="1"/>
             <p:extLst>
               <p:ext uri="{D42A27DB-BD31-4B8C-83A1-F6EECF244321}">
-                <p14:modId xmlns:p14="http://schemas.microsoft.com/office/powerpoint/2010/main" val="4192479816"/>
+                <p14:modId xmlns:p14="http://schemas.microsoft.com/office/powerpoint/2010/main" xmlns="" val="4192479816"/>
               </p:ext>
             </p:extLst>
           </p:nvPr>
@@ -7502,7 +7559,7 @@
           <a:blip r:embed="rId2">
             <a:extLst>
               <a:ext uri="{28A0092B-C50C-407E-A947-70E740481C1C}">
-                <a14:useLocalDpi xmlns:a14="http://schemas.microsoft.com/office/drawing/2010/main" val="0"/>
+                <a14:useLocalDpi xmlns:a14="http://schemas.microsoft.com/office/drawing/2010/main" xmlns="" val="0"/>
               </a:ext>
             </a:extLst>
           </a:blip>
@@ -7522,7 +7579,7 @@
           <a:noFill/>
           <a:extLst>
             <a:ext uri="{909E8E84-426E-40DD-AFC4-6F175D3DCCD1}">
-              <a14:hiddenFill xmlns:a14="http://schemas.microsoft.com/office/drawing/2010/main">
+              <a14:hiddenFill xmlns:a14="http://schemas.microsoft.com/office/drawing/2010/main" xmlns="">
                 <a:solidFill>
                   <a:srgbClr val="FFFFFF"/>
                 </a:solidFill>
@@ -7543,7 +7600,7 @@
           <a:blip r:embed="rId2">
             <a:extLst>
               <a:ext uri="{28A0092B-C50C-407E-A947-70E740481C1C}">
-                <a14:useLocalDpi xmlns:a14="http://schemas.microsoft.com/office/drawing/2010/main" val="0"/>
+                <a14:useLocalDpi xmlns:a14="http://schemas.microsoft.com/office/drawing/2010/main" xmlns="" val="0"/>
               </a:ext>
             </a:extLst>
           </a:blip>
@@ -7563,7 +7620,7 @@
           <a:noFill/>
           <a:extLst>
             <a:ext uri="{909E8E84-426E-40DD-AFC4-6F175D3DCCD1}">
-              <a14:hiddenFill xmlns:a14="http://schemas.microsoft.com/office/drawing/2010/main">
+              <a14:hiddenFill xmlns:a14="http://schemas.microsoft.com/office/drawing/2010/main" xmlns="">
                 <a:solidFill>
                   <a:srgbClr val="FFFFFF"/>
                 </a:solidFill>
@@ -7584,7 +7641,7 @@
           <a:blip r:embed="rId2">
             <a:extLst>
               <a:ext uri="{28A0092B-C50C-407E-A947-70E740481C1C}">
-                <a14:useLocalDpi xmlns:a14="http://schemas.microsoft.com/office/drawing/2010/main" val="0"/>
+                <a14:useLocalDpi xmlns:a14="http://schemas.microsoft.com/office/drawing/2010/main" xmlns="" val="0"/>
               </a:ext>
             </a:extLst>
           </a:blip>
@@ -7604,7 +7661,7 @@
           <a:noFill/>
           <a:extLst>
             <a:ext uri="{909E8E84-426E-40DD-AFC4-6F175D3DCCD1}">
-              <a14:hiddenFill xmlns:a14="http://schemas.microsoft.com/office/drawing/2010/main">
+              <a14:hiddenFill xmlns:a14="http://schemas.microsoft.com/office/drawing/2010/main" xmlns="">
                 <a:solidFill>
                   <a:srgbClr val="FFFFFF"/>
                 </a:solidFill>
@@ -7625,7 +7682,7 @@
           <a:blip r:embed="rId3">
             <a:extLst>
               <a:ext uri="{28A0092B-C50C-407E-A947-70E740481C1C}">
-                <a14:useLocalDpi xmlns:a14="http://schemas.microsoft.com/office/drawing/2010/main" val="0"/>
+                <a14:useLocalDpi xmlns:a14="http://schemas.microsoft.com/office/drawing/2010/main" xmlns="" val="0"/>
               </a:ext>
             </a:extLst>
           </a:blip>
@@ -7645,7 +7702,7 @@
           <a:noFill/>
           <a:extLst>
             <a:ext uri="{909E8E84-426E-40DD-AFC4-6F175D3DCCD1}">
-              <a14:hiddenFill xmlns:a14="http://schemas.microsoft.com/office/drawing/2010/main">
+              <a14:hiddenFill xmlns:a14="http://schemas.microsoft.com/office/drawing/2010/main" xmlns="">
                 <a:solidFill>
                   <a:srgbClr val="FFFFFF"/>
                 </a:solidFill>
@@ -7666,7 +7723,7 @@
           <a:blip r:embed="rId3">
             <a:extLst>
               <a:ext uri="{28A0092B-C50C-407E-A947-70E740481C1C}">
-                <a14:useLocalDpi xmlns:a14="http://schemas.microsoft.com/office/drawing/2010/main" val="0"/>
+                <a14:useLocalDpi xmlns:a14="http://schemas.microsoft.com/office/drawing/2010/main" xmlns="" val="0"/>
               </a:ext>
             </a:extLst>
           </a:blip>
@@ -7686,7 +7743,7 @@
           <a:noFill/>
           <a:extLst>
             <a:ext uri="{909E8E84-426E-40DD-AFC4-6F175D3DCCD1}">
-              <a14:hiddenFill xmlns:a14="http://schemas.microsoft.com/office/drawing/2010/main">
+              <a14:hiddenFill xmlns:a14="http://schemas.microsoft.com/office/drawing/2010/main" xmlns="">
                 <a:solidFill>
                   <a:srgbClr val="FFFFFF"/>
                 </a:solidFill>
@@ -7707,7 +7764,7 @@
           <a:blip r:embed="rId4">
             <a:extLst>
               <a:ext uri="{28A0092B-C50C-407E-A947-70E740481C1C}">
-                <a14:useLocalDpi xmlns:a14="http://schemas.microsoft.com/office/drawing/2010/main" val="0"/>
+                <a14:useLocalDpi xmlns:a14="http://schemas.microsoft.com/office/drawing/2010/main" xmlns="" val="0"/>
               </a:ext>
             </a:extLst>
           </a:blip>
@@ -7727,7 +7784,7 @@
           <a:noFill/>
           <a:extLst>
             <a:ext uri="{909E8E84-426E-40DD-AFC4-6F175D3DCCD1}">
-              <a14:hiddenFill xmlns:a14="http://schemas.microsoft.com/office/drawing/2010/main">
+              <a14:hiddenFill xmlns:a14="http://schemas.microsoft.com/office/drawing/2010/main" xmlns="">
                 <a:solidFill>
                   <a:srgbClr val="FFFFFF"/>
                 </a:solidFill>
@@ -7748,7 +7805,7 @@
           <a:blip r:embed="rId2">
             <a:extLst>
               <a:ext uri="{28A0092B-C50C-407E-A947-70E740481C1C}">
-                <a14:useLocalDpi xmlns:a14="http://schemas.microsoft.com/office/drawing/2010/main" val="0"/>
+                <a14:useLocalDpi xmlns:a14="http://schemas.microsoft.com/office/drawing/2010/main" xmlns="" val="0"/>
               </a:ext>
             </a:extLst>
           </a:blip>
@@ -7768,7 +7825,7 @@
           <a:noFill/>
           <a:extLst>
             <a:ext uri="{909E8E84-426E-40DD-AFC4-6F175D3DCCD1}">
-              <a14:hiddenFill xmlns:a14="http://schemas.microsoft.com/office/drawing/2010/main">
+              <a14:hiddenFill xmlns:a14="http://schemas.microsoft.com/office/drawing/2010/main" xmlns="">
                 <a:solidFill>
                   <a:srgbClr val="FFFFFF"/>
                 </a:solidFill>
@@ -7789,7 +7846,7 @@
           <a:blip r:embed="rId2">
             <a:extLst>
               <a:ext uri="{28A0092B-C50C-407E-A947-70E740481C1C}">
-                <a14:useLocalDpi xmlns:a14="http://schemas.microsoft.com/office/drawing/2010/main" val="0"/>
+                <a14:useLocalDpi xmlns:a14="http://schemas.microsoft.com/office/drawing/2010/main" xmlns="" val="0"/>
               </a:ext>
             </a:extLst>
           </a:blip>
@@ -7809,7 +7866,7 @@
           <a:noFill/>
           <a:extLst>
             <a:ext uri="{909E8E84-426E-40DD-AFC4-6F175D3DCCD1}">
-              <a14:hiddenFill xmlns:a14="http://schemas.microsoft.com/office/drawing/2010/main">
+              <a14:hiddenFill xmlns:a14="http://schemas.microsoft.com/office/drawing/2010/main" xmlns="">
                 <a:solidFill>
                   <a:srgbClr val="FFFFFF"/>
                 </a:solidFill>
@@ -7830,7 +7887,7 @@
           <a:blip r:embed="rId2">
             <a:extLst>
               <a:ext uri="{28A0092B-C50C-407E-A947-70E740481C1C}">
-                <a14:useLocalDpi xmlns:a14="http://schemas.microsoft.com/office/drawing/2010/main" val="0"/>
+                <a14:useLocalDpi xmlns:a14="http://schemas.microsoft.com/office/drawing/2010/main" xmlns="" val="0"/>
               </a:ext>
             </a:extLst>
           </a:blip>
@@ -7850,7 +7907,7 @@
           <a:noFill/>
           <a:extLst>
             <a:ext uri="{909E8E84-426E-40DD-AFC4-6F175D3DCCD1}">
-              <a14:hiddenFill xmlns:a14="http://schemas.microsoft.com/office/drawing/2010/main">
+              <a14:hiddenFill xmlns:a14="http://schemas.microsoft.com/office/drawing/2010/main" xmlns="">
                 <a:solidFill>
                   <a:srgbClr val="FFFFFF"/>
                 </a:solidFill>
@@ -7871,7 +7928,7 @@
           <a:blip r:embed="rId3">
             <a:extLst>
               <a:ext uri="{28A0092B-C50C-407E-A947-70E740481C1C}">
-                <a14:useLocalDpi xmlns:a14="http://schemas.microsoft.com/office/drawing/2010/main" val="0"/>
+                <a14:useLocalDpi xmlns:a14="http://schemas.microsoft.com/office/drawing/2010/main" xmlns="" val="0"/>
               </a:ext>
             </a:extLst>
           </a:blip>
@@ -7891,7 +7948,7 @@
           <a:noFill/>
           <a:extLst>
             <a:ext uri="{909E8E84-426E-40DD-AFC4-6F175D3DCCD1}">
-              <a14:hiddenFill xmlns:a14="http://schemas.microsoft.com/office/drawing/2010/main">
+              <a14:hiddenFill xmlns:a14="http://schemas.microsoft.com/office/drawing/2010/main" xmlns="">
                 <a:solidFill>
                   <a:srgbClr val="FFFFFF"/>
                 </a:solidFill>
@@ -7912,7 +7969,7 @@
           <a:blip r:embed="rId2">
             <a:extLst>
               <a:ext uri="{28A0092B-C50C-407E-A947-70E740481C1C}">
-                <a14:useLocalDpi xmlns:a14="http://schemas.microsoft.com/office/drawing/2010/main" val="0"/>
+                <a14:useLocalDpi xmlns:a14="http://schemas.microsoft.com/office/drawing/2010/main" xmlns="" val="0"/>
               </a:ext>
             </a:extLst>
           </a:blip>
@@ -7932,7 +7989,7 @@
           <a:noFill/>
           <a:extLst>
             <a:ext uri="{909E8E84-426E-40DD-AFC4-6F175D3DCCD1}">
-              <a14:hiddenFill xmlns:a14="http://schemas.microsoft.com/office/drawing/2010/main">
+              <a14:hiddenFill xmlns:a14="http://schemas.microsoft.com/office/drawing/2010/main" xmlns="">
                 <a:solidFill>
                   <a:srgbClr val="FFFFFF"/>
                 </a:solidFill>
@@ -7953,7 +8010,7 @@
           <a:blip r:embed="rId2">
             <a:extLst>
               <a:ext uri="{28A0092B-C50C-407E-A947-70E740481C1C}">
-                <a14:useLocalDpi xmlns:a14="http://schemas.microsoft.com/office/drawing/2010/main" val="0"/>
+                <a14:useLocalDpi xmlns:a14="http://schemas.microsoft.com/office/drawing/2010/main" xmlns="" val="0"/>
               </a:ext>
             </a:extLst>
           </a:blip>
@@ -7973,7 +8030,7 @@
           <a:noFill/>
           <a:extLst>
             <a:ext uri="{909E8E84-426E-40DD-AFC4-6F175D3DCCD1}">
-              <a14:hiddenFill xmlns:a14="http://schemas.microsoft.com/office/drawing/2010/main">
+              <a14:hiddenFill xmlns:a14="http://schemas.microsoft.com/office/drawing/2010/main" xmlns="">
                 <a:solidFill>
                   <a:srgbClr val="FFFFFF"/>
                 </a:solidFill>
@@ -7994,7 +8051,7 @@
           <a:blip r:embed="rId2">
             <a:extLst>
               <a:ext uri="{28A0092B-C50C-407E-A947-70E740481C1C}">
-                <a14:useLocalDpi xmlns:a14="http://schemas.microsoft.com/office/drawing/2010/main" val="0"/>
+                <a14:useLocalDpi xmlns:a14="http://schemas.microsoft.com/office/drawing/2010/main" xmlns="" val="0"/>
               </a:ext>
             </a:extLst>
           </a:blip>
@@ -8014,7 +8071,7 @@
           <a:noFill/>
           <a:extLst>
             <a:ext uri="{909E8E84-426E-40DD-AFC4-6F175D3DCCD1}">
-              <a14:hiddenFill xmlns:a14="http://schemas.microsoft.com/office/drawing/2010/main">
+              <a14:hiddenFill xmlns:a14="http://schemas.microsoft.com/office/drawing/2010/main" xmlns="">
                 <a:solidFill>
                   <a:srgbClr val="FFFFFF"/>
                 </a:solidFill>
@@ -8035,7 +8092,7 @@
           <a:blip r:embed="rId2">
             <a:extLst>
               <a:ext uri="{28A0092B-C50C-407E-A947-70E740481C1C}">
-                <a14:useLocalDpi xmlns:a14="http://schemas.microsoft.com/office/drawing/2010/main" val="0"/>
+                <a14:useLocalDpi xmlns:a14="http://schemas.microsoft.com/office/drawing/2010/main" xmlns="" val="0"/>
               </a:ext>
             </a:extLst>
           </a:blip>
@@ -8055,7 +8112,7 @@
           <a:noFill/>
           <a:extLst>
             <a:ext uri="{909E8E84-426E-40DD-AFC4-6F175D3DCCD1}">
-              <a14:hiddenFill xmlns:a14="http://schemas.microsoft.com/office/drawing/2010/main">
+              <a14:hiddenFill xmlns:a14="http://schemas.microsoft.com/office/drawing/2010/main" xmlns="">
                 <a:solidFill>
                   <a:srgbClr val="FFFFFF"/>
                 </a:solidFill>
@@ -8076,7 +8133,7 @@
           <a:blip r:embed="rId3">
             <a:extLst>
               <a:ext uri="{28A0092B-C50C-407E-A947-70E740481C1C}">
-                <a14:useLocalDpi xmlns:a14="http://schemas.microsoft.com/office/drawing/2010/main" val="0"/>
+                <a14:useLocalDpi xmlns:a14="http://schemas.microsoft.com/office/drawing/2010/main" xmlns="" val="0"/>
               </a:ext>
             </a:extLst>
           </a:blip>
@@ -8096,7 +8153,7 @@
           <a:noFill/>
           <a:extLst>
             <a:ext uri="{909E8E84-426E-40DD-AFC4-6F175D3DCCD1}">
-              <a14:hiddenFill xmlns:a14="http://schemas.microsoft.com/office/drawing/2010/main">
+              <a14:hiddenFill xmlns:a14="http://schemas.microsoft.com/office/drawing/2010/main" xmlns="">
                 <a:solidFill>
                   <a:srgbClr val="FFFFFF"/>
                 </a:solidFill>
@@ -8117,7 +8174,7 @@
           <a:blip r:embed="rId3">
             <a:extLst>
               <a:ext uri="{28A0092B-C50C-407E-A947-70E740481C1C}">
-                <a14:useLocalDpi xmlns:a14="http://schemas.microsoft.com/office/drawing/2010/main" val="0"/>
+                <a14:useLocalDpi xmlns:a14="http://schemas.microsoft.com/office/drawing/2010/main" xmlns="" val="0"/>
               </a:ext>
             </a:extLst>
           </a:blip>
@@ -8137,7 +8194,7 @@
           <a:noFill/>
           <a:extLst>
             <a:ext uri="{909E8E84-426E-40DD-AFC4-6F175D3DCCD1}">
-              <a14:hiddenFill xmlns:a14="http://schemas.microsoft.com/office/drawing/2010/main">
+              <a14:hiddenFill xmlns:a14="http://schemas.microsoft.com/office/drawing/2010/main" xmlns="">
                 <a:solidFill>
                   <a:srgbClr val="FFFFFF"/>
                 </a:solidFill>
@@ -8158,7 +8215,7 @@
           <a:blip r:embed="rId4">
             <a:extLst>
               <a:ext uri="{28A0092B-C50C-407E-A947-70E740481C1C}">
-                <a14:useLocalDpi xmlns:a14="http://schemas.microsoft.com/office/drawing/2010/main" val="0"/>
+                <a14:useLocalDpi xmlns:a14="http://schemas.microsoft.com/office/drawing/2010/main" xmlns="" val="0"/>
               </a:ext>
             </a:extLst>
           </a:blip>
@@ -8178,7 +8235,7 @@
           <a:noFill/>
           <a:extLst>
             <a:ext uri="{909E8E84-426E-40DD-AFC4-6F175D3DCCD1}">
-              <a14:hiddenFill xmlns:a14="http://schemas.microsoft.com/office/drawing/2010/main">
+              <a14:hiddenFill xmlns:a14="http://schemas.microsoft.com/office/drawing/2010/main" xmlns="">
                 <a:solidFill>
                   <a:srgbClr val="FFFFFF"/>
                 </a:solidFill>
@@ -8190,7 +8247,7 @@
     </p:spTree>
     <p:extLst>
       <p:ext uri="{BB962C8B-B14F-4D97-AF65-F5344CB8AC3E}">
-        <p14:creationId xmlns:p14="http://schemas.microsoft.com/office/powerpoint/2010/main" val="1427237803"/>
+        <p14:creationId xmlns:p14="http://schemas.microsoft.com/office/powerpoint/2010/main" xmlns="" val="1427237803"/>
       </p:ext>
     </p:extLst>
   </p:cSld>
@@ -9014,14 +9071,6 @@
 </file>
 
 <file path=customXml/item1.xml><?xml version="1.0" encoding="utf-8"?>
-<ct:contentTypeSchema xmlns:ct="http://schemas.microsoft.com/office/2006/metadata/contentType" xmlns:ma="http://schemas.microsoft.com/office/2006/metadata/properties/metaAttributes" ct:_="" ma:_="" ma:contentTypeName="TemplateFile" ma:contentTypeID="0x01010069924D1ECC420D47A2456556BC94F7370400BDF4491DEA4973499845289601F88B9F" ma:contentTypeVersion="33" ma:contentTypeDescription="Create a new document." ma:contentTypeScope="" ma:versionID="88ac0aa07b72c9aa809fa1ac53baba74"/>
-</file>
-
-<file path=customXml/item2.xml><?xml version="1.0" encoding="utf-8"?>
-<p:properties xmlns:p="http://schemas.microsoft.com/office/2006/metadata/properties" xmlns:xsi="http://www.w3.org/2001/XMLSchema-instance" xmlns:pc="http://schemas.microsoft.com/office/infopath/2007/PartnerControls"/>
-</file>
-
-<file path=customXml/item3.xml><?xml version="1.0" encoding="utf-8"?>
 <?mso-contentType ?>
 <FormTemplates xmlns="http://schemas.microsoft.com/sharepoint/v3/contenttype/forms">
   <Display>DocumentLibraryForm</Display>
@@ -9030,11 +9079,18 @@
 </FormTemplates>
 </file>
 
+<file path=customXml/item2.xml><?xml version="1.0" encoding="utf-8"?>
+<p:properties xmlns:p="http://schemas.microsoft.com/office/2006/metadata/properties" xmlns:xsi="http://www.w3.org/2001/XMLSchema-instance" xmlns:pc="http://schemas.microsoft.com/office/infopath/2007/PartnerControls"/>
+</file>
+
+<file path=customXml/item3.xml><?xml version="1.0" encoding="utf-8"?>
+<ct:contentTypeSchema xmlns:ct="http://schemas.microsoft.com/office/2006/metadata/contentType" xmlns:ma="http://schemas.microsoft.com/office/2006/metadata/properties/metaAttributes" ct:_="" ma:_="" ma:contentTypeName="TemplateFile" ma:contentTypeID="0x01010069924D1ECC420D47A2456556BC94F7370400BDF4491DEA4973499845289601F88B9F" ma:contentTypeVersion="33" ma:contentTypeDescription="Create a new document." ma:contentTypeScope="" ma:versionID="88ac0aa07b72c9aa809fa1ac53baba74"/>
+</file>
+
 <file path=customXml/itemProps1.xml><?xml version="1.0" encoding="utf-8"?>
-<ds:datastoreItem xmlns:ds="http://schemas.openxmlformats.org/officeDocument/2006/customXml" ds:itemID="{AADC9AFC-E9BE-407C-9919-F905586C6F5A}">
+<ds:datastoreItem xmlns:ds="http://schemas.openxmlformats.org/officeDocument/2006/customXml" ds:itemID="{19596DCE-F5C7-4BA8-8C0E-563C7612AC94}">
   <ds:schemaRefs>
-    <ds:schemaRef ds:uri="http://schemas.microsoft.com/office/2006/metadata/contentType"/>
-    <ds:schemaRef ds:uri="http://schemas.microsoft.com/office/2006/metadata/properties/metaAttributes"/>
+    <ds:schemaRef ds:uri="http://schemas.microsoft.com/sharepoint/v3/contenttype/forms"/>
   </ds:schemaRefs>
 </ds:datastoreItem>
 </file>
@@ -9049,9 +9105,10 @@
 </file>
 
 <file path=customXml/itemProps3.xml><?xml version="1.0" encoding="utf-8"?>
-<ds:datastoreItem xmlns:ds="http://schemas.openxmlformats.org/officeDocument/2006/customXml" ds:itemID="{19596DCE-F5C7-4BA8-8C0E-563C7612AC94}">
+<ds:datastoreItem xmlns:ds="http://schemas.openxmlformats.org/officeDocument/2006/customXml" ds:itemID="{AADC9AFC-E9BE-407C-9919-F905586C6F5A}">
   <ds:schemaRefs>
-    <ds:schemaRef ds:uri="http://schemas.microsoft.com/sharepoint/v3/contenttype/forms"/>
+    <ds:schemaRef ds:uri="http://schemas.microsoft.com/office/2006/metadata/contentType"/>
+    <ds:schemaRef ds:uri="http://schemas.microsoft.com/office/2006/metadata/properties/metaAttributes"/>
   </ds:schemaRefs>
 </ds:datastoreItem>
 </file>
--- a/trunk/PROJET/Presentation/PRE_26-01-11.pptx
+++ b/trunk/PROJET/Presentation/PRE_26-01-11.pptx
@@ -5,10 +5,10 @@
     <p:sldMasterId id="2147483779" r:id="rId4"/>
   </p:sldMasterIdLst>
   <p:notesMasterIdLst>
-    <p:notesMasterId r:id="rId18"/>
+    <p:notesMasterId r:id="rId19"/>
   </p:notesMasterIdLst>
   <p:handoutMasterIdLst>
-    <p:handoutMasterId r:id="rId19"/>
+    <p:handoutMasterId r:id="rId20"/>
   </p:handoutMasterIdLst>
   <p:sldIdLst>
     <p:sldId id="264" r:id="rId5"/>
@@ -22,8 +22,9 @@
     <p:sldId id="327" r:id="rId13"/>
     <p:sldId id="319" r:id="rId14"/>
     <p:sldId id="312" r:id="rId15"/>
-    <p:sldId id="329" r:id="rId16"/>
-    <p:sldId id="328" r:id="rId17"/>
+    <p:sldId id="330" r:id="rId16"/>
+    <p:sldId id="329" r:id="rId17"/>
+    <p:sldId id="328" r:id="rId18"/>
   </p:sldIdLst>
   <p:sldSz cx="9144000" cy="6858000" type="screen4x3"/>
   <p:notesSz cx="6858000" cy="9004300"/>
@@ -35,7 +36,7 @@
     </p:custShow>
   </p:custShowLst>
   <p:custDataLst>
-    <p:tags r:id="rId20"/>
+    <p:tags r:id="rId21"/>
   </p:custDataLst>
   <p:defaultTextStyle>
     <a:defPPr>
@@ -167,18 +168,40 @@
 
 <file path=ppt/charts/chart1.xml><?xml version="1.0" encoding="utf-8"?>
 <c:chartSpace xmlns:c="http://schemas.openxmlformats.org/drawingml/2006/chart" xmlns:a="http://schemas.openxmlformats.org/drawingml/2006/main" xmlns:r="http://schemas.openxmlformats.org/officeDocument/2006/relationships">
+  <c:date1904 val="0"/>
   <c:lang val="fr-FR"/>
-  <c:style val="18"/>
+  <c:roundedCorners val="0"/>
+  <mc:AlternateContent xmlns:mc="http://schemas.openxmlformats.org/markup-compatibility/2006">
+    <mc:Choice xmlns:c14="http://schemas.microsoft.com/office/drawing/2007/8/2/chart" Requires="c14">
+      <c14:style val="118"/>
+    </mc:Choice>
+    <mc:Fallback>
+      <c:style val="18"/>
+    </mc:Fallback>
+  </mc:AlternateContent>
   <c:chart>
     <c:autoTitleDeleted val="1"/>
     <c:view3D>
+      <c:rotX val="15"/>
+      <c:rotY val="20"/>
+      <c:rAngAx val="0"/>
       <c:perspective val="30"/>
     </c:view3D>
+    <c:floor>
+      <c:thickness val="0"/>
+    </c:floor>
+    <c:sideWall>
+      <c:thickness val="0"/>
+    </c:sideWall>
+    <c:backWall>
+      <c:thickness val="0"/>
+    </c:backWall>
     <c:plotArea>
       <c:layout/>
       <c:bar3DChart>
         <c:barDir val="bar"/>
         <c:grouping val="clustered"/>
+        <c:varyColors val="0"/>
         <c:ser>
           <c:idx val="0"/>
           <c:order val="0"/>
@@ -193,6 +216,7 @@
               </c:strCache>
             </c:strRef>
           </c:tx>
+          <c:invertIfNegative val="0"/>
           <c:dLbls>
             <c:txPr>
               <a:bodyPr/>
@@ -204,7 +228,13 @@
                 <a:endParaRPr lang="fr-FR"/>
               </a:p>
             </c:txPr>
+            <c:showLegendKey val="0"/>
             <c:showVal val="1"/>
+            <c:showCatName val="0"/>
+            <c:showSerName val="0"/>
+            <c:showPercent val="0"/>
+            <c:showBubbleSize val="0"/>
+            <c:showLeaderLines val="0"/>
           </c:dLbls>
           <c:cat>
             <c:strRef>
@@ -274,6 +304,7 @@
               </c:strCache>
             </c:strRef>
           </c:tx>
+          <c:invertIfNegative val="0"/>
           <c:dLbls>
             <c:txPr>
               <a:bodyPr/>
@@ -285,7 +316,13 @@
                 <a:endParaRPr lang="fr-FR"/>
               </a:p>
             </c:txPr>
+            <c:showLegendKey val="0"/>
             <c:showVal val="1"/>
+            <c:showCatName val="0"/>
+            <c:showSerName val="0"/>
+            <c:showPercent val="0"/>
+            <c:showBubbleSize val="0"/>
+            <c:showLeaderLines val="0"/>
           </c:dLbls>
           <c:cat>
             <c:strRef>
@@ -355,6 +392,7 @@
               </c:strCache>
             </c:strRef>
           </c:tx>
+          <c:invertIfNegative val="0"/>
           <c:dLbls>
             <c:txPr>
               <a:bodyPr/>
@@ -366,7 +404,13 @@
                 <a:endParaRPr lang="fr-FR"/>
               </a:p>
             </c:txPr>
+            <c:showLegendKey val="0"/>
             <c:showVal val="1"/>
+            <c:showCatName val="0"/>
+            <c:showSerName val="0"/>
+            <c:showPercent val="0"/>
+            <c:showBubbleSize val="0"/>
+            <c:showLeaderLines val="0"/>
           </c:dLbls>
           <c:cat>
             <c:strRef>
@@ -423,20 +467,28 @@
           </c:val>
         </c:ser>
         <c:dLbls>
+          <c:showLegendKey val="0"/>
           <c:showVal val="1"/>
+          <c:showCatName val="0"/>
+          <c:showSerName val="0"/>
+          <c:showPercent val="0"/>
+          <c:showBubbleSize val="0"/>
         </c:dLbls>
+        <c:gapWidth val="150"/>
         <c:shape val="box"/>
-        <c:axId val="73437952"/>
-        <c:axId val="73439488"/>
+        <c:axId val="92474368"/>
+        <c:axId val="85876032"/>
         <c:axId val="0"/>
       </c:bar3DChart>
       <c:catAx>
-        <c:axId val="73437952"/>
+        <c:axId val="92474368"/>
         <c:scaling>
           <c:orientation val="minMax"/>
         </c:scaling>
+        <c:delete val="0"/>
         <c:axPos val="l"/>
         <c:majorTickMark val="none"/>
+        <c:minorTickMark val="none"/>
         <c:tickLblPos val="nextTo"/>
         <c:txPr>
           <a:bodyPr/>
@@ -448,14 +500,15 @@
             <a:endParaRPr lang="fr-FR"/>
           </a:p>
         </c:txPr>
-        <c:crossAx val="73439488"/>
+        <c:crossAx val="85876032"/>
         <c:crosses val="autoZero"/>
         <c:auto val="1"/>
         <c:lblAlgn val="ctr"/>
         <c:lblOffset val="100"/>
+        <c:noMultiLvlLbl val="0"/>
       </c:catAx>
       <c:valAx>
-        <c:axId val="73439488"/>
+        <c:axId val="85876032"/>
         <c:scaling>
           <c:orientation val="minMax"/>
         </c:scaling>
@@ -463,8 +516,9 @@
         <c:axPos val="b"/>
         <c:numFmt formatCode="0.0" sourceLinked="1"/>
         <c:majorTickMark val="none"/>
+        <c:minorTickMark val="none"/>
         <c:tickLblPos val="none"/>
-        <c:crossAx val="73437952"/>
+        <c:crossAx val="92474368"/>
         <c:crosses val="autoZero"/>
         <c:crossBetween val="between"/>
       </c:valAx>
@@ -481,6 +535,7 @@
           <c:h val="5.8474729914014444E-2"/>
         </c:manualLayout>
       </c:layout>
+      <c:overlay val="0"/>
       <c:txPr>
         <a:bodyPr/>
         <a:lstStyle/>
@@ -494,8 +549,11 @@
     </c:legend>
     <c:plotVisOnly val="1"/>
     <c:dispBlanksAs val="gap"/>
+    <c:showDLblsOverMax val="0"/>
   </c:chart>
-  <c:externalData r:id="rId1"/>
+  <c:externalData r:id="rId1">
+    <c:autoUpdate val="0"/>
+  </c:externalData>
 </c:chartSpace>
 </file>
 
@@ -738,7 +796,7 @@
     </p:spTree>
     <p:extLst>
       <p:ext uri="{BB962C8B-B14F-4D97-AF65-F5344CB8AC3E}">
-        <p14:creationId xmlns:p14="http://schemas.microsoft.com/office/powerpoint/2010/main" xmlns="" val="3231300367"/>
+        <p14:creationId xmlns:p14="http://schemas.microsoft.com/office/powerpoint/2010/main" val="3231300367"/>
       </p:ext>
     </p:extLst>
   </p:cSld>
@@ -1085,7 +1143,7 @@
     </p:spTree>
     <p:extLst>
       <p:ext uri="{BB962C8B-B14F-4D97-AF65-F5344CB8AC3E}">
-        <p14:creationId xmlns:p14="http://schemas.microsoft.com/office/powerpoint/2010/main" xmlns="" val="2645942092"/>
+        <p14:creationId xmlns:p14="http://schemas.microsoft.com/office/powerpoint/2010/main" val="2645942092"/>
       </p:ext>
     </p:extLst>
   </p:cSld>
@@ -1478,7 +1536,7 @@
     </p:spTree>
     <p:extLst>
       <p:ext uri="{BB962C8B-B14F-4D97-AF65-F5344CB8AC3E}">
-        <p14:creationId xmlns:p14="http://schemas.microsoft.com/office/powerpoint/2010/main" xmlns="" val="1436837154"/>
+        <p14:creationId xmlns:p14="http://schemas.microsoft.com/office/powerpoint/2010/main" val="1436837154"/>
       </p:ext>
     </p:extLst>
   </p:cSld>
@@ -1563,7 +1621,7 @@
     </p:spTree>
     <p:extLst>
       <p:ext uri="{BB962C8B-B14F-4D97-AF65-F5344CB8AC3E}">
-        <p14:creationId xmlns:p14="http://schemas.microsoft.com/office/powerpoint/2010/main" xmlns="" val="2883505231"/>
+        <p14:creationId xmlns:p14="http://schemas.microsoft.com/office/powerpoint/2010/main" val="2883505231"/>
       </p:ext>
     </p:extLst>
   </p:cSld>
@@ -1653,7 +1711,7 @@
     </p:spTree>
     <p:extLst>
       <p:ext uri="{BB962C8B-B14F-4D97-AF65-F5344CB8AC3E}">
-        <p14:creationId xmlns:p14="http://schemas.microsoft.com/office/powerpoint/2010/main" xmlns="" val="765126400"/>
+        <p14:creationId xmlns:p14="http://schemas.microsoft.com/office/powerpoint/2010/main" val="765126400"/>
       </p:ext>
     </p:extLst>
   </p:cSld>
@@ -1743,7 +1801,7 @@
     </p:spTree>
     <p:extLst>
       <p:ext uri="{BB962C8B-B14F-4D97-AF65-F5344CB8AC3E}">
-        <p14:creationId xmlns:p14="http://schemas.microsoft.com/office/powerpoint/2010/main" xmlns="" val="2488583898"/>
+        <p14:creationId xmlns:p14="http://schemas.microsoft.com/office/powerpoint/2010/main" val="2488583898"/>
       </p:ext>
     </p:extLst>
   </p:cSld>
@@ -5227,7 +5285,7 @@
     </p:spTree>
     <p:extLst>
       <p:ext uri="{BB962C8B-B14F-4D97-AF65-F5344CB8AC3E}">
-        <p14:creationId xmlns:p14="http://schemas.microsoft.com/office/powerpoint/2010/main" xmlns="" val="3402124348"/>
+        <p14:creationId xmlns:p14="http://schemas.microsoft.com/office/powerpoint/2010/main" val="3402124348"/>
       </p:ext>
     </p:extLst>
   </p:cSld>
@@ -5431,7 +5489,7 @@
           <a:p>
             <a:r>
               <a:rPr lang="fr-FR" dirty="0" smtClean="0"/>
-              <a:t>Recettes</a:t>
+              <a:t>ETL</a:t>
             </a:r>
             <a:endParaRPr lang="fr-FR" dirty="0"/>
           </a:p>
@@ -5444,42 +5502,62 @@
             <a:spLocks noGrp="1"/>
           </p:cNvSpPr>
           <p:nvPr>
-            <p:ph sz="half" idx="1"/>
-          </p:nvPr>
-        </p:nvSpPr>
-        <p:spPr>
-          <a:xfrm>
-            <a:off x="457200" y="1536192"/>
-            <a:ext cx="7400948" cy="4590288"/>
-          </a:xfrm>
-        </p:spPr>
-        <p:txBody>
-          <a:bodyPr/>
-          <a:lstStyle/>
+            <p:ph idx="1"/>
+          </p:nvPr>
+        </p:nvSpPr>
+        <p:spPr/>
+        <p:txBody>
+          <a:bodyPr>
+            <a:normAutofit lnSpcReduction="10000"/>
+          </a:bodyPr>
+          <a:lstStyle/>
+          <a:p>
+            <a:endParaRPr lang="fr-FR" dirty="0" smtClean="0"/>
+          </a:p>
           <a:p>
             <a:r>
               <a:rPr lang="fr-FR" dirty="0" smtClean="0"/>
-              <a:t>Ecriture des scénarios d’ergonomie, navigation et alimentation</a:t>
-            </a:r>
-          </a:p>
-          <a:p>
-            <a:pPr>
-              <a:buNone/>
-            </a:pPr>
-            <a:endParaRPr lang="fr-FR" dirty="0" smtClean="0"/>
+              <a:t>Jobs globalement terminés</a:t>
+            </a:r>
+          </a:p>
+          <a:p>
+            <a:endParaRPr lang="fr-FR" dirty="0"/>
           </a:p>
           <a:p>
             <a:r>
               <a:rPr lang="fr-FR" dirty="0" smtClean="0"/>
-              <a:t>Réalisation de fichiers défectueux pour les tests d’alimentation</a:t>
-            </a:r>
+              <a:t>Procédure de vérification en Java intégrée</a:t>
+            </a:r>
+          </a:p>
+          <a:p>
             <a:endParaRPr lang="fr-FR" dirty="0"/>
           </a:p>
-        </p:txBody>
-      </p:sp>
-      <p:sp>
-        <p:nvSpPr>
-          <p:cNvPr id="5" name="Espace réservé du numéro de diapositive 4"/>
+          <a:p>
+            <a:r>
+              <a:rPr lang="fr-FR" dirty="0" smtClean="0"/>
+              <a:t>Il reste à faire :</a:t>
+            </a:r>
+          </a:p>
+          <a:p>
+            <a:pPr lvl="1"/>
+            <a:r>
+              <a:rPr lang="fr-FR" dirty="0" smtClean="0"/>
+              <a:t>l’implémentation des codes d’erreur</a:t>
+            </a:r>
+          </a:p>
+          <a:p>
+            <a:pPr lvl="1"/>
+            <a:r>
+              <a:rPr lang="fr-FR" dirty="0" smtClean="0"/>
+              <a:t>l’exécution de tests plus poussés</a:t>
+            </a:r>
+            <a:endParaRPr lang="fr-FR" dirty="0"/>
+          </a:p>
+        </p:txBody>
+      </p:sp>
+      <p:sp>
+        <p:nvSpPr>
+          <p:cNvPr id="4" name="Espace réservé du numéro de diapositive 3"/>
           <p:cNvSpPr>
             <a:spLocks noGrp="1"/>
           </p:cNvSpPr>
@@ -5495,7 +5573,7 @@
             <a:pPr>
               <a:defRPr/>
             </a:pPr>
-            <a:fld id="{61DFC3F3-F69D-4837-9DC8-BB26BAF3FB8D}" type="slidenum">
+            <a:fld id="{38569939-3185-4A76-A6B2-22126B08A126}" type="slidenum">
               <a:rPr lang="fr-FR" smtClean="0"/>
               <a:pPr>
                 <a:defRPr/>
@@ -5507,6 +5585,11 @@
         </p:txBody>
       </p:sp>
     </p:spTree>
+    <p:extLst>
+      <p:ext uri="{BB962C8B-B14F-4D97-AF65-F5344CB8AC3E}">
+        <p14:creationId xmlns:p14="http://schemas.microsoft.com/office/powerpoint/2010/main" val="4069470065"/>
+      </p:ext>
+    </p:extLst>
   </p:cSld>
   <p:clrMapOvr>
     <a:masterClrMapping/>
@@ -5548,7 +5631,7 @@
           <a:p>
             <a:r>
               <a:rPr lang="fr-FR" dirty="0" smtClean="0"/>
-              <a:t>Planning Prévisionnel</a:t>
+              <a:t>Recettes</a:t>
             </a:r>
             <a:endParaRPr lang="fr-FR" dirty="0"/>
           </a:p>
@@ -5564,107 +5647,32 @@
             <p:ph sz="half" idx="1"/>
           </p:nvPr>
         </p:nvSpPr>
-        <p:spPr/>
+        <p:spPr>
+          <a:xfrm>
+            <a:off x="457200" y="1536192"/>
+            <a:ext cx="7400948" cy="4590288"/>
+          </a:xfrm>
+        </p:spPr>
         <p:txBody>
           <a:bodyPr/>
           <a:lstStyle/>
           <a:p>
             <a:r>
-              <a:rPr lang="fr-FR" dirty="0" err="1" smtClean="0"/>
-              <a:t>Recettage</a:t>
-            </a:r>
+              <a:rPr lang="fr-FR" dirty="0" smtClean="0"/>
+              <a:t>Ecriture des scénarios d’ergonomie, navigation et alimentation</a:t>
+            </a:r>
+          </a:p>
+          <a:p>
+            <a:pPr>
+              <a:buNone/>
+            </a:pPr>
             <a:endParaRPr lang="fr-FR" dirty="0" smtClean="0"/>
           </a:p>
           <a:p>
-            <a:pPr lvl="1"/>
             <a:r>
               <a:rPr lang="fr-FR" dirty="0" smtClean="0"/>
-              <a:t>Alimentation</a:t>
-            </a:r>
-          </a:p>
-          <a:p>
-            <a:pPr lvl="1"/>
-            <a:r>
-              <a:rPr lang="fr-FR" dirty="0" smtClean="0"/>
-              <a:t>Application</a:t>
-            </a:r>
-          </a:p>
-          <a:p>
-            <a:pPr lvl="1"/>
-            <a:endParaRPr lang="fr-FR" dirty="0" smtClean="0"/>
-          </a:p>
-          <a:p>
-            <a:r>
-              <a:rPr lang="fr-FR" dirty="0" smtClean="0"/>
-              <a:t>Restitution</a:t>
-            </a:r>
-          </a:p>
-          <a:p>
-            <a:pPr lvl="1"/>
-            <a:r>
-              <a:rPr lang="fr-FR" dirty="0" smtClean="0"/>
-              <a:t>Tous les profils</a:t>
-            </a:r>
-          </a:p>
-          <a:p>
-            <a:pPr lvl="1"/>
-            <a:r>
-              <a:rPr lang="fr-FR" dirty="0" smtClean="0"/>
-              <a:t>Toutes les fonctionnalités</a:t>
-            </a:r>
-            <a:endParaRPr lang="fr-FR" dirty="0"/>
-          </a:p>
-        </p:txBody>
-      </p:sp>
-      <p:sp>
-        <p:nvSpPr>
-          <p:cNvPr id="4" name="Espace réservé du contenu 3"/>
-          <p:cNvSpPr>
-            <a:spLocks noGrp="1"/>
-          </p:cNvSpPr>
-          <p:nvPr>
-            <p:ph sz="half" idx="2"/>
-          </p:nvPr>
-        </p:nvSpPr>
-        <p:spPr/>
-        <p:txBody>
-          <a:bodyPr/>
-          <a:lstStyle/>
-          <a:p>
-            <a:r>
-              <a:rPr lang="fr-FR" dirty="0" smtClean="0"/>
-              <a:t>Alimentation</a:t>
-            </a:r>
-          </a:p>
-          <a:p>
-            <a:pPr lvl="1"/>
-            <a:r>
-              <a:rPr lang="fr-FR" dirty="0" smtClean="0"/>
-              <a:t>Finir vérification document </a:t>
-            </a:r>
-            <a:r>
-              <a:rPr lang="fr-FR" dirty="0" err="1" smtClean="0"/>
-              <a:t>excel</a:t>
-            </a:r>
-            <a:endParaRPr lang="fr-FR" dirty="0" smtClean="0"/>
-          </a:p>
-          <a:p>
-            <a:pPr lvl="1"/>
-            <a:r>
-              <a:rPr lang="fr-FR" dirty="0" smtClean="0"/>
-              <a:t>Cas d’erreur</a:t>
-            </a:r>
-          </a:p>
-          <a:p>
-            <a:pPr lvl="1"/>
-            <a:endParaRPr lang="fr-FR" dirty="0"/>
-          </a:p>
-          <a:p>
-            <a:pPr lvl="1"/>
-            <a:endParaRPr lang="fr-FR" dirty="0" smtClean="0"/>
-          </a:p>
-          <a:p>
-            <a:pPr lvl="1"/>
+              <a:t>Réalisation de fichiers défectueux pour les tests d’alimentation</a:t>
+            </a:r>
             <a:endParaRPr lang="fr-FR" dirty="0"/>
           </a:p>
         </p:txBody>
@@ -5699,9 +5707,201 @@
         </p:txBody>
       </p:sp>
     </p:spTree>
+  </p:cSld>
+  <p:clrMapOvr>
+    <a:masterClrMapping/>
+  </p:clrMapOvr>
+</p:sld>
+</file>
+
+<file path=ppt/slides/slide14.xml><?xml version="1.0" encoding="utf-8"?>
+<p:sld xmlns:a="http://schemas.openxmlformats.org/drawingml/2006/main" xmlns:r="http://schemas.openxmlformats.org/officeDocument/2006/relationships" xmlns:p="http://schemas.openxmlformats.org/presentationml/2006/main">
+  <p:cSld>
+    <p:spTree>
+      <p:nvGrpSpPr>
+        <p:cNvPr id="1" name=""/>
+        <p:cNvGrpSpPr/>
+        <p:nvPr/>
+      </p:nvGrpSpPr>
+      <p:grpSpPr>
+        <a:xfrm>
+          <a:off x="0" y="0"/>
+          <a:ext cx="0" cy="0"/>
+          <a:chOff x="0" y="0"/>
+          <a:chExt cx="0" cy="0"/>
+        </a:xfrm>
+      </p:grpSpPr>
+      <p:sp>
+        <p:nvSpPr>
+          <p:cNvPr id="2" name="Titre 1"/>
+          <p:cNvSpPr>
+            <a:spLocks noGrp="1"/>
+          </p:cNvSpPr>
+          <p:nvPr>
+            <p:ph type="title"/>
+          </p:nvPr>
+        </p:nvSpPr>
+        <p:spPr/>
+        <p:txBody>
+          <a:bodyPr/>
+          <a:lstStyle/>
+          <a:p>
+            <a:r>
+              <a:rPr lang="fr-FR" dirty="0" smtClean="0"/>
+              <a:t>Planning Prévisionnel</a:t>
+            </a:r>
+            <a:endParaRPr lang="fr-FR" dirty="0"/>
+          </a:p>
+        </p:txBody>
+      </p:sp>
+      <p:sp>
+        <p:nvSpPr>
+          <p:cNvPr id="3" name="Espace réservé du contenu 2"/>
+          <p:cNvSpPr>
+            <a:spLocks noGrp="1"/>
+          </p:cNvSpPr>
+          <p:nvPr>
+            <p:ph sz="half" idx="1"/>
+          </p:nvPr>
+        </p:nvSpPr>
+        <p:spPr/>
+        <p:txBody>
+          <a:bodyPr/>
+          <a:lstStyle/>
+          <a:p>
+            <a:r>
+              <a:rPr lang="fr-FR" dirty="0" err="1" smtClean="0"/>
+              <a:t>Recettage</a:t>
+            </a:r>
+            <a:endParaRPr lang="fr-FR" dirty="0" smtClean="0"/>
+          </a:p>
+          <a:p>
+            <a:pPr lvl="1"/>
+            <a:r>
+              <a:rPr lang="fr-FR" dirty="0" smtClean="0"/>
+              <a:t>Alimentation</a:t>
+            </a:r>
+          </a:p>
+          <a:p>
+            <a:pPr lvl="1"/>
+            <a:r>
+              <a:rPr lang="fr-FR" dirty="0" smtClean="0"/>
+              <a:t>Application</a:t>
+            </a:r>
+          </a:p>
+          <a:p>
+            <a:pPr lvl="1"/>
+            <a:endParaRPr lang="fr-FR" dirty="0" smtClean="0"/>
+          </a:p>
+          <a:p>
+            <a:r>
+              <a:rPr lang="fr-FR" dirty="0" smtClean="0"/>
+              <a:t>Restitution</a:t>
+            </a:r>
+          </a:p>
+          <a:p>
+            <a:pPr lvl="1"/>
+            <a:r>
+              <a:rPr lang="fr-FR" dirty="0" smtClean="0"/>
+              <a:t>Tous les profils</a:t>
+            </a:r>
+          </a:p>
+          <a:p>
+            <a:pPr lvl="1"/>
+            <a:r>
+              <a:rPr lang="fr-FR" dirty="0" smtClean="0"/>
+              <a:t>Toutes les fonctionnalités</a:t>
+            </a:r>
+            <a:endParaRPr lang="fr-FR" dirty="0"/>
+          </a:p>
+        </p:txBody>
+      </p:sp>
+      <p:sp>
+        <p:nvSpPr>
+          <p:cNvPr id="4" name="Espace réservé du contenu 3"/>
+          <p:cNvSpPr>
+            <a:spLocks noGrp="1"/>
+          </p:cNvSpPr>
+          <p:nvPr>
+            <p:ph sz="half" idx="2"/>
+          </p:nvPr>
+        </p:nvSpPr>
+        <p:spPr/>
+        <p:txBody>
+          <a:bodyPr/>
+          <a:lstStyle/>
+          <a:p>
+            <a:r>
+              <a:rPr lang="fr-FR" dirty="0" smtClean="0"/>
+              <a:t>Alimentation</a:t>
+            </a:r>
+          </a:p>
+          <a:p>
+            <a:pPr lvl="1"/>
+            <a:r>
+              <a:rPr lang="fr-FR" dirty="0" smtClean="0"/>
+              <a:t>Finir vérification document </a:t>
+            </a:r>
+            <a:r>
+              <a:rPr lang="fr-FR" dirty="0" err="1" smtClean="0"/>
+              <a:t>excel</a:t>
+            </a:r>
+            <a:endParaRPr lang="fr-FR" dirty="0" smtClean="0"/>
+          </a:p>
+          <a:p>
+            <a:pPr lvl="1"/>
+            <a:r>
+              <a:rPr lang="fr-FR" dirty="0" smtClean="0"/>
+              <a:t>Cas d’erreur</a:t>
+            </a:r>
+          </a:p>
+          <a:p>
+            <a:pPr lvl="1"/>
+            <a:endParaRPr lang="fr-FR" dirty="0"/>
+          </a:p>
+          <a:p>
+            <a:pPr lvl="1"/>
+            <a:endParaRPr lang="fr-FR" dirty="0" smtClean="0"/>
+          </a:p>
+          <a:p>
+            <a:pPr lvl="1"/>
+            <a:endParaRPr lang="fr-FR" dirty="0"/>
+          </a:p>
+        </p:txBody>
+      </p:sp>
+      <p:sp>
+        <p:nvSpPr>
+          <p:cNvPr id="5" name="Espace réservé du numéro de diapositive 4"/>
+          <p:cNvSpPr>
+            <a:spLocks noGrp="1"/>
+          </p:cNvSpPr>
+          <p:nvPr>
+            <p:ph type="sldNum" sz="quarter" idx="12"/>
+          </p:nvPr>
+        </p:nvSpPr>
+        <p:spPr/>
+        <p:txBody>
+          <a:bodyPr/>
+          <a:lstStyle/>
+          <a:p>
+            <a:pPr>
+              <a:defRPr/>
+            </a:pPr>
+            <a:fld id="{61DFC3F3-F69D-4837-9DC8-BB26BAF3FB8D}" type="slidenum">
+              <a:rPr lang="fr-FR" smtClean="0"/>
+              <a:pPr>
+                <a:defRPr/>
+              </a:pPr>
+              <a:t>14</a:t>
+            </a:fld>
+            <a:endParaRPr lang="fr-FR"/>
+          </a:p>
+        </p:txBody>
+      </p:sp>
+    </p:spTree>
     <p:extLst>
       <p:ext uri="{BB962C8B-B14F-4D97-AF65-F5344CB8AC3E}">
-        <p14:creationId xmlns:p14="http://schemas.microsoft.com/office/powerpoint/2010/main" xmlns="" val="1210220734"/>
+        <p14:creationId xmlns:p14="http://schemas.microsoft.com/office/powerpoint/2010/main" val="1210220734"/>
       </p:ext>
     </p:extLst>
   </p:cSld>
@@ -5946,7 +6146,7 @@
     </p:spTree>
     <p:extLst>
       <p:ext uri="{BB962C8B-B14F-4D97-AF65-F5344CB8AC3E}">
-        <p14:creationId xmlns:p14="http://schemas.microsoft.com/office/powerpoint/2010/main" xmlns="" val="3327724999"/>
+        <p14:creationId xmlns:p14="http://schemas.microsoft.com/office/powerpoint/2010/main" val="3327724999"/>
       </p:ext>
     </p:extLst>
   </p:cSld>
@@ -6106,7 +6306,7 @@
     </p:spTree>
     <p:extLst>
       <p:ext uri="{BB962C8B-B14F-4D97-AF65-F5344CB8AC3E}">
-        <p14:creationId xmlns:p14="http://schemas.microsoft.com/office/powerpoint/2010/main" xmlns="" val="550898158"/>
+        <p14:creationId xmlns:p14="http://schemas.microsoft.com/office/powerpoint/2010/main" val="550898158"/>
       </p:ext>
     </p:extLst>
   </p:cSld>
@@ -6178,7 +6378,7 @@
             <p:ph idx="1"/>
             <p:extLst>
               <p:ext uri="{D42A27DB-BD31-4B8C-83A1-F6EECF244321}">
-                <p14:modId xmlns:p14="http://schemas.microsoft.com/office/powerpoint/2010/main" xmlns="" val="530910969"/>
+                <p14:modId xmlns:p14="http://schemas.microsoft.com/office/powerpoint/2010/main" val="530910969"/>
               </p:ext>
             </p:extLst>
           </p:nvPr>
@@ -6196,7 +6396,7 @@
     </p:spTree>
     <p:extLst>
       <p:ext uri="{BB962C8B-B14F-4D97-AF65-F5344CB8AC3E}">
-        <p14:creationId xmlns:p14="http://schemas.microsoft.com/office/powerpoint/2010/main" xmlns="" val="4252606673"/>
+        <p14:creationId xmlns:p14="http://schemas.microsoft.com/office/powerpoint/2010/main" val="4252606673"/>
       </p:ext>
     </p:extLst>
   </p:cSld>
@@ -6340,7 +6540,7 @@
     </p:spTree>
     <p:extLst>
       <p:ext uri="{BB962C8B-B14F-4D97-AF65-F5344CB8AC3E}">
-        <p14:creationId xmlns:p14="http://schemas.microsoft.com/office/powerpoint/2010/main" xmlns="" val="835916153"/>
+        <p14:creationId xmlns:p14="http://schemas.microsoft.com/office/powerpoint/2010/main" val="835916153"/>
       </p:ext>
     </p:extLst>
   </p:cSld>
@@ -6486,7 +6686,7 @@
     </p:spTree>
     <p:extLst>
       <p:ext uri="{BB962C8B-B14F-4D97-AF65-F5344CB8AC3E}">
-        <p14:creationId xmlns:p14="http://schemas.microsoft.com/office/powerpoint/2010/main" xmlns="" val="1057009773"/>
+        <p14:creationId xmlns:p14="http://schemas.microsoft.com/office/powerpoint/2010/main" val="1057009773"/>
       </p:ext>
     </p:extLst>
   </p:cSld>
@@ -6638,7 +6838,7 @@
     </p:spTree>
     <p:extLst>
       <p:ext uri="{BB962C8B-B14F-4D97-AF65-F5344CB8AC3E}">
-        <p14:creationId xmlns:p14="http://schemas.microsoft.com/office/powerpoint/2010/main" xmlns="" val="2301766036"/>
+        <p14:creationId xmlns:p14="http://schemas.microsoft.com/office/powerpoint/2010/main" val="2301766036"/>
       </p:ext>
     </p:extLst>
   </p:cSld>
@@ -6770,7 +6970,7 @@
     </p:spTree>
     <p:extLst>
       <p:ext uri="{BB962C8B-B14F-4D97-AF65-F5344CB8AC3E}">
-        <p14:creationId xmlns:p14="http://schemas.microsoft.com/office/powerpoint/2010/main" xmlns="" val="1524745049"/>
+        <p14:creationId xmlns:p14="http://schemas.microsoft.com/office/powerpoint/2010/main" val="1524745049"/>
       </p:ext>
     </p:extLst>
   </p:cSld>
@@ -6814,7 +7014,7 @@
             <p:ph sz="half" idx="1"/>
             <p:extLst>
               <p:ext uri="{D42A27DB-BD31-4B8C-83A1-F6EECF244321}">
-                <p14:modId xmlns:p14="http://schemas.microsoft.com/office/powerpoint/2010/main" xmlns="" val="4192479816"/>
+                <p14:modId xmlns:p14="http://schemas.microsoft.com/office/powerpoint/2010/main" val="4192479816"/>
               </p:ext>
             </p:extLst>
           </p:nvPr>
@@ -7559,7 +7759,7 @@
           <a:blip r:embed="rId2">
             <a:extLst>
               <a:ext uri="{28A0092B-C50C-407E-A947-70E740481C1C}">
-                <a14:useLocalDpi xmlns:a14="http://schemas.microsoft.com/office/drawing/2010/main" xmlns="" val="0"/>
+                <a14:useLocalDpi xmlns:a14="http://schemas.microsoft.com/office/drawing/2010/main" val="0"/>
               </a:ext>
             </a:extLst>
           </a:blip>
@@ -7579,7 +7779,7 @@
           <a:noFill/>
           <a:extLst>
             <a:ext uri="{909E8E84-426E-40DD-AFC4-6F175D3DCCD1}">
-              <a14:hiddenFill xmlns:a14="http://schemas.microsoft.com/office/drawing/2010/main" xmlns="">
+              <a14:hiddenFill xmlns:a14="http://schemas.microsoft.com/office/drawing/2010/main">
                 <a:solidFill>
                   <a:srgbClr val="FFFFFF"/>
                 </a:solidFill>
@@ -7600,7 +7800,7 @@
           <a:blip r:embed="rId2">
             <a:extLst>
               <a:ext uri="{28A0092B-C50C-407E-A947-70E740481C1C}">
-                <a14:useLocalDpi xmlns:a14="http://schemas.microsoft.com/office/drawing/2010/main" xmlns="" val="0"/>
+                <a14:useLocalDpi xmlns:a14="http://schemas.microsoft.com/office/drawing/2010/main" val="0"/>
               </a:ext>
             </a:extLst>
           </a:blip>
@@ -7620,7 +7820,7 @@
           <a:noFill/>
           <a:extLst>
             <a:ext uri="{909E8E84-426E-40DD-AFC4-6F175D3DCCD1}">
-              <a14:hiddenFill xmlns:a14="http://schemas.microsoft.com/office/drawing/2010/main" xmlns="">
+              <a14:hiddenFill xmlns:a14="http://schemas.microsoft.com/office/drawing/2010/main">
                 <a:solidFill>
                   <a:srgbClr val="FFFFFF"/>
                 </a:solidFill>
@@ -7641,7 +7841,7 @@
           <a:blip r:embed="rId2">
             <a:extLst>
               <a:ext uri="{28A0092B-C50C-407E-A947-70E740481C1C}">
-                <a14:useLocalDpi xmlns:a14="http://schemas.microsoft.com/office/drawing/2010/main" xmlns="" val="0"/>
+                <a14:useLocalDpi xmlns:a14="http://schemas.microsoft.com/office/drawing/2010/main" val="0"/>
               </a:ext>
             </a:extLst>
           </a:blip>
@@ -7661,7 +7861,7 @@
           <a:noFill/>
           <a:extLst>
             <a:ext uri="{909E8E84-426E-40DD-AFC4-6F175D3DCCD1}">
-              <a14:hiddenFill xmlns:a14="http://schemas.microsoft.com/office/drawing/2010/main" xmlns="">
+              <a14:hiddenFill xmlns:a14="http://schemas.microsoft.com/office/drawing/2010/main">
                 <a:solidFill>
                   <a:srgbClr val="FFFFFF"/>
                 </a:solidFill>
@@ -7682,7 +7882,7 @@
           <a:blip r:embed="rId3">
             <a:extLst>
               <a:ext uri="{28A0092B-C50C-407E-A947-70E740481C1C}">
-                <a14:useLocalDpi xmlns:a14="http://schemas.microsoft.com/office/drawing/2010/main" xmlns="" val="0"/>
+                <a14:useLocalDpi xmlns:a14="http://schemas.microsoft.com/office/drawing/2010/main" val="0"/>
               </a:ext>
             </a:extLst>
           </a:blip>
@@ -7702,7 +7902,7 @@
           <a:noFill/>
           <a:extLst>
             <a:ext uri="{909E8E84-426E-40DD-AFC4-6F175D3DCCD1}">
-              <a14:hiddenFill xmlns:a14="http://schemas.microsoft.com/office/drawing/2010/main" xmlns="">
+              <a14:hiddenFill xmlns:a14="http://schemas.microsoft.com/office/drawing/2010/main">
                 <a:solidFill>
                   <a:srgbClr val="FFFFFF"/>
                 </a:solidFill>
@@ -7723,7 +7923,7 @@
           <a:blip r:embed="rId3">
             <a:extLst>
               <a:ext uri="{28A0092B-C50C-407E-A947-70E740481C1C}">
-                <a14:useLocalDpi xmlns:a14="http://schemas.microsoft.com/office/drawing/2010/main" xmlns="" val="0"/>
+                <a14:useLocalDpi xmlns:a14="http://schemas.microsoft.com/office/drawing/2010/main" val="0"/>
               </a:ext>
             </a:extLst>
           </a:blip>
@@ -7743,7 +7943,7 @@
           <a:noFill/>
           <a:extLst>
             <a:ext uri="{909E8E84-426E-40DD-AFC4-6F175D3DCCD1}">
-              <a14:hiddenFill xmlns:a14="http://schemas.microsoft.com/office/drawing/2010/main" xmlns="">
+              <a14:hiddenFill xmlns:a14="http://schemas.microsoft.com/office/drawing/2010/main">
                 <a:solidFill>
                   <a:srgbClr val="FFFFFF"/>
                 </a:solidFill>
@@ -7764,7 +7964,7 @@
           <a:blip r:embed="rId4">
             <a:extLst>
               <a:ext uri="{28A0092B-C50C-407E-A947-70E740481C1C}">
-                <a14:useLocalDpi xmlns:a14="http://schemas.microsoft.com/office/drawing/2010/main" xmlns="" val="0"/>
+                <a14:useLocalDpi xmlns:a14="http://schemas.microsoft.com/office/drawing/2010/main" val="0"/>
               </a:ext>
             </a:extLst>
           </a:blip>
@@ -7784,7 +7984,7 @@
           <a:noFill/>
           <a:extLst>
             <a:ext uri="{909E8E84-426E-40DD-AFC4-6F175D3DCCD1}">
-              <a14:hiddenFill xmlns:a14="http://schemas.microsoft.com/office/drawing/2010/main" xmlns="">
+              <a14:hiddenFill xmlns:a14="http://schemas.microsoft.com/office/drawing/2010/main">
                 <a:solidFill>
                   <a:srgbClr val="FFFFFF"/>
                 </a:solidFill>
@@ -7805,7 +8005,7 @@
           <a:blip r:embed="rId2">
             <a:extLst>
               <a:ext uri="{28A0092B-C50C-407E-A947-70E740481C1C}">
-                <a14:useLocalDpi xmlns:a14="http://schemas.microsoft.com/office/drawing/2010/main" xmlns="" val="0"/>
+                <a14:useLocalDpi xmlns:a14="http://schemas.microsoft.com/office/drawing/2010/main" val="0"/>
               </a:ext>
             </a:extLst>
           </a:blip>
@@ -7825,7 +8025,7 @@
           <a:noFill/>
           <a:extLst>
             <a:ext uri="{909E8E84-426E-40DD-AFC4-6F175D3DCCD1}">
-              <a14:hiddenFill xmlns:a14="http://schemas.microsoft.com/office/drawing/2010/main" xmlns="">
+              <a14:hiddenFill xmlns:a14="http://schemas.microsoft.com/office/drawing/2010/main">
                 <a:solidFill>
                   <a:srgbClr val="FFFFFF"/>
                 </a:solidFill>
@@ -7846,7 +8046,7 @@
           <a:blip r:embed="rId2">
             <a:extLst>
               <a:ext uri="{28A0092B-C50C-407E-A947-70E740481C1C}">
-                <a14:useLocalDpi xmlns:a14="http://schemas.microsoft.com/office/drawing/2010/main" xmlns="" val="0"/>
+                <a14:useLocalDpi xmlns:a14="http://schemas.microsoft.com/office/drawing/2010/main" val="0"/>
               </a:ext>
             </a:extLst>
           </a:blip>
@@ -7866,7 +8066,7 @@
           <a:noFill/>
           <a:extLst>
             <a:ext uri="{909E8E84-426E-40DD-AFC4-6F175D3DCCD1}">
-              <a14:hiddenFill xmlns:a14="http://schemas.microsoft.com/office/drawing/2010/main" xmlns="">
+              <a14:hiddenFill xmlns:a14="http://schemas.microsoft.com/office/drawing/2010/main">
                 <a:solidFill>
                   <a:srgbClr val="FFFFFF"/>
                 </a:solidFill>
@@ -7887,7 +8087,7 @@
           <a:blip r:embed="rId2">
             <a:extLst>
               <a:ext uri="{28A0092B-C50C-407E-A947-70E740481C1C}">
-                <a14:useLocalDpi xmlns:a14="http://schemas.microsoft.com/office/drawing/2010/main" xmlns="" val="0"/>
+                <a14:useLocalDpi xmlns:a14="http://schemas.microsoft.com/office/drawing/2010/main" val="0"/>
               </a:ext>
             </a:extLst>
           </a:blip>
@@ -7907,7 +8107,7 @@
           <a:noFill/>
           <a:extLst>
             <a:ext uri="{909E8E84-426E-40DD-AFC4-6F175D3DCCD1}">
-              <a14:hiddenFill xmlns:a14="http://schemas.microsoft.com/office/drawing/2010/main" xmlns="">
+              <a14:hiddenFill xmlns:a14="http://schemas.microsoft.com/office/drawing/2010/main">
                 <a:solidFill>
                   <a:srgbClr val="FFFFFF"/>
                 </a:solidFill>
@@ -7928,7 +8128,7 @@
           <a:blip r:embed="rId3">
             <a:extLst>
               <a:ext uri="{28A0092B-C50C-407E-A947-70E740481C1C}">
-                <a14:useLocalDpi xmlns:a14="http://schemas.microsoft.com/office/drawing/2010/main" xmlns="" val="0"/>
+                <a14:useLocalDpi xmlns:a14="http://schemas.microsoft.com/office/drawing/2010/main" val="0"/>
               </a:ext>
             </a:extLst>
           </a:blip>
@@ -7948,7 +8148,7 @@
           <a:noFill/>
           <a:extLst>
             <a:ext uri="{909E8E84-426E-40DD-AFC4-6F175D3DCCD1}">
-              <a14:hiddenFill xmlns:a14="http://schemas.microsoft.com/office/drawing/2010/main" xmlns="">
+              <a14:hiddenFill xmlns:a14="http://schemas.microsoft.com/office/drawing/2010/main">
                 <a:solidFill>
                   <a:srgbClr val="FFFFFF"/>
                 </a:solidFill>
@@ -7969,7 +8169,7 @@
           <a:blip r:embed="rId2">
             <a:extLst>
               <a:ext uri="{28A0092B-C50C-407E-A947-70E740481C1C}">
-                <a14:useLocalDpi xmlns:a14="http://schemas.microsoft.com/office/drawing/2010/main" xmlns="" val="0"/>
+                <a14:useLocalDpi xmlns:a14="http://schemas.microsoft.com/office/drawing/2010/main" val="0"/>
               </a:ext>
             </a:extLst>
           </a:blip>
@@ -7989,7 +8189,7 @@
           <a:noFill/>
           <a:extLst>
             <a:ext uri="{909E8E84-426E-40DD-AFC4-6F175D3DCCD1}">
-              <a14:hiddenFill xmlns:a14="http://schemas.microsoft.com/office/drawing/2010/main" xmlns="">
+              <a14:hiddenFill xmlns:a14="http://schemas.microsoft.com/office/drawing/2010/main">
                 <a:solidFill>
                   <a:srgbClr val="FFFFFF"/>
                 </a:solidFill>
@@ -8010,7 +8210,7 @@
           <a:blip r:embed="rId2">
             <a:extLst>
               <a:ext uri="{28A0092B-C50C-407E-A947-70E740481C1C}">
-                <a14:useLocalDpi xmlns:a14="http://schemas.microsoft.com/office/drawing/2010/main" xmlns="" val="0"/>
+                <a14:useLocalDpi xmlns:a14="http://schemas.microsoft.com/office/drawing/2010/main" val="0"/>
               </a:ext>
             </a:extLst>
           </a:blip>
@@ -8030,7 +8230,7 @@
           <a:noFill/>
           <a:extLst>
             <a:ext uri="{909E8E84-426E-40DD-AFC4-6F175D3DCCD1}">
-              <a14:hiddenFill xmlns:a14="http://schemas.microsoft.com/office/drawing/2010/main" xmlns="">
+              <a14:hiddenFill xmlns:a14="http://schemas.microsoft.com/office/drawing/2010/main">
                 <a:solidFill>
                   <a:srgbClr val="FFFFFF"/>
                 </a:solidFill>
@@ -8051,7 +8251,7 @@
           <a:blip r:embed="rId2">
             <a:extLst>
               <a:ext uri="{28A0092B-C50C-407E-A947-70E740481C1C}">
-                <a14:useLocalDpi xmlns:a14="http://schemas.microsoft.com/office/drawing/2010/main" xmlns="" val="0"/>
+                <a14:useLocalDpi xmlns:a14="http://schemas.microsoft.com/office/drawing/2010/main" val="0"/>
               </a:ext>
             </a:extLst>
           </a:blip>
@@ -8071,7 +8271,7 @@
           <a:noFill/>
           <a:extLst>
             <a:ext uri="{909E8E84-426E-40DD-AFC4-6F175D3DCCD1}">
-              <a14:hiddenFill xmlns:a14="http://schemas.microsoft.com/office/drawing/2010/main" xmlns="">
+              <a14:hiddenFill xmlns:a14="http://schemas.microsoft.com/office/drawing/2010/main">
                 <a:solidFill>
                   <a:srgbClr val="FFFFFF"/>
                 </a:solidFill>
@@ -8092,7 +8292,7 @@
           <a:blip r:embed="rId2">
             <a:extLst>
               <a:ext uri="{28A0092B-C50C-407E-A947-70E740481C1C}">
-                <a14:useLocalDpi xmlns:a14="http://schemas.microsoft.com/office/drawing/2010/main" xmlns="" val="0"/>
+                <a14:useLocalDpi xmlns:a14="http://schemas.microsoft.com/office/drawing/2010/main" val="0"/>
               </a:ext>
             </a:extLst>
           </a:blip>
@@ -8112,7 +8312,7 @@
           <a:noFill/>
           <a:extLst>
             <a:ext uri="{909E8E84-426E-40DD-AFC4-6F175D3DCCD1}">
-              <a14:hiddenFill xmlns:a14="http://schemas.microsoft.com/office/drawing/2010/main" xmlns="">
+              <a14:hiddenFill xmlns:a14="http://schemas.microsoft.com/office/drawing/2010/main">
                 <a:solidFill>
                   <a:srgbClr val="FFFFFF"/>
                 </a:solidFill>
@@ -8133,7 +8333,7 @@
           <a:blip r:embed="rId3">
             <a:extLst>
               <a:ext uri="{28A0092B-C50C-407E-A947-70E740481C1C}">
-                <a14:useLocalDpi xmlns:a14="http://schemas.microsoft.com/office/drawing/2010/main" xmlns="" val="0"/>
+                <a14:useLocalDpi xmlns:a14="http://schemas.microsoft.com/office/drawing/2010/main" val="0"/>
               </a:ext>
             </a:extLst>
           </a:blip>
@@ -8153,7 +8353,7 @@
           <a:noFill/>
           <a:extLst>
             <a:ext uri="{909E8E84-426E-40DD-AFC4-6F175D3DCCD1}">
-              <a14:hiddenFill xmlns:a14="http://schemas.microsoft.com/office/drawing/2010/main" xmlns="">
+              <a14:hiddenFill xmlns:a14="http://schemas.microsoft.com/office/drawing/2010/main">
                 <a:solidFill>
                   <a:srgbClr val="FFFFFF"/>
                 </a:solidFill>
@@ -8174,7 +8374,7 @@
           <a:blip r:embed="rId3">
             <a:extLst>
               <a:ext uri="{28A0092B-C50C-407E-A947-70E740481C1C}">
-                <a14:useLocalDpi xmlns:a14="http://schemas.microsoft.com/office/drawing/2010/main" xmlns="" val="0"/>
+                <a14:useLocalDpi xmlns:a14="http://schemas.microsoft.com/office/drawing/2010/main" val="0"/>
               </a:ext>
             </a:extLst>
           </a:blip>
@@ -8194,7 +8394,7 @@
           <a:noFill/>
           <a:extLst>
             <a:ext uri="{909E8E84-426E-40DD-AFC4-6F175D3DCCD1}">
-              <a14:hiddenFill xmlns:a14="http://schemas.microsoft.com/office/drawing/2010/main" xmlns="">
+              <a14:hiddenFill xmlns:a14="http://schemas.microsoft.com/office/drawing/2010/main">
                 <a:solidFill>
                   <a:srgbClr val="FFFFFF"/>
                 </a:solidFill>
@@ -8215,7 +8415,7 @@
           <a:blip r:embed="rId4">
             <a:extLst>
               <a:ext uri="{28A0092B-C50C-407E-A947-70E740481C1C}">
-                <a14:useLocalDpi xmlns:a14="http://schemas.microsoft.com/office/drawing/2010/main" xmlns="" val="0"/>
+                <a14:useLocalDpi xmlns:a14="http://schemas.microsoft.com/office/drawing/2010/main" val="0"/>
               </a:ext>
             </a:extLst>
           </a:blip>
@@ -8235,7 +8435,7 @@
           <a:noFill/>
           <a:extLst>
             <a:ext uri="{909E8E84-426E-40DD-AFC4-6F175D3DCCD1}">
-              <a14:hiddenFill xmlns:a14="http://schemas.microsoft.com/office/drawing/2010/main" xmlns="">
+              <a14:hiddenFill xmlns:a14="http://schemas.microsoft.com/office/drawing/2010/main">
                 <a:solidFill>
                   <a:srgbClr val="FFFFFF"/>
                 </a:solidFill>
@@ -8247,7 +8447,7 @@
     </p:spTree>
     <p:extLst>
       <p:ext uri="{BB962C8B-B14F-4D97-AF65-F5344CB8AC3E}">
-        <p14:creationId xmlns:p14="http://schemas.microsoft.com/office/powerpoint/2010/main" xmlns="" val="1427237803"/>
+        <p14:creationId xmlns:p14="http://schemas.microsoft.com/office/powerpoint/2010/main" val="1427237803"/>
       </p:ext>
     </p:extLst>
   </p:cSld>
@@ -9071,6 +9271,14 @@
 </file>
 
 <file path=customXml/item1.xml><?xml version="1.0" encoding="utf-8"?>
+<ct:contentTypeSchema xmlns:ct="http://schemas.microsoft.com/office/2006/metadata/contentType" xmlns:ma="http://schemas.microsoft.com/office/2006/metadata/properties/metaAttributes" ct:_="" ma:_="" ma:contentTypeName="TemplateFile" ma:contentTypeID="0x01010069924D1ECC420D47A2456556BC94F7370400BDF4491DEA4973499845289601F88B9F" ma:contentTypeVersion="33" ma:contentTypeDescription="Create a new document." ma:contentTypeScope="" ma:versionID="88ac0aa07b72c9aa809fa1ac53baba74"/>
+</file>
+
+<file path=customXml/item2.xml><?xml version="1.0" encoding="utf-8"?>
+<p:properties xmlns:p="http://schemas.microsoft.com/office/2006/metadata/properties" xmlns:xsi="http://www.w3.org/2001/XMLSchema-instance" xmlns:pc="http://schemas.microsoft.com/office/infopath/2007/PartnerControls"/>
+</file>
+
+<file path=customXml/item3.xml><?xml version="1.0" encoding="utf-8"?>
 <?mso-contentType ?>
 <FormTemplates xmlns="http://schemas.microsoft.com/sharepoint/v3/contenttype/forms">
   <Display>DocumentLibraryForm</Display>
@@ -9079,18 +9287,11 @@
 </FormTemplates>
 </file>
 
-<file path=customXml/item2.xml><?xml version="1.0" encoding="utf-8"?>
-<p:properties xmlns:p="http://schemas.microsoft.com/office/2006/metadata/properties" xmlns:xsi="http://www.w3.org/2001/XMLSchema-instance" xmlns:pc="http://schemas.microsoft.com/office/infopath/2007/PartnerControls"/>
-</file>
-
-<file path=customXml/item3.xml><?xml version="1.0" encoding="utf-8"?>
-<ct:contentTypeSchema xmlns:ct="http://schemas.microsoft.com/office/2006/metadata/contentType" xmlns:ma="http://schemas.microsoft.com/office/2006/metadata/properties/metaAttributes" ct:_="" ma:_="" ma:contentTypeName="TemplateFile" ma:contentTypeID="0x01010069924D1ECC420D47A2456556BC94F7370400BDF4491DEA4973499845289601F88B9F" ma:contentTypeVersion="33" ma:contentTypeDescription="Create a new document." ma:contentTypeScope="" ma:versionID="88ac0aa07b72c9aa809fa1ac53baba74"/>
-</file>
-
 <file path=customXml/itemProps1.xml><?xml version="1.0" encoding="utf-8"?>
-<ds:datastoreItem xmlns:ds="http://schemas.openxmlformats.org/officeDocument/2006/customXml" ds:itemID="{19596DCE-F5C7-4BA8-8C0E-563C7612AC94}">
+<ds:datastoreItem xmlns:ds="http://schemas.openxmlformats.org/officeDocument/2006/customXml" ds:itemID="{AADC9AFC-E9BE-407C-9919-F905586C6F5A}">
   <ds:schemaRefs>
-    <ds:schemaRef ds:uri="http://schemas.microsoft.com/sharepoint/v3/contenttype/forms"/>
+    <ds:schemaRef ds:uri="http://schemas.microsoft.com/office/2006/metadata/contentType"/>
+    <ds:schemaRef ds:uri="http://schemas.microsoft.com/office/2006/metadata/properties/metaAttributes"/>
   </ds:schemaRefs>
 </ds:datastoreItem>
 </file>
@@ -9105,10 +9306,9 @@
 </file>
 
 <file path=customXml/itemProps3.xml><?xml version="1.0" encoding="utf-8"?>
-<ds:datastoreItem xmlns:ds="http://schemas.openxmlformats.org/officeDocument/2006/customXml" ds:itemID="{AADC9AFC-E9BE-407C-9919-F905586C6F5A}">
+<ds:datastoreItem xmlns:ds="http://schemas.openxmlformats.org/officeDocument/2006/customXml" ds:itemID="{19596DCE-F5C7-4BA8-8C0E-563C7612AC94}">
   <ds:schemaRefs>
-    <ds:schemaRef ds:uri="http://schemas.microsoft.com/office/2006/metadata/contentType"/>
-    <ds:schemaRef ds:uri="http://schemas.microsoft.com/office/2006/metadata/properties/metaAttributes"/>
+    <ds:schemaRef ds:uri="http://schemas.microsoft.com/sharepoint/v3/contenttype/forms"/>
   </ds:schemaRefs>
 </ds:datastoreItem>
 </file>
--- a/trunk/PROJET/Presentation/PRE_26-01-11.pptx
+++ b/trunk/PROJET/Presentation/PRE_26-01-11.pptx
@@ -5,10 +5,10 @@
     <p:sldMasterId id="2147483779" r:id="rId4"/>
   </p:sldMasterIdLst>
   <p:notesMasterIdLst>
-    <p:notesMasterId r:id="rId19"/>
+    <p:notesMasterId r:id="rId20"/>
   </p:notesMasterIdLst>
   <p:handoutMasterIdLst>
-    <p:handoutMasterId r:id="rId20"/>
+    <p:handoutMasterId r:id="rId21"/>
   </p:handoutMasterIdLst>
   <p:sldIdLst>
     <p:sldId id="264" r:id="rId5"/>
@@ -21,10 +21,11 @@
     <p:sldId id="326" r:id="rId12"/>
     <p:sldId id="327" r:id="rId13"/>
     <p:sldId id="319" r:id="rId14"/>
-    <p:sldId id="312" r:id="rId15"/>
-    <p:sldId id="330" r:id="rId16"/>
-    <p:sldId id="329" r:id="rId17"/>
-    <p:sldId id="328" r:id="rId18"/>
+    <p:sldId id="331" r:id="rId15"/>
+    <p:sldId id="312" r:id="rId16"/>
+    <p:sldId id="330" r:id="rId17"/>
+    <p:sldId id="329" r:id="rId18"/>
+    <p:sldId id="328" r:id="rId19"/>
   </p:sldIdLst>
   <p:sldSz cx="9144000" cy="6858000" type="screen4x3"/>
   <p:notesSz cx="6858000" cy="9004300"/>
@@ -36,7 +37,7 @@
     </p:custShow>
   </p:custShowLst>
   <p:custDataLst>
-    <p:tags r:id="rId21"/>
+    <p:tags r:id="rId22"/>
   </p:custDataLst>
   <p:defaultTextStyle>
     <a:defPPr>
@@ -197,7 +198,17 @@
       <c:thickness val="0"/>
     </c:backWall>
     <c:plotArea>
-      <c:layout/>
+      <c:layout>
+        <c:manualLayout>
+          <c:layoutTarget val="inner"/>
+          <c:xMode val="edge"/>
+          <c:yMode val="edge"/>
+          <c:x val="0.17879409846373834"/>
+          <c:y val="8.7546591282287312E-2"/>
+          <c:w val="0.80200924387086248"/>
+          <c:h val="0.88725779553187623"/>
+        </c:manualLayout>
+      </c:layout>
       <c:bar3DChart>
         <c:barDir val="bar"/>
         <c:grouping val="clustered"/>
@@ -218,6 +229,21 @@
           </c:tx>
           <c:invertIfNegative val="0"/>
           <c:dLbls>
+            <c:dLbl>
+              <c:idx val="4"/>
+              <c:layout>
+                <c:manualLayout>
+                  <c:x val="-6.838809293298477E-2"/>
+                  <c:y val="7.5586686949313323E-2"/>
+                </c:manualLayout>
+              </c:layout>
+              <c:showLegendKey val="0"/>
+              <c:showVal val="1"/>
+              <c:showCatName val="0"/>
+              <c:showSerName val="0"/>
+              <c:showPercent val="0"/>
+              <c:showBubbleSize val="0"/>
+            </c:dLbl>
             <c:txPr>
               <a:bodyPr/>
               <a:lstStyle/>
@@ -248,7 +274,7 @@
                   <c:v>Alim / ETL</c:v>
                 </c:pt>
                 <c:pt idx="2">
-                  <c:v>Restitution / Interface</c:v>
+                  <c:v>Restitution</c:v>
                 </c:pt>
                 <c:pt idx="3">
                   <c:v>Direction</c:v>
@@ -336,7 +362,7 @@
                   <c:v>Alim / ETL</c:v>
                 </c:pt>
                 <c:pt idx="2">
-                  <c:v>Restitution / Interface</c:v>
+                  <c:v>Restitution</c:v>
                 </c:pt>
                 <c:pt idx="3">
                   <c:v>Direction</c:v>
@@ -424,7 +450,7 @@
                   <c:v>Alim / ETL</c:v>
                 </c:pt>
                 <c:pt idx="2">
-                  <c:v>Restitution / Interface</c:v>
+                  <c:v>Restitution</c:v>
                 </c:pt>
                 <c:pt idx="3">
                   <c:v>Direction</c:v>
@@ -476,12 +502,12 @@
         </c:dLbls>
         <c:gapWidth val="150"/>
         <c:shape val="box"/>
-        <c:axId val="92474368"/>
-        <c:axId val="85876032"/>
+        <c:axId val="7821568"/>
+        <c:axId val="7839744"/>
         <c:axId val="0"/>
       </c:bar3DChart>
       <c:catAx>
-        <c:axId val="92474368"/>
+        <c:axId val="7821568"/>
         <c:scaling>
           <c:orientation val="minMax"/>
         </c:scaling>
@@ -500,7 +526,7 @@
             <a:endParaRPr lang="fr-FR"/>
           </a:p>
         </c:txPr>
-        <c:crossAx val="85876032"/>
+        <c:crossAx val="7839744"/>
         <c:crosses val="autoZero"/>
         <c:auto val="1"/>
         <c:lblAlgn val="ctr"/>
@@ -508,7 +534,7 @@
         <c:noMultiLvlLbl val="0"/>
       </c:catAx>
       <c:valAx>
-        <c:axId val="85876032"/>
+        <c:axId val="7839744"/>
         <c:scaling>
           <c:orientation val="minMax"/>
         </c:scaling>
@@ -518,7 +544,7 @@
         <c:majorTickMark val="none"/>
         <c:minorTickMark val="none"/>
         <c:tickLblPos val="none"/>
-        <c:crossAx val="92474368"/>
+        <c:crossAx val="7821568"/>
         <c:crosses val="autoZero"/>
         <c:crossBetween val="between"/>
       </c:valAx>
@@ -1792,7 +1818,7 @@
               <a:pPr>
                 <a:defRPr/>
               </a:pPr>
-              <a:t>11</a:t>
+              <a:t>12</a:t>
             </a:fld>
             <a:endParaRPr lang="fr-FR"/>
           </a:p>
@@ -4980,6 +5006,9 @@
           </p:cNvSpPr>
           <p:nvPr>
             <p:ph type="ctrTitle"/>
+            <p:custDataLst>
+              <p:tags r:id="rId1"/>
+            </p:custDataLst>
           </p:nvPr>
         </p:nvSpPr>
         <p:spPr>
@@ -5031,7 +5060,11 @@
           <p:cNvSpPr txBox="1">
             <a:spLocks noGrp="1"/>
           </p:cNvSpPr>
-          <p:nvPr/>
+          <p:nvPr>
+            <p:custDataLst>
+              <p:tags r:id="rId2"/>
+            </p:custDataLst>
+          </p:nvPr>
         </p:nvSpPr>
         <p:spPr bwMode="auto">
           <a:xfrm>
@@ -5080,7 +5113,11 @@
           <p:cNvSpPr txBox="1">
             <a:spLocks noGrp="1"/>
           </p:cNvSpPr>
-          <p:nvPr/>
+          <p:nvPr>
+            <p:custDataLst>
+              <p:tags r:id="rId3"/>
+            </p:custDataLst>
+          </p:nvPr>
         </p:nvSpPr>
         <p:spPr bwMode="auto">
           <a:xfrm>
@@ -5163,6 +5200,9 @@
           </p:cNvSpPr>
           <p:nvPr>
             <p:ph type="title"/>
+            <p:custDataLst>
+              <p:tags r:id="rId1"/>
+            </p:custDataLst>
           </p:nvPr>
         </p:nvSpPr>
         <p:spPr/>
@@ -5186,6 +5226,9 @@
           </p:cNvSpPr>
           <p:nvPr>
             <p:ph sz="half" idx="1"/>
+            <p:custDataLst>
+              <p:tags r:id="rId2"/>
+            </p:custDataLst>
           </p:nvPr>
         </p:nvSpPr>
         <p:spPr>
@@ -5261,6 +5304,9 @@
           </p:cNvSpPr>
           <p:nvPr>
             <p:ph type="sldNum" sz="quarter" idx="12"/>
+            <p:custDataLst>
+              <p:tags r:id="rId3"/>
+            </p:custDataLst>
           </p:nvPr>
         </p:nvSpPr>
         <p:spPr/>
@@ -5327,6 +5373,9 @@
           </p:cNvSpPr>
           <p:nvPr>
             <p:ph type="title"/>
+            <p:custDataLst>
+              <p:tags r:id="rId1"/>
+            </p:custDataLst>
           </p:nvPr>
         </p:nvSpPr>
         <p:spPr/>
@@ -5336,7 +5385,11 @@
           <a:p>
             <a:r>
               <a:rPr lang="fr-FR" dirty="0" smtClean="0"/>
-              <a:t>Alimentation/ETL</a:t>
+              <a:t>Restitution - </a:t>
+            </a:r>
+            <a:r>
+              <a:rPr lang="fr-FR" dirty="0" smtClean="0"/>
+              <a:t>Jasper</a:t>
             </a:r>
             <a:endParaRPr lang="fr-FR" dirty="0"/>
           </a:p>
@@ -5350,67 +5403,44 @@
           </p:cNvSpPr>
           <p:nvPr>
             <p:ph sz="half" idx="1"/>
-          </p:nvPr>
-        </p:nvSpPr>
-        <p:spPr/>
+            <p:custDataLst>
+              <p:tags r:id="rId2"/>
+            </p:custDataLst>
+          </p:nvPr>
+        </p:nvSpPr>
+        <p:spPr>
+          <a:xfrm>
+            <a:off x="611560" y="1268760"/>
+            <a:ext cx="7440486" cy="5257800"/>
+          </a:xfrm>
+        </p:spPr>
         <p:txBody>
           <a:bodyPr/>
           <a:lstStyle/>
           <a:p>
-            <a:r>
-              <a:rPr lang="fr-FR" dirty="0" smtClean="0"/>
-              <a:t>Vérification de la structure du fichier Excel avant mise à jour de la BDD:</a:t>
-            </a:r>
-          </a:p>
-          <a:p>
-            <a:pPr lvl="1"/>
-            <a:r>
-              <a:rPr lang="fr-FR" dirty="0" smtClean="0"/>
-              <a:t>CU pour un fichier d’alimentation annuelle</a:t>
-            </a:r>
-          </a:p>
-          <a:p>
-            <a:pPr lvl="1"/>
-            <a:r>
-              <a:rPr lang="fr-FR" dirty="0" smtClean="0"/>
-              <a:t>CU pour un fichier d’alimentation mensuelle </a:t>
-            </a:r>
-            <a:r>
-              <a:rPr lang="fr-FR" dirty="0" smtClean="0">
-                <a:sym typeface="Wingdings" pitchFamily="2" charset="2"/>
-              </a:rPr>
-              <a:t></a:t>
-            </a:r>
             <a:endParaRPr lang="fr-FR" dirty="0" smtClean="0"/>
           </a:p>
           <a:p>
+            <a:endParaRPr lang="fr-FR" dirty="0" smtClean="0"/>
+          </a:p>
+          <a:p>
             <a:endParaRPr lang="fr-FR" dirty="0"/>
           </a:p>
-        </p:txBody>
-      </p:sp>
-      <p:pic>
-        <p:nvPicPr>
-          <p:cNvPr id="6" name="Espace réservé du contenu 4" descr="CU_VerifFichierMensuel.png"/>
-          <p:cNvPicPr>
-            <a:picLocks noGrp="1" noChangeAspect="1"/>
-          </p:cNvPicPr>
-          <p:nvPr>
-            <p:ph sz="half" idx="2"/>
-          </p:nvPr>
-        </p:nvPicPr>
-        <p:blipFill>
-          <a:blip r:embed="rId3" cstate="print"/>
-          <a:stretch>
-            <a:fillRect/>
-          </a:stretch>
-        </p:blipFill>
-        <p:spPr>
-          <a:xfrm>
-            <a:off x="4102953" y="1124744"/>
-            <a:ext cx="4069447" cy="5581872"/>
-          </a:xfrm>
-        </p:spPr>
-      </p:pic>
+          <a:p>
+            <a:pPr marL="114300" indent="0" algn="ctr">
+              <a:buNone/>
+            </a:pPr>
+            <a:r>
+              <a:rPr lang="fr-FR" sz="4000" dirty="0" smtClean="0"/>
+              <a:t>Démonstration</a:t>
+            </a:r>
+            <a:endParaRPr lang="fr-FR" sz="4000" dirty="0"/>
+          </a:p>
+          <a:p>
+            <a:endParaRPr lang="fr-FR" dirty="0"/>
+          </a:p>
+        </p:txBody>
+      </p:sp>
       <p:sp>
         <p:nvSpPr>
           <p:cNvPr id="5" name="Espace réservé du numéro de diapositive 4"/>
@@ -5419,6 +5449,9 @@
           </p:cNvSpPr>
           <p:nvPr>
             <p:ph type="sldNum" sz="quarter" idx="12"/>
+            <p:custDataLst>
+              <p:tags r:id="rId3"/>
+            </p:custDataLst>
           </p:nvPr>
         </p:nvSpPr>
         <p:spPr/>
@@ -5441,6 +5474,11 @@
         </p:txBody>
       </p:sp>
     </p:spTree>
+    <p:extLst>
+      <p:ext uri="{BB962C8B-B14F-4D97-AF65-F5344CB8AC3E}">
+        <p14:creationId xmlns:p14="http://schemas.microsoft.com/office/powerpoint/2010/main" val="3511922626"/>
+      </p:ext>
+    </p:extLst>
   </p:cSld>
   <p:clrMapOvr>
     <a:masterClrMapping/>
@@ -5480,6 +5518,9 @@
           </p:cNvSpPr>
           <p:nvPr>
             <p:ph type="title"/>
+            <p:custDataLst>
+              <p:tags r:id="rId1"/>
+            </p:custDataLst>
           </p:nvPr>
         </p:nvSpPr>
         <p:spPr/>
@@ -5489,7 +5530,7 @@
           <a:p>
             <a:r>
               <a:rPr lang="fr-FR" dirty="0" smtClean="0"/>
-              <a:t>ETL</a:t>
+              <a:t>Alimentation/ETL</a:t>
             </a:r>
             <a:endParaRPr lang="fr-FR" dirty="0"/>
           </a:p>
@@ -5502,67 +5543,85 @@
             <a:spLocks noGrp="1"/>
           </p:cNvSpPr>
           <p:nvPr>
-            <p:ph idx="1"/>
+            <p:ph sz="half" idx="1"/>
+            <p:custDataLst>
+              <p:tags r:id="rId2"/>
+            </p:custDataLst>
           </p:nvPr>
         </p:nvSpPr>
         <p:spPr/>
         <p:txBody>
-          <a:bodyPr>
-            <a:normAutofit lnSpcReduction="10000"/>
-          </a:bodyPr>
+          <a:bodyPr/>
           <a:lstStyle/>
           <a:p>
+            <a:r>
+              <a:rPr lang="fr-FR" dirty="0" smtClean="0"/>
+              <a:t>Vérification de la structure du fichier Excel avant mise à jour de la BDD:</a:t>
+            </a:r>
+          </a:p>
+          <a:p>
+            <a:pPr lvl="1"/>
+            <a:r>
+              <a:rPr lang="fr-FR" dirty="0" smtClean="0"/>
+              <a:t>CU pour un fichier d’alimentation annuelle</a:t>
+            </a:r>
+          </a:p>
+          <a:p>
+            <a:pPr lvl="1"/>
+            <a:r>
+              <a:rPr lang="fr-FR" dirty="0" smtClean="0"/>
+              <a:t>CU pour un fichier d’alimentation mensuelle </a:t>
+            </a:r>
+            <a:r>
+              <a:rPr lang="fr-FR" dirty="0" smtClean="0">
+                <a:sym typeface="Wingdings" pitchFamily="2" charset="2"/>
+              </a:rPr>
+              <a:t></a:t>
+            </a:r>
             <a:endParaRPr lang="fr-FR" dirty="0" smtClean="0"/>
           </a:p>
           <a:p>
-            <a:r>
-              <a:rPr lang="fr-FR" dirty="0" smtClean="0"/>
-              <a:t>Jobs globalement terminés</a:t>
-            </a:r>
-          </a:p>
-          <a:p>
             <a:endParaRPr lang="fr-FR" dirty="0"/>
           </a:p>
-          <a:p>
-            <a:r>
-              <a:rPr lang="fr-FR" dirty="0" smtClean="0"/>
-              <a:t>Procédure de vérification en Java intégrée</a:t>
-            </a:r>
-          </a:p>
-          <a:p>
-            <a:endParaRPr lang="fr-FR" dirty="0"/>
-          </a:p>
-          <a:p>
-            <a:r>
-              <a:rPr lang="fr-FR" dirty="0" smtClean="0"/>
-              <a:t>Il reste à faire :</a:t>
-            </a:r>
-          </a:p>
-          <a:p>
-            <a:pPr lvl="1"/>
-            <a:r>
-              <a:rPr lang="fr-FR" dirty="0" smtClean="0"/>
-              <a:t>l’implémentation des codes d’erreur</a:t>
-            </a:r>
-          </a:p>
-          <a:p>
-            <a:pPr lvl="1"/>
-            <a:r>
-              <a:rPr lang="fr-FR" dirty="0" smtClean="0"/>
-              <a:t>l’exécution de tests plus poussés</a:t>
-            </a:r>
-            <a:endParaRPr lang="fr-FR" dirty="0"/>
-          </a:p>
-        </p:txBody>
-      </p:sp>
-      <p:sp>
-        <p:nvSpPr>
-          <p:cNvPr id="4" name="Espace réservé du numéro de diapositive 3"/>
+        </p:txBody>
+      </p:sp>
+      <p:pic>
+        <p:nvPicPr>
+          <p:cNvPr id="6" name="Espace réservé du contenu 4" descr="CU_VerifFichierMensuel.png"/>
+          <p:cNvPicPr>
+            <a:picLocks noGrp="1" noChangeAspect="1"/>
+          </p:cNvPicPr>
+          <p:nvPr>
+            <p:ph sz="half" idx="2"/>
+            <p:custDataLst>
+              <p:tags r:id="rId3"/>
+            </p:custDataLst>
+          </p:nvPr>
+        </p:nvPicPr>
+        <p:blipFill>
+          <a:blip r:embed="rId7" cstate="print"/>
+          <a:stretch>
+            <a:fillRect/>
+          </a:stretch>
+        </p:blipFill>
+        <p:spPr>
+          <a:xfrm>
+            <a:off x="4102953" y="1124744"/>
+            <a:ext cx="4069447" cy="5581872"/>
+          </a:xfrm>
+        </p:spPr>
+      </p:pic>
+      <p:sp>
+        <p:nvSpPr>
+          <p:cNvPr id="5" name="Espace réservé du numéro de diapositive 4"/>
           <p:cNvSpPr>
             <a:spLocks noGrp="1"/>
           </p:cNvSpPr>
           <p:nvPr>
             <p:ph type="sldNum" sz="quarter" idx="12"/>
+            <p:custDataLst>
+              <p:tags r:id="rId4"/>
+            </p:custDataLst>
           </p:nvPr>
         </p:nvSpPr>
         <p:spPr/>
@@ -5573,7 +5632,7 @@
             <a:pPr>
               <a:defRPr/>
             </a:pPr>
-            <a:fld id="{38569939-3185-4A76-A6B2-22126B08A126}" type="slidenum">
+            <a:fld id="{61DFC3F3-F69D-4837-9DC8-BB26BAF3FB8D}" type="slidenum">
               <a:rPr lang="fr-FR" smtClean="0"/>
               <a:pPr>
                 <a:defRPr/>
@@ -5585,15 +5644,17 @@
         </p:txBody>
       </p:sp>
     </p:spTree>
-    <p:extLst>
-      <p:ext uri="{BB962C8B-B14F-4D97-AF65-F5344CB8AC3E}">
-        <p14:creationId xmlns:p14="http://schemas.microsoft.com/office/powerpoint/2010/main" val="4069470065"/>
-      </p:ext>
-    </p:extLst>
   </p:cSld>
   <p:clrMapOvr>
     <a:masterClrMapping/>
   </p:clrMapOvr>
+  <p:timing>
+    <p:tnLst>
+      <p:par>
+        <p:cTn id="1" dur="indefinite" restart="never" nodeType="tmRoot"/>
+      </p:par>
+    </p:tnLst>
+  </p:timing>
 </p:sld>
 </file>
 
@@ -5622,6 +5683,9 @@
           </p:cNvSpPr>
           <p:nvPr>
             <p:ph type="title"/>
+            <p:custDataLst>
+              <p:tags r:id="rId1"/>
+            </p:custDataLst>
           </p:nvPr>
         </p:nvSpPr>
         <p:spPr/>
@@ -5631,7 +5695,7 @@
           <a:p>
             <a:r>
               <a:rPr lang="fr-FR" dirty="0" smtClean="0"/>
-              <a:t>Recettes</a:t>
+              <a:t>ETL</a:t>
             </a:r>
             <a:endParaRPr lang="fr-FR" dirty="0"/>
           </a:p>
@@ -5644,47 +5708,73 @@
             <a:spLocks noGrp="1"/>
           </p:cNvSpPr>
           <p:nvPr>
-            <p:ph sz="half" idx="1"/>
-          </p:nvPr>
-        </p:nvSpPr>
-        <p:spPr>
-          <a:xfrm>
-            <a:off x="457200" y="1536192"/>
-            <a:ext cx="7400948" cy="4590288"/>
-          </a:xfrm>
-        </p:spPr>
-        <p:txBody>
-          <a:bodyPr/>
+            <p:ph idx="1"/>
+            <p:custDataLst>
+              <p:tags r:id="rId2"/>
+            </p:custDataLst>
+          </p:nvPr>
+        </p:nvSpPr>
+        <p:spPr/>
+        <p:txBody>
+          <a:bodyPr>
+            <a:normAutofit/>
+          </a:bodyPr>
           <a:lstStyle/>
           <a:p>
+            <a:endParaRPr lang="fr-FR" dirty="0" smtClean="0"/>
+          </a:p>
+          <a:p>
             <a:r>
               <a:rPr lang="fr-FR" dirty="0" smtClean="0"/>
-              <a:t>Ecriture des scénarios d’ergonomie, navigation et alimentation</a:t>
-            </a:r>
-          </a:p>
-          <a:p>
-            <a:pPr>
-              <a:buNone/>
-            </a:pPr>
-            <a:endParaRPr lang="fr-FR" dirty="0" smtClean="0"/>
+              <a:t>Jobs globalement terminés</a:t>
+            </a:r>
+          </a:p>
+          <a:p>
+            <a:endParaRPr lang="fr-FR" dirty="0"/>
           </a:p>
           <a:p>
             <a:r>
               <a:rPr lang="fr-FR" dirty="0" smtClean="0"/>
-              <a:t>Réalisation de fichiers défectueux pour les tests d’alimentation</a:t>
-            </a:r>
+              <a:t>Procédure de vérification en Java intégrée</a:t>
+            </a:r>
+          </a:p>
+          <a:p>
             <a:endParaRPr lang="fr-FR" dirty="0"/>
           </a:p>
-        </p:txBody>
-      </p:sp>
-      <p:sp>
-        <p:nvSpPr>
-          <p:cNvPr id="5" name="Espace réservé du numéro de diapositive 4"/>
+          <a:p>
+            <a:r>
+              <a:rPr lang="fr-FR" dirty="0" smtClean="0"/>
+              <a:t>Il reste à faire :</a:t>
+            </a:r>
+          </a:p>
+          <a:p>
+            <a:pPr lvl="1"/>
+            <a:r>
+              <a:rPr lang="fr-FR" dirty="0" smtClean="0"/>
+              <a:t>l’implémentation des codes d’erreur</a:t>
+            </a:r>
+          </a:p>
+          <a:p>
+            <a:pPr lvl="1"/>
+            <a:r>
+              <a:rPr lang="fr-FR" dirty="0" smtClean="0"/>
+              <a:t>l’exécution de tests plus poussés</a:t>
+            </a:r>
+            <a:endParaRPr lang="fr-FR" dirty="0"/>
+          </a:p>
+        </p:txBody>
+      </p:sp>
+      <p:sp>
+        <p:nvSpPr>
+          <p:cNvPr id="4" name="Espace réservé du numéro de diapositive 3"/>
           <p:cNvSpPr>
             <a:spLocks noGrp="1"/>
           </p:cNvSpPr>
           <p:nvPr>
             <p:ph type="sldNum" sz="quarter" idx="12"/>
+            <p:custDataLst>
+              <p:tags r:id="rId3"/>
+            </p:custDataLst>
           </p:nvPr>
         </p:nvSpPr>
         <p:spPr/>
@@ -5695,7 +5785,7 @@
             <a:pPr>
               <a:defRPr/>
             </a:pPr>
-            <a:fld id="{61DFC3F3-F69D-4837-9DC8-BB26BAF3FB8D}" type="slidenum">
+            <a:fld id="{38569939-3185-4A76-A6B2-22126B08A126}" type="slidenum">
               <a:rPr lang="fr-FR" smtClean="0"/>
               <a:pPr>
                 <a:defRPr/>
@@ -5707,10 +5797,22 @@
         </p:txBody>
       </p:sp>
     </p:spTree>
+    <p:extLst>
+      <p:ext uri="{BB962C8B-B14F-4D97-AF65-F5344CB8AC3E}">
+        <p14:creationId xmlns:p14="http://schemas.microsoft.com/office/powerpoint/2010/main" val="4069470065"/>
+      </p:ext>
+    </p:extLst>
   </p:cSld>
   <p:clrMapOvr>
     <a:masterClrMapping/>
   </p:clrMapOvr>
+  <p:timing>
+    <p:tnLst>
+      <p:par>
+        <p:cTn id="1" dur="indefinite" restart="never" nodeType="tmRoot"/>
+      </p:par>
+    </p:tnLst>
+  </p:timing>
 </p:sld>
 </file>
 
@@ -5739,6 +5841,9 @@
           </p:cNvSpPr>
           <p:nvPr>
             <p:ph type="title"/>
+            <p:custDataLst>
+              <p:tags r:id="rId1"/>
+            </p:custDataLst>
           </p:nvPr>
         </p:nvSpPr>
         <p:spPr/>
@@ -5748,7 +5853,7 @@
           <a:p>
             <a:r>
               <a:rPr lang="fr-FR" dirty="0" smtClean="0"/>
-              <a:t>Planning Prévisionnel</a:t>
+              <a:t>Recettes</a:t>
             </a:r>
             <a:endParaRPr lang="fr-FR" dirty="0"/>
           </a:p>
@@ -5762,55 +5867,36 @@
           </p:cNvSpPr>
           <p:nvPr>
             <p:ph sz="half" idx="1"/>
-          </p:nvPr>
-        </p:nvSpPr>
-        <p:spPr/>
+            <p:custDataLst>
+              <p:tags r:id="rId2"/>
+            </p:custDataLst>
+          </p:nvPr>
+        </p:nvSpPr>
+        <p:spPr>
+          <a:xfrm>
+            <a:off x="457200" y="1536192"/>
+            <a:ext cx="7400948" cy="4590288"/>
+          </a:xfrm>
+        </p:spPr>
         <p:txBody>
           <a:bodyPr/>
           <a:lstStyle/>
           <a:p>
             <a:r>
-              <a:rPr lang="fr-FR" dirty="0" err="1" smtClean="0"/>
-              <a:t>Recettage</a:t>
-            </a:r>
+              <a:rPr lang="fr-FR" dirty="0" smtClean="0"/>
+              <a:t>Ecriture des scénarios d’ergonomie, navigation et alimentation</a:t>
+            </a:r>
+          </a:p>
+          <a:p>
+            <a:pPr>
+              <a:buNone/>
+            </a:pPr>
             <a:endParaRPr lang="fr-FR" dirty="0" smtClean="0"/>
           </a:p>
           <a:p>
-            <a:pPr lvl="1"/>
             <a:r>
               <a:rPr lang="fr-FR" dirty="0" smtClean="0"/>
-              <a:t>Alimentation</a:t>
-            </a:r>
-          </a:p>
-          <a:p>
-            <a:pPr lvl="1"/>
-            <a:r>
-              <a:rPr lang="fr-FR" dirty="0" smtClean="0"/>
-              <a:t>Application</a:t>
-            </a:r>
-          </a:p>
-          <a:p>
-            <a:pPr lvl="1"/>
-            <a:endParaRPr lang="fr-FR" dirty="0" smtClean="0"/>
-          </a:p>
-          <a:p>
-            <a:r>
-              <a:rPr lang="fr-FR" dirty="0" smtClean="0"/>
-              <a:t>Restitution</a:t>
-            </a:r>
-          </a:p>
-          <a:p>
-            <a:pPr lvl="1"/>
-            <a:r>
-              <a:rPr lang="fr-FR" dirty="0" smtClean="0"/>
-              <a:t>Tous les profils</a:t>
-            </a:r>
-          </a:p>
-          <a:p>
-            <a:pPr lvl="1"/>
-            <a:r>
-              <a:rPr lang="fr-FR" dirty="0" smtClean="0"/>
-              <a:t>Toutes les fonctionnalités</a:t>
+              <a:t>Réalisation de fichiers défectueux pour les tests d’alimentation</a:t>
             </a:r>
             <a:endParaRPr lang="fr-FR" dirty="0"/>
           </a:p>
@@ -5818,65 +5904,15 @@
       </p:sp>
       <p:sp>
         <p:nvSpPr>
-          <p:cNvPr id="4" name="Espace réservé du contenu 3"/>
-          <p:cNvSpPr>
-            <a:spLocks noGrp="1"/>
-          </p:cNvSpPr>
-          <p:nvPr>
-            <p:ph sz="half" idx="2"/>
-          </p:nvPr>
-        </p:nvSpPr>
-        <p:spPr/>
-        <p:txBody>
-          <a:bodyPr/>
-          <a:lstStyle/>
-          <a:p>
-            <a:r>
-              <a:rPr lang="fr-FR" dirty="0" smtClean="0"/>
-              <a:t>Alimentation</a:t>
-            </a:r>
-          </a:p>
-          <a:p>
-            <a:pPr lvl="1"/>
-            <a:r>
-              <a:rPr lang="fr-FR" dirty="0" smtClean="0"/>
-              <a:t>Finir vérification document </a:t>
-            </a:r>
-            <a:r>
-              <a:rPr lang="fr-FR" dirty="0" err="1" smtClean="0"/>
-              <a:t>excel</a:t>
-            </a:r>
-            <a:endParaRPr lang="fr-FR" dirty="0" smtClean="0"/>
-          </a:p>
-          <a:p>
-            <a:pPr lvl="1"/>
-            <a:r>
-              <a:rPr lang="fr-FR" dirty="0" smtClean="0"/>
-              <a:t>Cas d’erreur</a:t>
-            </a:r>
-          </a:p>
-          <a:p>
-            <a:pPr lvl="1"/>
-            <a:endParaRPr lang="fr-FR" dirty="0"/>
-          </a:p>
-          <a:p>
-            <a:pPr lvl="1"/>
-            <a:endParaRPr lang="fr-FR" dirty="0" smtClean="0"/>
-          </a:p>
-          <a:p>
-            <a:pPr lvl="1"/>
-            <a:endParaRPr lang="fr-FR" dirty="0"/>
-          </a:p>
-        </p:txBody>
-      </p:sp>
-      <p:sp>
-        <p:nvSpPr>
           <p:cNvPr id="5" name="Espace réservé du numéro de diapositive 4"/>
           <p:cNvSpPr>
             <a:spLocks noGrp="1"/>
           </p:cNvSpPr>
           <p:nvPr>
             <p:ph type="sldNum" sz="quarter" idx="12"/>
+            <p:custDataLst>
+              <p:tags r:id="rId3"/>
+            </p:custDataLst>
           </p:nvPr>
         </p:nvSpPr>
         <p:spPr/>
@@ -5893,6 +5929,293 @@
                 <a:defRPr/>
               </a:pPr>
               <a:t>14</a:t>
+            </a:fld>
+            <a:endParaRPr lang="fr-FR"/>
+          </a:p>
+        </p:txBody>
+      </p:sp>
+    </p:spTree>
+  </p:cSld>
+  <p:clrMapOvr>
+    <a:masterClrMapping/>
+  </p:clrMapOvr>
+  <p:timing>
+    <p:tnLst>
+      <p:par>
+        <p:cTn id="1" dur="indefinite" restart="never" nodeType="tmRoot"/>
+      </p:par>
+    </p:tnLst>
+  </p:timing>
+</p:sld>
+</file>
+
+<file path=ppt/slides/slide15.xml><?xml version="1.0" encoding="utf-8"?>
+<p:sld xmlns:a="http://schemas.openxmlformats.org/drawingml/2006/main" xmlns:r="http://schemas.openxmlformats.org/officeDocument/2006/relationships" xmlns:p="http://schemas.openxmlformats.org/presentationml/2006/main">
+  <p:cSld>
+    <p:spTree>
+      <p:nvGrpSpPr>
+        <p:cNvPr id="1" name=""/>
+        <p:cNvGrpSpPr/>
+        <p:nvPr/>
+      </p:nvGrpSpPr>
+      <p:grpSpPr>
+        <a:xfrm>
+          <a:off x="0" y="0"/>
+          <a:ext cx="0" cy="0"/>
+          <a:chOff x="0" y="0"/>
+          <a:chExt cx="0" cy="0"/>
+        </a:xfrm>
+      </p:grpSpPr>
+      <p:sp>
+        <p:nvSpPr>
+          <p:cNvPr id="2" name="Titre 1"/>
+          <p:cNvSpPr>
+            <a:spLocks noGrp="1"/>
+          </p:cNvSpPr>
+          <p:nvPr>
+            <p:ph type="title"/>
+            <p:custDataLst>
+              <p:tags r:id="rId1"/>
+            </p:custDataLst>
+          </p:nvPr>
+        </p:nvSpPr>
+        <p:spPr/>
+        <p:txBody>
+          <a:bodyPr/>
+          <a:lstStyle/>
+          <a:p>
+            <a:r>
+              <a:rPr lang="fr-FR" dirty="0" smtClean="0"/>
+              <a:t>Planning Prévisionnel</a:t>
+            </a:r>
+            <a:endParaRPr lang="fr-FR" dirty="0"/>
+          </a:p>
+        </p:txBody>
+      </p:sp>
+      <p:sp>
+        <p:nvSpPr>
+          <p:cNvPr id="3" name="Espace réservé du contenu 2"/>
+          <p:cNvSpPr>
+            <a:spLocks noGrp="1"/>
+          </p:cNvSpPr>
+          <p:nvPr>
+            <p:ph sz="half" idx="1"/>
+            <p:custDataLst>
+              <p:tags r:id="rId2"/>
+            </p:custDataLst>
+          </p:nvPr>
+        </p:nvSpPr>
+        <p:spPr>
+          <a:xfrm>
+            <a:off x="457200" y="1536192"/>
+            <a:ext cx="4258816" cy="4590288"/>
+          </a:xfrm>
+        </p:spPr>
+        <p:txBody>
+          <a:bodyPr>
+            <a:normAutofit fontScale="92500" lnSpcReduction="10000"/>
+          </a:bodyPr>
+          <a:lstStyle/>
+          <a:p>
+            <a:r>
+              <a:rPr lang="fr-FR" dirty="0" err="1" smtClean="0"/>
+              <a:t>Recettage</a:t>
+            </a:r>
+            <a:r>
+              <a:rPr lang="fr-FR" dirty="0" smtClean="0"/>
+              <a:t> (+2 personnes)</a:t>
+            </a:r>
+            <a:endParaRPr lang="fr-FR" dirty="0" smtClean="0"/>
+          </a:p>
+          <a:p>
+            <a:pPr lvl="1"/>
+            <a:r>
+              <a:rPr lang="fr-FR" dirty="0" smtClean="0"/>
+              <a:t>Alimentation</a:t>
+            </a:r>
+          </a:p>
+          <a:p>
+            <a:pPr lvl="1"/>
+            <a:r>
+              <a:rPr lang="fr-FR" dirty="0" smtClean="0"/>
+              <a:t>Application</a:t>
+            </a:r>
+          </a:p>
+          <a:p>
+            <a:pPr lvl="1"/>
+            <a:endParaRPr lang="fr-FR" dirty="0" smtClean="0"/>
+          </a:p>
+          <a:p>
+            <a:r>
+              <a:rPr lang="fr-FR" dirty="0" smtClean="0"/>
+              <a:t>Restitution</a:t>
+            </a:r>
+          </a:p>
+          <a:p>
+            <a:pPr lvl="1"/>
+            <a:r>
+              <a:rPr lang="fr-FR" dirty="0" smtClean="0"/>
+              <a:t>Tous les </a:t>
+            </a:r>
+            <a:r>
+              <a:rPr lang="fr-FR" dirty="0" smtClean="0"/>
+              <a:t>profils si possible </a:t>
+            </a:r>
+          </a:p>
+          <a:p>
+            <a:pPr lvl="2"/>
+            <a:r>
+              <a:rPr lang="fr-FR" dirty="0" smtClean="0"/>
+              <a:t>1 sous SAS</a:t>
+            </a:r>
+          </a:p>
+          <a:p>
+            <a:pPr lvl="2"/>
+            <a:r>
+              <a:rPr lang="fr-FR" dirty="0" smtClean="0"/>
+              <a:t>1 sous Jasper</a:t>
+            </a:r>
+            <a:endParaRPr lang="fr-FR" dirty="0" smtClean="0"/>
+          </a:p>
+          <a:p>
+            <a:pPr lvl="1"/>
+            <a:r>
+              <a:rPr lang="fr-FR" dirty="0" smtClean="0"/>
+              <a:t>Toutes les </a:t>
+            </a:r>
+            <a:r>
+              <a:rPr lang="fr-FR" dirty="0" smtClean="0"/>
+              <a:t>fonctionnalités</a:t>
+            </a:r>
+            <a:endParaRPr lang="fr-FR" dirty="0"/>
+          </a:p>
+          <a:p>
+            <a:pPr lvl="1"/>
+            <a:endParaRPr lang="fr-FR" dirty="0"/>
+          </a:p>
+          <a:p>
+            <a:r>
+              <a:rPr lang="fr-FR" dirty="0" smtClean="0"/>
+              <a:t>Tous</a:t>
+            </a:r>
+          </a:p>
+          <a:p>
+            <a:pPr lvl="1"/>
+            <a:r>
+              <a:rPr lang="fr-FR" dirty="0" smtClean="0"/>
+              <a:t>Documentation</a:t>
+            </a:r>
+          </a:p>
+        </p:txBody>
+      </p:sp>
+      <p:sp>
+        <p:nvSpPr>
+          <p:cNvPr id="4" name="Espace réservé du contenu 3"/>
+          <p:cNvSpPr>
+            <a:spLocks noGrp="1"/>
+          </p:cNvSpPr>
+          <p:nvPr>
+            <p:ph sz="half" idx="2"/>
+            <p:custDataLst>
+              <p:tags r:id="rId3"/>
+            </p:custDataLst>
+          </p:nvPr>
+        </p:nvSpPr>
+        <p:spPr/>
+        <p:txBody>
+          <a:bodyPr>
+            <a:normAutofit fontScale="92500" lnSpcReduction="10000"/>
+          </a:bodyPr>
+          <a:lstStyle/>
+          <a:p>
+            <a:r>
+              <a:rPr lang="fr-FR" dirty="0" smtClean="0"/>
+              <a:t>Alimentation</a:t>
+            </a:r>
+          </a:p>
+          <a:p>
+            <a:pPr lvl="1"/>
+            <a:r>
+              <a:rPr lang="fr-FR" dirty="0" smtClean="0"/>
+              <a:t>Finir vérification document </a:t>
+            </a:r>
+            <a:r>
+              <a:rPr lang="fr-FR" dirty="0" smtClean="0"/>
+              <a:t>Excel</a:t>
+            </a:r>
+            <a:endParaRPr lang="fr-FR" dirty="0" smtClean="0"/>
+          </a:p>
+          <a:p>
+            <a:pPr lvl="1"/>
+            <a:r>
+              <a:rPr lang="fr-FR" dirty="0" smtClean="0"/>
+              <a:t>Cas </a:t>
+            </a:r>
+            <a:r>
+              <a:rPr lang="fr-FR" dirty="0" smtClean="0"/>
+              <a:t>d’erreur</a:t>
+            </a:r>
+          </a:p>
+          <a:p>
+            <a:pPr lvl="1"/>
+            <a:r>
+              <a:rPr lang="fr-FR" dirty="0" smtClean="0"/>
+              <a:t>Tests </a:t>
+            </a:r>
+            <a:r>
+              <a:rPr lang="fr-FR" dirty="0" smtClean="0">
+                <a:sym typeface="Wingdings" pitchFamily="2" charset="2"/>
+              </a:rPr>
+              <a:t> Recette</a:t>
+            </a:r>
+          </a:p>
+          <a:p>
+            <a:pPr marL="411480" lvl="1" indent="0">
+              <a:buNone/>
+            </a:pPr>
+            <a:endParaRPr lang="fr-FR" dirty="0" smtClean="0"/>
+          </a:p>
+          <a:p>
+            <a:pPr lvl="1"/>
+            <a:endParaRPr lang="fr-FR" dirty="0"/>
+          </a:p>
+          <a:p>
+            <a:pPr lvl="1"/>
+            <a:endParaRPr lang="fr-FR" dirty="0" smtClean="0"/>
+          </a:p>
+          <a:p>
+            <a:pPr lvl="1"/>
+            <a:endParaRPr lang="fr-FR" dirty="0"/>
+          </a:p>
+        </p:txBody>
+      </p:sp>
+      <p:sp>
+        <p:nvSpPr>
+          <p:cNvPr id="5" name="Espace réservé du numéro de diapositive 4"/>
+          <p:cNvSpPr>
+            <a:spLocks noGrp="1"/>
+          </p:cNvSpPr>
+          <p:nvPr>
+            <p:ph type="sldNum" sz="quarter" idx="12"/>
+            <p:custDataLst>
+              <p:tags r:id="rId4"/>
+            </p:custDataLst>
+          </p:nvPr>
+        </p:nvSpPr>
+        <p:spPr/>
+        <p:txBody>
+          <a:bodyPr/>
+          <a:lstStyle/>
+          <a:p>
+            <a:pPr>
+              <a:defRPr/>
+            </a:pPr>
+            <a:fld id="{61DFC3F3-F69D-4837-9DC8-BB26BAF3FB8D}" type="slidenum">
+              <a:rPr lang="fr-FR" smtClean="0"/>
+              <a:pPr>
+                <a:defRPr/>
+              </a:pPr>
+              <a:t>15</a:t>
             </a:fld>
             <a:endParaRPr lang="fr-FR"/>
           </a:p>
@@ -5943,6 +6266,9 @@
           </p:cNvSpPr>
           <p:nvPr>
             <p:ph type="title"/>
+            <p:custDataLst>
+              <p:tags r:id="rId1"/>
+            </p:custDataLst>
           </p:nvPr>
         </p:nvSpPr>
         <p:spPr/>
@@ -5968,6 +6294,9 @@
           </p:cNvSpPr>
           <p:nvPr>
             <p:ph idx="1"/>
+            <p:custDataLst>
+              <p:tags r:id="rId2"/>
+            </p:custDataLst>
           </p:nvPr>
         </p:nvSpPr>
         <p:spPr>
@@ -6121,6 +6450,9 @@
           </p:cNvSpPr>
           <p:nvPr>
             <p:ph type="sldNum" sz="quarter" idx="12"/>
+            <p:custDataLst>
+              <p:tags r:id="rId3"/>
+            </p:custDataLst>
           </p:nvPr>
         </p:nvSpPr>
         <p:spPr>
@@ -6188,6 +6520,9 @@
           </p:cNvSpPr>
           <p:nvPr>
             <p:ph type="title"/>
+            <p:custDataLst>
+              <p:tags r:id="rId1"/>
+            </p:custDataLst>
           </p:nvPr>
         </p:nvSpPr>
         <p:spPr/>
@@ -6211,6 +6546,9 @@
           </p:cNvSpPr>
           <p:nvPr>
             <p:ph idx="1"/>
+            <p:custDataLst>
+              <p:tags r:id="rId2"/>
+            </p:custDataLst>
           </p:nvPr>
         </p:nvSpPr>
         <p:spPr/>
@@ -6348,6 +6686,9 @@
           </p:cNvSpPr>
           <p:nvPr>
             <p:ph type="title"/>
+            <p:custDataLst>
+              <p:tags r:id="rId1"/>
+            </p:custDataLst>
           </p:nvPr>
         </p:nvSpPr>
         <p:spPr>
@@ -6376,9 +6717,12 @@
           </p:cNvGraphicFramePr>
           <p:nvPr>
             <p:ph idx="1"/>
+            <p:custDataLst>
+              <p:tags r:id="rId2"/>
+            </p:custDataLst>
             <p:extLst>
               <p:ext uri="{D42A27DB-BD31-4B8C-83A1-F6EECF244321}">
-                <p14:modId xmlns:p14="http://schemas.microsoft.com/office/powerpoint/2010/main" val="530910969"/>
+                <p14:modId xmlns:p14="http://schemas.microsoft.com/office/powerpoint/2010/main" val="416809417"/>
               </p:ext>
             </p:extLst>
           </p:nvPr>
@@ -6389,7 +6733,7 @@
         </p:xfrm>
         <a:graphic>
           <a:graphicData uri="http://schemas.openxmlformats.org/drawingml/2006/chart">
-            <c:chart xmlns:c="http://schemas.openxmlformats.org/drawingml/2006/chart" xmlns:r="http://schemas.openxmlformats.org/officeDocument/2006/relationships" r:id="rId3"/>
+            <c:chart xmlns:c="http://schemas.openxmlformats.org/drawingml/2006/chart" xmlns:r="http://schemas.openxmlformats.org/officeDocument/2006/relationships" r:id="rId5"/>
           </a:graphicData>
         </a:graphic>
       </p:graphicFrame>
@@ -6438,6 +6782,9 @@
           </p:cNvSpPr>
           <p:nvPr>
             <p:ph type="title"/>
+            <p:custDataLst>
+              <p:tags r:id="rId1"/>
+            </p:custDataLst>
           </p:nvPr>
         </p:nvSpPr>
         <p:spPr/>
@@ -6461,6 +6808,9 @@
           </p:cNvSpPr>
           <p:nvPr>
             <p:ph sz="half" idx="1"/>
+            <p:custDataLst>
+              <p:tags r:id="rId2"/>
+            </p:custDataLst>
           </p:nvPr>
         </p:nvSpPr>
         <p:spPr>
@@ -6516,6 +6866,9 @@
           </p:cNvSpPr>
           <p:nvPr>
             <p:ph type="sldNum" sz="quarter" idx="12"/>
+            <p:custDataLst>
+              <p:tags r:id="rId3"/>
+            </p:custDataLst>
           </p:nvPr>
         </p:nvSpPr>
         <p:spPr/>
@@ -6582,6 +6935,9 @@
           </p:cNvSpPr>
           <p:nvPr>
             <p:ph type="title"/>
+            <p:custDataLst>
+              <p:tags r:id="rId1"/>
+            </p:custDataLst>
           </p:nvPr>
         </p:nvSpPr>
         <p:spPr/>
@@ -6605,6 +6961,9 @@
           </p:cNvSpPr>
           <p:nvPr>
             <p:ph sz="half" idx="1"/>
+            <p:custDataLst>
+              <p:tags r:id="rId2"/>
+            </p:custDataLst>
           </p:nvPr>
         </p:nvSpPr>
         <p:spPr>
@@ -6662,6 +7021,9 @@
           </p:cNvSpPr>
           <p:nvPr>
             <p:ph type="sldNum" sz="quarter" idx="12"/>
+            <p:custDataLst>
+              <p:tags r:id="rId3"/>
+            </p:custDataLst>
           </p:nvPr>
         </p:nvSpPr>
         <p:spPr/>
@@ -6728,6 +7090,9 @@
           </p:cNvSpPr>
           <p:nvPr>
             <p:ph type="title"/>
+            <p:custDataLst>
+              <p:tags r:id="rId1"/>
+            </p:custDataLst>
           </p:nvPr>
         </p:nvSpPr>
         <p:spPr/>
@@ -6751,6 +7116,9 @@
           </p:cNvSpPr>
           <p:nvPr>
             <p:ph sz="half" idx="1"/>
+            <p:custDataLst>
+              <p:tags r:id="rId2"/>
+            </p:custDataLst>
           </p:nvPr>
         </p:nvSpPr>
         <p:spPr>
@@ -6814,6 +7182,9 @@
           </p:cNvSpPr>
           <p:nvPr>
             <p:ph type="sldNum" sz="quarter" idx="12"/>
+            <p:custDataLst>
+              <p:tags r:id="rId3"/>
+            </p:custDataLst>
           </p:nvPr>
         </p:nvSpPr>
         <p:spPr/>
@@ -6880,6 +7251,9 @@
           </p:cNvSpPr>
           <p:nvPr>
             <p:ph type="title"/>
+            <p:custDataLst>
+              <p:tags r:id="rId1"/>
+            </p:custDataLst>
           </p:nvPr>
         </p:nvSpPr>
         <p:spPr/>
@@ -6903,6 +7277,9 @@
           </p:cNvSpPr>
           <p:nvPr>
             <p:ph sz="half" idx="1"/>
+            <p:custDataLst>
+              <p:tags r:id="rId2"/>
+            </p:custDataLst>
           </p:nvPr>
         </p:nvSpPr>
         <p:spPr>
@@ -6946,6 +7323,9 @@
           </p:cNvSpPr>
           <p:nvPr>
             <p:ph type="sldNum" sz="quarter" idx="12"/>
+            <p:custDataLst>
+              <p:tags r:id="rId3"/>
+            </p:custDataLst>
           </p:nvPr>
         </p:nvSpPr>
         <p:spPr/>
@@ -7012,6 +7392,9 @@
           </p:cNvGraphicFramePr>
           <p:nvPr>
             <p:ph sz="half" idx="1"/>
+            <p:custDataLst>
+              <p:tags r:id="rId1"/>
+            </p:custDataLst>
             <p:extLst>
               <p:ext uri="{D42A27DB-BD31-4B8C-83A1-F6EECF244321}">
                 <p14:modId xmlns:p14="http://schemas.microsoft.com/office/powerpoint/2010/main" val="4192479816"/>
@@ -7236,7 +7619,7 @@
                     <a:bodyPr/>
                     <a:lstStyle/>
                     <a:p>
-                      <a:endParaRPr lang="fr-FR"/>
+                      <a:endParaRPr lang="fr-FR" dirty="0"/>
                     </a:p>
                   </a:txBody>
                   <a:tcPr/>
@@ -7726,6 +8109,9 @@
           </p:cNvSpPr>
           <p:nvPr>
             <p:ph type="sldNum" sz="quarter" idx="12"/>
+            <p:custDataLst>
+              <p:tags r:id="rId2"/>
+            </p:custDataLst>
           </p:nvPr>
         </p:nvSpPr>
         <p:spPr/>
@@ -7753,10 +8139,14 @@
           <p:cNvPicPr>
             <a:picLocks noChangeAspect="1" noChangeArrowheads="1"/>
           </p:cNvPicPr>
-          <p:nvPr/>
+          <p:nvPr>
+            <p:custDataLst>
+              <p:tags r:id="rId3"/>
+            </p:custDataLst>
+          </p:nvPr>
         </p:nvPicPr>
         <p:blipFill>
-          <a:blip r:embed="rId2">
+          <a:blip r:embed="rId21">
             <a:extLst>
               <a:ext uri="{28A0092B-C50C-407E-A947-70E740481C1C}">
                 <a14:useLocalDpi xmlns:a14="http://schemas.microsoft.com/office/drawing/2010/main" val="0"/>
@@ -7794,10 +8184,14 @@
           <p:cNvPicPr>
             <a:picLocks noChangeAspect="1" noChangeArrowheads="1"/>
           </p:cNvPicPr>
-          <p:nvPr/>
+          <p:nvPr>
+            <p:custDataLst>
+              <p:tags r:id="rId4"/>
+            </p:custDataLst>
+          </p:nvPr>
         </p:nvPicPr>
         <p:blipFill>
-          <a:blip r:embed="rId2">
+          <a:blip r:embed="rId21">
             <a:extLst>
               <a:ext uri="{28A0092B-C50C-407E-A947-70E740481C1C}">
                 <a14:useLocalDpi xmlns:a14="http://schemas.microsoft.com/office/drawing/2010/main" val="0"/>
@@ -7835,10 +8229,14 @@
           <p:cNvPicPr>
             <a:picLocks noChangeAspect="1" noChangeArrowheads="1"/>
           </p:cNvPicPr>
-          <p:nvPr/>
+          <p:nvPr>
+            <p:custDataLst>
+              <p:tags r:id="rId5"/>
+            </p:custDataLst>
+          </p:nvPr>
         </p:nvPicPr>
         <p:blipFill>
-          <a:blip r:embed="rId2">
+          <a:blip r:embed="rId21">
             <a:extLst>
               <a:ext uri="{28A0092B-C50C-407E-A947-70E740481C1C}">
                 <a14:useLocalDpi xmlns:a14="http://schemas.microsoft.com/office/drawing/2010/main" val="0"/>
@@ -7876,10 +8274,14 @@
           <p:cNvPicPr>
             <a:picLocks noChangeAspect="1" noChangeArrowheads="1"/>
           </p:cNvPicPr>
-          <p:nvPr/>
+          <p:nvPr>
+            <p:custDataLst>
+              <p:tags r:id="rId6"/>
+            </p:custDataLst>
+          </p:nvPr>
         </p:nvPicPr>
         <p:blipFill>
-          <a:blip r:embed="rId3">
+          <a:blip r:embed="rId22">
             <a:extLst>
               <a:ext uri="{28A0092B-C50C-407E-A947-70E740481C1C}">
                 <a14:useLocalDpi xmlns:a14="http://schemas.microsoft.com/office/drawing/2010/main" val="0"/>
@@ -7917,10 +8319,14 @@
           <p:cNvPicPr>
             <a:picLocks noChangeAspect="1" noChangeArrowheads="1"/>
           </p:cNvPicPr>
-          <p:nvPr/>
+          <p:nvPr>
+            <p:custDataLst>
+              <p:tags r:id="rId7"/>
+            </p:custDataLst>
+          </p:nvPr>
         </p:nvPicPr>
         <p:blipFill>
-          <a:blip r:embed="rId3">
+          <a:blip r:embed="rId22">
             <a:extLst>
               <a:ext uri="{28A0092B-C50C-407E-A947-70E740481C1C}">
                 <a14:useLocalDpi xmlns:a14="http://schemas.microsoft.com/office/drawing/2010/main" val="0"/>
@@ -7958,10 +8364,14 @@
           <p:cNvPicPr>
             <a:picLocks noChangeAspect="1" noChangeArrowheads="1"/>
           </p:cNvPicPr>
-          <p:nvPr/>
+          <p:nvPr>
+            <p:custDataLst>
+              <p:tags r:id="rId8"/>
+            </p:custDataLst>
+          </p:nvPr>
         </p:nvPicPr>
         <p:blipFill>
-          <a:blip r:embed="rId4">
+          <a:blip r:embed="rId23">
             <a:extLst>
               <a:ext uri="{28A0092B-C50C-407E-A947-70E740481C1C}">
                 <a14:useLocalDpi xmlns:a14="http://schemas.microsoft.com/office/drawing/2010/main" val="0"/>
@@ -7999,10 +8409,14 @@
           <p:cNvPicPr>
             <a:picLocks noChangeAspect="1" noChangeArrowheads="1"/>
           </p:cNvPicPr>
-          <p:nvPr/>
+          <p:nvPr>
+            <p:custDataLst>
+              <p:tags r:id="rId9"/>
+            </p:custDataLst>
+          </p:nvPr>
         </p:nvPicPr>
         <p:blipFill>
-          <a:blip r:embed="rId2">
+          <a:blip r:embed="rId21">
             <a:extLst>
               <a:ext uri="{28A0092B-C50C-407E-A947-70E740481C1C}">
                 <a14:useLocalDpi xmlns:a14="http://schemas.microsoft.com/office/drawing/2010/main" val="0"/>
@@ -8040,10 +8454,14 @@
           <p:cNvPicPr>
             <a:picLocks noChangeAspect="1" noChangeArrowheads="1"/>
           </p:cNvPicPr>
-          <p:nvPr/>
+          <p:nvPr>
+            <p:custDataLst>
+              <p:tags r:id="rId10"/>
+            </p:custDataLst>
+          </p:nvPr>
         </p:nvPicPr>
         <p:blipFill>
-          <a:blip r:embed="rId2">
+          <a:blip r:embed="rId21">
             <a:extLst>
               <a:ext uri="{28A0092B-C50C-407E-A947-70E740481C1C}">
                 <a14:useLocalDpi xmlns:a14="http://schemas.microsoft.com/office/drawing/2010/main" val="0"/>
@@ -8081,10 +8499,14 @@
           <p:cNvPicPr>
             <a:picLocks noChangeAspect="1" noChangeArrowheads="1"/>
           </p:cNvPicPr>
-          <p:nvPr/>
+          <p:nvPr>
+            <p:custDataLst>
+              <p:tags r:id="rId11"/>
+            </p:custDataLst>
+          </p:nvPr>
         </p:nvPicPr>
         <p:blipFill>
-          <a:blip r:embed="rId2">
+          <a:blip r:embed="rId21">
             <a:extLst>
               <a:ext uri="{28A0092B-C50C-407E-A947-70E740481C1C}">
                 <a14:useLocalDpi xmlns:a14="http://schemas.microsoft.com/office/drawing/2010/main" val="0"/>
@@ -8122,10 +8544,14 @@
           <p:cNvPicPr>
             <a:picLocks noChangeAspect="1" noChangeArrowheads="1"/>
           </p:cNvPicPr>
-          <p:nvPr/>
+          <p:nvPr>
+            <p:custDataLst>
+              <p:tags r:id="rId12"/>
+            </p:custDataLst>
+          </p:nvPr>
         </p:nvPicPr>
         <p:blipFill>
-          <a:blip r:embed="rId3">
+          <a:blip r:embed="rId22">
             <a:extLst>
               <a:ext uri="{28A0092B-C50C-407E-A947-70E740481C1C}">
                 <a14:useLocalDpi xmlns:a14="http://schemas.microsoft.com/office/drawing/2010/main" val="0"/>
@@ -8163,10 +8589,14 @@
           <p:cNvPicPr>
             <a:picLocks noChangeAspect="1" noChangeArrowheads="1"/>
           </p:cNvPicPr>
-          <p:nvPr/>
+          <p:nvPr>
+            <p:custDataLst>
+              <p:tags r:id="rId13"/>
+            </p:custDataLst>
+          </p:nvPr>
         </p:nvPicPr>
         <p:blipFill>
-          <a:blip r:embed="rId2">
+          <a:blip r:embed="rId21">
             <a:extLst>
               <a:ext uri="{28A0092B-C50C-407E-A947-70E740481C1C}">
                 <a14:useLocalDpi xmlns:a14="http://schemas.microsoft.com/office/drawing/2010/main" val="0"/>
@@ -8204,10 +8634,14 @@
           <p:cNvPicPr>
             <a:picLocks noChangeAspect="1" noChangeArrowheads="1"/>
           </p:cNvPicPr>
-          <p:nvPr/>
+          <p:nvPr>
+            <p:custDataLst>
+              <p:tags r:id="rId14"/>
+            </p:custDataLst>
+          </p:nvPr>
         </p:nvPicPr>
         <p:blipFill>
-          <a:blip r:embed="rId2">
+          <a:blip r:embed="rId21">
             <a:extLst>
               <a:ext uri="{28A0092B-C50C-407E-A947-70E740481C1C}">
                 <a14:useLocalDpi xmlns:a14="http://schemas.microsoft.com/office/drawing/2010/main" val="0"/>
@@ -8245,10 +8679,14 @@
           <p:cNvPicPr>
             <a:picLocks noChangeAspect="1" noChangeArrowheads="1"/>
           </p:cNvPicPr>
-          <p:nvPr/>
+          <p:nvPr>
+            <p:custDataLst>
+              <p:tags r:id="rId15"/>
+            </p:custDataLst>
+          </p:nvPr>
         </p:nvPicPr>
         <p:blipFill>
-          <a:blip r:embed="rId2">
+          <a:blip r:embed="rId21">
             <a:extLst>
               <a:ext uri="{28A0092B-C50C-407E-A947-70E740481C1C}">
                 <a14:useLocalDpi xmlns:a14="http://schemas.microsoft.com/office/drawing/2010/main" val="0"/>
@@ -8286,10 +8724,14 @@
           <p:cNvPicPr>
             <a:picLocks noChangeAspect="1" noChangeArrowheads="1"/>
           </p:cNvPicPr>
-          <p:nvPr/>
+          <p:nvPr>
+            <p:custDataLst>
+              <p:tags r:id="rId16"/>
+            </p:custDataLst>
+          </p:nvPr>
         </p:nvPicPr>
         <p:blipFill>
-          <a:blip r:embed="rId2">
+          <a:blip r:embed="rId21">
             <a:extLst>
               <a:ext uri="{28A0092B-C50C-407E-A947-70E740481C1C}">
                 <a14:useLocalDpi xmlns:a14="http://schemas.microsoft.com/office/drawing/2010/main" val="0"/>
@@ -8327,10 +8769,14 @@
           <p:cNvPicPr>
             <a:picLocks noChangeAspect="1" noChangeArrowheads="1"/>
           </p:cNvPicPr>
-          <p:nvPr/>
+          <p:nvPr>
+            <p:custDataLst>
+              <p:tags r:id="rId17"/>
+            </p:custDataLst>
+          </p:nvPr>
         </p:nvPicPr>
         <p:blipFill>
-          <a:blip r:embed="rId3">
+          <a:blip r:embed="rId22">
             <a:extLst>
               <a:ext uri="{28A0092B-C50C-407E-A947-70E740481C1C}">
                 <a14:useLocalDpi xmlns:a14="http://schemas.microsoft.com/office/drawing/2010/main" val="0"/>
@@ -8368,10 +8814,14 @@
           <p:cNvPicPr>
             <a:picLocks noChangeAspect="1" noChangeArrowheads="1"/>
           </p:cNvPicPr>
-          <p:nvPr/>
+          <p:nvPr>
+            <p:custDataLst>
+              <p:tags r:id="rId18"/>
+            </p:custDataLst>
+          </p:nvPr>
         </p:nvPicPr>
         <p:blipFill>
-          <a:blip r:embed="rId3">
+          <a:blip r:embed="rId22">
             <a:extLst>
               <a:ext uri="{28A0092B-C50C-407E-A947-70E740481C1C}">
                 <a14:useLocalDpi xmlns:a14="http://schemas.microsoft.com/office/drawing/2010/main" val="0"/>
@@ -8409,10 +8859,14 @@
           <p:cNvPicPr>
             <a:picLocks noChangeAspect="1" noChangeArrowheads="1"/>
           </p:cNvPicPr>
-          <p:nvPr/>
+          <p:nvPr>
+            <p:custDataLst>
+              <p:tags r:id="rId19"/>
+            </p:custDataLst>
+          </p:nvPr>
         </p:nvPicPr>
         <p:blipFill>
-          <a:blip r:embed="rId4">
+          <a:blip r:embed="rId23">
             <a:extLst>
               <a:ext uri="{28A0092B-C50C-407E-A947-70E740481C1C}">
                 <a14:useLocalDpi xmlns:a14="http://schemas.microsoft.com/office/drawing/2010/main" val="0"/>
@@ -8468,6 +8922,372 @@
 <p:tagLst xmlns:a="http://schemas.openxmlformats.org/drawingml/2006/main" xmlns:r="http://schemas.openxmlformats.org/officeDocument/2006/relationships" xmlns:p="http://schemas.openxmlformats.org/presentationml/2006/main">
   <p:tag name="BRANCHTO" val="0"/>
   <p:tag name="DEFINEDINNAVIGATOR" val="False"/>
+</p:tagLst>
+</file>
+
+<file path=ppt/tags/tag10.xml><?xml version="1.0" encoding="utf-8"?>
+<p:tagLst xmlns:a="http://schemas.openxmlformats.org/drawingml/2006/main" xmlns:r="http://schemas.openxmlformats.org/officeDocument/2006/relationships" xmlns:p="http://schemas.openxmlformats.org/presentationml/2006/main">
+  <p:tag name="NUM" val="1"/>
+</p:tagLst>
+</file>
+
+<file path=ppt/tags/tag11.xml><?xml version="1.0" encoding="utf-8"?>
+<p:tagLst xmlns:a="http://schemas.openxmlformats.org/drawingml/2006/main" xmlns:r="http://schemas.openxmlformats.org/officeDocument/2006/relationships" xmlns:p="http://schemas.openxmlformats.org/presentationml/2006/main">
+  <p:tag name="NUM" val="2"/>
+</p:tagLst>
+</file>
+
+<file path=ppt/tags/tag12.xml><?xml version="1.0" encoding="utf-8"?>
+<p:tagLst xmlns:a="http://schemas.openxmlformats.org/drawingml/2006/main" xmlns:r="http://schemas.openxmlformats.org/officeDocument/2006/relationships" xmlns:p="http://schemas.openxmlformats.org/presentationml/2006/main">
+  <p:tag name="NUM" val="1"/>
+</p:tagLst>
+</file>
+
+<file path=ppt/tags/tag13.xml><?xml version="1.0" encoding="utf-8"?>
+<p:tagLst xmlns:a="http://schemas.openxmlformats.org/drawingml/2006/main" xmlns:r="http://schemas.openxmlformats.org/officeDocument/2006/relationships" xmlns:p="http://schemas.openxmlformats.org/presentationml/2006/main">
+  <p:tag name="NUM" val="2"/>
+</p:tagLst>
+</file>
+
+<file path=ppt/tags/tag14.xml><?xml version="1.0" encoding="utf-8"?>
+<p:tagLst xmlns:a="http://schemas.openxmlformats.org/drawingml/2006/main" xmlns:r="http://schemas.openxmlformats.org/officeDocument/2006/relationships" xmlns:p="http://schemas.openxmlformats.org/presentationml/2006/main">
+  <p:tag name="NUM" val="3"/>
+</p:tagLst>
+</file>
+
+<file path=ppt/tags/tag15.xml><?xml version="1.0" encoding="utf-8"?>
+<p:tagLst xmlns:a="http://schemas.openxmlformats.org/drawingml/2006/main" xmlns:r="http://schemas.openxmlformats.org/officeDocument/2006/relationships" xmlns:p="http://schemas.openxmlformats.org/presentationml/2006/main">
+  <p:tag name="NUM" val="1"/>
+</p:tagLst>
+</file>
+
+<file path=ppt/tags/tag16.xml><?xml version="1.0" encoding="utf-8"?>
+<p:tagLst xmlns:a="http://schemas.openxmlformats.org/drawingml/2006/main" xmlns:r="http://schemas.openxmlformats.org/officeDocument/2006/relationships" xmlns:p="http://schemas.openxmlformats.org/presentationml/2006/main">
+  <p:tag name="NUM" val="2"/>
+</p:tagLst>
+</file>
+
+<file path=ppt/tags/tag17.xml><?xml version="1.0" encoding="utf-8"?>
+<p:tagLst xmlns:a="http://schemas.openxmlformats.org/drawingml/2006/main" xmlns:r="http://schemas.openxmlformats.org/officeDocument/2006/relationships" xmlns:p="http://schemas.openxmlformats.org/presentationml/2006/main">
+  <p:tag name="NUM" val="3"/>
+</p:tagLst>
+</file>
+
+<file path=ppt/tags/tag18.xml><?xml version="1.0" encoding="utf-8"?>
+<p:tagLst xmlns:a="http://schemas.openxmlformats.org/drawingml/2006/main" xmlns:r="http://schemas.openxmlformats.org/officeDocument/2006/relationships" xmlns:p="http://schemas.openxmlformats.org/presentationml/2006/main">
+  <p:tag name="NUM" val="1"/>
+</p:tagLst>
+</file>
+
+<file path=ppt/tags/tag19.xml><?xml version="1.0" encoding="utf-8"?>
+<p:tagLst xmlns:a="http://schemas.openxmlformats.org/drawingml/2006/main" xmlns:r="http://schemas.openxmlformats.org/officeDocument/2006/relationships" xmlns:p="http://schemas.openxmlformats.org/presentationml/2006/main">
+  <p:tag name="NUM" val="2"/>
+</p:tagLst>
+</file>
+
+<file path=ppt/tags/tag2.xml><?xml version="1.0" encoding="utf-8"?>
+<p:tagLst xmlns:a="http://schemas.openxmlformats.org/drawingml/2006/main" xmlns:r="http://schemas.openxmlformats.org/officeDocument/2006/relationships" xmlns:p="http://schemas.openxmlformats.org/presentationml/2006/main">
+  <p:tag name="NUM" val="1"/>
+</p:tagLst>
+</file>
+
+<file path=ppt/tags/tag20.xml><?xml version="1.0" encoding="utf-8"?>
+<p:tagLst xmlns:a="http://schemas.openxmlformats.org/drawingml/2006/main" xmlns:r="http://schemas.openxmlformats.org/officeDocument/2006/relationships" xmlns:p="http://schemas.openxmlformats.org/presentationml/2006/main">
+  <p:tag name="NUM" val="3"/>
+</p:tagLst>
+</file>
+
+<file path=ppt/tags/tag21.xml><?xml version="1.0" encoding="utf-8"?>
+<p:tagLst xmlns:a="http://schemas.openxmlformats.org/drawingml/2006/main" xmlns:r="http://schemas.openxmlformats.org/officeDocument/2006/relationships" xmlns:p="http://schemas.openxmlformats.org/presentationml/2006/main">
+  <p:tag name="NUM" val="1"/>
+</p:tagLst>
+</file>
+
+<file path=ppt/tags/tag22.xml><?xml version="1.0" encoding="utf-8"?>
+<p:tagLst xmlns:a="http://schemas.openxmlformats.org/drawingml/2006/main" xmlns:r="http://schemas.openxmlformats.org/officeDocument/2006/relationships" xmlns:p="http://schemas.openxmlformats.org/presentationml/2006/main">
+  <p:tag name="NUM" val="2"/>
+</p:tagLst>
+</file>
+
+<file path=ppt/tags/tag23.xml><?xml version="1.0" encoding="utf-8"?>
+<p:tagLst xmlns:a="http://schemas.openxmlformats.org/drawingml/2006/main" xmlns:r="http://schemas.openxmlformats.org/officeDocument/2006/relationships" xmlns:p="http://schemas.openxmlformats.org/presentationml/2006/main">
+  <p:tag name="NUM" val="3"/>
+</p:tagLst>
+</file>
+
+<file path=ppt/tags/tag24.xml><?xml version="1.0" encoding="utf-8"?>
+<p:tagLst xmlns:a="http://schemas.openxmlformats.org/drawingml/2006/main" xmlns:r="http://schemas.openxmlformats.org/officeDocument/2006/relationships" xmlns:p="http://schemas.openxmlformats.org/presentationml/2006/main">
+  <p:tag name="NUM" val="1"/>
+</p:tagLst>
+</file>
+
+<file path=ppt/tags/tag25.xml><?xml version="1.0" encoding="utf-8"?>
+<p:tagLst xmlns:a="http://schemas.openxmlformats.org/drawingml/2006/main" xmlns:r="http://schemas.openxmlformats.org/officeDocument/2006/relationships" xmlns:p="http://schemas.openxmlformats.org/presentationml/2006/main">
+  <p:tag name="NUM" val="2"/>
+</p:tagLst>
+</file>
+
+<file path=ppt/tags/tag26.xml><?xml version="1.0" encoding="utf-8"?>
+<p:tagLst xmlns:a="http://schemas.openxmlformats.org/drawingml/2006/main" xmlns:r="http://schemas.openxmlformats.org/officeDocument/2006/relationships" xmlns:p="http://schemas.openxmlformats.org/presentationml/2006/main">
+  <p:tag name="NUM" val="3"/>
+</p:tagLst>
+</file>
+
+<file path=ppt/tags/tag27.xml><?xml version="1.0" encoding="utf-8"?>
+<p:tagLst xmlns:a="http://schemas.openxmlformats.org/drawingml/2006/main" xmlns:r="http://schemas.openxmlformats.org/officeDocument/2006/relationships" xmlns:p="http://schemas.openxmlformats.org/presentationml/2006/main">
+  <p:tag name="NUM" val="4"/>
+</p:tagLst>
+</file>
+
+<file path=ppt/tags/tag28.xml><?xml version="1.0" encoding="utf-8"?>
+<p:tagLst xmlns:a="http://schemas.openxmlformats.org/drawingml/2006/main" xmlns:r="http://schemas.openxmlformats.org/officeDocument/2006/relationships" xmlns:p="http://schemas.openxmlformats.org/presentationml/2006/main">
+  <p:tag name="NUM" val="5"/>
+</p:tagLst>
+</file>
+
+<file path=ppt/tags/tag29.xml><?xml version="1.0" encoding="utf-8"?>
+<p:tagLst xmlns:a="http://schemas.openxmlformats.org/drawingml/2006/main" xmlns:r="http://schemas.openxmlformats.org/officeDocument/2006/relationships" xmlns:p="http://schemas.openxmlformats.org/presentationml/2006/main">
+  <p:tag name="NUM" val="6"/>
+</p:tagLst>
+</file>
+
+<file path=ppt/tags/tag3.xml><?xml version="1.0" encoding="utf-8"?>
+<p:tagLst xmlns:a="http://schemas.openxmlformats.org/drawingml/2006/main" xmlns:r="http://schemas.openxmlformats.org/officeDocument/2006/relationships" xmlns:p="http://schemas.openxmlformats.org/presentationml/2006/main">
+  <p:tag name="NUM" val="2"/>
+</p:tagLst>
+</file>
+
+<file path=ppt/tags/tag30.xml><?xml version="1.0" encoding="utf-8"?>
+<p:tagLst xmlns:a="http://schemas.openxmlformats.org/drawingml/2006/main" xmlns:r="http://schemas.openxmlformats.org/officeDocument/2006/relationships" xmlns:p="http://schemas.openxmlformats.org/presentationml/2006/main">
+  <p:tag name="NUM" val="7"/>
+</p:tagLst>
+</file>
+
+<file path=ppt/tags/tag31.xml><?xml version="1.0" encoding="utf-8"?>
+<p:tagLst xmlns:a="http://schemas.openxmlformats.org/drawingml/2006/main" xmlns:r="http://schemas.openxmlformats.org/officeDocument/2006/relationships" xmlns:p="http://schemas.openxmlformats.org/presentationml/2006/main">
+  <p:tag name="NUM" val="8"/>
+</p:tagLst>
+</file>
+
+<file path=ppt/tags/tag32.xml><?xml version="1.0" encoding="utf-8"?>
+<p:tagLst xmlns:a="http://schemas.openxmlformats.org/drawingml/2006/main" xmlns:r="http://schemas.openxmlformats.org/officeDocument/2006/relationships" xmlns:p="http://schemas.openxmlformats.org/presentationml/2006/main">
+  <p:tag name="NUM" val="9"/>
+</p:tagLst>
+</file>
+
+<file path=ppt/tags/tag33.xml><?xml version="1.0" encoding="utf-8"?>
+<p:tagLst xmlns:a="http://schemas.openxmlformats.org/drawingml/2006/main" xmlns:r="http://schemas.openxmlformats.org/officeDocument/2006/relationships" xmlns:p="http://schemas.openxmlformats.org/presentationml/2006/main">
+  <p:tag name="NUM" val="10"/>
+</p:tagLst>
+</file>
+
+<file path=ppt/tags/tag34.xml><?xml version="1.0" encoding="utf-8"?>
+<p:tagLst xmlns:a="http://schemas.openxmlformats.org/drawingml/2006/main" xmlns:r="http://schemas.openxmlformats.org/officeDocument/2006/relationships" xmlns:p="http://schemas.openxmlformats.org/presentationml/2006/main">
+  <p:tag name="NUM" val="11"/>
+</p:tagLst>
+</file>
+
+<file path=ppt/tags/tag35.xml><?xml version="1.0" encoding="utf-8"?>
+<p:tagLst xmlns:a="http://schemas.openxmlformats.org/drawingml/2006/main" xmlns:r="http://schemas.openxmlformats.org/officeDocument/2006/relationships" xmlns:p="http://schemas.openxmlformats.org/presentationml/2006/main">
+  <p:tag name="NUM" val="12"/>
+</p:tagLst>
+</file>
+
+<file path=ppt/tags/tag36.xml><?xml version="1.0" encoding="utf-8"?>
+<p:tagLst xmlns:a="http://schemas.openxmlformats.org/drawingml/2006/main" xmlns:r="http://schemas.openxmlformats.org/officeDocument/2006/relationships" xmlns:p="http://schemas.openxmlformats.org/presentationml/2006/main">
+  <p:tag name="NUM" val="13"/>
+</p:tagLst>
+</file>
+
+<file path=ppt/tags/tag37.xml><?xml version="1.0" encoding="utf-8"?>
+<p:tagLst xmlns:a="http://schemas.openxmlformats.org/drawingml/2006/main" xmlns:r="http://schemas.openxmlformats.org/officeDocument/2006/relationships" xmlns:p="http://schemas.openxmlformats.org/presentationml/2006/main">
+  <p:tag name="NUM" val="14"/>
+</p:tagLst>
+</file>
+
+<file path=ppt/tags/tag38.xml><?xml version="1.0" encoding="utf-8"?>
+<p:tagLst xmlns:a="http://schemas.openxmlformats.org/drawingml/2006/main" xmlns:r="http://schemas.openxmlformats.org/officeDocument/2006/relationships" xmlns:p="http://schemas.openxmlformats.org/presentationml/2006/main">
+  <p:tag name="NUM" val="15"/>
+</p:tagLst>
+</file>
+
+<file path=ppt/tags/tag39.xml><?xml version="1.0" encoding="utf-8"?>
+<p:tagLst xmlns:a="http://schemas.openxmlformats.org/drawingml/2006/main" xmlns:r="http://schemas.openxmlformats.org/officeDocument/2006/relationships" xmlns:p="http://schemas.openxmlformats.org/presentationml/2006/main">
+  <p:tag name="NUM" val="16"/>
+</p:tagLst>
+</file>
+
+<file path=ppt/tags/tag4.xml><?xml version="1.0" encoding="utf-8"?>
+<p:tagLst xmlns:a="http://schemas.openxmlformats.org/drawingml/2006/main" xmlns:r="http://schemas.openxmlformats.org/officeDocument/2006/relationships" xmlns:p="http://schemas.openxmlformats.org/presentationml/2006/main">
+  <p:tag name="NUM" val="3"/>
+</p:tagLst>
+</file>
+
+<file path=ppt/tags/tag40.xml><?xml version="1.0" encoding="utf-8"?>
+<p:tagLst xmlns:a="http://schemas.openxmlformats.org/drawingml/2006/main" xmlns:r="http://schemas.openxmlformats.org/officeDocument/2006/relationships" xmlns:p="http://schemas.openxmlformats.org/presentationml/2006/main">
+  <p:tag name="NUM" val="17"/>
+</p:tagLst>
+</file>
+
+<file path=ppt/tags/tag41.xml><?xml version="1.0" encoding="utf-8"?>
+<p:tagLst xmlns:a="http://schemas.openxmlformats.org/drawingml/2006/main" xmlns:r="http://schemas.openxmlformats.org/officeDocument/2006/relationships" xmlns:p="http://schemas.openxmlformats.org/presentationml/2006/main">
+  <p:tag name="NUM" val="18"/>
+</p:tagLst>
+</file>
+
+<file path=ppt/tags/tag42.xml><?xml version="1.0" encoding="utf-8"?>
+<p:tagLst xmlns:a="http://schemas.openxmlformats.org/drawingml/2006/main" xmlns:r="http://schemas.openxmlformats.org/officeDocument/2006/relationships" xmlns:p="http://schemas.openxmlformats.org/presentationml/2006/main">
+  <p:tag name="NUM" val="19"/>
+</p:tagLst>
+</file>
+
+<file path=ppt/tags/tag43.xml><?xml version="1.0" encoding="utf-8"?>
+<p:tagLst xmlns:a="http://schemas.openxmlformats.org/drawingml/2006/main" xmlns:r="http://schemas.openxmlformats.org/officeDocument/2006/relationships" xmlns:p="http://schemas.openxmlformats.org/presentationml/2006/main">
+  <p:tag name="NUM" val="1"/>
+</p:tagLst>
+</file>
+
+<file path=ppt/tags/tag44.xml><?xml version="1.0" encoding="utf-8"?>
+<p:tagLst xmlns:a="http://schemas.openxmlformats.org/drawingml/2006/main" xmlns:r="http://schemas.openxmlformats.org/officeDocument/2006/relationships" xmlns:p="http://schemas.openxmlformats.org/presentationml/2006/main">
+  <p:tag name="NUM" val="2"/>
+</p:tagLst>
+</file>
+
+<file path=ppt/tags/tag45.xml><?xml version="1.0" encoding="utf-8"?>
+<p:tagLst xmlns:a="http://schemas.openxmlformats.org/drawingml/2006/main" xmlns:r="http://schemas.openxmlformats.org/officeDocument/2006/relationships" xmlns:p="http://schemas.openxmlformats.org/presentationml/2006/main">
+  <p:tag name="NUM" val="3"/>
+</p:tagLst>
+</file>
+
+<file path=ppt/tags/tag46.xml><?xml version="1.0" encoding="utf-8"?>
+<p:tagLst xmlns:a="http://schemas.openxmlformats.org/drawingml/2006/main" xmlns:r="http://schemas.openxmlformats.org/officeDocument/2006/relationships" xmlns:p="http://schemas.openxmlformats.org/presentationml/2006/main">
+  <p:tag name="NUM" val="1"/>
+</p:tagLst>
+</file>
+
+<file path=ppt/tags/tag47.xml><?xml version="1.0" encoding="utf-8"?>
+<p:tagLst xmlns:a="http://schemas.openxmlformats.org/drawingml/2006/main" xmlns:r="http://schemas.openxmlformats.org/officeDocument/2006/relationships" xmlns:p="http://schemas.openxmlformats.org/presentationml/2006/main">
+  <p:tag name="NUM" val="2"/>
+</p:tagLst>
+</file>
+
+<file path=ppt/tags/tag48.xml><?xml version="1.0" encoding="utf-8"?>
+<p:tagLst xmlns:a="http://schemas.openxmlformats.org/drawingml/2006/main" xmlns:r="http://schemas.openxmlformats.org/officeDocument/2006/relationships" xmlns:p="http://schemas.openxmlformats.org/presentationml/2006/main">
+  <p:tag name="NUM" val="3"/>
+</p:tagLst>
+</file>
+
+<file path=ppt/tags/tag49.xml><?xml version="1.0" encoding="utf-8"?>
+<p:tagLst xmlns:a="http://schemas.openxmlformats.org/drawingml/2006/main" xmlns:r="http://schemas.openxmlformats.org/officeDocument/2006/relationships" xmlns:p="http://schemas.openxmlformats.org/presentationml/2006/main">
+  <p:tag name="NUM" val="1"/>
+</p:tagLst>
+</file>
+
+<file path=ppt/tags/tag5.xml><?xml version="1.0" encoding="utf-8"?>
+<p:tagLst xmlns:a="http://schemas.openxmlformats.org/drawingml/2006/main" xmlns:r="http://schemas.openxmlformats.org/officeDocument/2006/relationships" xmlns:p="http://schemas.openxmlformats.org/presentationml/2006/main">
+  <p:tag name="NUM" val="1"/>
+</p:tagLst>
+</file>
+
+<file path=ppt/tags/tag50.xml><?xml version="1.0" encoding="utf-8"?>
+<p:tagLst xmlns:a="http://schemas.openxmlformats.org/drawingml/2006/main" xmlns:r="http://schemas.openxmlformats.org/officeDocument/2006/relationships" xmlns:p="http://schemas.openxmlformats.org/presentationml/2006/main">
+  <p:tag name="NUM" val="2"/>
+</p:tagLst>
+</file>
+
+<file path=ppt/tags/tag51.xml><?xml version="1.0" encoding="utf-8"?>
+<p:tagLst xmlns:a="http://schemas.openxmlformats.org/drawingml/2006/main" xmlns:r="http://schemas.openxmlformats.org/officeDocument/2006/relationships" xmlns:p="http://schemas.openxmlformats.org/presentationml/2006/main">
+  <p:tag name="NUM" val="3"/>
+</p:tagLst>
+</file>
+
+<file path=ppt/tags/tag52.xml><?xml version="1.0" encoding="utf-8"?>
+<p:tagLst xmlns:a="http://schemas.openxmlformats.org/drawingml/2006/main" xmlns:r="http://schemas.openxmlformats.org/officeDocument/2006/relationships" xmlns:p="http://schemas.openxmlformats.org/presentationml/2006/main">
+  <p:tag name="NUM" val="4"/>
+</p:tagLst>
+</file>
+
+<file path=ppt/tags/tag53.xml><?xml version="1.0" encoding="utf-8"?>
+<p:tagLst xmlns:a="http://schemas.openxmlformats.org/drawingml/2006/main" xmlns:r="http://schemas.openxmlformats.org/officeDocument/2006/relationships" xmlns:p="http://schemas.openxmlformats.org/presentationml/2006/main">
+  <p:tag name="NUM" val="1"/>
+</p:tagLst>
+</file>
+
+<file path=ppt/tags/tag54.xml><?xml version="1.0" encoding="utf-8"?>
+<p:tagLst xmlns:a="http://schemas.openxmlformats.org/drawingml/2006/main" xmlns:r="http://schemas.openxmlformats.org/officeDocument/2006/relationships" xmlns:p="http://schemas.openxmlformats.org/presentationml/2006/main">
+  <p:tag name="NUM" val="2"/>
+</p:tagLst>
+</file>
+
+<file path=ppt/tags/tag55.xml><?xml version="1.0" encoding="utf-8"?>
+<p:tagLst xmlns:a="http://schemas.openxmlformats.org/drawingml/2006/main" xmlns:r="http://schemas.openxmlformats.org/officeDocument/2006/relationships" xmlns:p="http://schemas.openxmlformats.org/presentationml/2006/main">
+  <p:tag name="NUM" val="3"/>
+</p:tagLst>
+</file>
+
+<file path=ppt/tags/tag56.xml><?xml version="1.0" encoding="utf-8"?>
+<p:tagLst xmlns:a="http://schemas.openxmlformats.org/drawingml/2006/main" xmlns:r="http://schemas.openxmlformats.org/officeDocument/2006/relationships" xmlns:p="http://schemas.openxmlformats.org/presentationml/2006/main">
+  <p:tag name="NUM" val="1"/>
+</p:tagLst>
+</file>
+
+<file path=ppt/tags/tag57.xml><?xml version="1.0" encoding="utf-8"?>
+<p:tagLst xmlns:a="http://schemas.openxmlformats.org/drawingml/2006/main" xmlns:r="http://schemas.openxmlformats.org/officeDocument/2006/relationships" xmlns:p="http://schemas.openxmlformats.org/presentationml/2006/main">
+  <p:tag name="NUM" val="2"/>
+</p:tagLst>
+</file>
+
+<file path=ppt/tags/tag58.xml><?xml version="1.0" encoding="utf-8"?>
+<p:tagLst xmlns:a="http://schemas.openxmlformats.org/drawingml/2006/main" xmlns:r="http://schemas.openxmlformats.org/officeDocument/2006/relationships" xmlns:p="http://schemas.openxmlformats.org/presentationml/2006/main">
+  <p:tag name="NUM" val="3"/>
+</p:tagLst>
+</file>
+
+<file path=ppt/tags/tag59.xml><?xml version="1.0" encoding="utf-8"?>
+<p:tagLst xmlns:a="http://schemas.openxmlformats.org/drawingml/2006/main" xmlns:r="http://schemas.openxmlformats.org/officeDocument/2006/relationships" xmlns:p="http://schemas.openxmlformats.org/presentationml/2006/main">
+  <p:tag name="NUM" val="1"/>
+</p:tagLst>
+</file>
+
+<file path=ppt/tags/tag6.xml><?xml version="1.0" encoding="utf-8"?>
+<p:tagLst xmlns:a="http://schemas.openxmlformats.org/drawingml/2006/main" xmlns:r="http://schemas.openxmlformats.org/officeDocument/2006/relationships" xmlns:p="http://schemas.openxmlformats.org/presentationml/2006/main">
+  <p:tag name="NUM" val="2"/>
+</p:tagLst>
+</file>
+
+<file path=ppt/tags/tag60.xml><?xml version="1.0" encoding="utf-8"?>
+<p:tagLst xmlns:a="http://schemas.openxmlformats.org/drawingml/2006/main" xmlns:r="http://schemas.openxmlformats.org/officeDocument/2006/relationships" xmlns:p="http://schemas.openxmlformats.org/presentationml/2006/main">
+  <p:tag name="NUM" val="2"/>
+</p:tagLst>
+</file>
+
+<file path=ppt/tags/tag61.xml><?xml version="1.0" encoding="utf-8"?>
+<p:tagLst xmlns:a="http://schemas.openxmlformats.org/drawingml/2006/main" xmlns:r="http://schemas.openxmlformats.org/officeDocument/2006/relationships" xmlns:p="http://schemas.openxmlformats.org/presentationml/2006/main">
+  <p:tag name="NUM" val="3"/>
+</p:tagLst>
+</file>
+
+<file path=ppt/tags/tag62.xml><?xml version="1.0" encoding="utf-8"?>
+<p:tagLst xmlns:a="http://schemas.openxmlformats.org/drawingml/2006/main" xmlns:r="http://schemas.openxmlformats.org/officeDocument/2006/relationships" xmlns:p="http://schemas.openxmlformats.org/presentationml/2006/main">
+  <p:tag name="NUM" val="4"/>
+</p:tagLst>
+</file>
+
+<file path=ppt/tags/tag7.xml><?xml version="1.0" encoding="utf-8"?>
+<p:tagLst xmlns:a="http://schemas.openxmlformats.org/drawingml/2006/main" xmlns:r="http://schemas.openxmlformats.org/officeDocument/2006/relationships" xmlns:p="http://schemas.openxmlformats.org/presentationml/2006/main">
+  <p:tag name="NUM" val="3"/>
+</p:tagLst>
+</file>
+
+<file path=ppt/tags/tag8.xml><?xml version="1.0" encoding="utf-8"?>
+<p:tagLst xmlns:a="http://schemas.openxmlformats.org/drawingml/2006/main" xmlns:r="http://schemas.openxmlformats.org/officeDocument/2006/relationships" xmlns:p="http://schemas.openxmlformats.org/presentationml/2006/main">
+  <p:tag name="NUM" val="1"/>
+</p:tagLst>
+</file>
+
+<file path=ppt/tags/tag9.xml><?xml version="1.0" encoding="utf-8"?>
+<p:tagLst xmlns:a="http://schemas.openxmlformats.org/drawingml/2006/main" xmlns:r="http://schemas.openxmlformats.org/officeDocument/2006/relationships" xmlns:p="http://schemas.openxmlformats.org/presentationml/2006/main">
+  <p:tag name="NUM" val="2"/>
 </p:tagLst>
 </file>
 
@@ -9271,14 +10091,6 @@
 </file>
 
 <file path=customXml/item1.xml><?xml version="1.0" encoding="utf-8"?>
-<ct:contentTypeSchema xmlns:ct="http://schemas.microsoft.com/office/2006/metadata/contentType" xmlns:ma="http://schemas.microsoft.com/office/2006/metadata/properties/metaAttributes" ct:_="" ma:_="" ma:contentTypeName="TemplateFile" ma:contentTypeID="0x01010069924D1ECC420D47A2456556BC94F7370400BDF4491DEA4973499845289601F88B9F" ma:contentTypeVersion="33" ma:contentTypeDescription="Create a new document." ma:contentTypeScope="" ma:versionID="88ac0aa07b72c9aa809fa1ac53baba74"/>
-</file>
-
-<file path=customXml/item2.xml><?xml version="1.0" encoding="utf-8"?>
-<p:properties xmlns:p="http://schemas.microsoft.com/office/2006/metadata/properties" xmlns:xsi="http://www.w3.org/2001/XMLSchema-instance" xmlns:pc="http://schemas.microsoft.com/office/infopath/2007/PartnerControls"/>
-</file>
-
-<file path=customXml/item3.xml><?xml version="1.0" encoding="utf-8"?>
 <?mso-contentType ?>
 <FormTemplates xmlns="http://schemas.microsoft.com/sharepoint/v3/contenttype/forms">
   <Display>DocumentLibraryForm</Display>
@@ -9287,11 +10099,18 @@
 </FormTemplates>
 </file>
 
+<file path=customXml/item2.xml><?xml version="1.0" encoding="utf-8"?>
+<p:properties xmlns:p="http://schemas.microsoft.com/office/2006/metadata/properties" xmlns:xsi="http://www.w3.org/2001/XMLSchema-instance" xmlns:pc="http://schemas.microsoft.com/office/infopath/2007/PartnerControls"/>
+</file>
+
+<file path=customXml/item3.xml><?xml version="1.0" encoding="utf-8"?>
+<ct:contentTypeSchema xmlns:ct="http://schemas.microsoft.com/office/2006/metadata/contentType" xmlns:ma="http://schemas.microsoft.com/office/2006/metadata/properties/metaAttributes" ct:_="" ma:_="" ma:contentTypeName="TemplateFile" ma:contentTypeID="0x01010069924D1ECC420D47A2456556BC94F7370400BDF4491DEA4973499845289601F88B9F" ma:contentTypeVersion="33" ma:contentTypeDescription="Create a new document." ma:contentTypeScope="" ma:versionID="88ac0aa07b72c9aa809fa1ac53baba74"/>
+</file>
+
 <file path=customXml/itemProps1.xml><?xml version="1.0" encoding="utf-8"?>
-<ds:datastoreItem xmlns:ds="http://schemas.openxmlformats.org/officeDocument/2006/customXml" ds:itemID="{AADC9AFC-E9BE-407C-9919-F905586C6F5A}">
+<ds:datastoreItem xmlns:ds="http://schemas.openxmlformats.org/officeDocument/2006/customXml" ds:itemID="{19596DCE-F5C7-4BA8-8C0E-563C7612AC94}">
   <ds:schemaRefs>
-    <ds:schemaRef ds:uri="http://schemas.microsoft.com/office/2006/metadata/contentType"/>
-    <ds:schemaRef ds:uri="http://schemas.microsoft.com/office/2006/metadata/properties/metaAttributes"/>
+    <ds:schemaRef ds:uri="http://schemas.microsoft.com/sharepoint/v3/contenttype/forms"/>
   </ds:schemaRefs>
 </ds:datastoreItem>
 </file>
@@ -9306,9 +10125,10 @@
 </file>
 
 <file path=customXml/itemProps3.xml><?xml version="1.0" encoding="utf-8"?>
-<ds:datastoreItem xmlns:ds="http://schemas.openxmlformats.org/officeDocument/2006/customXml" ds:itemID="{19596DCE-F5C7-4BA8-8C0E-563C7612AC94}">
+<ds:datastoreItem xmlns:ds="http://schemas.openxmlformats.org/officeDocument/2006/customXml" ds:itemID="{AADC9AFC-E9BE-407C-9919-F905586C6F5A}">
   <ds:schemaRefs>
-    <ds:schemaRef ds:uri="http://schemas.microsoft.com/sharepoint/v3/contenttype/forms"/>
+    <ds:schemaRef ds:uri="http://schemas.microsoft.com/office/2006/metadata/contentType"/>
+    <ds:schemaRef ds:uri="http://schemas.microsoft.com/office/2006/metadata/properties/metaAttributes"/>
   </ds:schemaRefs>
 </ds:datastoreItem>
 </file>